--- a/docs/diagrams.pptx
+++ b/docs/diagrams.pptx
@@ -6,10 +6,10 @@
     <p:sldMasterId id="2147483943" r:id="rId2"/>
   </p:sldMasterIdLst>
   <p:notesMasterIdLst>
-    <p:notesMasterId r:id="rId9"/>
+    <p:notesMasterId r:id="rId10"/>
   </p:notesMasterIdLst>
   <p:handoutMasterIdLst>
-    <p:handoutMasterId r:id="rId10"/>
+    <p:handoutMasterId r:id="rId11"/>
   </p:handoutMasterIdLst>
   <p:sldIdLst>
     <p:sldId id="141169019" r:id="rId3"/>
@@ -17,7 +17,8 @@
     <p:sldId id="141169025" r:id="rId5"/>
     <p:sldId id="141169028" r:id="rId6"/>
     <p:sldId id="141169029" r:id="rId7"/>
-    <p:sldId id="141169027" r:id="rId8"/>
+    <p:sldId id="141169030" r:id="rId8"/>
+    <p:sldId id="141169027" r:id="rId9"/>
   </p:sldIdLst>
   <p:sldSz cx="9144000" cy="5143500" type="screen16x9"/>
   <p:notesSz cx="6858000" cy="9144000"/>
@@ -220,7 +221,7 @@
           <a:p>
             <a:fld id="{43B1B1F9-D0CB-FF4D-BEE0-BED1F1FDA196}" type="datetimeFigureOut">
               <a:rPr lang="en-US" smtClean="0"/>
-              <a:t>5/13/20</a:t>
+              <a:t>5/14/20</a:t>
             </a:fld>
             <a:endParaRPr lang="en-US"/>
           </a:p>
@@ -385,7 +386,7 @@
           <a:p>
             <a:fld id="{26BE012A-D992-5D42-B86E-AA2BC0764EE1}" type="datetimeFigureOut">
               <a:rPr lang="en-US" smtClean="0"/>
-              <a:t>5/13/20</a:t>
+              <a:t>5/14/20</a:t>
             </a:fld>
             <a:endParaRPr lang="en-US"/>
           </a:p>
@@ -11013,14 +11014,14 @@
                 </a:spcAft>
               </a:pPr>
               <a:r>
-                <a:rPr lang="en-US" sz="675">
+                <a:rPr lang="en-US" sz="675" dirty="0">
                   <a:solidFill>
                     <a:schemeClr val="bg1"/>
                   </a:solidFill>
                 </a:rPr>
                 <a:t>3</a:t>
               </a:r>
-              <a:endParaRPr lang="en-US" sz="375">
+              <a:endParaRPr lang="en-US" sz="375" dirty="0">
                 <a:solidFill>
                   <a:schemeClr val="bg1"/>
                 </a:solidFill>
@@ -12473,7 +12474,7 @@
           </a:prstGeom>
           <a:ln>
             <a:solidFill>
-              <a:srgbClr val="7030A0"/>
+              <a:srgbClr val="00B050"/>
             </a:solidFill>
             <a:headEnd type="triangle"/>
             <a:tailEnd type="triangle"/>
@@ -12595,15 +12596,15 @@
         </p:nvCxnSpPr>
         <p:spPr>
           <a:xfrm flipV="1">
-            <a:off x="739282" y="3894615"/>
-            <a:ext cx="6510735" cy="39823"/>
+            <a:off x="739282" y="3934437"/>
+            <a:ext cx="5125489" cy="2"/>
           </a:xfrm>
           <a:prstGeom prst="straightConnector1">
             <a:avLst/>
           </a:prstGeom>
           <a:ln>
             <a:solidFill>
-              <a:srgbClr val="7030A0"/>
+              <a:srgbClr val="FF0000"/>
             </a:solidFill>
             <a:headEnd type="triangle"/>
             <a:tailEnd type="triangle"/>
@@ -12651,6 +12652,7 @@
             <a:solidFill>
               <a:srgbClr val="7030A0"/>
             </a:solidFill>
+            <a:prstDash val="dash"/>
             <a:headEnd type="triangle"/>
             <a:tailEnd type="triangle"/>
           </a:ln>
@@ -12685,7 +12687,7 @@
         </p:nvSpPr>
         <p:spPr>
           <a:xfrm>
-            <a:off x="6016681" y="3329911"/>
+            <a:off x="6016681" y="3407968"/>
             <a:ext cx="1075936" cy="507831"/>
           </a:xfrm>
           <a:prstGeom prst="rect">
@@ -13915,6 +13917,192 @@
           </p:txBody>
         </p:sp>
       </p:grpSp>
+      <p:sp>
+        <p:nvSpPr>
+          <p:cNvPr id="17" name="Heptagon 16">
+            <a:extLst>
+              <a:ext uri="{FF2B5EF4-FFF2-40B4-BE49-F238E27FC236}">
+                <a16:creationId xmlns:a16="http://schemas.microsoft.com/office/drawing/2014/main" id="{76F5DE6C-D6FE-534A-AF11-89AE199CFEC1}"/>
+              </a:ext>
+            </a:extLst>
+          </p:cNvPr>
+          <p:cNvSpPr/>
+          <p:nvPr/>
+        </p:nvSpPr>
+        <p:spPr>
+          <a:xfrm>
+            <a:off x="3709377" y="2997229"/>
+            <a:ext cx="182397" cy="212562"/>
+          </a:xfrm>
+          <a:prstGeom prst="heptagon">
+            <a:avLst/>
+          </a:prstGeom>
+          <a:solidFill>
+            <a:srgbClr val="00B050"/>
+          </a:solidFill>
+          <a:ln>
+            <a:noFill/>
+          </a:ln>
+        </p:spPr>
+        <p:style>
+          <a:lnRef idx="2">
+            <a:schemeClr val="accent1">
+              <a:shade val="50000"/>
+            </a:schemeClr>
+          </a:lnRef>
+          <a:fillRef idx="1">
+            <a:schemeClr val="accent1"/>
+          </a:fillRef>
+          <a:effectRef idx="0">
+            <a:schemeClr val="accent1"/>
+          </a:effectRef>
+          <a:fontRef idx="minor">
+            <a:schemeClr val="lt1"/>
+          </a:fontRef>
+        </p:style>
+        <p:txBody>
+          <a:bodyPr rtlCol="0" anchor="ctr"/>
+          <a:lstStyle/>
+          <a:p>
+            <a:pPr marL="0" marR="0" indent="0" algn="ctr" defTabSz="685800" rtl="0" eaLnBrk="1" fontAlgn="auto" latinLnBrk="0" hangingPunct="1">
+              <a:lnSpc>
+                <a:spcPct val="100000"/>
+              </a:lnSpc>
+              <a:spcBef>
+                <a:spcPts val="0"/>
+              </a:spcBef>
+              <a:spcAft>
+                <a:spcPts val="0"/>
+              </a:spcAft>
+              <a:buClrTx/>
+              <a:buSzTx/>
+              <a:buFontTx/>
+              <a:buNone/>
+              <a:tabLst/>
+            </a:pPr>
+            <a:r>
+              <a:rPr kumimoji="0" lang="en-US" sz="1000" b="0" i="0" u="none" strike="noStrike" kern="1200" cap="none" spc="0" normalizeH="0" baseline="0" noProof="0" dirty="0">
+                <a:ln>
+                  <a:noFill/>
+                </a:ln>
+                <a:solidFill>
+                  <a:prstClr val="white"/>
+                </a:solidFill>
+                <a:effectLst/>
+                <a:uLnTx/>
+                <a:uFillTx/>
+                <a:latin typeface="Arial"/>
+                <a:ea typeface="+mn-ea"/>
+                <a:cs typeface="+mn-cs"/>
+              </a:rPr>
+              <a:t>1</a:t>
+            </a:r>
+            <a:endParaRPr kumimoji="0" sz="1000" b="0" i="0" u="none" strike="noStrike" kern="1200" cap="none" spc="0" normalizeH="0" baseline="0" noProof="0" dirty="0">
+              <a:ln>
+                <a:noFill/>
+              </a:ln>
+              <a:solidFill>
+                <a:prstClr val="white"/>
+              </a:solidFill>
+              <a:effectLst/>
+              <a:uLnTx/>
+              <a:uFillTx/>
+              <a:latin typeface="Arial"/>
+              <a:ea typeface="+mn-ea"/>
+              <a:cs typeface="+mn-cs"/>
+            </a:endParaRPr>
+          </a:p>
+        </p:txBody>
+      </p:sp>
+      <p:sp>
+        <p:nvSpPr>
+          <p:cNvPr id="72" name="Heptagon 71">
+            <a:extLst>
+              <a:ext uri="{FF2B5EF4-FFF2-40B4-BE49-F238E27FC236}">
+                <a16:creationId xmlns:a16="http://schemas.microsoft.com/office/drawing/2014/main" id="{3A98917C-1194-614F-A2BF-FE52BD9313B5}"/>
+              </a:ext>
+            </a:extLst>
+          </p:cNvPr>
+          <p:cNvSpPr/>
+          <p:nvPr/>
+        </p:nvSpPr>
+        <p:spPr>
+          <a:xfrm>
+            <a:off x="2991980" y="3673734"/>
+            <a:ext cx="182397" cy="212562"/>
+          </a:xfrm>
+          <a:prstGeom prst="heptagon">
+            <a:avLst/>
+          </a:prstGeom>
+          <a:solidFill>
+            <a:srgbClr val="FF0000"/>
+          </a:solidFill>
+          <a:ln>
+            <a:noFill/>
+          </a:ln>
+        </p:spPr>
+        <p:style>
+          <a:lnRef idx="2">
+            <a:schemeClr val="accent1">
+              <a:shade val="50000"/>
+            </a:schemeClr>
+          </a:lnRef>
+          <a:fillRef idx="1">
+            <a:schemeClr val="accent1"/>
+          </a:fillRef>
+          <a:effectRef idx="0">
+            <a:schemeClr val="accent1"/>
+          </a:effectRef>
+          <a:fontRef idx="minor">
+            <a:schemeClr val="lt1"/>
+          </a:fontRef>
+        </p:style>
+        <p:txBody>
+          <a:bodyPr rtlCol="0" anchor="ctr"/>
+          <a:lstStyle/>
+          <a:p>
+            <a:pPr marL="0" marR="0" indent="0" algn="ctr" defTabSz="685800" rtl="0" eaLnBrk="1" fontAlgn="auto" latinLnBrk="0" hangingPunct="1">
+              <a:lnSpc>
+                <a:spcPct val="100000"/>
+              </a:lnSpc>
+              <a:spcBef>
+                <a:spcPts val="0"/>
+              </a:spcBef>
+              <a:spcAft>
+                <a:spcPts val="0"/>
+              </a:spcAft>
+              <a:buClrTx/>
+              <a:buSzTx/>
+              <a:buFontTx/>
+              <a:buNone/>
+              <a:tabLst/>
+            </a:pPr>
+            <a:r>
+              <a:rPr lang="en-US" sz="1000" dirty="0">
+                <a:solidFill>
+                  <a:prstClr val="white"/>
+                </a:solidFill>
+                <a:latin typeface="Arial"/>
+              </a:rPr>
+              <a:t>2</a:t>
+            </a:r>
+            <a:endParaRPr kumimoji="0" sz="1000" b="0" i="0" u="none" strike="noStrike" kern="1200" cap="none" spc="0" normalizeH="0" baseline="0" noProof="0" dirty="0">
+              <a:ln>
+                <a:noFill/>
+              </a:ln>
+              <a:solidFill>
+                <a:prstClr val="white"/>
+              </a:solidFill>
+              <a:effectLst/>
+              <a:uLnTx/>
+              <a:uFillTx/>
+              <a:latin typeface="Arial"/>
+              <a:ea typeface="+mn-ea"/>
+              <a:cs typeface="+mn-cs"/>
+            </a:endParaRPr>
+          </a:p>
+        </p:txBody>
+      </p:sp>
     </p:spTree>
     <p:extLst>
       <p:ext uri="{BB962C8B-B14F-4D97-AF65-F5344CB8AC3E}">
@@ -14150,73 +14338,6 @@
       </p:sp>
       <p:sp>
         <p:nvSpPr>
-          <p:cNvPr id="7" name="Rounded Rectangle 6">
-            <a:extLst>
-              <a:ext uri="{FF2B5EF4-FFF2-40B4-BE49-F238E27FC236}">
-                <a16:creationId xmlns:a16="http://schemas.microsoft.com/office/drawing/2014/main" id="{ACE012C2-DF2B-4D44-85DC-BBF8A9BA69DF}"/>
-              </a:ext>
-            </a:extLst>
-          </p:cNvPr>
-          <p:cNvSpPr/>
-          <p:nvPr/>
-        </p:nvSpPr>
-        <p:spPr>
-          <a:xfrm>
-            <a:off x="7638422" y="2150823"/>
-            <a:ext cx="775045" cy="295845"/>
-          </a:xfrm>
-          <a:prstGeom prst="roundRect">
-            <a:avLst/>
-          </a:prstGeom>
-          <a:solidFill>
-            <a:srgbClr val="00B050"/>
-          </a:solidFill>
-          <a:ln>
-            <a:noFill/>
-          </a:ln>
-          <a:effectLst>
-            <a:outerShdw blurRad="50800" dist="38100" dir="5400000" algn="t" rotWithShape="0">
-              <a:prstClr val="black">
-                <a:alpha val="40000"/>
-              </a:prstClr>
-            </a:outerShdw>
-          </a:effectLst>
-        </p:spPr>
-        <p:style>
-          <a:lnRef idx="2">
-            <a:schemeClr val="accent1">
-              <a:shade val="50000"/>
-            </a:schemeClr>
-          </a:lnRef>
-          <a:fillRef idx="1">
-            <a:schemeClr val="accent1"/>
-          </a:fillRef>
-          <a:effectRef idx="0">
-            <a:schemeClr val="accent1"/>
-          </a:effectRef>
-          <a:fontRef idx="minor">
-            <a:schemeClr val="lt1"/>
-          </a:fontRef>
-        </p:style>
-        <p:txBody>
-          <a:bodyPr rtlCol="0" anchor="t"/>
-          <a:lstStyle/>
-          <a:p>
-            <a:pPr algn="ctr" defTabSz="514350"/>
-            <a:r>
-              <a:rPr lang="en-US" sz="750" dirty="0">
-                <a:solidFill>
-                  <a:prstClr val="white"/>
-                </a:solidFill>
-                <a:latin typeface="Arial"/>
-              </a:rPr>
-              <a:t>Consumer</a:t>
-            </a:r>
-          </a:p>
-        </p:txBody>
-      </p:sp>
-      <p:sp>
-        <p:nvSpPr>
           <p:cNvPr id="8" name="Rounded Rectangle 7">
             <a:extLst>
               <a:ext uri="{FF2B5EF4-FFF2-40B4-BE49-F238E27FC236}">
@@ -14432,7 +14553,7 @@
                 <a:ea typeface="+mn-ea"/>
                 <a:cs typeface="+mn-cs"/>
               </a:rPr>
-              <a:t>50k</a:t>
+              <a:t>500k</a:t>
             </a:r>
           </a:p>
           <a:p>
@@ -16144,7 +16265,7 @@
         <p:spPr>
           <a:xfrm>
             <a:off x="175593" y="2532209"/>
-            <a:ext cx="596638" cy="246221"/>
+            <a:ext cx="1462260" cy="1015663"/>
           </a:xfrm>
           <a:prstGeom prst="rect">
             <a:avLst/>
@@ -16161,6 +16282,23 @@
               <a:rPr lang="en-US" sz="1000" dirty="0"/>
               <a:t>topic-in</a:t>
             </a:r>
+          </a:p>
+          <a:p>
+            <a:endParaRPr lang="en-US" sz="1000" dirty="0"/>
+          </a:p>
+          <a:p>
+            <a:endParaRPr lang="en-US" sz="1000" dirty="0"/>
+          </a:p>
+          <a:p>
+            <a:endParaRPr lang="en-US" sz="1000" dirty="0"/>
+          </a:p>
+          <a:p>
+            <a:r>
+              <a:rPr lang="en-US" sz="1000" dirty="0"/>
+              <a:t>log-append-time (TS2)</a:t>
+            </a:r>
+          </a:p>
+          <a:p>
             <a:endParaRPr sz="1000" dirty="0"/>
           </a:p>
         </p:txBody>
@@ -20928,14 +21066,14 @@
                 </a:spcAft>
               </a:pPr>
               <a:r>
-                <a:rPr lang="en-US" sz="675">
+                <a:rPr lang="en-US" sz="675" dirty="0">
                   <a:solidFill>
                     <a:schemeClr val="bg1"/>
                   </a:solidFill>
                 </a:rPr>
                 <a:t>5</a:t>
               </a:r>
-              <a:endParaRPr lang="en-US" sz="375">
+              <a:endParaRPr lang="en-US" sz="375" dirty="0">
                 <a:solidFill>
                   <a:schemeClr val="bg1"/>
                 </a:solidFill>
@@ -20946,10 +21084,10 @@
       </p:grpSp>
       <p:sp>
         <p:nvSpPr>
-          <p:cNvPr id="97" name="Rounded Rectangle 96">
+          <p:cNvPr id="98" name="Rounded Rectangle 97">
             <a:extLst>
               <a:ext uri="{FF2B5EF4-FFF2-40B4-BE49-F238E27FC236}">
-                <a16:creationId xmlns:a16="http://schemas.microsoft.com/office/drawing/2014/main" id="{AFFF75EB-6222-5D4D-B8EB-825A5072C36E}"/>
+                <a16:creationId xmlns:a16="http://schemas.microsoft.com/office/drawing/2014/main" id="{A950F830-E3D5-2F44-9C95-7111DA1BFCBB}"/>
               </a:ext>
             </a:extLst>
           </p:cNvPr>
@@ -20958,7 +21096,7 @@
         </p:nvSpPr>
         <p:spPr>
           <a:xfrm>
-            <a:off x="7647353" y="2516862"/>
+            <a:off x="7829325" y="2502297"/>
             <a:ext cx="775045" cy="295845"/>
           </a:xfrm>
           <a:prstGeom prst="roundRect">
@@ -21000,74 +21138,7 @@
           <a:p>
             <a:pPr algn="ctr" defTabSz="514350"/>
             <a:r>
-              <a:rPr lang="en-US" sz="750" dirty="0">
-                <a:solidFill>
-                  <a:prstClr val="white"/>
-                </a:solidFill>
-                <a:latin typeface="Arial"/>
-              </a:rPr>
-              <a:t>Consumer</a:t>
-            </a:r>
-          </a:p>
-        </p:txBody>
-      </p:sp>
-      <p:sp>
-        <p:nvSpPr>
-          <p:cNvPr id="98" name="Rounded Rectangle 97">
-            <a:extLst>
-              <a:ext uri="{FF2B5EF4-FFF2-40B4-BE49-F238E27FC236}">
-                <a16:creationId xmlns:a16="http://schemas.microsoft.com/office/drawing/2014/main" id="{A950F830-E3D5-2F44-9C95-7111DA1BFCBB}"/>
-              </a:ext>
-            </a:extLst>
-          </p:cNvPr>
-          <p:cNvSpPr/>
-          <p:nvPr/>
-        </p:nvSpPr>
-        <p:spPr>
-          <a:xfrm>
-            <a:off x="7647352" y="2928331"/>
-            <a:ext cx="775045" cy="295845"/>
-          </a:xfrm>
-          <a:prstGeom prst="roundRect">
-            <a:avLst/>
-          </a:prstGeom>
-          <a:solidFill>
-            <a:srgbClr val="00B050"/>
-          </a:solidFill>
-          <a:ln>
-            <a:noFill/>
-          </a:ln>
-          <a:effectLst>
-            <a:outerShdw blurRad="50800" dist="38100" dir="5400000" algn="t" rotWithShape="0">
-              <a:prstClr val="black">
-                <a:alpha val="40000"/>
-              </a:prstClr>
-            </a:outerShdw>
-          </a:effectLst>
-        </p:spPr>
-        <p:style>
-          <a:lnRef idx="2">
-            <a:schemeClr val="accent1">
-              <a:shade val="50000"/>
-            </a:schemeClr>
-          </a:lnRef>
-          <a:fillRef idx="1">
-            <a:schemeClr val="accent1"/>
-          </a:fillRef>
-          <a:effectRef idx="0">
-            <a:schemeClr val="accent1"/>
-          </a:effectRef>
-          <a:fontRef idx="minor">
-            <a:schemeClr val="lt1"/>
-          </a:fontRef>
-        </p:style>
-        <p:txBody>
-          <a:bodyPr rtlCol="0" anchor="t"/>
-          <a:lstStyle/>
-          <a:p>
-            <a:pPr algn="ctr" defTabSz="514350"/>
-            <a:r>
-              <a:rPr lang="en-US" sz="750" dirty="0">
+              <a:rPr lang="en-US" sz="700" dirty="0">
                 <a:solidFill>
                   <a:prstClr val="white"/>
                 </a:solidFill>
@@ -22204,9 +22275,9 @@
           <p:nvPr/>
         </p:nvCxnSpPr>
         <p:spPr>
-          <a:xfrm>
-            <a:off x="7347494" y="2972727"/>
-            <a:ext cx="299858" cy="103527"/>
+          <a:xfrm flipV="1">
+            <a:off x="7347494" y="2650220"/>
+            <a:ext cx="481831" cy="322507"/>
           </a:xfrm>
           <a:prstGeom prst="curvedConnector3">
             <a:avLst>
@@ -22238,42 +22309,6 @@
       </p:cxnSp>
       <p:sp>
         <p:nvSpPr>
-          <p:cNvPr id="121" name="TextBox 120">
-            <a:extLst>
-              <a:ext uri="{FF2B5EF4-FFF2-40B4-BE49-F238E27FC236}">
-                <a16:creationId xmlns:a16="http://schemas.microsoft.com/office/drawing/2014/main" id="{BE407E6C-F089-CA4B-92F7-E1CB8C322B7B}"/>
-              </a:ext>
-            </a:extLst>
-          </p:cNvPr>
-          <p:cNvSpPr txBox="1"/>
-          <p:nvPr/>
-        </p:nvSpPr>
-        <p:spPr>
-          <a:xfrm>
-            <a:off x="815021" y="1475227"/>
-            <a:ext cx="788999" cy="246221"/>
-          </a:xfrm>
-          <a:prstGeom prst="rect">
-            <a:avLst/>
-          </a:prstGeom>
-          <a:noFill/>
-        </p:spPr>
-        <p:txBody>
-          <a:bodyPr wrap="none" rtlCol="0">
-            <a:spAutoFit/>
-          </a:bodyPr>
-          <a:lstStyle/>
-          <a:p>
-            <a:r>
-              <a:rPr lang="en-US" sz="1000" dirty="0"/>
-              <a:t>first record</a:t>
-            </a:r>
-            <a:endParaRPr sz="1000" dirty="0"/>
-          </a:p>
-        </p:txBody>
-      </p:sp>
-      <p:sp>
-        <p:nvSpPr>
           <p:cNvPr id="122" name="TextBox 121">
             <a:extLst>
               <a:ext uri="{FF2B5EF4-FFF2-40B4-BE49-F238E27FC236}">
@@ -22286,7 +22321,7 @@
         </p:nvSpPr>
         <p:spPr>
           <a:xfrm>
-            <a:off x="7243922" y="3254549"/>
+            <a:off x="6762873" y="3143842"/>
             <a:ext cx="780983" cy="246221"/>
           </a:xfrm>
           <a:prstGeom prst="rect">
@@ -22391,8 +22426,8 @@
         </p:nvSpPr>
         <p:spPr>
           <a:xfrm>
-            <a:off x="6766681" y="1685968"/>
-            <a:ext cx="673582" cy="246221"/>
+            <a:off x="6744969" y="1483276"/>
+            <a:ext cx="1462260" cy="400110"/>
           </a:xfrm>
           <a:prstGeom prst="rect">
             <a:avLst/>
@@ -22408,6 +22443,12 @@
             <a:r>
               <a:rPr lang="en-US" sz="1000" dirty="0"/>
               <a:t>topic-out</a:t>
+            </a:r>
+          </a:p>
+          <a:p>
+            <a:r>
+              <a:rPr lang="en-US" sz="1000" dirty="0"/>
+              <a:t>log-append-time (TS3)</a:t>
             </a:r>
             <a:endParaRPr sz="1000" dirty="0"/>
           </a:p>
@@ -22427,8 +22468,8 @@
         </p:nvSpPr>
         <p:spPr>
           <a:xfrm>
-            <a:off x="136744" y="3479256"/>
-            <a:ext cx="1425390" cy="400110"/>
+            <a:off x="173837" y="3526383"/>
+            <a:ext cx="2198038" cy="861774"/>
           </a:xfrm>
           <a:prstGeom prst="rect">
             <a:avLst/>
@@ -22443,14 +22484,26 @@
           <a:p>
             <a:r>
               <a:rPr lang="en-US" sz="1000" dirty="0"/>
-              <a:t>header - correlation id</a:t>
+              <a:t>key – value</a:t>
             </a:r>
           </a:p>
           <a:p>
             <a:r>
+              <a:rPr lang="en-US" sz="1000" dirty="0" err="1"/>
+              <a:t>KafkaRecord.timestamp</a:t>
+            </a:r>
+            <a:endParaRPr lang="en-US" sz="1000" dirty="0"/>
+          </a:p>
+          <a:p>
+            <a:endParaRPr lang="en-US" sz="1000" dirty="0"/>
+          </a:p>
+          <a:p>
+            <a:r>
               <a:rPr lang="en-US" sz="1000" dirty="0"/>
-              <a:t>key – value</a:t>
+              <a:t>For TS2: use header - correlation id</a:t>
             </a:r>
+          </a:p>
+          <a:p>
             <a:endParaRPr sz="1000" dirty="0"/>
           </a:p>
         </p:txBody>
@@ -22469,8 +22522,8 @@
         </p:nvSpPr>
         <p:spPr>
           <a:xfrm>
-            <a:off x="7112948" y="3646419"/>
-            <a:ext cx="1622560" cy="553998"/>
+            <a:off x="7008821" y="3609609"/>
+            <a:ext cx="2079415" cy="553998"/>
           </a:xfrm>
           <a:prstGeom prst="rect">
             <a:avLst/>
@@ -22485,7 +22538,7 @@
           <a:p>
             <a:r>
               <a:rPr lang="en-US" sz="1000" dirty="0"/>
-              <a:t>latency / correlation ID</a:t>
+              <a:t>latency(correlation ID) TS3 – TS2</a:t>
             </a:r>
           </a:p>
           <a:p>
@@ -22535,6 +22588,91 @@
           </a:p>
         </p:txBody>
       </p:sp>
+      <p:cxnSp>
+        <p:nvCxnSpPr>
+          <p:cNvPr id="130" name="Curved Connector 129">
+            <a:extLst>
+              <a:ext uri="{FF2B5EF4-FFF2-40B4-BE49-F238E27FC236}">
+                <a16:creationId xmlns:a16="http://schemas.microsoft.com/office/drawing/2014/main" id="{FD3E96FD-D0AD-3147-9CA1-7207799E35D6}"/>
+              </a:ext>
+            </a:extLst>
+          </p:cNvPr>
+          <p:cNvCxnSpPr>
+            <a:cxnSpLocks/>
+            <a:stCxn id="31" idx="2"/>
+            <a:endCxn id="98" idx="2"/>
+          </p:cNvCxnSpPr>
+          <p:nvPr/>
+        </p:nvCxnSpPr>
+        <p:spPr>
+          <a:xfrm rot="5400000" flipH="1" flipV="1">
+            <a:off x="4788489" y="-336999"/>
+            <a:ext cx="293217" cy="6563500"/>
+          </a:xfrm>
+          <a:prstGeom prst="curvedConnector3">
+            <a:avLst>
+              <a:gd name="adj1" fmla="val -302345"/>
+            </a:avLst>
+          </a:prstGeom>
+          <a:ln w="12700">
+            <a:solidFill>
+              <a:schemeClr val="accent6"/>
+            </a:solidFill>
+            <a:tailEnd type="triangle"/>
+          </a:ln>
+          <a:effectLst/>
+        </p:spPr>
+        <p:style>
+          <a:lnRef idx="2">
+            <a:schemeClr val="accent1"/>
+          </a:lnRef>
+          <a:fillRef idx="0">
+            <a:schemeClr val="accent1"/>
+          </a:fillRef>
+          <a:effectRef idx="1">
+            <a:schemeClr val="accent1"/>
+          </a:effectRef>
+          <a:fontRef idx="minor">
+            <a:schemeClr val="tx1"/>
+          </a:fontRef>
+        </p:style>
+      </p:cxnSp>
+      <p:sp>
+        <p:nvSpPr>
+          <p:cNvPr id="120" name="TextBox 119">
+            <a:extLst>
+              <a:ext uri="{FF2B5EF4-FFF2-40B4-BE49-F238E27FC236}">
+                <a16:creationId xmlns:a16="http://schemas.microsoft.com/office/drawing/2014/main" id="{104899D4-6CF3-1F44-9490-1F46DE1AA14D}"/>
+              </a:ext>
+            </a:extLst>
+          </p:cNvPr>
+          <p:cNvSpPr txBox="1"/>
+          <p:nvPr/>
+        </p:nvSpPr>
+        <p:spPr>
+          <a:xfrm>
+            <a:off x="7750869" y="2270641"/>
+            <a:ext cx="489236" cy="246221"/>
+          </a:xfrm>
+          <a:prstGeom prst="rect">
+            <a:avLst/>
+          </a:prstGeom>
+          <a:noFill/>
+        </p:spPr>
+        <p:txBody>
+          <a:bodyPr wrap="none" rtlCol="0">
+            <a:spAutoFit/>
+          </a:bodyPr>
+          <a:lstStyle/>
+          <a:p>
+            <a:r>
+              <a:rPr lang="en-US" sz="1000" dirty="0"/>
+              <a:t>latest</a:t>
+            </a:r>
+            <a:endParaRPr sz="1000" dirty="0"/>
+          </a:p>
+        </p:txBody>
+      </p:sp>
     </p:spTree>
     <p:extLst>
       <p:ext uri="{BB962C8B-B14F-4D97-AF65-F5344CB8AC3E}">
@@ -22549,6 +22687,8551 @@
 </file>
 
 <file path=ppt/slides/slide6.xml><?xml version="1.0" encoding="utf-8"?>
+<p:sld xmlns:a="http://schemas.openxmlformats.org/drawingml/2006/main" xmlns:r="http://schemas.openxmlformats.org/officeDocument/2006/relationships" xmlns:p="http://schemas.openxmlformats.org/presentationml/2006/main">
+  <p:cSld>
+    <p:spTree>
+      <p:nvGrpSpPr>
+        <p:cNvPr id="1" name=""/>
+        <p:cNvGrpSpPr/>
+        <p:nvPr/>
+      </p:nvGrpSpPr>
+      <p:grpSpPr>
+        <a:xfrm>
+          <a:off x="0" y="0"/>
+          <a:ext cx="0" cy="0"/>
+          <a:chOff x="0" y="0"/>
+          <a:chExt cx="0" cy="0"/>
+        </a:xfrm>
+      </p:grpSpPr>
+      <p:sp>
+        <p:nvSpPr>
+          <p:cNvPr id="2" name="Title 1">
+            <a:extLst>
+              <a:ext uri="{FF2B5EF4-FFF2-40B4-BE49-F238E27FC236}">
+                <a16:creationId xmlns:a16="http://schemas.microsoft.com/office/drawing/2014/main" id="{CAB2F67D-2C42-E84C-AA7F-BEDF4E0CF7CB}"/>
+              </a:ext>
+            </a:extLst>
+          </p:cNvPr>
+          <p:cNvSpPr>
+            <a:spLocks noGrp="1"/>
+          </p:cNvSpPr>
+          <p:nvPr>
+            <p:ph type="title"/>
+          </p:nvPr>
+        </p:nvSpPr>
+        <p:spPr/>
+        <p:txBody>
+          <a:bodyPr/>
+          <a:lstStyle/>
+          <a:p>
+            <a:r>
+              <a:rPr lang="en-US" dirty="0"/>
+              <a:t>Performance Tooling</a:t>
+            </a:r>
+            <a:endParaRPr dirty="0"/>
+          </a:p>
+        </p:txBody>
+      </p:sp>
+      <p:sp>
+        <p:nvSpPr>
+          <p:cNvPr id="4" name="Slide Number Placeholder 3">
+            <a:extLst>
+              <a:ext uri="{FF2B5EF4-FFF2-40B4-BE49-F238E27FC236}">
+                <a16:creationId xmlns:a16="http://schemas.microsoft.com/office/drawing/2014/main" id="{D9D5D514-27DA-5245-A7FA-9BCF32E4225F}"/>
+              </a:ext>
+            </a:extLst>
+          </p:cNvPr>
+          <p:cNvSpPr>
+            <a:spLocks noGrp="1"/>
+          </p:cNvSpPr>
+          <p:nvPr>
+            <p:ph type="sldNum" sz="quarter" idx="10"/>
+          </p:nvPr>
+        </p:nvSpPr>
+        <p:spPr/>
+        <p:txBody>
+          <a:bodyPr/>
+          <a:lstStyle/>
+          <a:p>
+            <a:fld id="{2F63A97E-D605-DC42-8452-C14CD1FA87FA}" type="slidenum">
+              <a:rPr lang="en-US" smtClean="0">
+                <a:solidFill>
+                  <a:srgbClr val="5AAAFA"/>
+                </a:solidFill>
+              </a:rPr>
+              <a:pPr/>
+              <a:t>6</a:t>
+            </a:fld>
+            <a:endParaRPr lang="en-US">
+              <a:solidFill>
+                <a:srgbClr val="5AAAFA"/>
+              </a:solidFill>
+            </a:endParaRPr>
+          </a:p>
+        </p:txBody>
+      </p:sp>
+      <p:sp>
+        <p:nvSpPr>
+          <p:cNvPr id="5" name="Rounded Rectangle 4">
+            <a:extLst>
+              <a:ext uri="{FF2B5EF4-FFF2-40B4-BE49-F238E27FC236}">
+                <a16:creationId xmlns:a16="http://schemas.microsoft.com/office/drawing/2014/main" id="{ABF24EE9-105C-9340-9251-42E67C687225}"/>
+              </a:ext>
+            </a:extLst>
+          </p:cNvPr>
+          <p:cNvSpPr/>
+          <p:nvPr/>
+        </p:nvSpPr>
+        <p:spPr>
+          <a:xfrm>
+            <a:off x="155575" y="1825198"/>
+            <a:ext cx="638555" cy="295845"/>
+          </a:xfrm>
+          <a:prstGeom prst="roundRect">
+            <a:avLst/>
+          </a:prstGeom>
+          <a:solidFill>
+            <a:schemeClr val="accent2">
+              <a:lumMod val="75000"/>
+            </a:schemeClr>
+          </a:solidFill>
+          <a:ln>
+            <a:noFill/>
+          </a:ln>
+          <a:effectLst>
+            <a:outerShdw blurRad="50800" dist="38100" dir="5400000" algn="t" rotWithShape="0">
+              <a:prstClr val="black">
+                <a:alpha val="40000"/>
+              </a:prstClr>
+            </a:outerShdw>
+          </a:effectLst>
+        </p:spPr>
+        <p:style>
+          <a:lnRef idx="2">
+            <a:schemeClr val="accent1">
+              <a:shade val="50000"/>
+            </a:schemeClr>
+          </a:lnRef>
+          <a:fillRef idx="1">
+            <a:schemeClr val="accent1"/>
+          </a:fillRef>
+          <a:effectRef idx="0">
+            <a:schemeClr val="accent1"/>
+          </a:effectRef>
+          <a:fontRef idx="minor">
+            <a:schemeClr val="lt1"/>
+          </a:fontRef>
+        </p:style>
+        <p:txBody>
+          <a:bodyPr rtlCol="0" anchor="t"/>
+          <a:lstStyle/>
+          <a:p>
+            <a:pPr algn="ctr" defTabSz="514350"/>
+            <a:r>
+              <a:rPr lang="en-US" sz="750" dirty="0">
+                <a:solidFill>
+                  <a:prstClr val="white"/>
+                </a:solidFill>
+                <a:latin typeface="Arial"/>
+              </a:rPr>
+              <a:t>Producer</a:t>
+            </a:r>
+          </a:p>
+        </p:txBody>
+      </p:sp>
+      <p:sp>
+        <p:nvSpPr>
+          <p:cNvPr id="6" name="Rounded Rectangle 5">
+            <a:extLst>
+              <a:ext uri="{FF2B5EF4-FFF2-40B4-BE49-F238E27FC236}">
+                <a16:creationId xmlns:a16="http://schemas.microsoft.com/office/drawing/2014/main" id="{37C6CA25-234E-0B47-8D42-D6C5B2BA521D}"/>
+              </a:ext>
+            </a:extLst>
+          </p:cNvPr>
+          <p:cNvSpPr/>
+          <p:nvPr/>
+        </p:nvSpPr>
+        <p:spPr>
+          <a:xfrm>
+            <a:off x="1907777" y="1828070"/>
+            <a:ext cx="994405" cy="1377585"/>
+          </a:xfrm>
+          <a:prstGeom prst="roundRect">
+            <a:avLst/>
+          </a:prstGeom>
+          <a:solidFill>
+            <a:srgbClr val="7030A0"/>
+          </a:solidFill>
+          <a:ln>
+            <a:noFill/>
+          </a:ln>
+          <a:effectLst>
+            <a:outerShdw blurRad="50800" dist="38100" dir="5400000" algn="t" rotWithShape="0">
+              <a:prstClr val="black">
+                <a:alpha val="40000"/>
+              </a:prstClr>
+            </a:outerShdw>
+          </a:effectLst>
+        </p:spPr>
+        <p:style>
+          <a:lnRef idx="2">
+            <a:schemeClr val="accent1">
+              <a:shade val="50000"/>
+            </a:schemeClr>
+          </a:lnRef>
+          <a:fillRef idx="1">
+            <a:schemeClr val="accent1"/>
+          </a:fillRef>
+          <a:effectRef idx="0">
+            <a:schemeClr val="accent1"/>
+          </a:effectRef>
+          <a:fontRef idx="minor">
+            <a:schemeClr val="lt1"/>
+          </a:fontRef>
+        </p:style>
+        <p:txBody>
+          <a:bodyPr rtlCol="0" anchor="t"/>
+          <a:lstStyle/>
+          <a:p>
+            <a:pPr algn="ctr" defTabSz="514350"/>
+            <a:r>
+              <a:rPr lang="en-US" sz="750" dirty="0">
+                <a:solidFill>
+                  <a:prstClr val="white"/>
+                </a:solidFill>
+                <a:latin typeface="Arial"/>
+              </a:rPr>
+              <a:t>Streams 1</a:t>
+            </a:r>
+          </a:p>
+        </p:txBody>
+      </p:sp>
+      <p:sp>
+        <p:nvSpPr>
+          <p:cNvPr id="8" name="Rounded Rectangle 7">
+            <a:extLst>
+              <a:ext uri="{FF2B5EF4-FFF2-40B4-BE49-F238E27FC236}">
+                <a16:creationId xmlns:a16="http://schemas.microsoft.com/office/drawing/2014/main" id="{21996592-C0F6-4643-A7B6-46E87671A2B7}"/>
+              </a:ext>
+            </a:extLst>
+          </p:cNvPr>
+          <p:cNvSpPr/>
+          <p:nvPr/>
+        </p:nvSpPr>
+        <p:spPr>
+          <a:xfrm>
+            <a:off x="3783624" y="1825198"/>
+            <a:ext cx="994405" cy="1454030"/>
+          </a:xfrm>
+          <a:prstGeom prst="roundRect">
+            <a:avLst/>
+          </a:prstGeom>
+          <a:solidFill>
+            <a:srgbClr val="7030A0"/>
+          </a:solidFill>
+          <a:ln>
+            <a:noFill/>
+          </a:ln>
+          <a:effectLst>
+            <a:outerShdw blurRad="50800" dist="38100" dir="5400000" algn="t" rotWithShape="0">
+              <a:prstClr val="black">
+                <a:alpha val="40000"/>
+              </a:prstClr>
+            </a:outerShdw>
+          </a:effectLst>
+        </p:spPr>
+        <p:style>
+          <a:lnRef idx="2">
+            <a:schemeClr val="accent1">
+              <a:shade val="50000"/>
+            </a:schemeClr>
+          </a:lnRef>
+          <a:fillRef idx="1">
+            <a:schemeClr val="accent1"/>
+          </a:fillRef>
+          <a:effectRef idx="0">
+            <a:schemeClr val="accent1"/>
+          </a:effectRef>
+          <a:fontRef idx="minor">
+            <a:schemeClr val="lt1"/>
+          </a:fontRef>
+        </p:style>
+        <p:txBody>
+          <a:bodyPr rtlCol="0" anchor="t"/>
+          <a:lstStyle/>
+          <a:p>
+            <a:pPr algn="ctr" defTabSz="514350"/>
+            <a:r>
+              <a:rPr lang="en-US" sz="750" dirty="0">
+                <a:solidFill>
+                  <a:prstClr val="white"/>
+                </a:solidFill>
+                <a:latin typeface="Arial"/>
+              </a:rPr>
+              <a:t>Streams 2</a:t>
+            </a:r>
+          </a:p>
+        </p:txBody>
+      </p:sp>
+      <p:sp>
+        <p:nvSpPr>
+          <p:cNvPr id="9" name="Rounded Rectangle 8">
+            <a:extLst>
+              <a:ext uri="{FF2B5EF4-FFF2-40B4-BE49-F238E27FC236}">
+                <a16:creationId xmlns:a16="http://schemas.microsoft.com/office/drawing/2014/main" id="{2190CD03-CCBB-D943-825A-941D0E441B01}"/>
+              </a:ext>
+            </a:extLst>
+          </p:cNvPr>
+          <p:cNvSpPr/>
+          <p:nvPr/>
+        </p:nvSpPr>
+        <p:spPr>
+          <a:xfrm>
+            <a:off x="5690799" y="1828070"/>
+            <a:ext cx="994405" cy="1451158"/>
+          </a:xfrm>
+          <a:prstGeom prst="roundRect">
+            <a:avLst/>
+          </a:prstGeom>
+          <a:solidFill>
+            <a:srgbClr val="7030A0"/>
+          </a:solidFill>
+          <a:ln>
+            <a:noFill/>
+          </a:ln>
+          <a:effectLst>
+            <a:outerShdw blurRad="50800" dist="38100" dir="5400000" algn="t" rotWithShape="0">
+              <a:prstClr val="black">
+                <a:alpha val="40000"/>
+              </a:prstClr>
+            </a:outerShdw>
+          </a:effectLst>
+        </p:spPr>
+        <p:style>
+          <a:lnRef idx="2">
+            <a:schemeClr val="accent1">
+              <a:shade val="50000"/>
+            </a:schemeClr>
+          </a:lnRef>
+          <a:fillRef idx="1">
+            <a:schemeClr val="accent1"/>
+          </a:fillRef>
+          <a:effectRef idx="0">
+            <a:schemeClr val="accent1"/>
+          </a:effectRef>
+          <a:fontRef idx="minor">
+            <a:schemeClr val="lt1"/>
+          </a:fontRef>
+        </p:style>
+        <p:txBody>
+          <a:bodyPr rtlCol="0" anchor="t"/>
+          <a:lstStyle/>
+          <a:p>
+            <a:pPr algn="ctr" defTabSz="514350"/>
+            <a:r>
+              <a:rPr lang="en-US" sz="750" dirty="0">
+                <a:solidFill>
+                  <a:prstClr val="white"/>
+                </a:solidFill>
+                <a:latin typeface="Arial"/>
+              </a:rPr>
+              <a:t>Stream 3</a:t>
+            </a:r>
+          </a:p>
+        </p:txBody>
+      </p:sp>
+      <p:sp>
+        <p:nvSpPr>
+          <p:cNvPr id="10" name="Rectangle 9">
+            <a:extLst>
+              <a:ext uri="{FF2B5EF4-FFF2-40B4-BE49-F238E27FC236}">
+                <a16:creationId xmlns:a16="http://schemas.microsoft.com/office/drawing/2014/main" id="{04733F51-34EC-9B4D-A119-8376C78D34A5}"/>
+              </a:ext>
+            </a:extLst>
+          </p:cNvPr>
+          <p:cNvSpPr/>
+          <p:nvPr/>
+        </p:nvSpPr>
+        <p:spPr>
+          <a:xfrm>
+            <a:off x="155575" y="971867"/>
+            <a:ext cx="687883" cy="779155"/>
+          </a:xfrm>
+          <a:prstGeom prst="rect">
+            <a:avLst/>
+          </a:prstGeom>
+          <a:pattFill prst="ltHorz">
+            <a:fgClr>
+              <a:schemeClr val="accent1"/>
+            </a:fgClr>
+            <a:bgClr>
+              <a:schemeClr val="bg1"/>
+            </a:bgClr>
+          </a:pattFill>
+          <a:ln>
+            <a:noFill/>
+          </a:ln>
+        </p:spPr>
+        <p:style>
+          <a:lnRef idx="2">
+            <a:schemeClr val="accent1">
+              <a:shade val="50000"/>
+            </a:schemeClr>
+          </a:lnRef>
+          <a:fillRef idx="1">
+            <a:schemeClr val="accent1"/>
+          </a:fillRef>
+          <a:effectRef idx="0">
+            <a:schemeClr val="accent1"/>
+          </a:effectRef>
+          <a:fontRef idx="minor">
+            <a:schemeClr val="lt1"/>
+          </a:fontRef>
+        </p:style>
+        <p:txBody>
+          <a:bodyPr rtlCol="0" anchor="t"/>
+          <a:lstStyle/>
+          <a:p>
+            <a:pPr marL="0" marR="0" indent="0" algn="l" defTabSz="685800" rtl="0" eaLnBrk="1" fontAlgn="auto" latinLnBrk="0" hangingPunct="1">
+              <a:lnSpc>
+                <a:spcPct val="100000"/>
+              </a:lnSpc>
+              <a:spcBef>
+                <a:spcPts val="0"/>
+              </a:spcBef>
+              <a:spcAft>
+                <a:spcPts val="0"/>
+              </a:spcAft>
+              <a:buClrTx/>
+              <a:buSzTx/>
+              <a:buFontTx/>
+              <a:buNone/>
+              <a:tabLst/>
+            </a:pPr>
+            <a:r>
+              <a:rPr kumimoji="0" lang="en-US" sz="1000" b="0" i="0" u="none" strike="noStrike" kern="1200" cap="none" spc="0" normalizeH="0" baseline="0" noProof="0" dirty="0">
+                <a:ln>
+                  <a:noFill/>
+                </a:ln>
+                <a:solidFill>
+                  <a:schemeClr val="tx1"/>
+                </a:solidFill>
+                <a:effectLst/>
+                <a:uLnTx/>
+                <a:uFillTx/>
+                <a:latin typeface="Arial"/>
+                <a:ea typeface="+mn-ea"/>
+                <a:cs typeface="+mn-cs"/>
+              </a:rPr>
+              <a:t>500k</a:t>
+            </a:r>
+          </a:p>
+          <a:p>
+            <a:pPr marL="0" marR="0" indent="0" algn="l" defTabSz="685800" rtl="0" eaLnBrk="1" fontAlgn="auto" latinLnBrk="0" hangingPunct="1">
+              <a:lnSpc>
+                <a:spcPct val="100000"/>
+              </a:lnSpc>
+              <a:spcBef>
+                <a:spcPts val="0"/>
+              </a:spcBef>
+              <a:spcAft>
+                <a:spcPts val="0"/>
+              </a:spcAft>
+              <a:buClrTx/>
+              <a:buSzTx/>
+              <a:buFontTx/>
+              <a:buNone/>
+              <a:tabLst/>
+            </a:pPr>
+            <a:r>
+              <a:rPr kumimoji="0" lang="en-US" sz="1000" b="0" i="0" u="none" strike="noStrike" kern="1200" cap="none" spc="0" normalizeH="0" baseline="0" noProof="0" dirty="0">
+                <a:ln>
+                  <a:noFill/>
+                </a:ln>
+                <a:solidFill>
+                  <a:schemeClr val="tx1"/>
+                </a:solidFill>
+                <a:effectLst/>
+                <a:uLnTx/>
+                <a:uFillTx/>
+                <a:latin typeface="Arial"/>
+                <a:ea typeface="+mn-ea"/>
+                <a:cs typeface="+mn-cs"/>
+              </a:rPr>
+              <a:t>Records</a:t>
+            </a:r>
+            <a:endParaRPr kumimoji="0" sz="1000" b="0" i="0" u="none" strike="noStrike" kern="1200" cap="none" spc="0" normalizeH="0" baseline="0" noProof="0" dirty="0">
+              <a:ln>
+                <a:noFill/>
+              </a:ln>
+              <a:solidFill>
+                <a:schemeClr val="tx1"/>
+              </a:solidFill>
+              <a:effectLst/>
+              <a:uLnTx/>
+              <a:uFillTx/>
+              <a:latin typeface="Arial"/>
+              <a:ea typeface="+mn-ea"/>
+              <a:cs typeface="+mn-cs"/>
+            </a:endParaRPr>
+          </a:p>
+        </p:txBody>
+      </p:sp>
+      <p:grpSp>
+        <p:nvGrpSpPr>
+          <p:cNvPr id="11" name="Group 10">
+            <a:extLst>
+              <a:ext uri="{FF2B5EF4-FFF2-40B4-BE49-F238E27FC236}">
+                <a16:creationId xmlns:a16="http://schemas.microsoft.com/office/drawing/2014/main" id="{124E2734-26B1-0949-B4FF-26E69540918B}"/>
+              </a:ext>
+            </a:extLst>
+          </p:cNvPr>
+          <p:cNvGrpSpPr/>
+          <p:nvPr/>
+        </p:nvGrpSpPr>
+        <p:grpSpPr>
+          <a:xfrm>
+            <a:off x="1118055" y="2210324"/>
+            <a:ext cx="584621" cy="207055"/>
+            <a:chOff x="1193647" y="1635094"/>
+            <a:chExt cx="818524" cy="411476"/>
+          </a:xfrm>
+        </p:grpSpPr>
+        <p:sp>
+          <p:nvSpPr>
+            <p:cNvPr id="12" name="Rounded Rectangle 11">
+              <a:extLst>
+                <a:ext uri="{FF2B5EF4-FFF2-40B4-BE49-F238E27FC236}">
+                  <a16:creationId xmlns:a16="http://schemas.microsoft.com/office/drawing/2014/main" id="{44FC409A-BBB6-5F41-856A-782F8C7393D4}"/>
+                </a:ext>
+              </a:extLst>
+            </p:cNvPr>
+            <p:cNvSpPr/>
+            <p:nvPr/>
+          </p:nvSpPr>
+          <p:spPr bwMode="auto">
+            <a:xfrm>
+              <a:off x="1193647" y="1635094"/>
+              <a:ext cx="138128" cy="411476"/>
+            </a:xfrm>
+            <a:prstGeom prst="roundRect">
+              <a:avLst/>
+            </a:prstGeom>
+            <a:solidFill>
+              <a:schemeClr val="bg1">
+                <a:lumMod val="50000"/>
+              </a:schemeClr>
+            </a:solidFill>
+            <a:ln>
+              <a:solidFill>
+                <a:schemeClr val="bg1"/>
+              </a:solidFill>
+              <a:prstDash val="solid"/>
+              <a:headEnd type="none" w="med" len="med"/>
+              <a:tailEnd type="none" w="med" len="med"/>
+            </a:ln>
+            <a:effectLst/>
+          </p:spPr>
+          <p:style>
+            <a:lnRef idx="1">
+              <a:schemeClr val="accent5"/>
+            </a:lnRef>
+            <a:fillRef idx="3">
+              <a:schemeClr val="accent5"/>
+            </a:fillRef>
+            <a:effectRef idx="2">
+              <a:schemeClr val="accent5"/>
+            </a:effectRef>
+            <a:fontRef idx="minor">
+              <a:schemeClr val="lt1"/>
+            </a:fontRef>
+          </p:style>
+          <p:txBody>
+            <a:bodyPr vert="horz" wrap="square" lIns="0" tIns="0" rIns="0" bIns="0" numCol="1" rtlCol="0" anchor="ctr" anchorCtr="0" compatLnSpc="1">
+              <a:prstTxWarp prst="textNoShape">
+                <a:avLst/>
+              </a:prstTxWarp>
+              <a:noAutofit/>
+            </a:bodyPr>
+            <a:lstStyle/>
+            <a:p>
+              <a:pPr algn="ctr" defTabSz="685784" fontAlgn="base">
+                <a:lnSpc>
+                  <a:spcPct val="90000"/>
+                </a:lnSpc>
+                <a:spcBef>
+                  <a:spcPct val="0"/>
+                </a:spcBef>
+                <a:spcAft>
+                  <a:spcPct val="0"/>
+                </a:spcAft>
+              </a:pPr>
+              <a:r>
+                <a:rPr lang="en-US" sz="675">
+                  <a:solidFill>
+                    <a:schemeClr val="bg1"/>
+                  </a:solidFill>
+                </a:rPr>
+                <a:t>0</a:t>
+              </a:r>
+              <a:endParaRPr lang="en-US" sz="375">
+                <a:solidFill>
+                  <a:schemeClr val="bg1"/>
+                </a:solidFill>
+              </a:endParaRPr>
+            </a:p>
+          </p:txBody>
+        </p:sp>
+        <p:sp>
+          <p:nvSpPr>
+            <p:cNvPr id="13" name="Rounded Rectangle 12">
+              <a:extLst>
+                <a:ext uri="{FF2B5EF4-FFF2-40B4-BE49-F238E27FC236}">
+                  <a16:creationId xmlns:a16="http://schemas.microsoft.com/office/drawing/2014/main" id="{A01D6A69-31D0-3246-BDAD-C6D5A18B8379}"/>
+                </a:ext>
+              </a:extLst>
+            </p:cNvPr>
+            <p:cNvSpPr/>
+            <p:nvPr/>
+          </p:nvSpPr>
+          <p:spPr bwMode="auto">
+            <a:xfrm>
+              <a:off x="1330805" y="1635094"/>
+              <a:ext cx="138128" cy="411476"/>
+            </a:xfrm>
+            <a:prstGeom prst="roundRect">
+              <a:avLst/>
+            </a:prstGeom>
+            <a:solidFill>
+              <a:schemeClr val="bg1">
+                <a:lumMod val="50000"/>
+              </a:schemeClr>
+            </a:solidFill>
+            <a:ln>
+              <a:solidFill>
+                <a:schemeClr val="bg1"/>
+              </a:solidFill>
+              <a:prstDash val="solid"/>
+              <a:headEnd type="none" w="med" len="med"/>
+              <a:tailEnd type="none" w="med" len="med"/>
+            </a:ln>
+            <a:effectLst/>
+          </p:spPr>
+          <p:style>
+            <a:lnRef idx="1">
+              <a:schemeClr val="accent5"/>
+            </a:lnRef>
+            <a:fillRef idx="3">
+              <a:schemeClr val="accent5"/>
+            </a:fillRef>
+            <a:effectRef idx="2">
+              <a:schemeClr val="accent5"/>
+            </a:effectRef>
+            <a:fontRef idx="minor">
+              <a:schemeClr val="lt1"/>
+            </a:fontRef>
+          </p:style>
+          <p:txBody>
+            <a:bodyPr vert="horz" wrap="square" lIns="0" tIns="0" rIns="0" bIns="0" numCol="1" rtlCol="0" anchor="ctr" anchorCtr="0" compatLnSpc="1">
+              <a:prstTxWarp prst="textNoShape">
+                <a:avLst/>
+              </a:prstTxWarp>
+              <a:noAutofit/>
+            </a:bodyPr>
+            <a:lstStyle/>
+            <a:p>
+              <a:pPr algn="ctr" defTabSz="685784" fontAlgn="base">
+                <a:lnSpc>
+                  <a:spcPct val="90000"/>
+                </a:lnSpc>
+                <a:spcBef>
+                  <a:spcPct val="0"/>
+                </a:spcBef>
+                <a:spcAft>
+                  <a:spcPct val="0"/>
+                </a:spcAft>
+              </a:pPr>
+              <a:r>
+                <a:rPr lang="en-US" sz="675">
+                  <a:solidFill>
+                    <a:schemeClr val="bg1"/>
+                  </a:solidFill>
+                </a:rPr>
+                <a:t>1</a:t>
+              </a:r>
+              <a:endParaRPr lang="en-US" sz="375">
+                <a:solidFill>
+                  <a:schemeClr val="bg1"/>
+                </a:solidFill>
+              </a:endParaRPr>
+            </a:p>
+          </p:txBody>
+        </p:sp>
+        <p:sp>
+          <p:nvSpPr>
+            <p:cNvPr id="14" name="Rounded Rectangle 13">
+              <a:extLst>
+                <a:ext uri="{FF2B5EF4-FFF2-40B4-BE49-F238E27FC236}">
+                  <a16:creationId xmlns:a16="http://schemas.microsoft.com/office/drawing/2014/main" id="{74D6BBDF-50ED-1A4B-9DF5-8CE86D80F930}"/>
+                </a:ext>
+              </a:extLst>
+            </p:cNvPr>
+            <p:cNvSpPr/>
+            <p:nvPr/>
+          </p:nvSpPr>
+          <p:spPr bwMode="auto">
+            <a:xfrm>
+              <a:off x="1468934" y="1635094"/>
+              <a:ext cx="138128" cy="411476"/>
+            </a:xfrm>
+            <a:prstGeom prst="roundRect">
+              <a:avLst/>
+            </a:prstGeom>
+            <a:solidFill>
+              <a:schemeClr val="bg1">
+                <a:lumMod val="50000"/>
+              </a:schemeClr>
+            </a:solidFill>
+            <a:ln>
+              <a:solidFill>
+                <a:schemeClr val="bg1"/>
+              </a:solidFill>
+              <a:prstDash val="solid"/>
+              <a:headEnd type="none" w="med" len="med"/>
+              <a:tailEnd type="none" w="med" len="med"/>
+            </a:ln>
+            <a:effectLst/>
+          </p:spPr>
+          <p:style>
+            <a:lnRef idx="1">
+              <a:schemeClr val="accent5"/>
+            </a:lnRef>
+            <a:fillRef idx="3">
+              <a:schemeClr val="accent5"/>
+            </a:fillRef>
+            <a:effectRef idx="2">
+              <a:schemeClr val="accent5"/>
+            </a:effectRef>
+            <a:fontRef idx="minor">
+              <a:schemeClr val="lt1"/>
+            </a:fontRef>
+          </p:style>
+          <p:txBody>
+            <a:bodyPr vert="horz" wrap="square" lIns="0" tIns="0" rIns="0" bIns="0" numCol="1" rtlCol="0" anchor="ctr" anchorCtr="0" compatLnSpc="1">
+              <a:prstTxWarp prst="textNoShape">
+                <a:avLst/>
+              </a:prstTxWarp>
+              <a:noAutofit/>
+            </a:bodyPr>
+            <a:lstStyle/>
+            <a:p>
+              <a:pPr algn="ctr" defTabSz="685784" fontAlgn="base">
+                <a:lnSpc>
+                  <a:spcPct val="90000"/>
+                </a:lnSpc>
+                <a:spcBef>
+                  <a:spcPct val="0"/>
+                </a:spcBef>
+                <a:spcAft>
+                  <a:spcPct val="0"/>
+                </a:spcAft>
+              </a:pPr>
+              <a:r>
+                <a:rPr lang="en-US" sz="675">
+                  <a:solidFill>
+                    <a:schemeClr val="bg1"/>
+                  </a:solidFill>
+                </a:rPr>
+                <a:t>2</a:t>
+              </a:r>
+              <a:endParaRPr lang="en-US" sz="375">
+                <a:solidFill>
+                  <a:schemeClr val="bg1"/>
+                </a:solidFill>
+              </a:endParaRPr>
+            </a:p>
+          </p:txBody>
+        </p:sp>
+        <p:sp>
+          <p:nvSpPr>
+            <p:cNvPr id="15" name="Rounded Rectangle 14">
+              <a:extLst>
+                <a:ext uri="{FF2B5EF4-FFF2-40B4-BE49-F238E27FC236}">
+                  <a16:creationId xmlns:a16="http://schemas.microsoft.com/office/drawing/2014/main" id="{52AD9650-1E28-664F-B663-E0FFBDEB3E04}"/>
+                </a:ext>
+              </a:extLst>
+            </p:cNvPr>
+            <p:cNvSpPr/>
+            <p:nvPr/>
+          </p:nvSpPr>
+          <p:spPr bwMode="auto">
+            <a:xfrm>
+              <a:off x="1606093" y="1635094"/>
+              <a:ext cx="138128" cy="411476"/>
+            </a:xfrm>
+            <a:prstGeom prst="roundRect">
+              <a:avLst/>
+            </a:prstGeom>
+            <a:solidFill>
+              <a:schemeClr val="bg1">
+                <a:lumMod val="50000"/>
+              </a:schemeClr>
+            </a:solidFill>
+            <a:ln>
+              <a:solidFill>
+                <a:schemeClr val="bg1"/>
+              </a:solidFill>
+              <a:prstDash val="solid"/>
+              <a:headEnd type="none" w="med" len="med"/>
+              <a:tailEnd type="none" w="med" len="med"/>
+            </a:ln>
+            <a:effectLst/>
+          </p:spPr>
+          <p:style>
+            <a:lnRef idx="1">
+              <a:schemeClr val="accent5"/>
+            </a:lnRef>
+            <a:fillRef idx="3">
+              <a:schemeClr val="accent5"/>
+            </a:fillRef>
+            <a:effectRef idx="2">
+              <a:schemeClr val="accent5"/>
+            </a:effectRef>
+            <a:fontRef idx="minor">
+              <a:schemeClr val="lt1"/>
+            </a:fontRef>
+          </p:style>
+          <p:txBody>
+            <a:bodyPr vert="horz" wrap="square" lIns="0" tIns="0" rIns="0" bIns="0" numCol="1" rtlCol="0" anchor="ctr" anchorCtr="0" compatLnSpc="1">
+              <a:prstTxWarp prst="textNoShape">
+                <a:avLst/>
+              </a:prstTxWarp>
+              <a:noAutofit/>
+            </a:bodyPr>
+            <a:lstStyle/>
+            <a:p>
+              <a:pPr algn="ctr" defTabSz="685784" fontAlgn="base">
+                <a:lnSpc>
+                  <a:spcPct val="90000"/>
+                </a:lnSpc>
+                <a:spcBef>
+                  <a:spcPct val="0"/>
+                </a:spcBef>
+                <a:spcAft>
+                  <a:spcPct val="0"/>
+                </a:spcAft>
+              </a:pPr>
+              <a:r>
+                <a:rPr lang="en-US" sz="675">
+                  <a:solidFill>
+                    <a:schemeClr val="bg1"/>
+                  </a:solidFill>
+                </a:rPr>
+                <a:t>3</a:t>
+              </a:r>
+              <a:endParaRPr lang="en-US" sz="375">
+                <a:solidFill>
+                  <a:schemeClr val="bg1"/>
+                </a:solidFill>
+              </a:endParaRPr>
+            </a:p>
+          </p:txBody>
+        </p:sp>
+        <p:sp>
+          <p:nvSpPr>
+            <p:cNvPr id="16" name="Rounded Rectangle 15">
+              <a:extLst>
+                <a:ext uri="{FF2B5EF4-FFF2-40B4-BE49-F238E27FC236}">
+                  <a16:creationId xmlns:a16="http://schemas.microsoft.com/office/drawing/2014/main" id="{401E47E1-A018-CB49-9152-CD317F6D17F2}"/>
+                </a:ext>
+              </a:extLst>
+            </p:cNvPr>
+            <p:cNvSpPr/>
+            <p:nvPr/>
+          </p:nvSpPr>
+          <p:spPr bwMode="auto">
+            <a:xfrm>
+              <a:off x="1744220" y="1635094"/>
+              <a:ext cx="138128" cy="411476"/>
+            </a:xfrm>
+            <a:prstGeom prst="roundRect">
+              <a:avLst/>
+            </a:prstGeom>
+            <a:solidFill>
+              <a:schemeClr val="bg1">
+                <a:lumMod val="50000"/>
+              </a:schemeClr>
+            </a:solidFill>
+            <a:ln>
+              <a:solidFill>
+                <a:schemeClr val="bg1"/>
+              </a:solidFill>
+              <a:prstDash val="solid"/>
+              <a:headEnd type="none" w="med" len="med"/>
+              <a:tailEnd type="none" w="med" len="med"/>
+            </a:ln>
+            <a:effectLst/>
+          </p:spPr>
+          <p:style>
+            <a:lnRef idx="1">
+              <a:schemeClr val="accent5"/>
+            </a:lnRef>
+            <a:fillRef idx="3">
+              <a:schemeClr val="accent5"/>
+            </a:fillRef>
+            <a:effectRef idx="2">
+              <a:schemeClr val="accent5"/>
+            </a:effectRef>
+            <a:fontRef idx="minor">
+              <a:schemeClr val="lt1"/>
+            </a:fontRef>
+          </p:style>
+          <p:txBody>
+            <a:bodyPr vert="horz" wrap="square" lIns="0" tIns="0" rIns="0" bIns="0" numCol="1" rtlCol="0" anchor="ctr" anchorCtr="0" compatLnSpc="1">
+              <a:prstTxWarp prst="textNoShape">
+                <a:avLst/>
+              </a:prstTxWarp>
+              <a:noAutofit/>
+            </a:bodyPr>
+            <a:lstStyle/>
+            <a:p>
+              <a:pPr algn="ctr" defTabSz="685784" fontAlgn="base">
+                <a:lnSpc>
+                  <a:spcPct val="90000"/>
+                </a:lnSpc>
+                <a:spcBef>
+                  <a:spcPct val="0"/>
+                </a:spcBef>
+                <a:spcAft>
+                  <a:spcPct val="0"/>
+                </a:spcAft>
+              </a:pPr>
+              <a:r>
+                <a:rPr lang="en-US" sz="675">
+                  <a:solidFill>
+                    <a:schemeClr val="bg1"/>
+                  </a:solidFill>
+                </a:rPr>
+                <a:t>4</a:t>
+              </a:r>
+              <a:endParaRPr lang="en-US" sz="375">
+                <a:solidFill>
+                  <a:schemeClr val="bg1"/>
+                </a:solidFill>
+              </a:endParaRPr>
+            </a:p>
+          </p:txBody>
+        </p:sp>
+        <p:sp>
+          <p:nvSpPr>
+            <p:cNvPr id="17" name="Rounded Rectangle 16">
+              <a:extLst>
+                <a:ext uri="{FF2B5EF4-FFF2-40B4-BE49-F238E27FC236}">
+                  <a16:creationId xmlns:a16="http://schemas.microsoft.com/office/drawing/2014/main" id="{9CBB2B67-4FF1-D849-9580-604AB4B0D6EE}"/>
+                </a:ext>
+              </a:extLst>
+            </p:cNvPr>
+            <p:cNvSpPr/>
+            <p:nvPr/>
+          </p:nvSpPr>
+          <p:spPr bwMode="auto">
+            <a:xfrm>
+              <a:off x="1874043" y="1635094"/>
+              <a:ext cx="138128" cy="411476"/>
+            </a:xfrm>
+            <a:prstGeom prst="roundRect">
+              <a:avLst/>
+            </a:prstGeom>
+            <a:solidFill>
+              <a:schemeClr val="bg1">
+                <a:lumMod val="50000"/>
+              </a:schemeClr>
+            </a:solidFill>
+            <a:ln>
+              <a:solidFill>
+                <a:schemeClr val="bg1"/>
+              </a:solidFill>
+              <a:prstDash val="solid"/>
+              <a:headEnd type="none" w="med" len="med"/>
+              <a:tailEnd type="none" w="med" len="med"/>
+            </a:ln>
+            <a:effectLst/>
+          </p:spPr>
+          <p:style>
+            <a:lnRef idx="1">
+              <a:schemeClr val="accent5"/>
+            </a:lnRef>
+            <a:fillRef idx="3">
+              <a:schemeClr val="accent5"/>
+            </a:fillRef>
+            <a:effectRef idx="2">
+              <a:schemeClr val="accent5"/>
+            </a:effectRef>
+            <a:fontRef idx="minor">
+              <a:schemeClr val="lt1"/>
+            </a:fontRef>
+          </p:style>
+          <p:txBody>
+            <a:bodyPr vert="horz" wrap="square" lIns="0" tIns="0" rIns="0" bIns="0" numCol="1" rtlCol="0" anchor="ctr" anchorCtr="0" compatLnSpc="1">
+              <a:prstTxWarp prst="textNoShape">
+                <a:avLst/>
+              </a:prstTxWarp>
+              <a:noAutofit/>
+            </a:bodyPr>
+            <a:lstStyle/>
+            <a:p>
+              <a:pPr algn="ctr" defTabSz="685784" fontAlgn="base">
+                <a:lnSpc>
+                  <a:spcPct val="90000"/>
+                </a:lnSpc>
+                <a:spcBef>
+                  <a:spcPct val="0"/>
+                </a:spcBef>
+                <a:spcAft>
+                  <a:spcPct val="0"/>
+                </a:spcAft>
+              </a:pPr>
+              <a:r>
+                <a:rPr lang="en-US" sz="675">
+                  <a:solidFill>
+                    <a:schemeClr val="bg1"/>
+                  </a:solidFill>
+                </a:rPr>
+                <a:t>5</a:t>
+              </a:r>
+              <a:endParaRPr lang="en-US" sz="375">
+                <a:solidFill>
+                  <a:schemeClr val="bg1"/>
+                </a:solidFill>
+              </a:endParaRPr>
+            </a:p>
+          </p:txBody>
+        </p:sp>
+      </p:grpSp>
+      <p:grpSp>
+        <p:nvGrpSpPr>
+          <p:cNvPr id="18" name="Group 17">
+            <a:extLst>
+              <a:ext uri="{FF2B5EF4-FFF2-40B4-BE49-F238E27FC236}">
+                <a16:creationId xmlns:a16="http://schemas.microsoft.com/office/drawing/2014/main" id="{836C1BE6-1B78-FA4C-9205-EA7FD467EBAA}"/>
+              </a:ext>
+            </a:extLst>
+          </p:cNvPr>
+          <p:cNvGrpSpPr/>
+          <p:nvPr/>
+        </p:nvGrpSpPr>
+        <p:grpSpPr>
+          <a:xfrm>
+            <a:off x="1118055" y="2547314"/>
+            <a:ext cx="584621" cy="207055"/>
+            <a:chOff x="1193647" y="1635094"/>
+            <a:chExt cx="818524" cy="411476"/>
+          </a:xfrm>
+        </p:grpSpPr>
+        <p:sp>
+          <p:nvSpPr>
+            <p:cNvPr id="19" name="Rounded Rectangle 18">
+              <a:extLst>
+                <a:ext uri="{FF2B5EF4-FFF2-40B4-BE49-F238E27FC236}">
+                  <a16:creationId xmlns:a16="http://schemas.microsoft.com/office/drawing/2014/main" id="{D6992550-6B85-5041-B69D-789D3A5470FF}"/>
+                </a:ext>
+              </a:extLst>
+            </p:cNvPr>
+            <p:cNvSpPr/>
+            <p:nvPr/>
+          </p:nvSpPr>
+          <p:spPr bwMode="auto">
+            <a:xfrm>
+              <a:off x="1193647" y="1635094"/>
+              <a:ext cx="138128" cy="411476"/>
+            </a:xfrm>
+            <a:prstGeom prst="roundRect">
+              <a:avLst/>
+            </a:prstGeom>
+            <a:solidFill>
+              <a:schemeClr val="bg1">
+                <a:lumMod val="50000"/>
+              </a:schemeClr>
+            </a:solidFill>
+            <a:ln>
+              <a:solidFill>
+                <a:schemeClr val="bg1"/>
+              </a:solidFill>
+              <a:prstDash val="solid"/>
+              <a:headEnd type="none" w="med" len="med"/>
+              <a:tailEnd type="none" w="med" len="med"/>
+            </a:ln>
+            <a:effectLst/>
+          </p:spPr>
+          <p:style>
+            <a:lnRef idx="1">
+              <a:schemeClr val="accent5"/>
+            </a:lnRef>
+            <a:fillRef idx="3">
+              <a:schemeClr val="accent5"/>
+            </a:fillRef>
+            <a:effectRef idx="2">
+              <a:schemeClr val="accent5"/>
+            </a:effectRef>
+            <a:fontRef idx="minor">
+              <a:schemeClr val="lt1"/>
+            </a:fontRef>
+          </p:style>
+          <p:txBody>
+            <a:bodyPr vert="horz" wrap="square" lIns="0" tIns="0" rIns="0" bIns="0" numCol="1" rtlCol="0" anchor="ctr" anchorCtr="0" compatLnSpc="1">
+              <a:prstTxWarp prst="textNoShape">
+                <a:avLst/>
+              </a:prstTxWarp>
+              <a:noAutofit/>
+            </a:bodyPr>
+            <a:lstStyle/>
+            <a:p>
+              <a:pPr algn="ctr" defTabSz="685784" fontAlgn="base">
+                <a:lnSpc>
+                  <a:spcPct val="90000"/>
+                </a:lnSpc>
+                <a:spcBef>
+                  <a:spcPct val="0"/>
+                </a:spcBef>
+                <a:spcAft>
+                  <a:spcPct val="0"/>
+                </a:spcAft>
+              </a:pPr>
+              <a:r>
+                <a:rPr lang="en-US" sz="675">
+                  <a:solidFill>
+                    <a:schemeClr val="bg1"/>
+                  </a:solidFill>
+                </a:rPr>
+                <a:t>0</a:t>
+              </a:r>
+              <a:endParaRPr lang="en-US" sz="375">
+                <a:solidFill>
+                  <a:schemeClr val="bg1"/>
+                </a:solidFill>
+              </a:endParaRPr>
+            </a:p>
+          </p:txBody>
+        </p:sp>
+        <p:sp>
+          <p:nvSpPr>
+            <p:cNvPr id="20" name="Rounded Rectangle 19">
+              <a:extLst>
+                <a:ext uri="{FF2B5EF4-FFF2-40B4-BE49-F238E27FC236}">
+                  <a16:creationId xmlns:a16="http://schemas.microsoft.com/office/drawing/2014/main" id="{47119978-AD75-424B-A145-2AF71D91FC00}"/>
+                </a:ext>
+              </a:extLst>
+            </p:cNvPr>
+            <p:cNvSpPr/>
+            <p:nvPr/>
+          </p:nvSpPr>
+          <p:spPr bwMode="auto">
+            <a:xfrm>
+              <a:off x="1330805" y="1635094"/>
+              <a:ext cx="138128" cy="411476"/>
+            </a:xfrm>
+            <a:prstGeom prst="roundRect">
+              <a:avLst/>
+            </a:prstGeom>
+            <a:solidFill>
+              <a:schemeClr val="bg1">
+                <a:lumMod val="50000"/>
+              </a:schemeClr>
+            </a:solidFill>
+            <a:ln>
+              <a:solidFill>
+                <a:schemeClr val="bg1"/>
+              </a:solidFill>
+              <a:prstDash val="solid"/>
+              <a:headEnd type="none" w="med" len="med"/>
+              <a:tailEnd type="none" w="med" len="med"/>
+            </a:ln>
+            <a:effectLst/>
+          </p:spPr>
+          <p:style>
+            <a:lnRef idx="1">
+              <a:schemeClr val="accent5"/>
+            </a:lnRef>
+            <a:fillRef idx="3">
+              <a:schemeClr val="accent5"/>
+            </a:fillRef>
+            <a:effectRef idx="2">
+              <a:schemeClr val="accent5"/>
+            </a:effectRef>
+            <a:fontRef idx="minor">
+              <a:schemeClr val="lt1"/>
+            </a:fontRef>
+          </p:style>
+          <p:txBody>
+            <a:bodyPr vert="horz" wrap="square" lIns="0" tIns="0" rIns="0" bIns="0" numCol="1" rtlCol="0" anchor="ctr" anchorCtr="0" compatLnSpc="1">
+              <a:prstTxWarp prst="textNoShape">
+                <a:avLst/>
+              </a:prstTxWarp>
+              <a:noAutofit/>
+            </a:bodyPr>
+            <a:lstStyle/>
+            <a:p>
+              <a:pPr algn="ctr" defTabSz="685784" fontAlgn="base">
+                <a:lnSpc>
+                  <a:spcPct val="90000"/>
+                </a:lnSpc>
+                <a:spcBef>
+                  <a:spcPct val="0"/>
+                </a:spcBef>
+                <a:spcAft>
+                  <a:spcPct val="0"/>
+                </a:spcAft>
+              </a:pPr>
+              <a:r>
+                <a:rPr lang="en-US" sz="675">
+                  <a:solidFill>
+                    <a:schemeClr val="bg1"/>
+                  </a:solidFill>
+                </a:rPr>
+                <a:t>1</a:t>
+              </a:r>
+              <a:endParaRPr lang="en-US" sz="375">
+                <a:solidFill>
+                  <a:schemeClr val="bg1"/>
+                </a:solidFill>
+              </a:endParaRPr>
+            </a:p>
+          </p:txBody>
+        </p:sp>
+        <p:sp>
+          <p:nvSpPr>
+            <p:cNvPr id="21" name="Rounded Rectangle 20">
+              <a:extLst>
+                <a:ext uri="{FF2B5EF4-FFF2-40B4-BE49-F238E27FC236}">
+                  <a16:creationId xmlns:a16="http://schemas.microsoft.com/office/drawing/2014/main" id="{646DA375-F5FA-7842-A227-C547EF16892E}"/>
+                </a:ext>
+              </a:extLst>
+            </p:cNvPr>
+            <p:cNvSpPr/>
+            <p:nvPr/>
+          </p:nvSpPr>
+          <p:spPr bwMode="auto">
+            <a:xfrm>
+              <a:off x="1468934" y="1635094"/>
+              <a:ext cx="138128" cy="411476"/>
+            </a:xfrm>
+            <a:prstGeom prst="roundRect">
+              <a:avLst/>
+            </a:prstGeom>
+            <a:solidFill>
+              <a:schemeClr val="bg1">
+                <a:lumMod val="50000"/>
+              </a:schemeClr>
+            </a:solidFill>
+            <a:ln>
+              <a:solidFill>
+                <a:schemeClr val="bg1"/>
+              </a:solidFill>
+              <a:prstDash val="solid"/>
+              <a:headEnd type="none" w="med" len="med"/>
+              <a:tailEnd type="none" w="med" len="med"/>
+            </a:ln>
+            <a:effectLst/>
+          </p:spPr>
+          <p:style>
+            <a:lnRef idx="1">
+              <a:schemeClr val="accent5"/>
+            </a:lnRef>
+            <a:fillRef idx="3">
+              <a:schemeClr val="accent5"/>
+            </a:fillRef>
+            <a:effectRef idx="2">
+              <a:schemeClr val="accent5"/>
+            </a:effectRef>
+            <a:fontRef idx="minor">
+              <a:schemeClr val="lt1"/>
+            </a:fontRef>
+          </p:style>
+          <p:txBody>
+            <a:bodyPr vert="horz" wrap="square" lIns="0" tIns="0" rIns="0" bIns="0" numCol="1" rtlCol="0" anchor="ctr" anchorCtr="0" compatLnSpc="1">
+              <a:prstTxWarp prst="textNoShape">
+                <a:avLst/>
+              </a:prstTxWarp>
+              <a:noAutofit/>
+            </a:bodyPr>
+            <a:lstStyle/>
+            <a:p>
+              <a:pPr algn="ctr" defTabSz="685784" fontAlgn="base">
+                <a:lnSpc>
+                  <a:spcPct val="90000"/>
+                </a:lnSpc>
+                <a:spcBef>
+                  <a:spcPct val="0"/>
+                </a:spcBef>
+                <a:spcAft>
+                  <a:spcPct val="0"/>
+                </a:spcAft>
+              </a:pPr>
+              <a:r>
+                <a:rPr lang="en-US" sz="675">
+                  <a:solidFill>
+                    <a:schemeClr val="bg1"/>
+                  </a:solidFill>
+                </a:rPr>
+                <a:t>2</a:t>
+              </a:r>
+              <a:endParaRPr lang="en-US" sz="375">
+                <a:solidFill>
+                  <a:schemeClr val="bg1"/>
+                </a:solidFill>
+              </a:endParaRPr>
+            </a:p>
+          </p:txBody>
+        </p:sp>
+        <p:sp>
+          <p:nvSpPr>
+            <p:cNvPr id="22" name="Rounded Rectangle 21">
+              <a:extLst>
+                <a:ext uri="{FF2B5EF4-FFF2-40B4-BE49-F238E27FC236}">
+                  <a16:creationId xmlns:a16="http://schemas.microsoft.com/office/drawing/2014/main" id="{D9F21CDB-6035-A044-8303-B0C1006CD593}"/>
+                </a:ext>
+              </a:extLst>
+            </p:cNvPr>
+            <p:cNvSpPr/>
+            <p:nvPr/>
+          </p:nvSpPr>
+          <p:spPr bwMode="auto">
+            <a:xfrm>
+              <a:off x="1606093" y="1635094"/>
+              <a:ext cx="138128" cy="411476"/>
+            </a:xfrm>
+            <a:prstGeom prst="roundRect">
+              <a:avLst/>
+            </a:prstGeom>
+            <a:solidFill>
+              <a:schemeClr val="bg1">
+                <a:lumMod val="50000"/>
+              </a:schemeClr>
+            </a:solidFill>
+            <a:ln>
+              <a:solidFill>
+                <a:schemeClr val="bg1"/>
+              </a:solidFill>
+              <a:prstDash val="solid"/>
+              <a:headEnd type="none" w="med" len="med"/>
+              <a:tailEnd type="none" w="med" len="med"/>
+            </a:ln>
+            <a:effectLst/>
+          </p:spPr>
+          <p:style>
+            <a:lnRef idx="1">
+              <a:schemeClr val="accent5"/>
+            </a:lnRef>
+            <a:fillRef idx="3">
+              <a:schemeClr val="accent5"/>
+            </a:fillRef>
+            <a:effectRef idx="2">
+              <a:schemeClr val="accent5"/>
+            </a:effectRef>
+            <a:fontRef idx="minor">
+              <a:schemeClr val="lt1"/>
+            </a:fontRef>
+          </p:style>
+          <p:txBody>
+            <a:bodyPr vert="horz" wrap="square" lIns="0" tIns="0" rIns="0" bIns="0" numCol="1" rtlCol="0" anchor="ctr" anchorCtr="0" compatLnSpc="1">
+              <a:prstTxWarp prst="textNoShape">
+                <a:avLst/>
+              </a:prstTxWarp>
+              <a:noAutofit/>
+            </a:bodyPr>
+            <a:lstStyle/>
+            <a:p>
+              <a:pPr algn="ctr" defTabSz="685784" fontAlgn="base">
+                <a:lnSpc>
+                  <a:spcPct val="90000"/>
+                </a:lnSpc>
+                <a:spcBef>
+                  <a:spcPct val="0"/>
+                </a:spcBef>
+                <a:spcAft>
+                  <a:spcPct val="0"/>
+                </a:spcAft>
+              </a:pPr>
+              <a:r>
+                <a:rPr lang="en-US" sz="675">
+                  <a:solidFill>
+                    <a:schemeClr val="bg1"/>
+                  </a:solidFill>
+                </a:rPr>
+                <a:t>3</a:t>
+              </a:r>
+              <a:endParaRPr lang="en-US" sz="375">
+                <a:solidFill>
+                  <a:schemeClr val="bg1"/>
+                </a:solidFill>
+              </a:endParaRPr>
+            </a:p>
+          </p:txBody>
+        </p:sp>
+        <p:sp>
+          <p:nvSpPr>
+            <p:cNvPr id="23" name="Rounded Rectangle 22">
+              <a:extLst>
+                <a:ext uri="{FF2B5EF4-FFF2-40B4-BE49-F238E27FC236}">
+                  <a16:creationId xmlns:a16="http://schemas.microsoft.com/office/drawing/2014/main" id="{C482BC6E-675E-5040-B238-588C2A6EC8A4}"/>
+                </a:ext>
+              </a:extLst>
+            </p:cNvPr>
+            <p:cNvSpPr/>
+            <p:nvPr/>
+          </p:nvSpPr>
+          <p:spPr bwMode="auto">
+            <a:xfrm>
+              <a:off x="1744220" y="1635094"/>
+              <a:ext cx="138128" cy="411476"/>
+            </a:xfrm>
+            <a:prstGeom prst="roundRect">
+              <a:avLst/>
+            </a:prstGeom>
+            <a:solidFill>
+              <a:schemeClr val="bg1">
+                <a:lumMod val="50000"/>
+              </a:schemeClr>
+            </a:solidFill>
+            <a:ln>
+              <a:solidFill>
+                <a:schemeClr val="bg1"/>
+              </a:solidFill>
+              <a:prstDash val="solid"/>
+              <a:headEnd type="none" w="med" len="med"/>
+              <a:tailEnd type="none" w="med" len="med"/>
+            </a:ln>
+            <a:effectLst/>
+          </p:spPr>
+          <p:style>
+            <a:lnRef idx="1">
+              <a:schemeClr val="accent5"/>
+            </a:lnRef>
+            <a:fillRef idx="3">
+              <a:schemeClr val="accent5"/>
+            </a:fillRef>
+            <a:effectRef idx="2">
+              <a:schemeClr val="accent5"/>
+            </a:effectRef>
+            <a:fontRef idx="minor">
+              <a:schemeClr val="lt1"/>
+            </a:fontRef>
+          </p:style>
+          <p:txBody>
+            <a:bodyPr vert="horz" wrap="square" lIns="0" tIns="0" rIns="0" bIns="0" numCol="1" rtlCol="0" anchor="ctr" anchorCtr="0" compatLnSpc="1">
+              <a:prstTxWarp prst="textNoShape">
+                <a:avLst/>
+              </a:prstTxWarp>
+              <a:noAutofit/>
+            </a:bodyPr>
+            <a:lstStyle/>
+            <a:p>
+              <a:pPr algn="ctr" defTabSz="685784" fontAlgn="base">
+                <a:lnSpc>
+                  <a:spcPct val="90000"/>
+                </a:lnSpc>
+                <a:spcBef>
+                  <a:spcPct val="0"/>
+                </a:spcBef>
+                <a:spcAft>
+                  <a:spcPct val="0"/>
+                </a:spcAft>
+              </a:pPr>
+              <a:r>
+                <a:rPr lang="en-US" sz="675">
+                  <a:solidFill>
+                    <a:schemeClr val="bg1"/>
+                  </a:solidFill>
+                </a:rPr>
+                <a:t>4</a:t>
+              </a:r>
+              <a:endParaRPr lang="en-US" sz="375">
+                <a:solidFill>
+                  <a:schemeClr val="bg1"/>
+                </a:solidFill>
+              </a:endParaRPr>
+            </a:p>
+          </p:txBody>
+        </p:sp>
+        <p:sp>
+          <p:nvSpPr>
+            <p:cNvPr id="24" name="Rounded Rectangle 23">
+              <a:extLst>
+                <a:ext uri="{FF2B5EF4-FFF2-40B4-BE49-F238E27FC236}">
+                  <a16:creationId xmlns:a16="http://schemas.microsoft.com/office/drawing/2014/main" id="{832074C6-DF0F-AE4C-B17C-618C9FEB9067}"/>
+                </a:ext>
+              </a:extLst>
+            </p:cNvPr>
+            <p:cNvSpPr/>
+            <p:nvPr/>
+          </p:nvSpPr>
+          <p:spPr bwMode="auto">
+            <a:xfrm>
+              <a:off x="1874043" y="1635094"/>
+              <a:ext cx="138128" cy="411476"/>
+            </a:xfrm>
+            <a:prstGeom prst="roundRect">
+              <a:avLst/>
+            </a:prstGeom>
+            <a:solidFill>
+              <a:schemeClr val="bg1">
+                <a:lumMod val="50000"/>
+              </a:schemeClr>
+            </a:solidFill>
+            <a:ln>
+              <a:solidFill>
+                <a:schemeClr val="bg1"/>
+              </a:solidFill>
+              <a:prstDash val="solid"/>
+              <a:headEnd type="none" w="med" len="med"/>
+              <a:tailEnd type="none" w="med" len="med"/>
+            </a:ln>
+            <a:effectLst/>
+          </p:spPr>
+          <p:style>
+            <a:lnRef idx="1">
+              <a:schemeClr val="accent5"/>
+            </a:lnRef>
+            <a:fillRef idx="3">
+              <a:schemeClr val="accent5"/>
+            </a:fillRef>
+            <a:effectRef idx="2">
+              <a:schemeClr val="accent5"/>
+            </a:effectRef>
+            <a:fontRef idx="minor">
+              <a:schemeClr val="lt1"/>
+            </a:fontRef>
+          </p:style>
+          <p:txBody>
+            <a:bodyPr vert="horz" wrap="square" lIns="0" tIns="0" rIns="0" bIns="0" numCol="1" rtlCol="0" anchor="ctr" anchorCtr="0" compatLnSpc="1">
+              <a:prstTxWarp prst="textNoShape">
+                <a:avLst/>
+              </a:prstTxWarp>
+              <a:noAutofit/>
+            </a:bodyPr>
+            <a:lstStyle/>
+            <a:p>
+              <a:pPr algn="ctr" defTabSz="685784" fontAlgn="base">
+                <a:lnSpc>
+                  <a:spcPct val="90000"/>
+                </a:lnSpc>
+                <a:spcBef>
+                  <a:spcPct val="0"/>
+                </a:spcBef>
+                <a:spcAft>
+                  <a:spcPct val="0"/>
+                </a:spcAft>
+              </a:pPr>
+              <a:r>
+                <a:rPr lang="en-US" sz="675">
+                  <a:solidFill>
+                    <a:schemeClr val="bg1"/>
+                  </a:solidFill>
+                </a:rPr>
+                <a:t>5</a:t>
+              </a:r>
+              <a:endParaRPr lang="en-US" sz="375">
+                <a:solidFill>
+                  <a:schemeClr val="bg1"/>
+                </a:solidFill>
+              </a:endParaRPr>
+            </a:p>
+          </p:txBody>
+        </p:sp>
+      </p:grpSp>
+      <p:grpSp>
+        <p:nvGrpSpPr>
+          <p:cNvPr id="25" name="Group 24">
+            <a:extLst>
+              <a:ext uri="{FF2B5EF4-FFF2-40B4-BE49-F238E27FC236}">
+                <a16:creationId xmlns:a16="http://schemas.microsoft.com/office/drawing/2014/main" id="{DC8A9BB4-BD82-FD4E-8918-DE8AD416748F}"/>
+              </a:ext>
+            </a:extLst>
+          </p:cNvPr>
+          <p:cNvGrpSpPr/>
+          <p:nvPr/>
+        </p:nvGrpSpPr>
+        <p:grpSpPr>
+          <a:xfrm>
+            <a:off x="1118055" y="2884304"/>
+            <a:ext cx="584621" cy="207055"/>
+            <a:chOff x="1193647" y="1635094"/>
+            <a:chExt cx="818524" cy="411476"/>
+          </a:xfrm>
+        </p:grpSpPr>
+        <p:sp>
+          <p:nvSpPr>
+            <p:cNvPr id="26" name="Rounded Rectangle 25">
+              <a:extLst>
+                <a:ext uri="{FF2B5EF4-FFF2-40B4-BE49-F238E27FC236}">
+                  <a16:creationId xmlns:a16="http://schemas.microsoft.com/office/drawing/2014/main" id="{A7604A79-0CE2-B646-A2B3-A4FFEAE43BE3}"/>
+                </a:ext>
+              </a:extLst>
+            </p:cNvPr>
+            <p:cNvSpPr/>
+            <p:nvPr/>
+          </p:nvSpPr>
+          <p:spPr bwMode="auto">
+            <a:xfrm>
+              <a:off x="1193647" y="1635094"/>
+              <a:ext cx="138128" cy="411476"/>
+            </a:xfrm>
+            <a:prstGeom prst="roundRect">
+              <a:avLst/>
+            </a:prstGeom>
+            <a:solidFill>
+              <a:schemeClr val="bg1">
+                <a:lumMod val="50000"/>
+              </a:schemeClr>
+            </a:solidFill>
+            <a:ln>
+              <a:solidFill>
+                <a:schemeClr val="bg1"/>
+              </a:solidFill>
+              <a:prstDash val="solid"/>
+              <a:headEnd type="none" w="med" len="med"/>
+              <a:tailEnd type="none" w="med" len="med"/>
+            </a:ln>
+            <a:effectLst/>
+          </p:spPr>
+          <p:style>
+            <a:lnRef idx="1">
+              <a:schemeClr val="accent5"/>
+            </a:lnRef>
+            <a:fillRef idx="3">
+              <a:schemeClr val="accent5"/>
+            </a:fillRef>
+            <a:effectRef idx="2">
+              <a:schemeClr val="accent5"/>
+            </a:effectRef>
+            <a:fontRef idx="minor">
+              <a:schemeClr val="lt1"/>
+            </a:fontRef>
+          </p:style>
+          <p:txBody>
+            <a:bodyPr vert="horz" wrap="square" lIns="0" tIns="0" rIns="0" bIns="0" numCol="1" rtlCol="0" anchor="ctr" anchorCtr="0" compatLnSpc="1">
+              <a:prstTxWarp prst="textNoShape">
+                <a:avLst/>
+              </a:prstTxWarp>
+              <a:noAutofit/>
+            </a:bodyPr>
+            <a:lstStyle/>
+            <a:p>
+              <a:pPr algn="ctr" defTabSz="685784" fontAlgn="base">
+                <a:lnSpc>
+                  <a:spcPct val="90000"/>
+                </a:lnSpc>
+                <a:spcBef>
+                  <a:spcPct val="0"/>
+                </a:spcBef>
+                <a:spcAft>
+                  <a:spcPct val="0"/>
+                </a:spcAft>
+              </a:pPr>
+              <a:r>
+                <a:rPr lang="en-US" sz="675">
+                  <a:solidFill>
+                    <a:schemeClr val="bg1"/>
+                  </a:solidFill>
+                </a:rPr>
+                <a:t>0</a:t>
+              </a:r>
+              <a:endParaRPr lang="en-US" sz="375">
+                <a:solidFill>
+                  <a:schemeClr val="bg1"/>
+                </a:solidFill>
+              </a:endParaRPr>
+            </a:p>
+          </p:txBody>
+        </p:sp>
+        <p:sp>
+          <p:nvSpPr>
+            <p:cNvPr id="27" name="Rounded Rectangle 26">
+              <a:extLst>
+                <a:ext uri="{FF2B5EF4-FFF2-40B4-BE49-F238E27FC236}">
+                  <a16:creationId xmlns:a16="http://schemas.microsoft.com/office/drawing/2014/main" id="{7DC81D97-CCFB-2F4F-BF68-D3E5348F7DFE}"/>
+                </a:ext>
+              </a:extLst>
+            </p:cNvPr>
+            <p:cNvSpPr/>
+            <p:nvPr/>
+          </p:nvSpPr>
+          <p:spPr bwMode="auto">
+            <a:xfrm>
+              <a:off x="1330805" y="1635094"/>
+              <a:ext cx="138128" cy="411476"/>
+            </a:xfrm>
+            <a:prstGeom prst="roundRect">
+              <a:avLst/>
+            </a:prstGeom>
+            <a:solidFill>
+              <a:schemeClr val="bg1">
+                <a:lumMod val="50000"/>
+              </a:schemeClr>
+            </a:solidFill>
+            <a:ln>
+              <a:solidFill>
+                <a:schemeClr val="bg1"/>
+              </a:solidFill>
+              <a:prstDash val="solid"/>
+              <a:headEnd type="none" w="med" len="med"/>
+              <a:tailEnd type="none" w="med" len="med"/>
+            </a:ln>
+            <a:effectLst/>
+          </p:spPr>
+          <p:style>
+            <a:lnRef idx="1">
+              <a:schemeClr val="accent5"/>
+            </a:lnRef>
+            <a:fillRef idx="3">
+              <a:schemeClr val="accent5"/>
+            </a:fillRef>
+            <a:effectRef idx="2">
+              <a:schemeClr val="accent5"/>
+            </a:effectRef>
+            <a:fontRef idx="minor">
+              <a:schemeClr val="lt1"/>
+            </a:fontRef>
+          </p:style>
+          <p:txBody>
+            <a:bodyPr vert="horz" wrap="square" lIns="0" tIns="0" rIns="0" bIns="0" numCol="1" rtlCol="0" anchor="ctr" anchorCtr="0" compatLnSpc="1">
+              <a:prstTxWarp prst="textNoShape">
+                <a:avLst/>
+              </a:prstTxWarp>
+              <a:noAutofit/>
+            </a:bodyPr>
+            <a:lstStyle/>
+            <a:p>
+              <a:pPr algn="ctr" defTabSz="685784" fontAlgn="base">
+                <a:lnSpc>
+                  <a:spcPct val="90000"/>
+                </a:lnSpc>
+                <a:spcBef>
+                  <a:spcPct val="0"/>
+                </a:spcBef>
+                <a:spcAft>
+                  <a:spcPct val="0"/>
+                </a:spcAft>
+              </a:pPr>
+              <a:r>
+                <a:rPr lang="en-US" sz="675">
+                  <a:solidFill>
+                    <a:schemeClr val="bg1"/>
+                  </a:solidFill>
+                </a:rPr>
+                <a:t>1</a:t>
+              </a:r>
+              <a:endParaRPr lang="en-US" sz="375">
+                <a:solidFill>
+                  <a:schemeClr val="bg1"/>
+                </a:solidFill>
+              </a:endParaRPr>
+            </a:p>
+          </p:txBody>
+        </p:sp>
+        <p:sp>
+          <p:nvSpPr>
+            <p:cNvPr id="28" name="Rounded Rectangle 27">
+              <a:extLst>
+                <a:ext uri="{FF2B5EF4-FFF2-40B4-BE49-F238E27FC236}">
+                  <a16:creationId xmlns:a16="http://schemas.microsoft.com/office/drawing/2014/main" id="{271DA687-FE90-0743-856F-E8A64AC1DAAB}"/>
+                </a:ext>
+              </a:extLst>
+            </p:cNvPr>
+            <p:cNvSpPr/>
+            <p:nvPr/>
+          </p:nvSpPr>
+          <p:spPr bwMode="auto">
+            <a:xfrm>
+              <a:off x="1468934" y="1635094"/>
+              <a:ext cx="138128" cy="411476"/>
+            </a:xfrm>
+            <a:prstGeom prst="roundRect">
+              <a:avLst/>
+            </a:prstGeom>
+            <a:solidFill>
+              <a:schemeClr val="bg1">
+                <a:lumMod val="50000"/>
+              </a:schemeClr>
+            </a:solidFill>
+            <a:ln>
+              <a:solidFill>
+                <a:schemeClr val="bg1"/>
+              </a:solidFill>
+              <a:prstDash val="solid"/>
+              <a:headEnd type="none" w="med" len="med"/>
+              <a:tailEnd type="none" w="med" len="med"/>
+            </a:ln>
+            <a:effectLst/>
+          </p:spPr>
+          <p:style>
+            <a:lnRef idx="1">
+              <a:schemeClr val="accent5"/>
+            </a:lnRef>
+            <a:fillRef idx="3">
+              <a:schemeClr val="accent5"/>
+            </a:fillRef>
+            <a:effectRef idx="2">
+              <a:schemeClr val="accent5"/>
+            </a:effectRef>
+            <a:fontRef idx="minor">
+              <a:schemeClr val="lt1"/>
+            </a:fontRef>
+          </p:style>
+          <p:txBody>
+            <a:bodyPr vert="horz" wrap="square" lIns="0" tIns="0" rIns="0" bIns="0" numCol="1" rtlCol="0" anchor="ctr" anchorCtr="0" compatLnSpc="1">
+              <a:prstTxWarp prst="textNoShape">
+                <a:avLst/>
+              </a:prstTxWarp>
+              <a:noAutofit/>
+            </a:bodyPr>
+            <a:lstStyle/>
+            <a:p>
+              <a:pPr algn="ctr" defTabSz="685784" fontAlgn="base">
+                <a:lnSpc>
+                  <a:spcPct val="90000"/>
+                </a:lnSpc>
+                <a:spcBef>
+                  <a:spcPct val="0"/>
+                </a:spcBef>
+                <a:spcAft>
+                  <a:spcPct val="0"/>
+                </a:spcAft>
+              </a:pPr>
+              <a:r>
+                <a:rPr lang="en-US" sz="675">
+                  <a:solidFill>
+                    <a:schemeClr val="bg1"/>
+                  </a:solidFill>
+                </a:rPr>
+                <a:t>2</a:t>
+              </a:r>
+              <a:endParaRPr lang="en-US" sz="375">
+                <a:solidFill>
+                  <a:schemeClr val="bg1"/>
+                </a:solidFill>
+              </a:endParaRPr>
+            </a:p>
+          </p:txBody>
+        </p:sp>
+        <p:sp>
+          <p:nvSpPr>
+            <p:cNvPr id="29" name="Rounded Rectangle 28">
+              <a:extLst>
+                <a:ext uri="{FF2B5EF4-FFF2-40B4-BE49-F238E27FC236}">
+                  <a16:creationId xmlns:a16="http://schemas.microsoft.com/office/drawing/2014/main" id="{8AA826C1-6246-EC43-A0DC-8994BD270D71}"/>
+                </a:ext>
+              </a:extLst>
+            </p:cNvPr>
+            <p:cNvSpPr/>
+            <p:nvPr/>
+          </p:nvSpPr>
+          <p:spPr bwMode="auto">
+            <a:xfrm>
+              <a:off x="1606093" y="1635094"/>
+              <a:ext cx="138128" cy="411476"/>
+            </a:xfrm>
+            <a:prstGeom prst="roundRect">
+              <a:avLst/>
+            </a:prstGeom>
+            <a:solidFill>
+              <a:schemeClr val="bg1">
+                <a:lumMod val="50000"/>
+              </a:schemeClr>
+            </a:solidFill>
+            <a:ln>
+              <a:solidFill>
+                <a:schemeClr val="bg1"/>
+              </a:solidFill>
+              <a:prstDash val="solid"/>
+              <a:headEnd type="none" w="med" len="med"/>
+              <a:tailEnd type="none" w="med" len="med"/>
+            </a:ln>
+            <a:effectLst/>
+          </p:spPr>
+          <p:style>
+            <a:lnRef idx="1">
+              <a:schemeClr val="accent5"/>
+            </a:lnRef>
+            <a:fillRef idx="3">
+              <a:schemeClr val="accent5"/>
+            </a:fillRef>
+            <a:effectRef idx="2">
+              <a:schemeClr val="accent5"/>
+            </a:effectRef>
+            <a:fontRef idx="minor">
+              <a:schemeClr val="lt1"/>
+            </a:fontRef>
+          </p:style>
+          <p:txBody>
+            <a:bodyPr vert="horz" wrap="square" lIns="0" tIns="0" rIns="0" bIns="0" numCol="1" rtlCol="0" anchor="ctr" anchorCtr="0" compatLnSpc="1">
+              <a:prstTxWarp prst="textNoShape">
+                <a:avLst/>
+              </a:prstTxWarp>
+              <a:noAutofit/>
+            </a:bodyPr>
+            <a:lstStyle/>
+            <a:p>
+              <a:pPr algn="ctr" defTabSz="685784" fontAlgn="base">
+                <a:lnSpc>
+                  <a:spcPct val="90000"/>
+                </a:lnSpc>
+                <a:spcBef>
+                  <a:spcPct val="0"/>
+                </a:spcBef>
+                <a:spcAft>
+                  <a:spcPct val="0"/>
+                </a:spcAft>
+              </a:pPr>
+              <a:r>
+                <a:rPr lang="en-US" sz="675">
+                  <a:solidFill>
+                    <a:schemeClr val="bg1"/>
+                  </a:solidFill>
+                </a:rPr>
+                <a:t>3</a:t>
+              </a:r>
+              <a:endParaRPr lang="en-US" sz="375">
+                <a:solidFill>
+                  <a:schemeClr val="bg1"/>
+                </a:solidFill>
+              </a:endParaRPr>
+            </a:p>
+          </p:txBody>
+        </p:sp>
+        <p:sp>
+          <p:nvSpPr>
+            <p:cNvPr id="30" name="Rounded Rectangle 29">
+              <a:extLst>
+                <a:ext uri="{FF2B5EF4-FFF2-40B4-BE49-F238E27FC236}">
+                  <a16:creationId xmlns:a16="http://schemas.microsoft.com/office/drawing/2014/main" id="{A6F71966-BF3A-F248-88FD-9E90EB4A0D24}"/>
+                </a:ext>
+              </a:extLst>
+            </p:cNvPr>
+            <p:cNvSpPr/>
+            <p:nvPr/>
+          </p:nvSpPr>
+          <p:spPr bwMode="auto">
+            <a:xfrm>
+              <a:off x="1744220" y="1635094"/>
+              <a:ext cx="138128" cy="411476"/>
+            </a:xfrm>
+            <a:prstGeom prst="roundRect">
+              <a:avLst/>
+            </a:prstGeom>
+            <a:solidFill>
+              <a:schemeClr val="bg1">
+                <a:lumMod val="50000"/>
+              </a:schemeClr>
+            </a:solidFill>
+            <a:ln>
+              <a:solidFill>
+                <a:schemeClr val="bg1"/>
+              </a:solidFill>
+              <a:prstDash val="solid"/>
+              <a:headEnd type="none" w="med" len="med"/>
+              <a:tailEnd type="none" w="med" len="med"/>
+            </a:ln>
+            <a:effectLst/>
+          </p:spPr>
+          <p:style>
+            <a:lnRef idx="1">
+              <a:schemeClr val="accent5"/>
+            </a:lnRef>
+            <a:fillRef idx="3">
+              <a:schemeClr val="accent5"/>
+            </a:fillRef>
+            <a:effectRef idx="2">
+              <a:schemeClr val="accent5"/>
+            </a:effectRef>
+            <a:fontRef idx="minor">
+              <a:schemeClr val="lt1"/>
+            </a:fontRef>
+          </p:style>
+          <p:txBody>
+            <a:bodyPr vert="horz" wrap="square" lIns="0" tIns="0" rIns="0" bIns="0" numCol="1" rtlCol="0" anchor="ctr" anchorCtr="0" compatLnSpc="1">
+              <a:prstTxWarp prst="textNoShape">
+                <a:avLst/>
+              </a:prstTxWarp>
+              <a:noAutofit/>
+            </a:bodyPr>
+            <a:lstStyle/>
+            <a:p>
+              <a:pPr algn="ctr" defTabSz="685784" fontAlgn="base">
+                <a:lnSpc>
+                  <a:spcPct val="90000"/>
+                </a:lnSpc>
+                <a:spcBef>
+                  <a:spcPct val="0"/>
+                </a:spcBef>
+                <a:spcAft>
+                  <a:spcPct val="0"/>
+                </a:spcAft>
+              </a:pPr>
+              <a:r>
+                <a:rPr lang="en-US" sz="675">
+                  <a:solidFill>
+                    <a:schemeClr val="bg1"/>
+                  </a:solidFill>
+                </a:rPr>
+                <a:t>4</a:t>
+              </a:r>
+              <a:endParaRPr lang="en-US" sz="375">
+                <a:solidFill>
+                  <a:schemeClr val="bg1"/>
+                </a:solidFill>
+              </a:endParaRPr>
+            </a:p>
+          </p:txBody>
+        </p:sp>
+        <p:sp>
+          <p:nvSpPr>
+            <p:cNvPr id="31" name="Rounded Rectangle 30">
+              <a:extLst>
+                <a:ext uri="{FF2B5EF4-FFF2-40B4-BE49-F238E27FC236}">
+                  <a16:creationId xmlns:a16="http://schemas.microsoft.com/office/drawing/2014/main" id="{4BFF0712-9FF7-514C-A85C-C29B0131268B}"/>
+                </a:ext>
+              </a:extLst>
+            </p:cNvPr>
+            <p:cNvSpPr/>
+            <p:nvPr/>
+          </p:nvSpPr>
+          <p:spPr bwMode="auto">
+            <a:xfrm>
+              <a:off x="1874043" y="1635094"/>
+              <a:ext cx="138128" cy="411476"/>
+            </a:xfrm>
+            <a:prstGeom prst="roundRect">
+              <a:avLst/>
+            </a:prstGeom>
+            <a:solidFill>
+              <a:schemeClr val="bg1">
+                <a:lumMod val="50000"/>
+              </a:schemeClr>
+            </a:solidFill>
+            <a:ln>
+              <a:solidFill>
+                <a:schemeClr val="bg1"/>
+              </a:solidFill>
+              <a:prstDash val="solid"/>
+              <a:headEnd type="none" w="med" len="med"/>
+              <a:tailEnd type="none" w="med" len="med"/>
+            </a:ln>
+            <a:effectLst/>
+          </p:spPr>
+          <p:style>
+            <a:lnRef idx="1">
+              <a:schemeClr val="accent5"/>
+            </a:lnRef>
+            <a:fillRef idx="3">
+              <a:schemeClr val="accent5"/>
+            </a:fillRef>
+            <a:effectRef idx="2">
+              <a:schemeClr val="accent5"/>
+            </a:effectRef>
+            <a:fontRef idx="minor">
+              <a:schemeClr val="lt1"/>
+            </a:fontRef>
+          </p:style>
+          <p:txBody>
+            <a:bodyPr vert="horz" wrap="square" lIns="0" tIns="0" rIns="0" bIns="0" numCol="1" rtlCol="0" anchor="ctr" anchorCtr="0" compatLnSpc="1">
+              <a:prstTxWarp prst="textNoShape">
+                <a:avLst/>
+              </a:prstTxWarp>
+              <a:noAutofit/>
+            </a:bodyPr>
+            <a:lstStyle/>
+            <a:p>
+              <a:pPr algn="ctr" defTabSz="685784" fontAlgn="base">
+                <a:lnSpc>
+                  <a:spcPct val="90000"/>
+                </a:lnSpc>
+                <a:spcBef>
+                  <a:spcPct val="0"/>
+                </a:spcBef>
+                <a:spcAft>
+                  <a:spcPct val="0"/>
+                </a:spcAft>
+              </a:pPr>
+              <a:r>
+                <a:rPr lang="en-US" sz="675">
+                  <a:solidFill>
+                    <a:schemeClr val="bg1"/>
+                  </a:solidFill>
+                </a:rPr>
+                <a:t>5</a:t>
+              </a:r>
+              <a:endParaRPr lang="en-US" sz="375">
+                <a:solidFill>
+                  <a:schemeClr val="bg1"/>
+                </a:solidFill>
+              </a:endParaRPr>
+            </a:p>
+          </p:txBody>
+        </p:sp>
+      </p:grpSp>
+      <p:sp>
+        <p:nvSpPr>
+          <p:cNvPr id="32" name="Left Brace 31">
+            <a:extLst>
+              <a:ext uri="{FF2B5EF4-FFF2-40B4-BE49-F238E27FC236}">
+                <a16:creationId xmlns:a16="http://schemas.microsoft.com/office/drawing/2014/main" id="{2D136F6E-5781-124E-B955-FF3B3AC9DD29}"/>
+              </a:ext>
+            </a:extLst>
+          </p:cNvPr>
+          <p:cNvSpPr/>
+          <p:nvPr/>
+        </p:nvSpPr>
+        <p:spPr>
+          <a:xfrm>
+            <a:off x="835901" y="2195219"/>
+            <a:ext cx="155448" cy="914400"/>
+          </a:xfrm>
+          <a:prstGeom prst="leftBrace">
+            <a:avLst/>
+          </a:prstGeom>
+          <a:ln>
+            <a:solidFill>
+              <a:schemeClr val="accent6"/>
+            </a:solidFill>
+          </a:ln>
+          <a:effectLst/>
+        </p:spPr>
+        <p:style>
+          <a:lnRef idx="2">
+            <a:schemeClr val="accent1"/>
+          </a:lnRef>
+          <a:fillRef idx="0">
+            <a:schemeClr val="accent1"/>
+          </a:fillRef>
+          <a:effectRef idx="1">
+            <a:schemeClr val="accent1"/>
+          </a:effectRef>
+          <a:fontRef idx="minor">
+            <a:schemeClr val="tx1"/>
+          </a:fontRef>
+        </p:style>
+        <p:txBody>
+          <a:bodyPr rtlCol="0" anchor="ctr"/>
+          <a:lstStyle/>
+          <a:p>
+            <a:pPr algn="ctr"/>
+            <a:endParaRPr/>
+          </a:p>
+        </p:txBody>
+      </p:sp>
+      <p:sp>
+        <p:nvSpPr>
+          <p:cNvPr id="33" name="TextBox 32">
+            <a:extLst>
+              <a:ext uri="{FF2B5EF4-FFF2-40B4-BE49-F238E27FC236}">
+                <a16:creationId xmlns:a16="http://schemas.microsoft.com/office/drawing/2014/main" id="{2B935F81-00D7-1144-BB09-BA946664FD33}"/>
+              </a:ext>
+            </a:extLst>
+          </p:cNvPr>
+          <p:cNvSpPr txBox="1"/>
+          <p:nvPr/>
+        </p:nvSpPr>
+        <p:spPr>
+          <a:xfrm>
+            <a:off x="175593" y="2532209"/>
+            <a:ext cx="1462260" cy="1015663"/>
+          </a:xfrm>
+          <a:prstGeom prst="rect">
+            <a:avLst/>
+          </a:prstGeom>
+          <a:noFill/>
+        </p:spPr>
+        <p:txBody>
+          <a:bodyPr wrap="none" rtlCol="0">
+            <a:spAutoFit/>
+          </a:bodyPr>
+          <a:lstStyle/>
+          <a:p>
+            <a:r>
+              <a:rPr lang="en-US" sz="1000" dirty="0"/>
+              <a:t>topic-in</a:t>
+            </a:r>
+          </a:p>
+          <a:p>
+            <a:endParaRPr lang="en-US" sz="1000" dirty="0"/>
+          </a:p>
+          <a:p>
+            <a:endParaRPr lang="en-US" sz="1000" dirty="0"/>
+          </a:p>
+          <a:p>
+            <a:endParaRPr lang="en-US" sz="1000" dirty="0"/>
+          </a:p>
+          <a:p>
+            <a:r>
+              <a:rPr lang="en-US" sz="1000" dirty="0"/>
+              <a:t>log-append-time (TS2)</a:t>
+            </a:r>
+          </a:p>
+          <a:p>
+            <a:endParaRPr sz="1000" dirty="0"/>
+          </a:p>
+        </p:txBody>
+      </p:sp>
+      <p:grpSp>
+        <p:nvGrpSpPr>
+          <p:cNvPr id="34" name="Group 33">
+            <a:extLst>
+              <a:ext uri="{FF2B5EF4-FFF2-40B4-BE49-F238E27FC236}">
+                <a16:creationId xmlns:a16="http://schemas.microsoft.com/office/drawing/2014/main" id="{0708F1E6-48AA-AD47-B57F-5791D837F082}"/>
+              </a:ext>
+            </a:extLst>
+          </p:cNvPr>
+          <p:cNvGrpSpPr/>
+          <p:nvPr/>
+        </p:nvGrpSpPr>
+        <p:grpSpPr>
+          <a:xfrm>
+            <a:off x="3046572" y="2195219"/>
+            <a:ext cx="584621" cy="207055"/>
+            <a:chOff x="1193647" y="1635094"/>
+            <a:chExt cx="818524" cy="411476"/>
+          </a:xfrm>
+        </p:grpSpPr>
+        <p:sp>
+          <p:nvSpPr>
+            <p:cNvPr id="35" name="Rounded Rectangle 34">
+              <a:extLst>
+                <a:ext uri="{FF2B5EF4-FFF2-40B4-BE49-F238E27FC236}">
+                  <a16:creationId xmlns:a16="http://schemas.microsoft.com/office/drawing/2014/main" id="{88F53719-FDE3-BD41-8276-9EF61CABD8D2}"/>
+                </a:ext>
+              </a:extLst>
+            </p:cNvPr>
+            <p:cNvSpPr/>
+            <p:nvPr/>
+          </p:nvSpPr>
+          <p:spPr bwMode="auto">
+            <a:xfrm>
+              <a:off x="1193647" y="1635094"/>
+              <a:ext cx="138128" cy="411476"/>
+            </a:xfrm>
+            <a:prstGeom prst="roundRect">
+              <a:avLst/>
+            </a:prstGeom>
+            <a:solidFill>
+              <a:schemeClr val="bg1">
+                <a:lumMod val="50000"/>
+              </a:schemeClr>
+            </a:solidFill>
+            <a:ln>
+              <a:solidFill>
+                <a:schemeClr val="bg1"/>
+              </a:solidFill>
+              <a:prstDash val="solid"/>
+              <a:headEnd type="none" w="med" len="med"/>
+              <a:tailEnd type="none" w="med" len="med"/>
+            </a:ln>
+            <a:effectLst/>
+          </p:spPr>
+          <p:style>
+            <a:lnRef idx="1">
+              <a:schemeClr val="accent5"/>
+            </a:lnRef>
+            <a:fillRef idx="3">
+              <a:schemeClr val="accent5"/>
+            </a:fillRef>
+            <a:effectRef idx="2">
+              <a:schemeClr val="accent5"/>
+            </a:effectRef>
+            <a:fontRef idx="minor">
+              <a:schemeClr val="lt1"/>
+            </a:fontRef>
+          </p:style>
+          <p:txBody>
+            <a:bodyPr vert="horz" wrap="square" lIns="0" tIns="0" rIns="0" bIns="0" numCol="1" rtlCol="0" anchor="ctr" anchorCtr="0" compatLnSpc="1">
+              <a:prstTxWarp prst="textNoShape">
+                <a:avLst/>
+              </a:prstTxWarp>
+              <a:noAutofit/>
+            </a:bodyPr>
+            <a:lstStyle/>
+            <a:p>
+              <a:pPr algn="ctr" defTabSz="685784" fontAlgn="base">
+                <a:lnSpc>
+                  <a:spcPct val="90000"/>
+                </a:lnSpc>
+                <a:spcBef>
+                  <a:spcPct val="0"/>
+                </a:spcBef>
+                <a:spcAft>
+                  <a:spcPct val="0"/>
+                </a:spcAft>
+              </a:pPr>
+              <a:r>
+                <a:rPr lang="en-US" sz="675" dirty="0">
+                  <a:solidFill>
+                    <a:schemeClr val="bg1"/>
+                  </a:solidFill>
+                </a:rPr>
+                <a:t>0</a:t>
+              </a:r>
+              <a:endParaRPr lang="en-US" sz="375" dirty="0">
+                <a:solidFill>
+                  <a:schemeClr val="bg1"/>
+                </a:solidFill>
+              </a:endParaRPr>
+            </a:p>
+          </p:txBody>
+        </p:sp>
+        <p:sp>
+          <p:nvSpPr>
+            <p:cNvPr id="36" name="Rounded Rectangle 35">
+              <a:extLst>
+                <a:ext uri="{FF2B5EF4-FFF2-40B4-BE49-F238E27FC236}">
+                  <a16:creationId xmlns:a16="http://schemas.microsoft.com/office/drawing/2014/main" id="{77E3ED44-C709-2047-8C3B-917C831CDBBC}"/>
+                </a:ext>
+              </a:extLst>
+            </p:cNvPr>
+            <p:cNvSpPr/>
+            <p:nvPr/>
+          </p:nvSpPr>
+          <p:spPr bwMode="auto">
+            <a:xfrm>
+              <a:off x="1330805" y="1635094"/>
+              <a:ext cx="138128" cy="411476"/>
+            </a:xfrm>
+            <a:prstGeom prst="roundRect">
+              <a:avLst/>
+            </a:prstGeom>
+            <a:solidFill>
+              <a:schemeClr val="bg1">
+                <a:lumMod val="50000"/>
+              </a:schemeClr>
+            </a:solidFill>
+            <a:ln>
+              <a:solidFill>
+                <a:schemeClr val="bg1"/>
+              </a:solidFill>
+              <a:prstDash val="solid"/>
+              <a:headEnd type="none" w="med" len="med"/>
+              <a:tailEnd type="none" w="med" len="med"/>
+            </a:ln>
+            <a:effectLst/>
+          </p:spPr>
+          <p:style>
+            <a:lnRef idx="1">
+              <a:schemeClr val="accent5"/>
+            </a:lnRef>
+            <a:fillRef idx="3">
+              <a:schemeClr val="accent5"/>
+            </a:fillRef>
+            <a:effectRef idx="2">
+              <a:schemeClr val="accent5"/>
+            </a:effectRef>
+            <a:fontRef idx="minor">
+              <a:schemeClr val="lt1"/>
+            </a:fontRef>
+          </p:style>
+          <p:txBody>
+            <a:bodyPr vert="horz" wrap="square" lIns="0" tIns="0" rIns="0" bIns="0" numCol="1" rtlCol="0" anchor="ctr" anchorCtr="0" compatLnSpc="1">
+              <a:prstTxWarp prst="textNoShape">
+                <a:avLst/>
+              </a:prstTxWarp>
+              <a:noAutofit/>
+            </a:bodyPr>
+            <a:lstStyle/>
+            <a:p>
+              <a:pPr algn="ctr" defTabSz="685784" fontAlgn="base">
+                <a:lnSpc>
+                  <a:spcPct val="90000"/>
+                </a:lnSpc>
+                <a:spcBef>
+                  <a:spcPct val="0"/>
+                </a:spcBef>
+                <a:spcAft>
+                  <a:spcPct val="0"/>
+                </a:spcAft>
+              </a:pPr>
+              <a:r>
+                <a:rPr lang="en-US" sz="675">
+                  <a:solidFill>
+                    <a:schemeClr val="bg1"/>
+                  </a:solidFill>
+                </a:rPr>
+                <a:t>1</a:t>
+              </a:r>
+              <a:endParaRPr lang="en-US" sz="375">
+                <a:solidFill>
+                  <a:schemeClr val="bg1"/>
+                </a:solidFill>
+              </a:endParaRPr>
+            </a:p>
+          </p:txBody>
+        </p:sp>
+        <p:sp>
+          <p:nvSpPr>
+            <p:cNvPr id="37" name="Rounded Rectangle 36">
+              <a:extLst>
+                <a:ext uri="{FF2B5EF4-FFF2-40B4-BE49-F238E27FC236}">
+                  <a16:creationId xmlns:a16="http://schemas.microsoft.com/office/drawing/2014/main" id="{2BC99687-E76B-F04A-B299-29862563E7AA}"/>
+                </a:ext>
+              </a:extLst>
+            </p:cNvPr>
+            <p:cNvSpPr/>
+            <p:nvPr/>
+          </p:nvSpPr>
+          <p:spPr bwMode="auto">
+            <a:xfrm>
+              <a:off x="1468934" y="1635094"/>
+              <a:ext cx="138128" cy="411476"/>
+            </a:xfrm>
+            <a:prstGeom prst="roundRect">
+              <a:avLst/>
+            </a:prstGeom>
+            <a:solidFill>
+              <a:schemeClr val="bg1">
+                <a:lumMod val="50000"/>
+              </a:schemeClr>
+            </a:solidFill>
+            <a:ln>
+              <a:solidFill>
+                <a:schemeClr val="bg1"/>
+              </a:solidFill>
+              <a:prstDash val="solid"/>
+              <a:headEnd type="none" w="med" len="med"/>
+              <a:tailEnd type="none" w="med" len="med"/>
+            </a:ln>
+            <a:effectLst/>
+          </p:spPr>
+          <p:style>
+            <a:lnRef idx="1">
+              <a:schemeClr val="accent5"/>
+            </a:lnRef>
+            <a:fillRef idx="3">
+              <a:schemeClr val="accent5"/>
+            </a:fillRef>
+            <a:effectRef idx="2">
+              <a:schemeClr val="accent5"/>
+            </a:effectRef>
+            <a:fontRef idx="minor">
+              <a:schemeClr val="lt1"/>
+            </a:fontRef>
+          </p:style>
+          <p:txBody>
+            <a:bodyPr vert="horz" wrap="square" lIns="0" tIns="0" rIns="0" bIns="0" numCol="1" rtlCol="0" anchor="ctr" anchorCtr="0" compatLnSpc="1">
+              <a:prstTxWarp prst="textNoShape">
+                <a:avLst/>
+              </a:prstTxWarp>
+              <a:noAutofit/>
+            </a:bodyPr>
+            <a:lstStyle/>
+            <a:p>
+              <a:pPr algn="ctr" defTabSz="685784" fontAlgn="base">
+                <a:lnSpc>
+                  <a:spcPct val="90000"/>
+                </a:lnSpc>
+                <a:spcBef>
+                  <a:spcPct val="0"/>
+                </a:spcBef>
+                <a:spcAft>
+                  <a:spcPct val="0"/>
+                </a:spcAft>
+              </a:pPr>
+              <a:r>
+                <a:rPr lang="en-US" sz="675">
+                  <a:solidFill>
+                    <a:schemeClr val="bg1"/>
+                  </a:solidFill>
+                </a:rPr>
+                <a:t>2</a:t>
+              </a:r>
+              <a:endParaRPr lang="en-US" sz="375">
+                <a:solidFill>
+                  <a:schemeClr val="bg1"/>
+                </a:solidFill>
+              </a:endParaRPr>
+            </a:p>
+          </p:txBody>
+        </p:sp>
+        <p:sp>
+          <p:nvSpPr>
+            <p:cNvPr id="38" name="Rounded Rectangle 37">
+              <a:extLst>
+                <a:ext uri="{FF2B5EF4-FFF2-40B4-BE49-F238E27FC236}">
+                  <a16:creationId xmlns:a16="http://schemas.microsoft.com/office/drawing/2014/main" id="{DEC2F9F1-F3A2-4344-9D23-AFD3B2A2ACBE}"/>
+                </a:ext>
+              </a:extLst>
+            </p:cNvPr>
+            <p:cNvSpPr/>
+            <p:nvPr/>
+          </p:nvSpPr>
+          <p:spPr bwMode="auto">
+            <a:xfrm>
+              <a:off x="1606093" y="1635094"/>
+              <a:ext cx="138128" cy="411476"/>
+            </a:xfrm>
+            <a:prstGeom prst="roundRect">
+              <a:avLst/>
+            </a:prstGeom>
+            <a:solidFill>
+              <a:schemeClr val="bg1">
+                <a:lumMod val="50000"/>
+              </a:schemeClr>
+            </a:solidFill>
+            <a:ln>
+              <a:solidFill>
+                <a:schemeClr val="bg1"/>
+              </a:solidFill>
+              <a:prstDash val="solid"/>
+              <a:headEnd type="none" w="med" len="med"/>
+              <a:tailEnd type="none" w="med" len="med"/>
+            </a:ln>
+            <a:effectLst/>
+          </p:spPr>
+          <p:style>
+            <a:lnRef idx="1">
+              <a:schemeClr val="accent5"/>
+            </a:lnRef>
+            <a:fillRef idx="3">
+              <a:schemeClr val="accent5"/>
+            </a:fillRef>
+            <a:effectRef idx="2">
+              <a:schemeClr val="accent5"/>
+            </a:effectRef>
+            <a:fontRef idx="minor">
+              <a:schemeClr val="lt1"/>
+            </a:fontRef>
+          </p:style>
+          <p:txBody>
+            <a:bodyPr vert="horz" wrap="square" lIns="0" tIns="0" rIns="0" bIns="0" numCol="1" rtlCol="0" anchor="ctr" anchorCtr="0" compatLnSpc="1">
+              <a:prstTxWarp prst="textNoShape">
+                <a:avLst/>
+              </a:prstTxWarp>
+              <a:noAutofit/>
+            </a:bodyPr>
+            <a:lstStyle/>
+            <a:p>
+              <a:pPr algn="ctr" defTabSz="685784" fontAlgn="base">
+                <a:lnSpc>
+                  <a:spcPct val="90000"/>
+                </a:lnSpc>
+                <a:spcBef>
+                  <a:spcPct val="0"/>
+                </a:spcBef>
+                <a:spcAft>
+                  <a:spcPct val="0"/>
+                </a:spcAft>
+              </a:pPr>
+              <a:r>
+                <a:rPr lang="en-US" sz="675">
+                  <a:solidFill>
+                    <a:schemeClr val="bg1"/>
+                  </a:solidFill>
+                </a:rPr>
+                <a:t>3</a:t>
+              </a:r>
+              <a:endParaRPr lang="en-US" sz="375">
+                <a:solidFill>
+                  <a:schemeClr val="bg1"/>
+                </a:solidFill>
+              </a:endParaRPr>
+            </a:p>
+          </p:txBody>
+        </p:sp>
+        <p:sp>
+          <p:nvSpPr>
+            <p:cNvPr id="39" name="Rounded Rectangle 38">
+              <a:extLst>
+                <a:ext uri="{FF2B5EF4-FFF2-40B4-BE49-F238E27FC236}">
+                  <a16:creationId xmlns:a16="http://schemas.microsoft.com/office/drawing/2014/main" id="{9DF9D5E6-D440-3840-9A58-31C4C745C353}"/>
+                </a:ext>
+              </a:extLst>
+            </p:cNvPr>
+            <p:cNvSpPr/>
+            <p:nvPr/>
+          </p:nvSpPr>
+          <p:spPr bwMode="auto">
+            <a:xfrm>
+              <a:off x="1744220" y="1635094"/>
+              <a:ext cx="138128" cy="411476"/>
+            </a:xfrm>
+            <a:prstGeom prst="roundRect">
+              <a:avLst/>
+            </a:prstGeom>
+            <a:solidFill>
+              <a:schemeClr val="bg1">
+                <a:lumMod val="50000"/>
+              </a:schemeClr>
+            </a:solidFill>
+            <a:ln>
+              <a:solidFill>
+                <a:schemeClr val="bg1"/>
+              </a:solidFill>
+              <a:prstDash val="solid"/>
+              <a:headEnd type="none" w="med" len="med"/>
+              <a:tailEnd type="none" w="med" len="med"/>
+            </a:ln>
+            <a:effectLst/>
+          </p:spPr>
+          <p:style>
+            <a:lnRef idx="1">
+              <a:schemeClr val="accent5"/>
+            </a:lnRef>
+            <a:fillRef idx="3">
+              <a:schemeClr val="accent5"/>
+            </a:fillRef>
+            <a:effectRef idx="2">
+              <a:schemeClr val="accent5"/>
+            </a:effectRef>
+            <a:fontRef idx="minor">
+              <a:schemeClr val="lt1"/>
+            </a:fontRef>
+          </p:style>
+          <p:txBody>
+            <a:bodyPr vert="horz" wrap="square" lIns="0" tIns="0" rIns="0" bIns="0" numCol="1" rtlCol="0" anchor="ctr" anchorCtr="0" compatLnSpc="1">
+              <a:prstTxWarp prst="textNoShape">
+                <a:avLst/>
+              </a:prstTxWarp>
+              <a:noAutofit/>
+            </a:bodyPr>
+            <a:lstStyle/>
+            <a:p>
+              <a:pPr algn="ctr" defTabSz="685784" fontAlgn="base">
+                <a:lnSpc>
+                  <a:spcPct val="90000"/>
+                </a:lnSpc>
+                <a:spcBef>
+                  <a:spcPct val="0"/>
+                </a:spcBef>
+                <a:spcAft>
+                  <a:spcPct val="0"/>
+                </a:spcAft>
+              </a:pPr>
+              <a:r>
+                <a:rPr lang="en-US" sz="675">
+                  <a:solidFill>
+                    <a:schemeClr val="bg1"/>
+                  </a:solidFill>
+                </a:rPr>
+                <a:t>4</a:t>
+              </a:r>
+              <a:endParaRPr lang="en-US" sz="375">
+                <a:solidFill>
+                  <a:schemeClr val="bg1"/>
+                </a:solidFill>
+              </a:endParaRPr>
+            </a:p>
+          </p:txBody>
+        </p:sp>
+        <p:sp>
+          <p:nvSpPr>
+            <p:cNvPr id="40" name="Rounded Rectangle 39">
+              <a:extLst>
+                <a:ext uri="{FF2B5EF4-FFF2-40B4-BE49-F238E27FC236}">
+                  <a16:creationId xmlns:a16="http://schemas.microsoft.com/office/drawing/2014/main" id="{768069EB-37A3-2A43-9820-F0BBAB8067F5}"/>
+                </a:ext>
+              </a:extLst>
+            </p:cNvPr>
+            <p:cNvSpPr/>
+            <p:nvPr/>
+          </p:nvSpPr>
+          <p:spPr bwMode="auto">
+            <a:xfrm>
+              <a:off x="1874043" y="1635094"/>
+              <a:ext cx="138128" cy="411476"/>
+            </a:xfrm>
+            <a:prstGeom prst="roundRect">
+              <a:avLst/>
+            </a:prstGeom>
+            <a:solidFill>
+              <a:schemeClr val="bg1">
+                <a:lumMod val="50000"/>
+              </a:schemeClr>
+            </a:solidFill>
+            <a:ln>
+              <a:solidFill>
+                <a:schemeClr val="bg1"/>
+              </a:solidFill>
+              <a:prstDash val="solid"/>
+              <a:headEnd type="none" w="med" len="med"/>
+              <a:tailEnd type="none" w="med" len="med"/>
+            </a:ln>
+            <a:effectLst/>
+          </p:spPr>
+          <p:style>
+            <a:lnRef idx="1">
+              <a:schemeClr val="accent5"/>
+            </a:lnRef>
+            <a:fillRef idx="3">
+              <a:schemeClr val="accent5"/>
+            </a:fillRef>
+            <a:effectRef idx="2">
+              <a:schemeClr val="accent5"/>
+            </a:effectRef>
+            <a:fontRef idx="minor">
+              <a:schemeClr val="lt1"/>
+            </a:fontRef>
+          </p:style>
+          <p:txBody>
+            <a:bodyPr vert="horz" wrap="square" lIns="0" tIns="0" rIns="0" bIns="0" numCol="1" rtlCol="0" anchor="ctr" anchorCtr="0" compatLnSpc="1">
+              <a:prstTxWarp prst="textNoShape">
+                <a:avLst/>
+              </a:prstTxWarp>
+              <a:noAutofit/>
+            </a:bodyPr>
+            <a:lstStyle/>
+            <a:p>
+              <a:pPr algn="ctr" defTabSz="685784" fontAlgn="base">
+                <a:lnSpc>
+                  <a:spcPct val="90000"/>
+                </a:lnSpc>
+                <a:spcBef>
+                  <a:spcPct val="0"/>
+                </a:spcBef>
+                <a:spcAft>
+                  <a:spcPct val="0"/>
+                </a:spcAft>
+              </a:pPr>
+              <a:r>
+                <a:rPr lang="en-US" sz="675">
+                  <a:solidFill>
+                    <a:schemeClr val="bg1"/>
+                  </a:solidFill>
+                </a:rPr>
+                <a:t>5</a:t>
+              </a:r>
+              <a:endParaRPr lang="en-US" sz="375">
+                <a:solidFill>
+                  <a:schemeClr val="bg1"/>
+                </a:solidFill>
+              </a:endParaRPr>
+            </a:p>
+          </p:txBody>
+        </p:sp>
+      </p:grpSp>
+      <p:grpSp>
+        <p:nvGrpSpPr>
+          <p:cNvPr id="41" name="Group 40">
+            <a:extLst>
+              <a:ext uri="{FF2B5EF4-FFF2-40B4-BE49-F238E27FC236}">
+                <a16:creationId xmlns:a16="http://schemas.microsoft.com/office/drawing/2014/main" id="{29175ABE-4108-984E-9626-BDB7743CCA55}"/>
+              </a:ext>
+            </a:extLst>
+          </p:cNvPr>
+          <p:cNvGrpSpPr/>
+          <p:nvPr/>
+        </p:nvGrpSpPr>
+        <p:grpSpPr>
+          <a:xfrm>
+            <a:off x="3046572" y="2532209"/>
+            <a:ext cx="584621" cy="207055"/>
+            <a:chOff x="1193647" y="1635094"/>
+            <a:chExt cx="818524" cy="411476"/>
+          </a:xfrm>
+        </p:grpSpPr>
+        <p:sp>
+          <p:nvSpPr>
+            <p:cNvPr id="42" name="Rounded Rectangle 41">
+              <a:extLst>
+                <a:ext uri="{FF2B5EF4-FFF2-40B4-BE49-F238E27FC236}">
+                  <a16:creationId xmlns:a16="http://schemas.microsoft.com/office/drawing/2014/main" id="{40B1638C-8F6B-734B-AC93-A54414807071}"/>
+                </a:ext>
+              </a:extLst>
+            </p:cNvPr>
+            <p:cNvSpPr/>
+            <p:nvPr/>
+          </p:nvSpPr>
+          <p:spPr bwMode="auto">
+            <a:xfrm>
+              <a:off x="1193647" y="1635094"/>
+              <a:ext cx="138128" cy="411476"/>
+            </a:xfrm>
+            <a:prstGeom prst="roundRect">
+              <a:avLst/>
+            </a:prstGeom>
+            <a:solidFill>
+              <a:schemeClr val="bg1">
+                <a:lumMod val="50000"/>
+              </a:schemeClr>
+            </a:solidFill>
+            <a:ln>
+              <a:solidFill>
+                <a:schemeClr val="bg1"/>
+              </a:solidFill>
+              <a:prstDash val="solid"/>
+              <a:headEnd type="none" w="med" len="med"/>
+              <a:tailEnd type="none" w="med" len="med"/>
+            </a:ln>
+            <a:effectLst/>
+          </p:spPr>
+          <p:style>
+            <a:lnRef idx="1">
+              <a:schemeClr val="accent5"/>
+            </a:lnRef>
+            <a:fillRef idx="3">
+              <a:schemeClr val="accent5"/>
+            </a:fillRef>
+            <a:effectRef idx="2">
+              <a:schemeClr val="accent5"/>
+            </a:effectRef>
+            <a:fontRef idx="minor">
+              <a:schemeClr val="lt1"/>
+            </a:fontRef>
+          </p:style>
+          <p:txBody>
+            <a:bodyPr vert="horz" wrap="square" lIns="0" tIns="0" rIns="0" bIns="0" numCol="1" rtlCol="0" anchor="ctr" anchorCtr="0" compatLnSpc="1">
+              <a:prstTxWarp prst="textNoShape">
+                <a:avLst/>
+              </a:prstTxWarp>
+              <a:noAutofit/>
+            </a:bodyPr>
+            <a:lstStyle/>
+            <a:p>
+              <a:pPr algn="ctr" defTabSz="685784" fontAlgn="base">
+                <a:lnSpc>
+                  <a:spcPct val="90000"/>
+                </a:lnSpc>
+                <a:spcBef>
+                  <a:spcPct val="0"/>
+                </a:spcBef>
+                <a:spcAft>
+                  <a:spcPct val="0"/>
+                </a:spcAft>
+              </a:pPr>
+              <a:r>
+                <a:rPr lang="en-US" sz="675">
+                  <a:solidFill>
+                    <a:schemeClr val="bg1"/>
+                  </a:solidFill>
+                </a:rPr>
+                <a:t>0</a:t>
+              </a:r>
+              <a:endParaRPr lang="en-US" sz="375">
+                <a:solidFill>
+                  <a:schemeClr val="bg1"/>
+                </a:solidFill>
+              </a:endParaRPr>
+            </a:p>
+          </p:txBody>
+        </p:sp>
+        <p:sp>
+          <p:nvSpPr>
+            <p:cNvPr id="43" name="Rounded Rectangle 42">
+              <a:extLst>
+                <a:ext uri="{FF2B5EF4-FFF2-40B4-BE49-F238E27FC236}">
+                  <a16:creationId xmlns:a16="http://schemas.microsoft.com/office/drawing/2014/main" id="{35EAC422-14D7-FA43-8A0A-0D6F96D194DD}"/>
+                </a:ext>
+              </a:extLst>
+            </p:cNvPr>
+            <p:cNvSpPr/>
+            <p:nvPr/>
+          </p:nvSpPr>
+          <p:spPr bwMode="auto">
+            <a:xfrm>
+              <a:off x="1330805" y="1635094"/>
+              <a:ext cx="138128" cy="411476"/>
+            </a:xfrm>
+            <a:prstGeom prst="roundRect">
+              <a:avLst/>
+            </a:prstGeom>
+            <a:solidFill>
+              <a:schemeClr val="bg1">
+                <a:lumMod val="50000"/>
+              </a:schemeClr>
+            </a:solidFill>
+            <a:ln>
+              <a:solidFill>
+                <a:schemeClr val="bg1"/>
+              </a:solidFill>
+              <a:prstDash val="solid"/>
+              <a:headEnd type="none" w="med" len="med"/>
+              <a:tailEnd type="none" w="med" len="med"/>
+            </a:ln>
+            <a:effectLst/>
+          </p:spPr>
+          <p:style>
+            <a:lnRef idx="1">
+              <a:schemeClr val="accent5"/>
+            </a:lnRef>
+            <a:fillRef idx="3">
+              <a:schemeClr val="accent5"/>
+            </a:fillRef>
+            <a:effectRef idx="2">
+              <a:schemeClr val="accent5"/>
+            </a:effectRef>
+            <a:fontRef idx="minor">
+              <a:schemeClr val="lt1"/>
+            </a:fontRef>
+          </p:style>
+          <p:txBody>
+            <a:bodyPr vert="horz" wrap="square" lIns="0" tIns="0" rIns="0" bIns="0" numCol="1" rtlCol="0" anchor="ctr" anchorCtr="0" compatLnSpc="1">
+              <a:prstTxWarp prst="textNoShape">
+                <a:avLst/>
+              </a:prstTxWarp>
+              <a:noAutofit/>
+            </a:bodyPr>
+            <a:lstStyle/>
+            <a:p>
+              <a:pPr algn="ctr" defTabSz="685784" fontAlgn="base">
+                <a:lnSpc>
+                  <a:spcPct val="90000"/>
+                </a:lnSpc>
+                <a:spcBef>
+                  <a:spcPct val="0"/>
+                </a:spcBef>
+                <a:spcAft>
+                  <a:spcPct val="0"/>
+                </a:spcAft>
+              </a:pPr>
+              <a:r>
+                <a:rPr lang="en-US" sz="675">
+                  <a:solidFill>
+                    <a:schemeClr val="bg1"/>
+                  </a:solidFill>
+                </a:rPr>
+                <a:t>1</a:t>
+              </a:r>
+              <a:endParaRPr lang="en-US" sz="375">
+                <a:solidFill>
+                  <a:schemeClr val="bg1"/>
+                </a:solidFill>
+              </a:endParaRPr>
+            </a:p>
+          </p:txBody>
+        </p:sp>
+        <p:sp>
+          <p:nvSpPr>
+            <p:cNvPr id="44" name="Rounded Rectangle 43">
+              <a:extLst>
+                <a:ext uri="{FF2B5EF4-FFF2-40B4-BE49-F238E27FC236}">
+                  <a16:creationId xmlns:a16="http://schemas.microsoft.com/office/drawing/2014/main" id="{FE6A40D4-9C26-4040-816D-DFB578901762}"/>
+                </a:ext>
+              </a:extLst>
+            </p:cNvPr>
+            <p:cNvSpPr/>
+            <p:nvPr/>
+          </p:nvSpPr>
+          <p:spPr bwMode="auto">
+            <a:xfrm>
+              <a:off x="1468934" y="1635094"/>
+              <a:ext cx="138128" cy="411476"/>
+            </a:xfrm>
+            <a:prstGeom prst="roundRect">
+              <a:avLst/>
+            </a:prstGeom>
+            <a:solidFill>
+              <a:schemeClr val="bg1">
+                <a:lumMod val="50000"/>
+              </a:schemeClr>
+            </a:solidFill>
+            <a:ln>
+              <a:solidFill>
+                <a:schemeClr val="bg1"/>
+              </a:solidFill>
+              <a:prstDash val="solid"/>
+              <a:headEnd type="none" w="med" len="med"/>
+              <a:tailEnd type="none" w="med" len="med"/>
+            </a:ln>
+            <a:effectLst/>
+          </p:spPr>
+          <p:style>
+            <a:lnRef idx="1">
+              <a:schemeClr val="accent5"/>
+            </a:lnRef>
+            <a:fillRef idx="3">
+              <a:schemeClr val="accent5"/>
+            </a:fillRef>
+            <a:effectRef idx="2">
+              <a:schemeClr val="accent5"/>
+            </a:effectRef>
+            <a:fontRef idx="minor">
+              <a:schemeClr val="lt1"/>
+            </a:fontRef>
+          </p:style>
+          <p:txBody>
+            <a:bodyPr vert="horz" wrap="square" lIns="0" tIns="0" rIns="0" bIns="0" numCol="1" rtlCol="0" anchor="ctr" anchorCtr="0" compatLnSpc="1">
+              <a:prstTxWarp prst="textNoShape">
+                <a:avLst/>
+              </a:prstTxWarp>
+              <a:noAutofit/>
+            </a:bodyPr>
+            <a:lstStyle/>
+            <a:p>
+              <a:pPr algn="ctr" defTabSz="685784" fontAlgn="base">
+                <a:lnSpc>
+                  <a:spcPct val="90000"/>
+                </a:lnSpc>
+                <a:spcBef>
+                  <a:spcPct val="0"/>
+                </a:spcBef>
+                <a:spcAft>
+                  <a:spcPct val="0"/>
+                </a:spcAft>
+              </a:pPr>
+              <a:r>
+                <a:rPr lang="en-US" sz="675">
+                  <a:solidFill>
+                    <a:schemeClr val="bg1"/>
+                  </a:solidFill>
+                </a:rPr>
+                <a:t>2</a:t>
+              </a:r>
+              <a:endParaRPr lang="en-US" sz="375">
+                <a:solidFill>
+                  <a:schemeClr val="bg1"/>
+                </a:solidFill>
+              </a:endParaRPr>
+            </a:p>
+          </p:txBody>
+        </p:sp>
+        <p:sp>
+          <p:nvSpPr>
+            <p:cNvPr id="45" name="Rounded Rectangle 44">
+              <a:extLst>
+                <a:ext uri="{FF2B5EF4-FFF2-40B4-BE49-F238E27FC236}">
+                  <a16:creationId xmlns:a16="http://schemas.microsoft.com/office/drawing/2014/main" id="{C33329E0-85FD-D54D-AC79-3C6192F74945}"/>
+                </a:ext>
+              </a:extLst>
+            </p:cNvPr>
+            <p:cNvSpPr/>
+            <p:nvPr/>
+          </p:nvSpPr>
+          <p:spPr bwMode="auto">
+            <a:xfrm>
+              <a:off x="1606093" y="1635094"/>
+              <a:ext cx="138128" cy="411476"/>
+            </a:xfrm>
+            <a:prstGeom prst="roundRect">
+              <a:avLst/>
+            </a:prstGeom>
+            <a:solidFill>
+              <a:schemeClr val="bg1">
+                <a:lumMod val="50000"/>
+              </a:schemeClr>
+            </a:solidFill>
+            <a:ln>
+              <a:solidFill>
+                <a:schemeClr val="bg1"/>
+              </a:solidFill>
+              <a:prstDash val="solid"/>
+              <a:headEnd type="none" w="med" len="med"/>
+              <a:tailEnd type="none" w="med" len="med"/>
+            </a:ln>
+            <a:effectLst/>
+          </p:spPr>
+          <p:style>
+            <a:lnRef idx="1">
+              <a:schemeClr val="accent5"/>
+            </a:lnRef>
+            <a:fillRef idx="3">
+              <a:schemeClr val="accent5"/>
+            </a:fillRef>
+            <a:effectRef idx="2">
+              <a:schemeClr val="accent5"/>
+            </a:effectRef>
+            <a:fontRef idx="minor">
+              <a:schemeClr val="lt1"/>
+            </a:fontRef>
+          </p:style>
+          <p:txBody>
+            <a:bodyPr vert="horz" wrap="square" lIns="0" tIns="0" rIns="0" bIns="0" numCol="1" rtlCol="0" anchor="ctr" anchorCtr="0" compatLnSpc="1">
+              <a:prstTxWarp prst="textNoShape">
+                <a:avLst/>
+              </a:prstTxWarp>
+              <a:noAutofit/>
+            </a:bodyPr>
+            <a:lstStyle/>
+            <a:p>
+              <a:pPr algn="ctr" defTabSz="685784" fontAlgn="base">
+                <a:lnSpc>
+                  <a:spcPct val="90000"/>
+                </a:lnSpc>
+                <a:spcBef>
+                  <a:spcPct val="0"/>
+                </a:spcBef>
+                <a:spcAft>
+                  <a:spcPct val="0"/>
+                </a:spcAft>
+              </a:pPr>
+              <a:r>
+                <a:rPr lang="en-US" sz="675">
+                  <a:solidFill>
+                    <a:schemeClr val="bg1"/>
+                  </a:solidFill>
+                </a:rPr>
+                <a:t>3</a:t>
+              </a:r>
+              <a:endParaRPr lang="en-US" sz="375">
+                <a:solidFill>
+                  <a:schemeClr val="bg1"/>
+                </a:solidFill>
+              </a:endParaRPr>
+            </a:p>
+          </p:txBody>
+        </p:sp>
+        <p:sp>
+          <p:nvSpPr>
+            <p:cNvPr id="46" name="Rounded Rectangle 45">
+              <a:extLst>
+                <a:ext uri="{FF2B5EF4-FFF2-40B4-BE49-F238E27FC236}">
+                  <a16:creationId xmlns:a16="http://schemas.microsoft.com/office/drawing/2014/main" id="{863B19E2-3BCF-E44D-8C01-A13C55CE8380}"/>
+                </a:ext>
+              </a:extLst>
+            </p:cNvPr>
+            <p:cNvSpPr/>
+            <p:nvPr/>
+          </p:nvSpPr>
+          <p:spPr bwMode="auto">
+            <a:xfrm>
+              <a:off x="1744220" y="1635094"/>
+              <a:ext cx="138128" cy="411476"/>
+            </a:xfrm>
+            <a:prstGeom prst="roundRect">
+              <a:avLst/>
+            </a:prstGeom>
+            <a:solidFill>
+              <a:schemeClr val="bg1">
+                <a:lumMod val="50000"/>
+              </a:schemeClr>
+            </a:solidFill>
+            <a:ln>
+              <a:solidFill>
+                <a:schemeClr val="bg1"/>
+              </a:solidFill>
+              <a:prstDash val="solid"/>
+              <a:headEnd type="none" w="med" len="med"/>
+              <a:tailEnd type="none" w="med" len="med"/>
+            </a:ln>
+            <a:effectLst/>
+          </p:spPr>
+          <p:style>
+            <a:lnRef idx="1">
+              <a:schemeClr val="accent5"/>
+            </a:lnRef>
+            <a:fillRef idx="3">
+              <a:schemeClr val="accent5"/>
+            </a:fillRef>
+            <a:effectRef idx="2">
+              <a:schemeClr val="accent5"/>
+            </a:effectRef>
+            <a:fontRef idx="minor">
+              <a:schemeClr val="lt1"/>
+            </a:fontRef>
+          </p:style>
+          <p:txBody>
+            <a:bodyPr vert="horz" wrap="square" lIns="0" tIns="0" rIns="0" bIns="0" numCol="1" rtlCol="0" anchor="ctr" anchorCtr="0" compatLnSpc="1">
+              <a:prstTxWarp prst="textNoShape">
+                <a:avLst/>
+              </a:prstTxWarp>
+              <a:noAutofit/>
+            </a:bodyPr>
+            <a:lstStyle/>
+            <a:p>
+              <a:pPr algn="ctr" defTabSz="685784" fontAlgn="base">
+                <a:lnSpc>
+                  <a:spcPct val="90000"/>
+                </a:lnSpc>
+                <a:spcBef>
+                  <a:spcPct val="0"/>
+                </a:spcBef>
+                <a:spcAft>
+                  <a:spcPct val="0"/>
+                </a:spcAft>
+              </a:pPr>
+              <a:r>
+                <a:rPr lang="en-US" sz="675">
+                  <a:solidFill>
+                    <a:schemeClr val="bg1"/>
+                  </a:solidFill>
+                </a:rPr>
+                <a:t>4</a:t>
+              </a:r>
+              <a:endParaRPr lang="en-US" sz="375">
+                <a:solidFill>
+                  <a:schemeClr val="bg1"/>
+                </a:solidFill>
+              </a:endParaRPr>
+            </a:p>
+          </p:txBody>
+        </p:sp>
+        <p:sp>
+          <p:nvSpPr>
+            <p:cNvPr id="47" name="Rounded Rectangle 46">
+              <a:extLst>
+                <a:ext uri="{FF2B5EF4-FFF2-40B4-BE49-F238E27FC236}">
+                  <a16:creationId xmlns:a16="http://schemas.microsoft.com/office/drawing/2014/main" id="{A9979421-4B41-5B43-BA11-C2C9C8141734}"/>
+                </a:ext>
+              </a:extLst>
+            </p:cNvPr>
+            <p:cNvSpPr/>
+            <p:nvPr/>
+          </p:nvSpPr>
+          <p:spPr bwMode="auto">
+            <a:xfrm>
+              <a:off x="1874043" y="1635094"/>
+              <a:ext cx="138128" cy="411476"/>
+            </a:xfrm>
+            <a:prstGeom prst="roundRect">
+              <a:avLst/>
+            </a:prstGeom>
+            <a:solidFill>
+              <a:schemeClr val="bg1">
+                <a:lumMod val="50000"/>
+              </a:schemeClr>
+            </a:solidFill>
+            <a:ln>
+              <a:solidFill>
+                <a:schemeClr val="bg1"/>
+              </a:solidFill>
+              <a:prstDash val="solid"/>
+              <a:headEnd type="none" w="med" len="med"/>
+              <a:tailEnd type="none" w="med" len="med"/>
+            </a:ln>
+            <a:effectLst/>
+          </p:spPr>
+          <p:style>
+            <a:lnRef idx="1">
+              <a:schemeClr val="accent5"/>
+            </a:lnRef>
+            <a:fillRef idx="3">
+              <a:schemeClr val="accent5"/>
+            </a:fillRef>
+            <a:effectRef idx="2">
+              <a:schemeClr val="accent5"/>
+            </a:effectRef>
+            <a:fontRef idx="minor">
+              <a:schemeClr val="lt1"/>
+            </a:fontRef>
+          </p:style>
+          <p:txBody>
+            <a:bodyPr vert="horz" wrap="square" lIns="0" tIns="0" rIns="0" bIns="0" numCol="1" rtlCol="0" anchor="ctr" anchorCtr="0" compatLnSpc="1">
+              <a:prstTxWarp prst="textNoShape">
+                <a:avLst/>
+              </a:prstTxWarp>
+              <a:noAutofit/>
+            </a:bodyPr>
+            <a:lstStyle/>
+            <a:p>
+              <a:pPr algn="ctr" defTabSz="685784" fontAlgn="base">
+                <a:lnSpc>
+                  <a:spcPct val="90000"/>
+                </a:lnSpc>
+                <a:spcBef>
+                  <a:spcPct val="0"/>
+                </a:spcBef>
+                <a:spcAft>
+                  <a:spcPct val="0"/>
+                </a:spcAft>
+              </a:pPr>
+              <a:r>
+                <a:rPr lang="en-US" sz="675">
+                  <a:solidFill>
+                    <a:schemeClr val="bg1"/>
+                  </a:solidFill>
+                </a:rPr>
+                <a:t>5</a:t>
+              </a:r>
+              <a:endParaRPr lang="en-US" sz="375">
+                <a:solidFill>
+                  <a:schemeClr val="bg1"/>
+                </a:solidFill>
+              </a:endParaRPr>
+            </a:p>
+          </p:txBody>
+        </p:sp>
+      </p:grpSp>
+      <p:grpSp>
+        <p:nvGrpSpPr>
+          <p:cNvPr id="48" name="Group 47">
+            <a:extLst>
+              <a:ext uri="{FF2B5EF4-FFF2-40B4-BE49-F238E27FC236}">
+                <a16:creationId xmlns:a16="http://schemas.microsoft.com/office/drawing/2014/main" id="{3F21D89C-8B80-F945-AD34-AA204EE76289}"/>
+              </a:ext>
+            </a:extLst>
+          </p:cNvPr>
+          <p:cNvGrpSpPr/>
+          <p:nvPr/>
+        </p:nvGrpSpPr>
+        <p:grpSpPr>
+          <a:xfrm>
+            <a:off x="3046572" y="2869199"/>
+            <a:ext cx="584621" cy="207055"/>
+            <a:chOff x="1193647" y="1635094"/>
+            <a:chExt cx="818524" cy="411476"/>
+          </a:xfrm>
+        </p:grpSpPr>
+        <p:sp>
+          <p:nvSpPr>
+            <p:cNvPr id="49" name="Rounded Rectangle 48">
+              <a:extLst>
+                <a:ext uri="{FF2B5EF4-FFF2-40B4-BE49-F238E27FC236}">
+                  <a16:creationId xmlns:a16="http://schemas.microsoft.com/office/drawing/2014/main" id="{689521BC-95E4-624C-84BB-0B5ABADB1695}"/>
+                </a:ext>
+              </a:extLst>
+            </p:cNvPr>
+            <p:cNvSpPr/>
+            <p:nvPr/>
+          </p:nvSpPr>
+          <p:spPr bwMode="auto">
+            <a:xfrm>
+              <a:off x="1193647" y="1635094"/>
+              <a:ext cx="138128" cy="411476"/>
+            </a:xfrm>
+            <a:prstGeom prst="roundRect">
+              <a:avLst/>
+            </a:prstGeom>
+            <a:solidFill>
+              <a:schemeClr val="bg1">
+                <a:lumMod val="50000"/>
+              </a:schemeClr>
+            </a:solidFill>
+            <a:ln>
+              <a:solidFill>
+                <a:schemeClr val="bg1"/>
+              </a:solidFill>
+              <a:prstDash val="solid"/>
+              <a:headEnd type="none" w="med" len="med"/>
+              <a:tailEnd type="none" w="med" len="med"/>
+            </a:ln>
+            <a:effectLst/>
+          </p:spPr>
+          <p:style>
+            <a:lnRef idx="1">
+              <a:schemeClr val="accent5"/>
+            </a:lnRef>
+            <a:fillRef idx="3">
+              <a:schemeClr val="accent5"/>
+            </a:fillRef>
+            <a:effectRef idx="2">
+              <a:schemeClr val="accent5"/>
+            </a:effectRef>
+            <a:fontRef idx="minor">
+              <a:schemeClr val="lt1"/>
+            </a:fontRef>
+          </p:style>
+          <p:txBody>
+            <a:bodyPr vert="horz" wrap="square" lIns="0" tIns="0" rIns="0" bIns="0" numCol="1" rtlCol="0" anchor="ctr" anchorCtr="0" compatLnSpc="1">
+              <a:prstTxWarp prst="textNoShape">
+                <a:avLst/>
+              </a:prstTxWarp>
+              <a:noAutofit/>
+            </a:bodyPr>
+            <a:lstStyle/>
+            <a:p>
+              <a:pPr algn="ctr" defTabSz="685784" fontAlgn="base">
+                <a:lnSpc>
+                  <a:spcPct val="90000"/>
+                </a:lnSpc>
+                <a:spcBef>
+                  <a:spcPct val="0"/>
+                </a:spcBef>
+                <a:spcAft>
+                  <a:spcPct val="0"/>
+                </a:spcAft>
+              </a:pPr>
+              <a:r>
+                <a:rPr lang="en-US" sz="675">
+                  <a:solidFill>
+                    <a:schemeClr val="bg1"/>
+                  </a:solidFill>
+                </a:rPr>
+                <a:t>0</a:t>
+              </a:r>
+              <a:endParaRPr lang="en-US" sz="375">
+                <a:solidFill>
+                  <a:schemeClr val="bg1"/>
+                </a:solidFill>
+              </a:endParaRPr>
+            </a:p>
+          </p:txBody>
+        </p:sp>
+        <p:sp>
+          <p:nvSpPr>
+            <p:cNvPr id="50" name="Rounded Rectangle 49">
+              <a:extLst>
+                <a:ext uri="{FF2B5EF4-FFF2-40B4-BE49-F238E27FC236}">
+                  <a16:creationId xmlns:a16="http://schemas.microsoft.com/office/drawing/2014/main" id="{77DED327-D961-8946-99E2-B5C13496FC05}"/>
+                </a:ext>
+              </a:extLst>
+            </p:cNvPr>
+            <p:cNvSpPr/>
+            <p:nvPr/>
+          </p:nvSpPr>
+          <p:spPr bwMode="auto">
+            <a:xfrm>
+              <a:off x="1330805" y="1635094"/>
+              <a:ext cx="138128" cy="411476"/>
+            </a:xfrm>
+            <a:prstGeom prst="roundRect">
+              <a:avLst/>
+            </a:prstGeom>
+            <a:solidFill>
+              <a:schemeClr val="bg1">
+                <a:lumMod val="50000"/>
+              </a:schemeClr>
+            </a:solidFill>
+            <a:ln>
+              <a:solidFill>
+                <a:schemeClr val="bg1"/>
+              </a:solidFill>
+              <a:prstDash val="solid"/>
+              <a:headEnd type="none" w="med" len="med"/>
+              <a:tailEnd type="none" w="med" len="med"/>
+            </a:ln>
+            <a:effectLst/>
+          </p:spPr>
+          <p:style>
+            <a:lnRef idx="1">
+              <a:schemeClr val="accent5"/>
+            </a:lnRef>
+            <a:fillRef idx="3">
+              <a:schemeClr val="accent5"/>
+            </a:fillRef>
+            <a:effectRef idx="2">
+              <a:schemeClr val="accent5"/>
+            </a:effectRef>
+            <a:fontRef idx="minor">
+              <a:schemeClr val="lt1"/>
+            </a:fontRef>
+          </p:style>
+          <p:txBody>
+            <a:bodyPr vert="horz" wrap="square" lIns="0" tIns="0" rIns="0" bIns="0" numCol="1" rtlCol="0" anchor="ctr" anchorCtr="0" compatLnSpc="1">
+              <a:prstTxWarp prst="textNoShape">
+                <a:avLst/>
+              </a:prstTxWarp>
+              <a:noAutofit/>
+            </a:bodyPr>
+            <a:lstStyle/>
+            <a:p>
+              <a:pPr algn="ctr" defTabSz="685784" fontAlgn="base">
+                <a:lnSpc>
+                  <a:spcPct val="90000"/>
+                </a:lnSpc>
+                <a:spcBef>
+                  <a:spcPct val="0"/>
+                </a:spcBef>
+                <a:spcAft>
+                  <a:spcPct val="0"/>
+                </a:spcAft>
+              </a:pPr>
+              <a:r>
+                <a:rPr lang="en-US" sz="675">
+                  <a:solidFill>
+                    <a:schemeClr val="bg1"/>
+                  </a:solidFill>
+                </a:rPr>
+                <a:t>1</a:t>
+              </a:r>
+              <a:endParaRPr lang="en-US" sz="375">
+                <a:solidFill>
+                  <a:schemeClr val="bg1"/>
+                </a:solidFill>
+              </a:endParaRPr>
+            </a:p>
+          </p:txBody>
+        </p:sp>
+        <p:sp>
+          <p:nvSpPr>
+            <p:cNvPr id="51" name="Rounded Rectangle 50">
+              <a:extLst>
+                <a:ext uri="{FF2B5EF4-FFF2-40B4-BE49-F238E27FC236}">
+                  <a16:creationId xmlns:a16="http://schemas.microsoft.com/office/drawing/2014/main" id="{A917C1C8-D9DA-D741-AA02-0F80C72FFA70}"/>
+                </a:ext>
+              </a:extLst>
+            </p:cNvPr>
+            <p:cNvSpPr/>
+            <p:nvPr/>
+          </p:nvSpPr>
+          <p:spPr bwMode="auto">
+            <a:xfrm>
+              <a:off x="1468934" y="1635094"/>
+              <a:ext cx="138128" cy="411476"/>
+            </a:xfrm>
+            <a:prstGeom prst="roundRect">
+              <a:avLst/>
+            </a:prstGeom>
+            <a:solidFill>
+              <a:schemeClr val="bg1">
+                <a:lumMod val="50000"/>
+              </a:schemeClr>
+            </a:solidFill>
+            <a:ln>
+              <a:solidFill>
+                <a:schemeClr val="bg1"/>
+              </a:solidFill>
+              <a:prstDash val="solid"/>
+              <a:headEnd type="none" w="med" len="med"/>
+              <a:tailEnd type="none" w="med" len="med"/>
+            </a:ln>
+            <a:effectLst/>
+          </p:spPr>
+          <p:style>
+            <a:lnRef idx="1">
+              <a:schemeClr val="accent5"/>
+            </a:lnRef>
+            <a:fillRef idx="3">
+              <a:schemeClr val="accent5"/>
+            </a:fillRef>
+            <a:effectRef idx="2">
+              <a:schemeClr val="accent5"/>
+            </a:effectRef>
+            <a:fontRef idx="minor">
+              <a:schemeClr val="lt1"/>
+            </a:fontRef>
+          </p:style>
+          <p:txBody>
+            <a:bodyPr vert="horz" wrap="square" lIns="0" tIns="0" rIns="0" bIns="0" numCol="1" rtlCol="0" anchor="ctr" anchorCtr="0" compatLnSpc="1">
+              <a:prstTxWarp prst="textNoShape">
+                <a:avLst/>
+              </a:prstTxWarp>
+              <a:noAutofit/>
+            </a:bodyPr>
+            <a:lstStyle/>
+            <a:p>
+              <a:pPr algn="ctr" defTabSz="685784" fontAlgn="base">
+                <a:lnSpc>
+                  <a:spcPct val="90000"/>
+                </a:lnSpc>
+                <a:spcBef>
+                  <a:spcPct val="0"/>
+                </a:spcBef>
+                <a:spcAft>
+                  <a:spcPct val="0"/>
+                </a:spcAft>
+              </a:pPr>
+              <a:r>
+                <a:rPr lang="en-US" sz="675">
+                  <a:solidFill>
+                    <a:schemeClr val="bg1"/>
+                  </a:solidFill>
+                </a:rPr>
+                <a:t>2</a:t>
+              </a:r>
+              <a:endParaRPr lang="en-US" sz="375">
+                <a:solidFill>
+                  <a:schemeClr val="bg1"/>
+                </a:solidFill>
+              </a:endParaRPr>
+            </a:p>
+          </p:txBody>
+        </p:sp>
+        <p:sp>
+          <p:nvSpPr>
+            <p:cNvPr id="52" name="Rounded Rectangle 51">
+              <a:extLst>
+                <a:ext uri="{FF2B5EF4-FFF2-40B4-BE49-F238E27FC236}">
+                  <a16:creationId xmlns:a16="http://schemas.microsoft.com/office/drawing/2014/main" id="{1C6F33A5-6199-B64C-B10C-07C6E4743616}"/>
+                </a:ext>
+              </a:extLst>
+            </p:cNvPr>
+            <p:cNvSpPr/>
+            <p:nvPr/>
+          </p:nvSpPr>
+          <p:spPr bwMode="auto">
+            <a:xfrm>
+              <a:off x="1606093" y="1635094"/>
+              <a:ext cx="138128" cy="411476"/>
+            </a:xfrm>
+            <a:prstGeom prst="roundRect">
+              <a:avLst/>
+            </a:prstGeom>
+            <a:solidFill>
+              <a:schemeClr val="bg1">
+                <a:lumMod val="50000"/>
+              </a:schemeClr>
+            </a:solidFill>
+            <a:ln>
+              <a:solidFill>
+                <a:schemeClr val="bg1"/>
+              </a:solidFill>
+              <a:prstDash val="solid"/>
+              <a:headEnd type="none" w="med" len="med"/>
+              <a:tailEnd type="none" w="med" len="med"/>
+            </a:ln>
+            <a:effectLst/>
+          </p:spPr>
+          <p:style>
+            <a:lnRef idx="1">
+              <a:schemeClr val="accent5"/>
+            </a:lnRef>
+            <a:fillRef idx="3">
+              <a:schemeClr val="accent5"/>
+            </a:fillRef>
+            <a:effectRef idx="2">
+              <a:schemeClr val="accent5"/>
+            </a:effectRef>
+            <a:fontRef idx="minor">
+              <a:schemeClr val="lt1"/>
+            </a:fontRef>
+          </p:style>
+          <p:txBody>
+            <a:bodyPr vert="horz" wrap="square" lIns="0" tIns="0" rIns="0" bIns="0" numCol="1" rtlCol="0" anchor="ctr" anchorCtr="0" compatLnSpc="1">
+              <a:prstTxWarp prst="textNoShape">
+                <a:avLst/>
+              </a:prstTxWarp>
+              <a:noAutofit/>
+            </a:bodyPr>
+            <a:lstStyle/>
+            <a:p>
+              <a:pPr algn="ctr" defTabSz="685784" fontAlgn="base">
+                <a:lnSpc>
+                  <a:spcPct val="90000"/>
+                </a:lnSpc>
+                <a:spcBef>
+                  <a:spcPct val="0"/>
+                </a:spcBef>
+                <a:spcAft>
+                  <a:spcPct val="0"/>
+                </a:spcAft>
+              </a:pPr>
+              <a:r>
+                <a:rPr lang="en-US" sz="675">
+                  <a:solidFill>
+                    <a:schemeClr val="bg1"/>
+                  </a:solidFill>
+                </a:rPr>
+                <a:t>3</a:t>
+              </a:r>
+              <a:endParaRPr lang="en-US" sz="375">
+                <a:solidFill>
+                  <a:schemeClr val="bg1"/>
+                </a:solidFill>
+              </a:endParaRPr>
+            </a:p>
+          </p:txBody>
+        </p:sp>
+        <p:sp>
+          <p:nvSpPr>
+            <p:cNvPr id="53" name="Rounded Rectangle 52">
+              <a:extLst>
+                <a:ext uri="{FF2B5EF4-FFF2-40B4-BE49-F238E27FC236}">
+                  <a16:creationId xmlns:a16="http://schemas.microsoft.com/office/drawing/2014/main" id="{33F6B1C7-4A02-9542-8A95-130607072287}"/>
+                </a:ext>
+              </a:extLst>
+            </p:cNvPr>
+            <p:cNvSpPr/>
+            <p:nvPr/>
+          </p:nvSpPr>
+          <p:spPr bwMode="auto">
+            <a:xfrm>
+              <a:off x="1744220" y="1635094"/>
+              <a:ext cx="138128" cy="411476"/>
+            </a:xfrm>
+            <a:prstGeom prst="roundRect">
+              <a:avLst/>
+            </a:prstGeom>
+            <a:solidFill>
+              <a:schemeClr val="bg1">
+                <a:lumMod val="50000"/>
+              </a:schemeClr>
+            </a:solidFill>
+            <a:ln>
+              <a:solidFill>
+                <a:schemeClr val="bg1"/>
+              </a:solidFill>
+              <a:prstDash val="solid"/>
+              <a:headEnd type="none" w="med" len="med"/>
+              <a:tailEnd type="none" w="med" len="med"/>
+            </a:ln>
+            <a:effectLst/>
+          </p:spPr>
+          <p:style>
+            <a:lnRef idx="1">
+              <a:schemeClr val="accent5"/>
+            </a:lnRef>
+            <a:fillRef idx="3">
+              <a:schemeClr val="accent5"/>
+            </a:fillRef>
+            <a:effectRef idx="2">
+              <a:schemeClr val="accent5"/>
+            </a:effectRef>
+            <a:fontRef idx="minor">
+              <a:schemeClr val="lt1"/>
+            </a:fontRef>
+          </p:style>
+          <p:txBody>
+            <a:bodyPr vert="horz" wrap="square" lIns="0" tIns="0" rIns="0" bIns="0" numCol="1" rtlCol="0" anchor="ctr" anchorCtr="0" compatLnSpc="1">
+              <a:prstTxWarp prst="textNoShape">
+                <a:avLst/>
+              </a:prstTxWarp>
+              <a:noAutofit/>
+            </a:bodyPr>
+            <a:lstStyle/>
+            <a:p>
+              <a:pPr algn="ctr" defTabSz="685784" fontAlgn="base">
+                <a:lnSpc>
+                  <a:spcPct val="90000"/>
+                </a:lnSpc>
+                <a:spcBef>
+                  <a:spcPct val="0"/>
+                </a:spcBef>
+                <a:spcAft>
+                  <a:spcPct val="0"/>
+                </a:spcAft>
+              </a:pPr>
+              <a:r>
+                <a:rPr lang="en-US" sz="675">
+                  <a:solidFill>
+                    <a:schemeClr val="bg1"/>
+                  </a:solidFill>
+                </a:rPr>
+                <a:t>4</a:t>
+              </a:r>
+              <a:endParaRPr lang="en-US" sz="375">
+                <a:solidFill>
+                  <a:schemeClr val="bg1"/>
+                </a:solidFill>
+              </a:endParaRPr>
+            </a:p>
+          </p:txBody>
+        </p:sp>
+        <p:sp>
+          <p:nvSpPr>
+            <p:cNvPr id="54" name="Rounded Rectangle 53">
+              <a:extLst>
+                <a:ext uri="{FF2B5EF4-FFF2-40B4-BE49-F238E27FC236}">
+                  <a16:creationId xmlns:a16="http://schemas.microsoft.com/office/drawing/2014/main" id="{25DDEEBB-A5F5-3F4F-8B83-B46E2E843B7B}"/>
+                </a:ext>
+              </a:extLst>
+            </p:cNvPr>
+            <p:cNvSpPr/>
+            <p:nvPr/>
+          </p:nvSpPr>
+          <p:spPr bwMode="auto">
+            <a:xfrm>
+              <a:off x="1874043" y="1635094"/>
+              <a:ext cx="138128" cy="411476"/>
+            </a:xfrm>
+            <a:prstGeom prst="roundRect">
+              <a:avLst/>
+            </a:prstGeom>
+            <a:solidFill>
+              <a:schemeClr val="bg1">
+                <a:lumMod val="50000"/>
+              </a:schemeClr>
+            </a:solidFill>
+            <a:ln>
+              <a:solidFill>
+                <a:schemeClr val="bg1"/>
+              </a:solidFill>
+              <a:prstDash val="solid"/>
+              <a:headEnd type="none" w="med" len="med"/>
+              <a:tailEnd type="none" w="med" len="med"/>
+            </a:ln>
+            <a:effectLst/>
+          </p:spPr>
+          <p:style>
+            <a:lnRef idx="1">
+              <a:schemeClr val="accent5"/>
+            </a:lnRef>
+            <a:fillRef idx="3">
+              <a:schemeClr val="accent5"/>
+            </a:fillRef>
+            <a:effectRef idx="2">
+              <a:schemeClr val="accent5"/>
+            </a:effectRef>
+            <a:fontRef idx="minor">
+              <a:schemeClr val="lt1"/>
+            </a:fontRef>
+          </p:style>
+          <p:txBody>
+            <a:bodyPr vert="horz" wrap="square" lIns="0" tIns="0" rIns="0" bIns="0" numCol="1" rtlCol="0" anchor="ctr" anchorCtr="0" compatLnSpc="1">
+              <a:prstTxWarp prst="textNoShape">
+                <a:avLst/>
+              </a:prstTxWarp>
+              <a:noAutofit/>
+            </a:bodyPr>
+            <a:lstStyle/>
+            <a:p>
+              <a:pPr algn="ctr" defTabSz="685784" fontAlgn="base">
+                <a:lnSpc>
+                  <a:spcPct val="90000"/>
+                </a:lnSpc>
+                <a:spcBef>
+                  <a:spcPct val="0"/>
+                </a:spcBef>
+                <a:spcAft>
+                  <a:spcPct val="0"/>
+                </a:spcAft>
+              </a:pPr>
+              <a:r>
+                <a:rPr lang="en-US" sz="675">
+                  <a:solidFill>
+                    <a:schemeClr val="bg1"/>
+                  </a:solidFill>
+                </a:rPr>
+                <a:t>5</a:t>
+              </a:r>
+              <a:endParaRPr lang="en-US" sz="375">
+                <a:solidFill>
+                  <a:schemeClr val="bg1"/>
+                </a:solidFill>
+              </a:endParaRPr>
+            </a:p>
+          </p:txBody>
+        </p:sp>
+      </p:grpSp>
+      <p:grpSp>
+        <p:nvGrpSpPr>
+          <p:cNvPr id="55" name="Group 54">
+            <a:extLst>
+              <a:ext uri="{FF2B5EF4-FFF2-40B4-BE49-F238E27FC236}">
+                <a16:creationId xmlns:a16="http://schemas.microsoft.com/office/drawing/2014/main" id="{3885D34C-F24E-2B4F-A340-D5E2D7233E58}"/>
+              </a:ext>
+            </a:extLst>
+          </p:cNvPr>
+          <p:cNvGrpSpPr/>
+          <p:nvPr/>
+        </p:nvGrpSpPr>
+        <p:grpSpPr>
+          <a:xfrm>
+            <a:off x="4929355" y="2210324"/>
+            <a:ext cx="584621" cy="207055"/>
+            <a:chOff x="1193647" y="1635094"/>
+            <a:chExt cx="818524" cy="411476"/>
+          </a:xfrm>
+        </p:grpSpPr>
+        <p:sp>
+          <p:nvSpPr>
+            <p:cNvPr id="56" name="Rounded Rectangle 55">
+              <a:extLst>
+                <a:ext uri="{FF2B5EF4-FFF2-40B4-BE49-F238E27FC236}">
+                  <a16:creationId xmlns:a16="http://schemas.microsoft.com/office/drawing/2014/main" id="{DF37F9C6-EA2B-CF4E-8FD1-36456D7FC5D2}"/>
+                </a:ext>
+              </a:extLst>
+            </p:cNvPr>
+            <p:cNvSpPr/>
+            <p:nvPr/>
+          </p:nvSpPr>
+          <p:spPr bwMode="auto">
+            <a:xfrm>
+              <a:off x="1193647" y="1635094"/>
+              <a:ext cx="138128" cy="411476"/>
+            </a:xfrm>
+            <a:prstGeom prst="roundRect">
+              <a:avLst/>
+            </a:prstGeom>
+            <a:solidFill>
+              <a:schemeClr val="bg1">
+                <a:lumMod val="50000"/>
+              </a:schemeClr>
+            </a:solidFill>
+            <a:ln>
+              <a:solidFill>
+                <a:schemeClr val="bg1"/>
+              </a:solidFill>
+              <a:prstDash val="solid"/>
+              <a:headEnd type="none" w="med" len="med"/>
+              <a:tailEnd type="none" w="med" len="med"/>
+            </a:ln>
+            <a:effectLst/>
+          </p:spPr>
+          <p:style>
+            <a:lnRef idx="1">
+              <a:schemeClr val="accent5"/>
+            </a:lnRef>
+            <a:fillRef idx="3">
+              <a:schemeClr val="accent5"/>
+            </a:fillRef>
+            <a:effectRef idx="2">
+              <a:schemeClr val="accent5"/>
+            </a:effectRef>
+            <a:fontRef idx="minor">
+              <a:schemeClr val="lt1"/>
+            </a:fontRef>
+          </p:style>
+          <p:txBody>
+            <a:bodyPr vert="horz" wrap="square" lIns="0" tIns="0" rIns="0" bIns="0" numCol="1" rtlCol="0" anchor="ctr" anchorCtr="0" compatLnSpc="1">
+              <a:prstTxWarp prst="textNoShape">
+                <a:avLst/>
+              </a:prstTxWarp>
+              <a:noAutofit/>
+            </a:bodyPr>
+            <a:lstStyle/>
+            <a:p>
+              <a:pPr algn="ctr" defTabSz="685784" fontAlgn="base">
+                <a:lnSpc>
+                  <a:spcPct val="90000"/>
+                </a:lnSpc>
+                <a:spcBef>
+                  <a:spcPct val="0"/>
+                </a:spcBef>
+                <a:spcAft>
+                  <a:spcPct val="0"/>
+                </a:spcAft>
+              </a:pPr>
+              <a:r>
+                <a:rPr lang="en-US" sz="675">
+                  <a:solidFill>
+                    <a:schemeClr val="bg1"/>
+                  </a:solidFill>
+                </a:rPr>
+                <a:t>0</a:t>
+              </a:r>
+              <a:endParaRPr lang="en-US" sz="375">
+                <a:solidFill>
+                  <a:schemeClr val="bg1"/>
+                </a:solidFill>
+              </a:endParaRPr>
+            </a:p>
+          </p:txBody>
+        </p:sp>
+        <p:sp>
+          <p:nvSpPr>
+            <p:cNvPr id="57" name="Rounded Rectangle 56">
+              <a:extLst>
+                <a:ext uri="{FF2B5EF4-FFF2-40B4-BE49-F238E27FC236}">
+                  <a16:creationId xmlns:a16="http://schemas.microsoft.com/office/drawing/2014/main" id="{C8F3E5A4-9FB4-B64E-96B7-9C76B4108003}"/>
+                </a:ext>
+              </a:extLst>
+            </p:cNvPr>
+            <p:cNvSpPr/>
+            <p:nvPr/>
+          </p:nvSpPr>
+          <p:spPr bwMode="auto">
+            <a:xfrm>
+              <a:off x="1330805" y="1635094"/>
+              <a:ext cx="138128" cy="411476"/>
+            </a:xfrm>
+            <a:prstGeom prst="roundRect">
+              <a:avLst/>
+            </a:prstGeom>
+            <a:solidFill>
+              <a:schemeClr val="bg1">
+                <a:lumMod val="50000"/>
+              </a:schemeClr>
+            </a:solidFill>
+            <a:ln>
+              <a:solidFill>
+                <a:schemeClr val="bg1"/>
+              </a:solidFill>
+              <a:prstDash val="solid"/>
+              <a:headEnd type="none" w="med" len="med"/>
+              <a:tailEnd type="none" w="med" len="med"/>
+            </a:ln>
+            <a:effectLst/>
+          </p:spPr>
+          <p:style>
+            <a:lnRef idx="1">
+              <a:schemeClr val="accent5"/>
+            </a:lnRef>
+            <a:fillRef idx="3">
+              <a:schemeClr val="accent5"/>
+            </a:fillRef>
+            <a:effectRef idx="2">
+              <a:schemeClr val="accent5"/>
+            </a:effectRef>
+            <a:fontRef idx="minor">
+              <a:schemeClr val="lt1"/>
+            </a:fontRef>
+          </p:style>
+          <p:txBody>
+            <a:bodyPr vert="horz" wrap="square" lIns="0" tIns="0" rIns="0" bIns="0" numCol="1" rtlCol="0" anchor="ctr" anchorCtr="0" compatLnSpc="1">
+              <a:prstTxWarp prst="textNoShape">
+                <a:avLst/>
+              </a:prstTxWarp>
+              <a:noAutofit/>
+            </a:bodyPr>
+            <a:lstStyle/>
+            <a:p>
+              <a:pPr algn="ctr" defTabSz="685784" fontAlgn="base">
+                <a:lnSpc>
+                  <a:spcPct val="90000"/>
+                </a:lnSpc>
+                <a:spcBef>
+                  <a:spcPct val="0"/>
+                </a:spcBef>
+                <a:spcAft>
+                  <a:spcPct val="0"/>
+                </a:spcAft>
+              </a:pPr>
+              <a:r>
+                <a:rPr lang="en-US" sz="675">
+                  <a:solidFill>
+                    <a:schemeClr val="bg1"/>
+                  </a:solidFill>
+                </a:rPr>
+                <a:t>1</a:t>
+              </a:r>
+              <a:endParaRPr lang="en-US" sz="375">
+                <a:solidFill>
+                  <a:schemeClr val="bg1"/>
+                </a:solidFill>
+              </a:endParaRPr>
+            </a:p>
+          </p:txBody>
+        </p:sp>
+        <p:sp>
+          <p:nvSpPr>
+            <p:cNvPr id="58" name="Rounded Rectangle 57">
+              <a:extLst>
+                <a:ext uri="{FF2B5EF4-FFF2-40B4-BE49-F238E27FC236}">
+                  <a16:creationId xmlns:a16="http://schemas.microsoft.com/office/drawing/2014/main" id="{17D583C3-473B-C945-AA20-3C3E0BA67FB0}"/>
+                </a:ext>
+              </a:extLst>
+            </p:cNvPr>
+            <p:cNvSpPr/>
+            <p:nvPr/>
+          </p:nvSpPr>
+          <p:spPr bwMode="auto">
+            <a:xfrm>
+              <a:off x="1468934" y="1635094"/>
+              <a:ext cx="138128" cy="411476"/>
+            </a:xfrm>
+            <a:prstGeom prst="roundRect">
+              <a:avLst/>
+            </a:prstGeom>
+            <a:solidFill>
+              <a:schemeClr val="bg1">
+                <a:lumMod val="50000"/>
+              </a:schemeClr>
+            </a:solidFill>
+            <a:ln>
+              <a:solidFill>
+                <a:schemeClr val="bg1"/>
+              </a:solidFill>
+              <a:prstDash val="solid"/>
+              <a:headEnd type="none" w="med" len="med"/>
+              <a:tailEnd type="none" w="med" len="med"/>
+            </a:ln>
+            <a:effectLst/>
+          </p:spPr>
+          <p:style>
+            <a:lnRef idx="1">
+              <a:schemeClr val="accent5"/>
+            </a:lnRef>
+            <a:fillRef idx="3">
+              <a:schemeClr val="accent5"/>
+            </a:fillRef>
+            <a:effectRef idx="2">
+              <a:schemeClr val="accent5"/>
+            </a:effectRef>
+            <a:fontRef idx="minor">
+              <a:schemeClr val="lt1"/>
+            </a:fontRef>
+          </p:style>
+          <p:txBody>
+            <a:bodyPr vert="horz" wrap="square" lIns="0" tIns="0" rIns="0" bIns="0" numCol="1" rtlCol="0" anchor="ctr" anchorCtr="0" compatLnSpc="1">
+              <a:prstTxWarp prst="textNoShape">
+                <a:avLst/>
+              </a:prstTxWarp>
+              <a:noAutofit/>
+            </a:bodyPr>
+            <a:lstStyle/>
+            <a:p>
+              <a:pPr algn="ctr" defTabSz="685784" fontAlgn="base">
+                <a:lnSpc>
+                  <a:spcPct val="90000"/>
+                </a:lnSpc>
+                <a:spcBef>
+                  <a:spcPct val="0"/>
+                </a:spcBef>
+                <a:spcAft>
+                  <a:spcPct val="0"/>
+                </a:spcAft>
+              </a:pPr>
+              <a:r>
+                <a:rPr lang="en-US" sz="675">
+                  <a:solidFill>
+                    <a:schemeClr val="bg1"/>
+                  </a:solidFill>
+                </a:rPr>
+                <a:t>2</a:t>
+              </a:r>
+              <a:endParaRPr lang="en-US" sz="375">
+                <a:solidFill>
+                  <a:schemeClr val="bg1"/>
+                </a:solidFill>
+              </a:endParaRPr>
+            </a:p>
+          </p:txBody>
+        </p:sp>
+        <p:sp>
+          <p:nvSpPr>
+            <p:cNvPr id="59" name="Rounded Rectangle 58">
+              <a:extLst>
+                <a:ext uri="{FF2B5EF4-FFF2-40B4-BE49-F238E27FC236}">
+                  <a16:creationId xmlns:a16="http://schemas.microsoft.com/office/drawing/2014/main" id="{E2F20F4B-2D17-AC45-BC15-3A42E045BB28}"/>
+                </a:ext>
+              </a:extLst>
+            </p:cNvPr>
+            <p:cNvSpPr/>
+            <p:nvPr/>
+          </p:nvSpPr>
+          <p:spPr bwMode="auto">
+            <a:xfrm>
+              <a:off x="1606093" y="1635094"/>
+              <a:ext cx="138128" cy="411476"/>
+            </a:xfrm>
+            <a:prstGeom prst="roundRect">
+              <a:avLst/>
+            </a:prstGeom>
+            <a:solidFill>
+              <a:schemeClr val="bg1">
+                <a:lumMod val="50000"/>
+              </a:schemeClr>
+            </a:solidFill>
+            <a:ln>
+              <a:solidFill>
+                <a:schemeClr val="bg1"/>
+              </a:solidFill>
+              <a:prstDash val="solid"/>
+              <a:headEnd type="none" w="med" len="med"/>
+              <a:tailEnd type="none" w="med" len="med"/>
+            </a:ln>
+            <a:effectLst/>
+          </p:spPr>
+          <p:style>
+            <a:lnRef idx="1">
+              <a:schemeClr val="accent5"/>
+            </a:lnRef>
+            <a:fillRef idx="3">
+              <a:schemeClr val="accent5"/>
+            </a:fillRef>
+            <a:effectRef idx="2">
+              <a:schemeClr val="accent5"/>
+            </a:effectRef>
+            <a:fontRef idx="minor">
+              <a:schemeClr val="lt1"/>
+            </a:fontRef>
+          </p:style>
+          <p:txBody>
+            <a:bodyPr vert="horz" wrap="square" lIns="0" tIns="0" rIns="0" bIns="0" numCol="1" rtlCol="0" anchor="ctr" anchorCtr="0" compatLnSpc="1">
+              <a:prstTxWarp prst="textNoShape">
+                <a:avLst/>
+              </a:prstTxWarp>
+              <a:noAutofit/>
+            </a:bodyPr>
+            <a:lstStyle/>
+            <a:p>
+              <a:pPr algn="ctr" defTabSz="685784" fontAlgn="base">
+                <a:lnSpc>
+                  <a:spcPct val="90000"/>
+                </a:lnSpc>
+                <a:spcBef>
+                  <a:spcPct val="0"/>
+                </a:spcBef>
+                <a:spcAft>
+                  <a:spcPct val="0"/>
+                </a:spcAft>
+              </a:pPr>
+              <a:r>
+                <a:rPr lang="en-US" sz="675">
+                  <a:solidFill>
+                    <a:schemeClr val="bg1"/>
+                  </a:solidFill>
+                </a:rPr>
+                <a:t>3</a:t>
+              </a:r>
+              <a:endParaRPr lang="en-US" sz="375">
+                <a:solidFill>
+                  <a:schemeClr val="bg1"/>
+                </a:solidFill>
+              </a:endParaRPr>
+            </a:p>
+          </p:txBody>
+        </p:sp>
+        <p:sp>
+          <p:nvSpPr>
+            <p:cNvPr id="60" name="Rounded Rectangle 59">
+              <a:extLst>
+                <a:ext uri="{FF2B5EF4-FFF2-40B4-BE49-F238E27FC236}">
+                  <a16:creationId xmlns:a16="http://schemas.microsoft.com/office/drawing/2014/main" id="{5FD3754D-9EF6-2647-81D8-BEB0C63EEEB1}"/>
+                </a:ext>
+              </a:extLst>
+            </p:cNvPr>
+            <p:cNvSpPr/>
+            <p:nvPr/>
+          </p:nvSpPr>
+          <p:spPr bwMode="auto">
+            <a:xfrm>
+              <a:off x="1744220" y="1635094"/>
+              <a:ext cx="138128" cy="411476"/>
+            </a:xfrm>
+            <a:prstGeom prst="roundRect">
+              <a:avLst/>
+            </a:prstGeom>
+            <a:solidFill>
+              <a:schemeClr val="bg1">
+                <a:lumMod val="50000"/>
+              </a:schemeClr>
+            </a:solidFill>
+            <a:ln>
+              <a:solidFill>
+                <a:schemeClr val="bg1"/>
+              </a:solidFill>
+              <a:prstDash val="solid"/>
+              <a:headEnd type="none" w="med" len="med"/>
+              <a:tailEnd type="none" w="med" len="med"/>
+            </a:ln>
+            <a:effectLst/>
+          </p:spPr>
+          <p:style>
+            <a:lnRef idx="1">
+              <a:schemeClr val="accent5"/>
+            </a:lnRef>
+            <a:fillRef idx="3">
+              <a:schemeClr val="accent5"/>
+            </a:fillRef>
+            <a:effectRef idx="2">
+              <a:schemeClr val="accent5"/>
+            </a:effectRef>
+            <a:fontRef idx="minor">
+              <a:schemeClr val="lt1"/>
+            </a:fontRef>
+          </p:style>
+          <p:txBody>
+            <a:bodyPr vert="horz" wrap="square" lIns="0" tIns="0" rIns="0" bIns="0" numCol="1" rtlCol="0" anchor="ctr" anchorCtr="0" compatLnSpc="1">
+              <a:prstTxWarp prst="textNoShape">
+                <a:avLst/>
+              </a:prstTxWarp>
+              <a:noAutofit/>
+            </a:bodyPr>
+            <a:lstStyle/>
+            <a:p>
+              <a:pPr algn="ctr" defTabSz="685784" fontAlgn="base">
+                <a:lnSpc>
+                  <a:spcPct val="90000"/>
+                </a:lnSpc>
+                <a:spcBef>
+                  <a:spcPct val="0"/>
+                </a:spcBef>
+                <a:spcAft>
+                  <a:spcPct val="0"/>
+                </a:spcAft>
+              </a:pPr>
+              <a:r>
+                <a:rPr lang="en-US" sz="675">
+                  <a:solidFill>
+                    <a:schemeClr val="bg1"/>
+                  </a:solidFill>
+                </a:rPr>
+                <a:t>4</a:t>
+              </a:r>
+              <a:endParaRPr lang="en-US" sz="375">
+                <a:solidFill>
+                  <a:schemeClr val="bg1"/>
+                </a:solidFill>
+              </a:endParaRPr>
+            </a:p>
+          </p:txBody>
+        </p:sp>
+        <p:sp>
+          <p:nvSpPr>
+            <p:cNvPr id="61" name="Rounded Rectangle 60">
+              <a:extLst>
+                <a:ext uri="{FF2B5EF4-FFF2-40B4-BE49-F238E27FC236}">
+                  <a16:creationId xmlns:a16="http://schemas.microsoft.com/office/drawing/2014/main" id="{D87E418F-8DC4-5141-8862-EA861D1ACD5A}"/>
+                </a:ext>
+              </a:extLst>
+            </p:cNvPr>
+            <p:cNvSpPr/>
+            <p:nvPr/>
+          </p:nvSpPr>
+          <p:spPr bwMode="auto">
+            <a:xfrm>
+              <a:off x="1874043" y="1635094"/>
+              <a:ext cx="138128" cy="411476"/>
+            </a:xfrm>
+            <a:prstGeom prst="roundRect">
+              <a:avLst/>
+            </a:prstGeom>
+            <a:solidFill>
+              <a:schemeClr val="bg1">
+                <a:lumMod val="50000"/>
+              </a:schemeClr>
+            </a:solidFill>
+            <a:ln>
+              <a:solidFill>
+                <a:schemeClr val="bg1"/>
+              </a:solidFill>
+              <a:prstDash val="solid"/>
+              <a:headEnd type="none" w="med" len="med"/>
+              <a:tailEnd type="none" w="med" len="med"/>
+            </a:ln>
+            <a:effectLst/>
+          </p:spPr>
+          <p:style>
+            <a:lnRef idx="1">
+              <a:schemeClr val="accent5"/>
+            </a:lnRef>
+            <a:fillRef idx="3">
+              <a:schemeClr val="accent5"/>
+            </a:fillRef>
+            <a:effectRef idx="2">
+              <a:schemeClr val="accent5"/>
+            </a:effectRef>
+            <a:fontRef idx="minor">
+              <a:schemeClr val="lt1"/>
+            </a:fontRef>
+          </p:style>
+          <p:txBody>
+            <a:bodyPr vert="horz" wrap="square" lIns="0" tIns="0" rIns="0" bIns="0" numCol="1" rtlCol="0" anchor="ctr" anchorCtr="0" compatLnSpc="1">
+              <a:prstTxWarp prst="textNoShape">
+                <a:avLst/>
+              </a:prstTxWarp>
+              <a:noAutofit/>
+            </a:bodyPr>
+            <a:lstStyle/>
+            <a:p>
+              <a:pPr algn="ctr" defTabSz="685784" fontAlgn="base">
+                <a:lnSpc>
+                  <a:spcPct val="90000"/>
+                </a:lnSpc>
+                <a:spcBef>
+                  <a:spcPct val="0"/>
+                </a:spcBef>
+                <a:spcAft>
+                  <a:spcPct val="0"/>
+                </a:spcAft>
+              </a:pPr>
+              <a:r>
+                <a:rPr lang="en-US" sz="675">
+                  <a:solidFill>
+                    <a:schemeClr val="bg1"/>
+                  </a:solidFill>
+                </a:rPr>
+                <a:t>5</a:t>
+              </a:r>
+              <a:endParaRPr lang="en-US" sz="375">
+                <a:solidFill>
+                  <a:schemeClr val="bg1"/>
+                </a:solidFill>
+              </a:endParaRPr>
+            </a:p>
+          </p:txBody>
+        </p:sp>
+      </p:grpSp>
+      <p:grpSp>
+        <p:nvGrpSpPr>
+          <p:cNvPr id="62" name="Group 61">
+            <a:extLst>
+              <a:ext uri="{FF2B5EF4-FFF2-40B4-BE49-F238E27FC236}">
+                <a16:creationId xmlns:a16="http://schemas.microsoft.com/office/drawing/2014/main" id="{60A3EFD9-F278-C14B-8D55-F5D891D7BB1C}"/>
+              </a:ext>
+            </a:extLst>
+          </p:cNvPr>
+          <p:cNvGrpSpPr/>
+          <p:nvPr/>
+        </p:nvGrpSpPr>
+        <p:grpSpPr>
+          <a:xfrm>
+            <a:off x="4929355" y="2547314"/>
+            <a:ext cx="584621" cy="207055"/>
+            <a:chOff x="1193647" y="1635094"/>
+            <a:chExt cx="818524" cy="411476"/>
+          </a:xfrm>
+        </p:grpSpPr>
+        <p:sp>
+          <p:nvSpPr>
+            <p:cNvPr id="63" name="Rounded Rectangle 62">
+              <a:extLst>
+                <a:ext uri="{FF2B5EF4-FFF2-40B4-BE49-F238E27FC236}">
+                  <a16:creationId xmlns:a16="http://schemas.microsoft.com/office/drawing/2014/main" id="{48379E18-7121-1149-9E3F-EB9DA64B5EC1}"/>
+                </a:ext>
+              </a:extLst>
+            </p:cNvPr>
+            <p:cNvSpPr/>
+            <p:nvPr/>
+          </p:nvSpPr>
+          <p:spPr bwMode="auto">
+            <a:xfrm>
+              <a:off x="1193647" y="1635094"/>
+              <a:ext cx="138128" cy="411476"/>
+            </a:xfrm>
+            <a:prstGeom prst="roundRect">
+              <a:avLst/>
+            </a:prstGeom>
+            <a:solidFill>
+              <a:schemeClr val="bg1">
+                <a:lumMod val="50000"/>
+              </a:schemeClr>
+            </a:solidFill>
+            <a:ln>
+              <a:solidFill>
+                <a:schemeClr val="bg1"/>
+              </a:solidFill>
+              <a:prstDash val="solid"/>
+              <a:headEnd type="none" w="med" len="med"/>
+              <a:tailEnd type="none" w="med" len="med"/>
+            </a:ln>
+            <a:effectLst/>
+          </p:spPr>
+          <p:style>
+            <a:lnRef idx="1">
+              <a:schemeClr val="accent5"/>
+            </a:lnRef>
+            <a:fillRef idx="3">
+              <a:schemeClr val="accent5"/>
+            </a:fillRef>
+            <a:effectRef idx="2">
+              <a:schemeClr val="accent5"/>
+            </a:effectRef>
+            <a:fontRef idx="minor">
+              <a:schemeClr val="lt1"/>
+            </a:fontRef>
+          </p:style>
+          <p:txBody>
+            <a:bodyPr vert="horz" wrap="square" lIns="0" tIns="0" rIns="0" bIns="0" numCol="1" rtlCol="0" anchor="ctr" anchorCtr="0" compatLnSpc="1">
+              <a:prstTxWarp prst="textNoShape">
+                <a:avLst/>
+              </a:prstTxWarp>
+              <a:noAutofit/>
+            </a:bodyPr>
+            <a:lstStyle/>
+            <a:p>
+              <a:pPr algn="ctr" defTabSz="685784" fontAlgn="base">
+                <a:lnSpc>
+                  <a:spcPct val="90000"/>
+                </a:lnSpc>
+                <a:spcBef>
+                  <a:spcPct val="0"/>
+                </a:spcBef>
+                <a:spcAft>
+                  <a:spcPct val="0"/>
+                </a:spcAft>
+              </a:pPr>
+              <a:r>
+                <a:rPr lang="en-US" sz="675">
+                  <a:solidFill>
+                    <a:schemeClr val="bg1"/>
+                  </a:solidFill>
+                </a:rPr>
+                <a:t>0</a:t>
+              </a:r>
+              <a:endParaRPr lang="en-US" sz="375">
+                <a:solidFill>
+                  <a:schemeClr val="bg1"/>
+                </a:solidFill>
+              </a:endParaRPr>
+            </a:p>
+          </p:txBody>
+        </p:sp>
+        <p:sp>
+          <p:nvSpPr>
+            <p:cNvPr id="64" name="Rounded Rectangle 63">
+              <a:extLst>
+                <a:ext uri="{FF2B5EF4-FFF2-40B4-BE49-F238E27FC236}">
+                  <a16:creationId xmlns:a16="http://schemas.microsoft.com/office/drawing/2014/main" id="{1AE5E84F-434B-684A-8BA2-9645DCD2FF36}"/>
+                </a:ext>
+              </a:extLst>
+            </p:cNvPr>
+            <p:cNvSpPr/>
+            <p:nvPr/>
+          </p:nvSpPr>
+          <p:spPr bwMode="auto">
+            <a:xfrm>
+              <a:off x="1330805" y="1635094"/>
+              <a:ext cx="138128" cy="411476"/>
+            </a:xfrm>
+            <a:prstGeom prst="roundRect">
+              <a:avLst/>
+            </a:prstGeom>
+            <a:solidFill>
+              <a:schemeClr val="bg1">
+                <a:lumMod val="50000"/>
+              </a:schemeClr>
+            </a:solidFill>
+            <a:ln>
+              <a:solidFill>
+                <a:schemeClr val="bg1"/>
+              </a:solidFill>
+              <a:prstDash val="solid"/>
+              <a:headEnd type="none" w="med" len="med"/>
+              <a:tailEnd type="none" w="med" len="med"/>
+            </a:ln>
+            <a:effectLst/>
+          </p:spPr>
+          <p:style>
+            <a:lnRef idx="1">
+              <a:schemeClr val="accent5"/>
+            </a:lnRef>
+            <a:fillRef idx="3">
+              <a:schemeClr val="accent5"/>
+            </a:fillRef>
+            <a:effectRef idx="2">
+              <a:schemeClr val="accent5"/>
+            </a:effectRef>
+            <a:fontRef idx="minor">
+              <a:schemeClr val="lt1"/>
+            </a:fontRef>
+          </p:style>
+          <p:txBody>
+            <a:bodyPr vert="horz" wrap="square" lIns="0" tIns="0" rIns="0" bIns="0" numCol="1" rtlCol="0" anchor="ctr" anchorCtr="0" compatLnSpc="1">
+              <a:prstTxWarp prst="textNoShape">
+                <a:avLst/>
+              </a:prstTxWarp>
+              <a:noAutofit/>
+            </a:bodyPr>
+            <a:lstStyle/>
+            <a:p>
+              <a:pPr algn="ctr" defTabSz="685784" fontAlgn="base">
+                <a:lnSpc>
+                  <a:spcPct val="90000"/>
+                </a:lnSpc>
+                <a:spcBef>
+                  <a:spcPct val="0"/>
+                </a:spcBef>
+                <a:spcAft>
+                  <a:spcPct val="0"/>
+                </a:spcAft>
+              </a:pPr>
+              <a:r>
+                <a:rPr lang="en-US" sz="675">
+                  <a:solidFill>
+                    <a:schemeClr val="bg1"/>
+                  </a:solidFill>
+                </a:rPr>
+                <a:t>1</a:t>
+              </a:r>
+              <a:endParaRPr lang="en-US" sz="375">
+                <a:solidFill>
+                  <a:schemeClr val="bg1"/>
+                </a:solidFill>
+              </a:endParaRPr>
+            </a:p>
+          </p:txBody>
+        </p:sp>
+        <p:sp>
+          <p:nvSpPr>
+            <p:cNvPr id="65" name="Rounded Rectangle 64">
+              <a:extLst>
+                <a:ext uri="{FF2B5EF4-FFF2-40B4-BE49-F238E27FC236}">
+                  <a16:creationId xmlns:a16="http://schemas.microsoft.com/office/drawing/2014/main" id="{0FCB42D3-438C-9D44-ABB8-6CDB9180AF34}"/>
+                </a:ext>
+              </a:extLst>
+            </p:cNvPr>
+            <p:cNvSpPr/>
+            <p:nvPr/>
+          </p:nvSpPr>
+          <p:spPr bwMode="auto">
+            <a:xfrm>
+              <a:off x="1468934" y="1635094"/>
+              <a:ext cx="138128" cy="411476"/>
+            </a:xfrm>
+            <a:prstGeom prst="roundRect">
+              <a:avLst/>
+            </a:prstGeom>
+            <a:solidFill>
+              <a:schemeClr val="bg1">
+                <a:lumMod val="50000"/>
+              </a:schemeClr>
+            </a:solidFill>
+            <a:ln>
+              <a:solidFill>
+                <a:schemeClr val="bg1"/>
+              </a:solidFill>
+              <a:prstDash val="solid"/>
+              <a:headEnd type="none" w="med" len="med"/>
+              <a:tailEnd type="none" w="med" len="med"/>
+            </a:ln>
+            <a:effectLst/>
+          </p:spPr>
+          <p:style>
+            <a:lnRef idx="1">
+              <a:schemeClr val="accent5"/>
+            </a:lnRef>
+            <a:fillRef idx="3">
+              <a:schemeClr val="accent5"/>
+            </a:fillRef>
+            <a:effectRef idx="2">
+              <a:schemeClr val="accent5"/>
+            </a:effectRef>
+            <a:fontRef idx="minor">
+              <a:schemeClr val="lt1"/>
+            </a:fontRef>
+          </p:style>
+          <p:txBody>
+            <a:bodyPr vert="horz" wrap="square" lIns="0" tIns="0" rIns="0" bIns="0" numCol="1" rtlCol="0" anchor="ctr" anchorCtr="0" compatLnSpc="1">
+              <a:prstTxWarp prst="textNoShape">
+                <a:avLst/>
+              </a:prstTxWarp>
+              <a:noAutofit/>
+            </a:bodyPr>
+            <a:lstStyle/>
+            <a:p>
+              <a:pPr algn="ctr" defTabSz="685784" fontAlgn="base">
+                <a:lnSpc>
+                  <a:spcPct val="90000"/>
+                </a:lnSpc>
+                <a:spcBef>
+                  <a:spcPct val="0"/>
+                </a:spcBef>
+                <a:spcAft>
+                  <a:spcPct val="0"/>
+                </a:spcAft>
+              </a:pPr>
+              <a:r>
+                <a:rPr lang="en-US" sz="675">
+                  <a:solidFill>
+                    <a:schemeClr val="bg1"/>
+                  </a:solidFill>
+                </a:rPr>
+                <a:t>2</a:t>
+              </a:r>
+              <a:endParaRPr lang="en-US" sz="375">
+                <a:solidFill>
+                  <a:schemeClr val="bg1"/>
+                </a:solidFill>
+              </a:endParaRPr>
+            </a:p>
+          </p:txBody>
+        </p:sp>
+        <p:sp>
+          <p:nvSpPr>
+            <p:cNvPr id="66" name="Rounded Rectangle 65">
+              <a:extLst>
+                <a:ext uri="{FF2B5EF4-FFF2-40B4-BE49-F238E27FC236}">
+                  <a16:creationId xmlns:a16="http://schemas.microsoft.com/office/drawing/2014/main" id="{225AF92C-F475-5045-858B-45C05D66DA4D}"/>
+                </a:ext>
+              </a:extLst>
+            </p:cNvPr>
+            <p:cNvSpPr/>
+            <p:nvPr/>
+          </p:nvSpPr>
+          <p:spPr bwMode="auto">
+            <a:xfrm>
+              <a:off x="1606093" y="1635094"/>
+              <a:ext cx="138128" cy="411476"/>
+            </a:xfrm>
+            <a:prstGeom prst="roundRect">
+              <a:avLst/>
+            </a:prstGeom>
+            <a:solidFill>
+              <a:schemeClr val="bg1">
+                <a:lumMod val="50000"/>
+              </a:schemeClr>
+            </a:solidFill>
+            <a:ln>
+              <a:solidFill>
+                <a:schemeClr val="bg1"/>
+              </a:solidFill>
+              <a:prstDash val="solid"/>
+              <a:headEnd type="none" w="med" len="med"/>
+              <a:tailEnd type="none" w="med" len="med"/>
+            </a:ln>
+            <a:effectLst/>
+          </p:spPr>
+          <p:style>
+            <a:lnRef idx="1">
+              <a:schemeClr val="accent5"/>
+            </a:lnRef>
+            <a:fillRef idx="3">
+              <a:schemeClr val="accent5"/>
+            </a:fillRef>
+            <a:effectRef idx="2">
+              <a:schemeClr val="accent5"/>
+            </a:effectRef>
+            <a:fontRef idx="minor">
+              <a:schemeClr val="lt1"/>
+            </a:fontRef>
+          </p:style>
+          <p:txBody>
+            <a:bodyPr vert="horz" wrap="square" lIns="0" tIns="0" rIns="0" bIns="0" numCol="1" rtlCol="0" anchor="ctr" anchorCtr="0" compatLnSpc="1">
+              <a:prstTxWarp prst="textNoShape">
+                <a:avLst/>
+              </a:prstTxWarp>
+              <a:noAutofit/>
+            </a:bodyPr>
+            <a:lstStyle/>
+            <a:p>
+              <a:pPr algn="ctr" defTabSz="685784" fontAlgn="base">
+                <a:lnSpc>
+                  <a:spcPct val="90000"/>
+                </a:lnSpc>
+                <a:spcBef>
+                  <a:spcPct val="0"/>
+                </a:spcBef>
+                <a:spcAft>
+                  <a:spcPct val="0"/>
+                </a:spcAft>
+              </a:pPr>
+              <a:r>
+                <a:rPr lang="en-US" sz="675">
+                  <a:solidFill>
+                    <a:schemeClr val="bg1"/>
+                  </a:solidFill>
+                </a:rPr>
+                <a:t>3</a:t>
+              </a:r>
+              <a:endParaRPr lang="en-US" sz="375">
+                <a:solidFill>
+                  <a:schemeClr val="bg1"/>
+                </a:solidFill>
+              </a:endParaRPr>
+            </a:p>
+          </p:txBody>
+        </p:sp>
+        <p:sp>
+          <p:nvSpPr>
+            <p:cNvPr id="67" name="Rounded Rectangle 66">
+              <a:extLst>
+                <a:ext uri="{FF2B5EF4-FFF2-40B4-BE49-F238E27FC236}">
+                  <a16:creationId xmlns:a16="http://schemas.microsoft.com/office/drawing/2014/main" id="{FF1AB3F6-9EDF-EF4A-A345-3EEFFA361CF4}"/>
+                </a:ext>
+              </a:extLst>
+            </p:cNvPr>
+            <p:cNvSpPr/>
+            <p:nvPr/>
+          </p:nvSpPr>
+          <p:spPr bwMode="auto">
+            <a:xfrm>
+              <a:off x="1744220" y="1635094"/>
+              <a:ext cx="138128" cy="411476"/>
+            </a:xfrm>
+            <a:prstGeom prst="roundRect">
+              <a:avLst/>
+            </a:prstGeom>
+            <a:solidFill>
+              <a:schemeClr val="bg1">
+                <a:lumMod val="50000"/>
+              </a:schemeClr>
+            </a:solidFill>
+            <a:ln>
+              <a:solidFill>
+                <a:schemeClr val="bg1"/>
+              </a:solidFill>
+              <a:prstDash val="solid"/>
+              <a:headEnd type="none" w="med" len="med"/>
+              <a:tailEnd type="none" w="med" len="med"/>
+            </a:ln>
+            <a:effectLst/>
+          </p:spPr>
+          <p:style>
+            <a:lnRef idx="1">
+              <a:schemeClr val="accent5"/>
+            </a:lnRef>
+            <a:fillRef idx="3">
+              <a:schemeClr val="accent5"/>
+            </a:fillRef>
+            <a:effectRef idx="2">
+              <a:schemeClr val="accent5"/>
+            </a:effectRef>
+            <a:fontRef idx="minor">
+              <a:schemeClr val="lt1"/>
+            </a:fontRef>
+          </p:style>
+          <p:txBody>
+            <a:bodyPr vert="horz" wrap="square" lIns="0" tIns="0" rIns="0" bIns="0" numCol="1" rtlCol="0" anchor="ctr" anchorCtr="0" compatLnSpc="1">
+              <a:prstTxWarp prst="textNoShape">
+                <a:avLst/>
+              </a:prstTxWarp>
+              <a:noAutofit/>
+            </a:bodyPr>
+            <a:lstStyle/>
+            <a:p>
+              <a:pPr algn="ctr" defTabSz="685784" fontAlgn="base">
+                <a:lnSpc>
+                  <a:spcPct val="90000"/>
+                </a:lnSpc>
+                <a:spcBef>
+                  <a:spcPct val="0"/>
+                </a:spcBef>
+                <a:spcAft>
+                  <a:spcPct val="0"/>
+                </a:spcAft>
+              </a:pPr>
+              <a:r>
+                <a:rPr lang="en-US" sz="675">
+                  <a:solidFill>
+                    <a:schemeClr val="bg1"/>
+                  </a:solidFill>
+                </a:rPr>
+                <a:t>4</a:t>
+              </a:r>
+              <a:endParaRPr lang="en-US" sz="375">
+                <a:solidFill>
+                  <a:schemeClr val="bg1"/>
+                </a:solidFill>
+              </a:endParaRPr>
+            </a:p>
+          </p:txBody>
+        </p:sp>
+        <p:sp>
+          <p:nvSpPr>
+            <p:cNvPr id="68" name="Rounded Rectangle 67">
+              <a:extLst>
+                <a:ext uri="{FF2B5EF4-FFF2-40B4-BE49-F238E27FC236}">
+                  <a16:creationId xmlns:a16="http://schemas.microsoft.com/office/drawing/2014/main" id="{A1C391E4-1A8B-FD4E-9443-8BF6AA4491FA}"/>
+                </a:ext>
+              </a:extLst>
+            </p:cNvPr>
+            <p:cNvSpPr/>
+            <p:nvPr/>
+          </p:nvSpPr>
+          <p:spPr bwMode="auto">
+            <a:xfrm>
+              <a:off x="1874043" y="1635094"/>
+              <a:ext cx="138128" cy="411476"/>
+            </a:xfrm>
+            <a:prstGeom prst="roundRect">
+              <a:avLst/>
+            </a:prstGeom>
+            <a:solidFill>
+              <a:schemeClr val="bg1">
+                <a:lumMod val="50000"/>
+              </a:schemeClr>
+            </a:solidFill>
+            <a:ln>
+              <a:solidFill>
+                <a:schemeClr val="bg1"/>
+              </a:solidFill>
+              <a:prstDash val="solid"/>
+              <a:headEnd type="none" w="med" len="med"/>
+              <a:tailEnd type="none" w="med" len="med"/>
+            </a:ln>
+            <a:effectLst/>
+          </p:spPr>
+          <p:style>
+            <a:lnRef idx="1">
+              <a:schemeClr val="accent5"/>
+            </a:lnRef>
+            <a:fillRef idx="3">
+              <a:schemeClr val="accent5"/>
+            </a:fillRef>
+            <a:effectRef idx="2">
+              <a:schemeClr val="accent5"/>
+            </a:effectRef>
+            <a:fontRef idx="minor">
+              <a:schemeClr val="lt1"/>
+            </a:fontRef>
+          </p:style>
+          <p:txBody>
+            <a:bodyPr vert="horz" wrap="square" lIns="0" tIns="0" rIns="0" bIns="0" numCol="1" rtlCol="0" anchor="ctr" anchorCtr="0" compatLnSpc="1">
+              <a:prstTxWarp prst="textNoShape">
+                <a:avLst/>
+              </a:prstTxWarp>
+              <a:noAutofit/>
+            </a:bodyPr>
+            <a:lstStyle/>
+            <a:p>
+              <a:pPr algn="ctr" defTabSz="685784" fontAlgn="base">
+                <a:lnSpc>
+                  <a:spcPct val="90000"/>
+                </a:lnSpc>
+                <a:spcBef>
+                  <a:spcPct val="0"/>
+                </a:spcBef>
+                <a:spcAft>
+                  <a:spcPct val="0"/>
+                </a:spcAft>
+              </a:pPr>
+              <a:r>
+                <a:rPr lang="en-US" sz="675">
+                  <a:solidFill>
+                    <a:schemeClr val="bg1"/>
+                  </a:solidFill>
+                </a:rPr>
+                <a:t>5</a:t>
+              </a:r>
+              <a:endParaRPr lang="en-US" sz="375">
+                <a:solidFill>
+                  <a:schemeClr val="bg1"/>
+                </a:solidFill>
+              </a:endParaRPr>
+            </a:p>
+          </p:txBody>
+        </p:sp>
+      </p:grpSp>
+      <p:grpSp>
+        <p:nvGrpSpPr>
+          <p:cNvPr id="69" name="Group 68">
+            <a:extLst>
+              <a:ext uri="{FF2B5EF4-FFF2-40B4-BE49-F238E27FC236}">
+                <a16:creationId xmlns:a16="http://schemas.microsoft.com/office/drawing/2014/main" id="{24418AAF-CCA8-754C-9FCA-8FAB584F4157}"/>
+              </a:ext>
+            </a:extLst>
+          </p:cNvPr>
+          <p:cNvGrpSpPr/>
+          <p:nvPr/>
+        </p:nvGrpSpPr>
+        <p:grpSpPr>
+          <a:xfrm>
+            <a:off x="4929355" y="2884304"/>
+            <a:ext cx="584621" cy="207055"/>
+            <a:chOff x="1193647" y="1635094"/>
+            <a:chExt cx="818524" cy="411476"/>
+          </a:xfrm>
+        </p:grpSpPr>
+        <p:sp>
+          <p:nvSpPr>
+            <p:cNvPr id="70" name="Rounded Rectangle 69">
+              <a:extLst>
+                <a:ext uri="{FF2B5EF4-FFF2-40B4-BE49-F238E27FC236}">
+                  <a16:creationId xmlns:a16="http://schemas.microsoft.com/office/drawing/2014/main" id="{49420E49-8D63-E742-A96C-ABC53D395E7C}"/>
+                </a:ext>
+              </a:extLst>
+            </p:cNvPr>
+            <p:cNvSpPr/>
+            <p:nvPr/>
+          </p:nvSpPr>
+          <p:spPr bwMode="auto">
+            <a:xfrm>
+              <a:off x="1193647" y="1635094"/>
+              <a:ext cx="138128" cy="411476"/>
+            </a:xfrm>
+            <a:prstGeom prst="roundRect">
+              <a:avLst/>
+            </a:prstGeom>
+            <a:solidFill>
+              <a:schemeClr val="bg1">
+                <a:lumMod val="50000"/>
+              </a:schemeClr>
+            </a:solidFill>
+            <a:ln>
+              <a:solidFill>
+                <a:schemeClr val="bg1"/>
+              </a:solidFill>
+              <a:prstDash val="solid"/>
+              <a:headEnd type="none" w="med" len="med"/>
+              <a:tailEnd type="none" w="med" len="med"/>
+            </a:ln>
+            <a:effectLst/>
+          </p:spPr>
+          <p:style>
+            <a:lnRef idx="1">
+              <a:schemeClr val="accent5"/>
+            </a:lnRef>
+            <a:fillRef idx="3">
+              <a:schemeClr val="accent5"/>
+            </a:fillRef>
+            <a:effectRef idx="2">
+              <a:schemeClr val="accent5"/>
+            </a:effectRef>
+            <a:fontRef idx="minor">
+              <a:schemeClr val="lt1"/>
+            </a:fontRef>
+          </p:style>
+          <p:txBody>
+            <a:bodyPr vert="horz" wrap="square" lIns="0" tIns="0" rIns="0" bIns="0" numCol="1" rtlCol="0" anchor="ctr" anchorCtr="0" compatLnSpc="1">
+              <a:prstTxWarp prst="textNoShape">
+                <a:avLst/>
+              </a:prstTxWarp>
+              <a:noAutofit/>
+            </a:bodyPr>
+            <a:lstStyle/>
+            <a:p>
+              <a:pPr algn="ctr" defTabSz="685784" fontAlgn="base">
+                <a:lnSpc>
+                  <a:spcPct val="90000"/>
+                </a:lnSpc>
+                <a:spcBef>
+                  <a:spcPct val="0"/>
+                </a:spcBef>
+                <a:spcAft>
+                  <a:spcPct val="0"/>
+                </a:spcAft>
+              </a:pPr>
+              <a:r>
+                <a:rPr lang="en-US" sz="675">
+                  <a:solidFill>
+                    <a:schemeClr val="bg1"/>
+                  </a:solidFill>
+                </a:rPr>
+                <a:t>0</a:t>
+              </a:r>
+              <a:endParaRPr lang="en-US" sz="375">
+                <a:solidFill>
+                  <a:schemeClr val="bg1"/>
+                </a:solidFill>
+              </a:endParaRPr>
+            </a:p>
+          </p:txBody>
+        </p:sp>
+        <p:sp>
+          <p:nvSpPr>
+            <p:cNvPr id="71" name="Rounded Rectangle 70">
+              <a:extLst>
+                <a:ext uri="{FF2B5EF4-FFF2-40B4-BE49-F238E27FC236}">
+                  <a16:creationId xmlns:a16="http://schemas.microsoft.com/office/drawing/2014/main" id="{C5C7F3AC-972E-7F42-AEE9-4E244915920F}"/>
+                </a:ext>
+              </a:extLst>
+            </p:cNvPr>
+            <p:cNvSpPr/>
+            <p:nvPr/>
+          </p:nvSpPr>
+          <p:spPr bwMode="auto">
+            <a:xfrm>
+              <a:off x="1330805" y="1635094"/>
+              <a:ext cx="138128" cy="411476"/>
+            </a:xfrm>
+            <a:prstGeom prst="roundRect">
+              <a:avLst/>
+            </a:prstGeom>
+            <a:solidFill>
+              <a:schemeClr val="bg1">
+                <a:lumMod val="50000"/>
+              </a:schemeClr>
+            </a:solidFill>
+            <a:ln>
+              <a:solidFill>
+                <a:schemeClr val="bg1"/>
+              </a:solidFill>
+              <a:prstDash val="solid"/>
+              <a:headEnd type="none" w="med" len="med"/>
+              <a:tailEnd type="none" w="med" len="med"/>
+            </a:ln>
+            <a:effectLst/>
+          </p:spPr>
+          <p:style>
+            <a:lnRef idx="1">
+              <a:schemeClr val="accent5"/>
+            </a:lnRef>
+            <a:fillRef idx="3">
+              <a:schemeClr val="accent5"/>
+            </a:fillRef>
+            <a:effectRef idx="2">
+              <a:schemeClr val="accent5"/>
+            </a:effectRef>
+            <a:fontRef idx="minor">
+              <a:schemeClr val="lt1"/>
+            </a:fontRef>
+          </p:style>
+          <p:txBody>
+            <a:bodyPr vert="horz" wrap="square" lIns="0" tIns="0" rIns="0" bIns="0" numCol="1" rtlCol="0" anchor="ctr" anchorCtr="0" compatLnSpc="1">
+              <a:prstTxWarp prst="textNoShape">
+                <a:avLst/>
+              </a:prstTxWarp>
+              <a:noAutofit/>
+            </a:bodyPr>
+            <a:lstStyle/>
+            <a:p>
+              <a:pPr algn="ctr" defTabSz="685784" fontAlgn="base">
+                <a:lnSpc>
+                  <a:spcPct val="90000"/>
+                </a:lnSpc>
+                <a:spcBef>
+                  <a:spcPct val="0"/>
+                </a:spcBef>
+                <a:spcAft>
+                  <a:spcPct val="0"/>
+                </a:spcAft>
+              </a:pPr>
+              <a:r>
+                <a:rPr lang="en-US" sz="675">
+                  <a:solidFill>
+                    <a:schemeClr val="bg1"/>
+                  </a:solidFill>
+                </a:rPr>
+                <a:t>1</a:t>
+              </a:r>
+              <a:endParaRPr lang="en-US" sz="375">
+                <a:solidFill>
+                  <a:schemeClr val="bg1"/>
+                </a:solidFill>
+              </a:endParaRPr>
+            </a:p>
+          </p:txBody>
+        </p:sp>
+        <p:sp>
+          <p:nvSpPr>
+            <p:cNvPr id="72" name="Rounded Rectangle 71">
+              <a:extLst>
+                <a:ext uri="{FF2B5EF4-FFF2-40B4-BE49-F238E27FC236}">
+                  <a16:creationId xmlns:a16="http://schemas.microsoft.com/office/drawing/2014/main" id="{5DAD1269-8F90-0A4B-AA93-8580258BCEEF}"/>
+                </a:ext>
+              </a:extLst>
+            </p:cNvPr>
+            <p:cNvSpPr/>
+            <p:nvPr/>
+          </p:nvSpPr>
+          <p:spPr bwMode="auto">
+            <a:xfrm>
+              <a:off x="1468934" y="1635094"/>
+              <a:ext cx="138128" cy="411476"/>
+            </a:xfrm>
+            <a:prstGeom prst="roundRect">
+              <a:avLst/>
+            </a:prstGeom>
+            <a:solidFill>
+              <a:schemeClr val="bg1">
+                <a:lumMod val="50000"/>
+              </a:schemeClr>
+            </a:solidFill>
+            <a:ln>
+              <a:solidFill>
+                <a:schemeClr val="bg1"/>
+              </a:solidFill>
+              <a:prstDash val="solid"/>
+              <a:headEnd type="none" w="med" len="med"/>
+              <a:tailEnd type="none" w="med" len="med"/>
+            </a:ln>
+            <a:effectLst/>
+          </p:spPr>
+          <p:style>
+            <a:lnRef idx="1">
+              <a:schemeClr val="accent5"/>
+            </a:lnRef>
+            <a:fillRef idx="3">
+              <a:schemeClr val="accent5"/>
+            </a:fillRef>
+            <a:effectRef idx="2">
+              <a:schemeClr val="accent5"/>
+            </a:effectRef>
+            <a:fontRef idx="minor">
+              <a:schemeClr val="lt1"/>
+            </a:fontRef>
+          </p:style>
+          <p:txBody>
+            <a:bodyPr vert="horz" wrap="square" lIns="0" tIns="0" rIns="0" bIns="0" numCol="1" rtlCol="0" anchor="ctr" anchorCtr="0" compatLnSpc="1">
+              <a:prstTxWarp prst="textNoShape">
+                <a:avLst/>
+              </a:prstTxWarp>
+              <a:noAutofit/>
+            </a:bodyPr>
+            <a:lstStyle/>
+            <a:p>
+              <a:pPr algn="ctr" defTabSz="685784" fontAlgn="base">
+                <a:lnSpc>
+                  <a:spcPct val="90000"/>
+                </a:lnSpc>
+                <a:spcBef>
+                  <a:spcPct val="0"/>
+                </a:spcBef>
+                <a:spcAft>
+                  <a:spcPct val="0"/>
+                </a:spcAft>
+              </a:pPr>
+              <a:r>
+                <a:rPr lang="en-US" sz="675">
+                  <a:solidFill>
+                    <a:schemeClr val="bg1"/>
+                  </a:solidFill>
+                </a:rPr>
+                <a:t>2</a:t>
+              </a:r>
+              <a:endParaRPr lang="en-US" sz="375">
+                <a:solidFill>
+                  <a:schemeClr val="bg1"/>
+                </a:solidFill>
+              </a:endParaRPr>
+            </a:p>
+          </p:txBody>
+        </p:sp>
+        <p:sp>
+          <p:nvSpPr>
+            <p:cNvPr id="73" name="Rounded Rectangle 72">
+              <a:extLst>
+                <a:ext uri="{FF2B5EF4-FFF2-40B4-BE49-F238E27FC236}">
+                  <a16:creationId xmlns:a16="http://schemas.microsoft.com/office/drawing/2014/main" id="{DCE08B9C-4F4B-0244-BF1A-5B41B805C46A}"/>
+                </a:ext>
+              </a:extLst>
+            </p:cNvPr>
+            <p:cNvSpPr/>
+            <p:nvPr/>
+          </p:nvSpPr>
+          <p:spPr bwMode="auto">
+            <a:xfrm>
+              <a:off x="1606093" y="1635094"/>
+              <a:ext cx="138128" cy="411476"/>
+            </a:xfrm>
+            <a:prstGeom prst="roundRect">
+              <a:avLst/>
+            </a:prstGeom>
+            <a:solidFill>
+              <a:schemeClr val="bg1">
+                <a:lumMod val="50000"/>
+              </a:schemeClr>
+            </a:solidFill>
+            <a:ln>
+              <a:solidFill>
+                <a:schemeClr val="bg1"/>
+              </a:solidFill>
+              <a:prstDash val="solid"/>
+              <a:headEnd type="none" w="med" len="med"/>
+              <a:tailEnd type="none" w="med" len="med"/>
+            </a:ln>
+            <a:effectLst/>
+          </p:spPr>
+          <p:style>
+            <a:lnRef idx="1">
+              <a:schemeClr val="accent5"/>
+            </a:lnRef>
+            <a:fillRef idx="3">
+              <a:schemeClr val="accent5"/>
+            </a:fillRef>
+            <a:effectRef idx="2">
+              <a:schemeClr val="accent5"/>
+            </a:effectRef>
+            <a:fontRef idx="minor">
+              <a:schemeClr val="lt1"/>
+            </a:fontRef>
+          </p:style>
+          <p:txBody>
+            <a:bodyPr vert="horz" wrap="square" lIns="0" tIns="0" rIns="0" bIns="0" numCol="1" rtlCol="0" anchor="ctr" anchorCtr="0" compatLnSpc="1">
+              <a:prstTxWarp prst="textNoShape">
+                <a:avLst/>
+              </a:prstTxWarp>
+              <a:noAutofit/>
+            </a:bodyPr>
+            <a:lstStyle/>
+            <a:p>
+              <a:pPr algn="ctr" defTabSz="685784" fontAlgn="base">
+                <a:lnSpc>
+                  <a:spcPct val="90000"/>
+                </a:lnSpc>
+                <a:spcBef>
+                  <a:spcPct val="0"/>
+                </a:spcBef>
+                <a:spcAft>
+                  <a:spcPct val="0"/>
+                </a:spcAft>
+              </a:pPr>
+              <a:r>
+                <a:rPr lang="en-US" sz="675">
+                  <a:solidFill>
+                    <a:schemeClr val="bg1"/>
+                  </a:solidFill>
+                </a:rPr>
+                <a:t>3</a:t>
+              </a:r>
+              <a:endParaRPr lang="en-US" sz="375">
+                <a:solidFill>
+                  <a:schemeClr val="bg1"/>
+                </a:solidFill>
+              </a:endParaRPr>
+            </a:p>
+          </p:txBody>
+        </p:sp>
+        <p:sp>
+          <p:nvSpPr>
+            <p:cNvPr id="74" name="Rounded Rectangle 73">
+              <a:extLst>
+                <a:ext uri="{FF2B5EF4-FFF2-40B4-BE49-F238E27FC236}">
+                  <a16:creationId xmlns:a16="http://schemas.microsoft.com/office/drawing/2014/main" id="{59B7FC37-1DBD-9248-8734-E25D5D22B347}"/>
+                </a:ext>
+              </a:extLst>
+            </p:cNvPr>
+            <p:cNvSpPr/>
+            <p:nvPr/>
+          </p:nvSpPr>
+          <p:spPr bwMode="auto">
+            <a:xfrm>
+              <a:off x="1744220" y="1635094"/>
+              <a:ext cx="138128" cy="411476"/>
+            </a:xfrm>
+            <a:prstGeom prst="roundRect">
+              <a:avLst/>
+            </a:prstGeom>
+            <a:solidFill>
+              <a:schemeClr val="bg1">
+                <a:lumMod val="50000"/>
+              </a:schemeClr>
+            </a:solidFill>
+            <a:ln>
+              <a:solidFill>
+                <a:schemeClr val="bg1"/>
+              </a:solidFill>
+              <a:prstDash val="solid"/>
+              <a:headEnd type="none" w="med" len="med"/>
+              <a:tailEnd type="none" w="med" len="med"/>
+            </a:ln>
+            <a:effectLst/>
+          </p:spPr>
+          <p:style>
+            <a:lnRef idx="1">
+              <a:schemeClr val="accent5"/>
+            </a:lnRef>
+            <a:fillRef idx="3">
+              <a:schemeClr val="accent5"/>
+            </a:fillRef>
+            <a:effectRef idx="2">
+              <a:schemeClr val="accent5"/>
+            </a:effectRef>
+            <a:fontRef idx="minor">
+              <a:schemeClr val="lt1"/>
+            </a:fontRef>
+          </p:style>
+          <p:txBody>
+            <a:bodyPr vert="horz" wrap="square" lIns="0" tIns="0" rIns="0" bIns="0" numCol="1" rtlCol="0" anchor="ctr" anchorCtr="0" compatLnSpc="1">
+              <a:prstTxWarp prst="textNoShape">
+                <a:avLst/>
+              </a:prstTxWarp>
+              <a:noAutofit/>
+            </a:bodyPr>
+            <a:lstStyle/>
+            <a:p>
+              <a:pPr algn="ctr" defTabSz="685784" fontAlgn="base">
+                <a:lnSpc>
+                  <a:spcPct val="90000"/>
+                </a:lnSpc>
+                <a:spcBef>
+                  <a:spcPct val="0"/>
+                </a:spcBef>
+                <a:spcAft>
+                  <a:spcPct val="0"/>
+                </a:spcAft>
+              </a:pPr>
+              <a:r>
+                <a:rPr lang="en-US" sz="675">
+                  <a:solidFill>
+                    <a:schemeClr val="bg1"/>
+                  </a:solidFill>
+                </a:rPr>
+                <a:t>4</a:t>
+              </a:r>
+              <a:endParaRPr lang="en-US" sz="375">
+                <a:solidFill>
+                  <a:schemeClr val="bg1"/>
+                </a:solidFill>
+              </a:endParaRPr>
+            </a:p>
+          </p:txBody>
+        </p:sp>
+        <p:sp>
+          <p:nvSpPr>
+            <p:cNvPr id="75" name="Rounded Rectangle 74">
+              <a:extLst>
+                <a:ext uri="{FF2B5EF4-FFF2-40B4-BE49-F238E27FC236}">
+                  <a16:creationId xmlns:a16="http://schemas.microsoft.com/office/drawing/2014/main" id="{E4FE216B-143E-B94E-8A88-377335F3DCFC}"/>
+                </a:ext>
+              </a:extLst>
+            </p:cNvPr>
+            <p:cNvSpPr/>
+            <p:nvPr/>
+          </p:nvSpPr>
+          <p:spPr bwMode="auto">
+            <a:xfrm>
+              <a:off x="1874043" y="1635094"/>
+              <a:ext cx="138128" cy="411476"/>
+            </a:xfrm>
+            <a:prstGeom prst="roundRect">
+              <a:avLst/>
+            </a:prstGeom>
+            <a:solidFill>
+              <a:schemeClr val="bg1">
+                <a:lumMod val="50000"/>
+              </a:schemeClr>
+            </a:solidFill>
+            <a:ln>
+              <a:solidFill>
+                <a:schemeClr val="bg1"/>
+              </a:solidFill>
+              <a:prstDash val="solid"/>
+              <a:headEnd type="none" w="med" len="med"/>
+              <a:tailEnd type="none" w="med" len="med"/>
+            </a:ln>
+            <a:effectLst/>
+          </p:spPr>
+          <p:style>
+            <a:lnRef idx="1">
+              <a:schemeClr val="accent5"/>
+            </a:lnRef>
+            <a:fillRef idx="3">
+              <a:schemeClr val="accent5"/>
+            </a:fillRef>
+            <a:effectRef idx="2">
+              <a:schemeClr val="accent5"/>
+            </a:effectRef>
+            <a:fontRef idx="minor">
+              <a:schemeClr val="lt1"/>
+            </a:fontRef>
+          </p:style>
+          <p:txBody>
+            <a:bodyPr vert="horz" wrap="square" lIns="0" tIns="0" rIns="0" bIns="0" numCol="1" rtlCol="0" anchor="ctr" anchorCtr="0" compatLnSpc="1">
+              <a:prstTxWarp prst="textNoShape">
+                <a:avLst/>
+              </a:prstTxWarp>
+              <a:noAutofit/>
+            </a:bodyPr>
+            <a:lstStyle/>
+            <a:p>
+              <a:pPr algn="ctr" defTabSz="685784" fontAlgn="base">
+                <a:lnSpc>
+                  <a:spcPct val="90000"/>
+                </a:lnSpc>
+                <a:spcBef>
+                  <a:spcPct val="0"/>
+                </a:spcBef>
+                <a:spcAft>
+                  <a:spcPct val="0"/>
+                </a:spcAft>
+              </a:pPr>
+              <a:r>
+                <a:rPr lang="en-US" sz="675">
+                  <a:solidFill>
+                    <a:schemeClr val="bg1"/>
+                  </a:solidFill>
+                </a:rPr>
+                <a:t>5</a:t>
+              </a:r>
+              <a:endParaRPr lang="en-US" sz="375">
+                <a:solidFill>
+                  <a:schemeClr val="bg1"/>
+                </a:solidFill>
+              </a:endParaRPr>
+            </a:p>
+          </p:txBody>
+        </p:sp>
+      </p:grpSp>
+      <p:grpSp>
+        <p:nvGrpSpPr>
+          <p:cNvPr id="76" name="Group 75">
+            <a:extLst>
+              <a:ext uri="{FF2B5EF4-FFF2-40B4-BE49-F238E27FC236}">
+                <a16:creationId xmlns:a16="http://schemas.microsoft.com/office/drawing/2014/main" id="{F9AB4F70-B6CD-E74B-A273-EB47763E61FD}"/>
+              </a:ext>
+            </a:extLst>
+          </p:cNvPr>
+          <p:cNvGrpSpPr/>
+          <p:nvPr/>
+        </p:nvGrpSpPr>
+        <p:grpSpPr>
+          <a:xfrm>
+            <a:off x="6762873" y="2195219"/>
+            <a:ext cx="584621" cy="207055"/>
+            <a:chOff x="1193647" y="1635094"/>
+            <a:chExt cx="818524" cy="411476"/>
+          </a:xfrm>
+        </p:grpSpPr>
+        <p:sp>
+          <p:nvSpPr>
+            <p:cNvPr id="77" name="Rounded Rectangle 76">
+              <a:extLst>
+                <a:ext uri="{FF2B5EF4-FFF2-40B4-BE49-F238E27FC236}">
+                  <a16:creationId xmlns:a16="http://schemas.microsoft.com/office/drawing/2014/main" id="{5A2C026B-2BB8-794E-9927-CD16D93FAC3B}"/>
+                </a:ext>
+              </a:extLst>
+            </p:cNvPr>
+            <p:cNvSpPr/>
+            <p:nvPr/>
+          </p:nvSpPr>
+          <p:spPr bwMode="auto">
+            <a:xfrm>
+              <a:off x="1193647" y="1635094"/>
+              <a:ext cx="138128" cy="411476"/>
+            </a:xfrm>
+            <a:prstGeom prst="roundRect">
+              <a:avLst/>
+            </a:prstGeom>
+            <a:solidFill>
+              <a:schemeClr val="bg1">
+                <a:lumMod val="50000"/>
+              </a:schemeClr>
+            </a:solidFill>
+            <a:ln>
+              <a:solidFill>
+                <a:schemeClr val="bg1"/>
+              </a:solidFill>
+              <a:prstDash val="solid"/>
+              <a:headEnd type="none" w="med" len="med"/>
+              <a:tailEnd type="none" w="med" len="med"/>
+            </a:ln>
+            <a:effectLst/>
+          </p:spPr>
+          <p:style>
+            <a:lnRef idx="1">
+              <a:schemeClr val="accent5"/>
+            </a:lnRef>
+            <a:fillRef idx="3">
+              <a:schemeClr val="accent5"/>
+            </a:fillRef>
+            <a:effectRef idx="2">
+              <a:schemeClr val="accent5"/>
+            </a:effectRef>
+            <a:fontRef idx="minor">
+              <a:schemeClr val="lt1"/>
+            </a:fontRef>
+          </p:style>
+          <p:txBody>
+            <a:bodyPr vert="horz" wrap="square" lIns="0" tIns="0" rIns="0" bIns="0" numCol="1" rtlCol="0" anchor="ctr" anchorCtr="0" compatLnSpc="1">
+              <a:prstTxWarp prst="textNoShape">
+                <a:avLst/>
+              </a:prstTxWarp>
+              <a:noAutofit/>
+            </a:bodyPr>
+            <a:lstStyle/>
+            <a:p>
+              <a:pPr algn="ctr" defTabSz="685784" fontAlgn="base">
+                <a:lnSpc>
+                  <a:spcPct val="90000"/>
+                </a:lnSpc>
+                <a:spcBef>
+                  <a:spcPct val="0"/>
+                </a:spcBef>
+                <a:spcAft>
+                  <a:spcPct val="0"/>
+                </a:spcAft>
+              </a:pPr>
+              <a:r>
+                <a:rPr lang="en-US" sz="675">
+                  <a:solidFill>
+                    <a:schemeClr val="bg1"/>
+                  </a:solidFill>
+                </a:rPr>
+                <a:t>0</a:t>
+              </a:r>
+              <a:endParaRPr lang="en-US" sz="375">
+                <a:solidFill>
+                  <a:schemeClr val="bg1"/>
+                </a:solidFill>
+              </a:endParaRPr>
+            </a:p>
+          </p:txBody>
+        </p:sp>
+        <p:sp>
+          <p:nvSpPr>
+            <p:cNvPr id="78" name="Rounded Rectangle 77">
+              <a:extLst>
+                <a:ext uri="{FF2B5EF4-FFF2-40B4-BE49-F238E27FC236}">
+                  <a16:creationId xmlns:a16="http://schemas.microsoft.com/office/drawing/2014/main" id="{9CD7FECB-FDE7-2649-AEA7-A54B0CD30D3E}"/>
+                </a:ext>
+              </a:extLst>
+            </p:cNvPr>
+            <p:cNvSpPr/>
+            <p:nvPr/>
+          </p:nvSpPr>
+          <p:spPr bwMode="auto">
+            <a:xfrm>
+              <a:off x="1330805" y="1635094"/>
+              <a:ext cx="138128" cy="411476"/>
+            </a:xfrm>
+            <a:prstGeom prst="roundRect">
+              <a:avLst/>
+            </a:prstGeom>
+            <a:solidFill>
+              <a:schemeClr val="bg1">
+                <a:lumMod val="50000"/>
+              </a:schemeClr>
+            </a:solidFill>
+            <a:ln>
+              <a:solidFill>
+                <a:schemeClr val="bg1"/>
+              </a:solidFill>
+              <a:prstDash val="solid"/>
+              <a:headEnd type="none" w="med" len="med"/>
+              <a:tailEnd type="none" w="med" len="med"/>
+            </a:ln>
+            <a:effectLst/>
+          </p:spPr>
+          <p:style>
+            <a:lnRef idx="1">
+              <a:schemeClr val="accent5"/>
+            </a:lnRef>
+            <a:fillRef idx="3">
+              <a:schemeClr val="accent5"/>
+            </a:fillRef>
+            <a:effectRef idx="2">
+              <a:schemeClr val="accent5"/>
+            </a:effectRef>
+            <a:fontRef idx="minor">
+              <a:schemeClr val="lt1"/>
+            </a:fontRef>
+          </p:style>
+          <p:txBody>
+            <a:bodyPr vert="horz" wrap="square" lIns="0" tIns="0" rIns="0" bIns="0" numCol="1" rtlCol="0" anchor="ctr" anchorCtr="0" compatLnSpc="1">
+              <a:prstTxWarp prst="textNoShape">
+                <a:avLst/>
+              </a:prstTxWarp>
+              <a:noAutofit/>
+            </a:bodyPr>
+            <a:lstStyle/>
+            <a:p>
+              <a:pPr algn="ctr" defTabSz="685784" fontAlgn="base">
+                <a:lnSpc>
+                  <a:spcPct val="90000"/>
+                </a:lnSpc>
+                <a:spcBef>
+                  <a:spcPct val="0"/>
+                </a:spcBef>
+                <a:spcAft>
+                  <a:spcPct val="0"/>
+                </a:spcAft>
+              </a:pPr>
+              <a:r>
+                <a:rPr lang="en-US" sz="675">
+                  <a:solidFill>
+                    <a:schemeClr val="bg1"/>
+                  </a:solidFill>
+                </a:rPr>
+                <a:t>1</a:t>
+              </a:r>
+              <a:endParaRPr lang="en-US" sz="375">
+                <a:solidFill>
+                  <a:schemeClr val="bg1"/>
+                </a:solidFill>
+              </a:endParaRPr>
+            </a:p>
+          </p:txBody>
+        </p:sp>
+        <p:sp>
+          <p:nvSpPr>
+            <p:cNvPr id="79" name="Rounded Rectangle 78">
+              <a:extLst>
+                <a:ext uri="{FF2B5EF4-FFF2-40B4-BE49-F238E27FC236}">
+                  <a16:creationId xmlns:a16="http://schemas.microsoft.com/office/drawing/2014/main" id="{885F85EF-EBB6-494B-8840-847FDFC2D498}"/>
+                </a:ext>
+              </a:extLst>
+            </p:cNvPr>
+            <p:cNvSpPr/>
+            <p:nvPr/>
+          </p:nvSpPr>
+          <p:spPr bwMode="auto">
+            <a:xfrm>
+              <a:off x="1468934" y="1635094"/>
+              <a:ext cx="138128" cy="411476"/>
+            </a:xfrm>
+            <a:prstGeom prst="roundRect">
+              <a:avLst/>
+            </a:prstGeom>
+            <a:solidFill>
+              <a:schemeClr val="bg1">
+                <a:lumMod val="50000"/>
+              </a:schemeClr>
+            </a:solidFill>
+            <a:ln>
+              <a:solidFill>
+                <a:schemeClr val="bg1"/>
+              </a:solidFill>
+              <a:prstDash val="solid"/>
+              <a:headEnd type="none" w="med" len="med"/>
+              <a:tailEnd type="none" w="med" len="med"/>
+            </a:ln>
+            <a:effectLst/>
+          </p:spPr>
+          <p:style>
+            <a:lnRef idx="1">
+              <a:schemeClr val="accent5"/>
+            </a:lnRef>
+            <a:fillRef idx="3">
+              <a:schemeClr val="accent5"/>
+            </a:fillRef>
+            <a:effectRef idx="2">
+              <a:schemeClr val="accent5"/>
+            </a:effectRef>
+            <a:fontRef idx="minor">
+              <a:schemeClr val="lt1"/>
+            </a:fontRef>
+          </p:style>
+          <p:txBody>
+            <a:bodyPr vert="horz" wrap="square" lIns="0" tIns="0" rIns="0" bIns="0" numCol="1" rtlCol="0" anchor="ctr" anchorCtr="0" compatLnSpc="1">
+              <a:prstTxWarp prst="textNoShape">
+                <a:avLst/>
+              </a:prstTxWarp>
+              <a:noAutofit/>
+            </a:bodyPr>
+            <a:lstStyle/>
+            <a:p>
+              <a:pPr algn="ctr" defTabSz="685784" fontAlgn="base">
+                <a:lnSpc>
+                  <a:spcPct val="90000"/>
+                </a:lnSpc>
+                <a:spcBef>
+                  <a:spcPct val="0"/>
+                </a:spcBef>
+                <a:spcAft>
+                  <a:spcPct val="0"/>
+                </a:spcAft>
+              </a:pPr>
+              <a:r>
+                <a:rPr lang="en-US" sz="675">
+                  <a:solidFill>
+                    <a:schemeClr val="bg1"/>
+                  </a:solidFill>
+                </a:rPr>
+                <a:t>2</a:t>
+              </a:r>
+              <a:endParaRPr lang="en-US" sz="375">
+                <a:solidFill>
+                  <a:schemeClr val="bg1"/>
+                </a:solidFill>
+              </a:endParaRPr>
+            </a:p>
+          </p:txBody>
+        </p:sp>
+        <p:sp>
+          <p:nvSpPr>
+            <p:cNvPr id="80" name="Rounded Rectangle 79">
+              <a:extLst>
+                <a:ext uri="{FF2B5EF4-FFF2-40B4-BE49-F238E27FC236}">
+                  <a16:creationId xmlns:a16="http://schemas.microsoft.com/office/drawing/2014/main" id="{F599B5C6-BFF4-6748-B196-54A59F6E2C7A}"/>
+                </a:ext>
+              </a:extLst>
+            </p:cNvPr>
+            <p:cNvSpPr/>
+            <p:nvPr/>
+          </p:nvSpPr>
+          <p:spPr bwMode="auto">
+            <a:xfrm>
+              <a:off x="1606093" y="1635094"/>
+              <a:ext cx="138128" cy="411476"/>
+            </a:xfrm>
+            <a:prstGeom prst="roundRect">
+              <a:avLst/>
+            </a:prstGeom>
+            <a:solidFill>
+              <a:schemeClr val="bg1">
+                <a:lumMod val="50000"/>
+              </a:schemeClr>
+            </a:solidFill>
+            <a:ln>
+              <a:solidFill>
+                <a:schemeClr val="bg1"/>
+              </a:solidFill>
+              <a:prstDash val="solid"/>
+              <a:headEnd type="none" w="med" len="med"/>
+              <a:tailEnd type="none" w="med" len="med"/>
+            </a:ln>
+            <a:effectLst/>
+          </p:spPr>
+          <p:style>
+            <a:lnRef idx="1">
+              <a:schemeClr val="accent5"/>
+            </a:lnRef>
+            <a:fillRef idx="3">
+              <a:schemeClr val="accent5"/>
+            </a:fillRef>
+            <a:effectRef idx="2">
+              <a:schemeClr val="accent5"/>
+            </a:effectRef>
+            <a:fontRef idx="minor">
+              <a:schemeClr val="lt1"/>
+            </a:fontRef>
+          </p:style>
+          <p:txBody>
+            <a:bodyPr vert="horz" wrap="square" lIns="0" tIns="0" rIns="0" bIns="0" numCol="1" rtlCol="0" anchor="ctr" anchorCtr="0" compatLnSpc="1">
+              <a:prstTxWarp prst="textNoShape">
+                <a:avLst/>
+              </a:prstTxWarp>
+              <a:noAutofit/>
+            </a:bodyPr>
+            <a:lstStyle/>
+            <a:p>
+              <a:pPr algn="ctr" defTabSz="685784" fontAlgn="base">
+                <a:lnSpc>
+                  <a:spcPct val="90000"/>
+                </a:lnSpc>
+                <a:spcBef>
+                  <a:spcPct val="0"/>
+                </a:spcBef>
+                <a:spcAft>
+                  <a:spcPct val="0"/>
+                </a:spcAft>
+              </a:pPr>
+              <a:r>
+                <a:rPr lang="en-US" sz="675">
+                  <a:solidFill>
+                    <a:schemeClr val="bg1"/>
+                  </a:solidFill>
+                </a:rPr>
+                <a:t>3</a:t>
+              </a:r>
+              <a:endParaRPr lang="en-US" sz="375">
+                <a:solidFill>
+                  <a:schemeClr val="bg1"/>
+                </a:solidFill>
+              </a:endParaRPr>
+            </a:p>
+          </p:txBody>
+        </p:sp>
+        <p:sp>
+          <p:nvSpPr>
+            <p:cNvPr id="81" name="Rounded Rectangle 80">
+              <a:extLst>
+                <a:ext uri="{FF2B5EF4-FFF2-40B4-BE49-F238E27FC236}">
+                  <a16:creationId xmlns:a16="http://schemas.microsoft.com/office/drawing/2014/main" id="{BC93F815-5488-AE41-9742-E645D4BF9B38}"/>
+                </a:ext>
+              </a:extLst>
+            </p:cNvPr>
+            <p:cNvSpPr/>
+            <p:nvPr/>
+          </p:nvSpPr>
+          <p:spPr bwMode="auto">
+            <a:xfrm>
+              <a:off x="1744220" y="1635094"/>
+              <a:ext cx="138128" cy="411476"/>
+            </a:xfrm>
+            <a:prstGeom prst="roundRect">
+              <a:avLst/>
+            </a:prstGeom>
+            <a:solidFill>
+              <a:schemeClr val="bg1">
+                <a:lumMod val="50000"/>
+              </a:schemeClr>
+            </a:solidFill>
+            <a:ln>
+              <a:solidFill>
+                <a:schemeClr val="bg1"/>
+              </a:solidFill>
+              <a:prstDash val="solid"/>
+              <a:headEnd type="none" w="med" len="med"/>
+              <a:tailEnd type="none" w="med" len="med"/>
+            </a:ln>
+            <a:effectLst/>
+          </p:spPr>
+          <p:style>
+            <a:lnRef idx="1">
+              <a:schemeClr val="accent5"/>
+            </a:lnRef>
+            <a:fillRef idx="3">
+              <a:schemeClr val="accent5"/>
+            </a:fillRef>
+            <a:effectRef idx="2">
+              <a:schemeClr val="accent5"/>
+            </a:effectRef>
+            <a:fontRef idx="minor">
+              <a:schemeClr val="lt1"/>
+            </a:fontRef>
+          </p:style>
+          <p:txBody>
+            <a:bodyPr vert="horz" wrap="square" lIns="0" tIns="0" rIns="0" bIns="0" numCol="1" rtlCol="0" anchor="ctr" anchorCtr="0" compatLnSpc="1">
+              <a:prstTxWarp prst="textNoShape">
+                <a:avLst/>
+              </a:prstTxWarp>
+              <a:noAutofit/>
+            </a:bodyPr>
+            <a:lstStyle/>
+            <a:p>
+              <a:pPr algn="ctr" defTabSz="685784" fontAlgn="base">
+                <a:lnSpc>
+                  <a:spcPct val="90000"/>
+                </a:lnSpc>
+                <a:spcBef>
+                  <a:spcPct val="0"/>
+                </a:spcBef>
+                <a:spcAft>
+                  <a:spcPct val="0"/>
+                </a:spcAft>
+              </a:pPr>
+              <a:r>
+                <a:rPr lang="en-US" sz="675">
+                  <a:solidFill>
+                    <a:schemeClr val="bg1"/>
+                  </a:solidFill>
+                </a:rPr>
+                <a:t>4</a:t>
+              </a:r>
+              <a:endParaRPr lang="en-US" sz="375">
+                <a:solidFill>
+                  <a:schemeClr val="bg1"/>
+                </a:solidFill>
+              </a:endParaRPr>
+            </a:p>
+          </p:txBody>
+        </p:sp>
+        <p:sp>
+          <p:nvSpPr>
+            <p:cNvPr id="82" name="Rounded Rectangle 81">
+              <a:extLst>
+                <a:ext uri="{FF2B5EF4-FFF2-40B4-BE49-F238E27FC236}">
+                  <a16:creationId xmlns:a16="http://schemas.microsoft.com/office/drawing/2014/main" id="{93A5D165-9B79-9347-9833-5A7547A6A699}"/>
+                </a:ext>
+              </a:extLst>
+            </p:cNvPr>
+            <p:cNvSpPr/>
+            <p:nvPr/>
+          </p:nvSpPr>
+          <p:spPr bwMode="auto">
+            <a:xfrm>
+              <a:off x="1874043" y="1635094"/>
+              <a:ext cx="138128" cy="411476"/>
+            </a:xfrm>
+            <a:prstGeom prst="roundRect">
+              <a:avLst/>
+            </a:prstGeom>
+            <a:solidFill>
+              <a:schemeClr val="bg1">
+                <a:lumMod val="50000"/>
+              </a:schemeClr>
+            </a:solidFill>
+            <a:ln>
+              <a:solidFill>
+                <a:schemeClr val="bg1"/>
+              </a:solidFill>
+              <a:prstDash val="solid"/>
+              <a:headEnd type="none" w="med" len="med"/>
+              <a:tailEnd type="none" w="med" len="med"/>
+            </a:ln>
+            <a:effectLst/>
+          </p:spPr>
+          <p:style>
+            <a:lnRef idx="1">
+              <a:schemeClr val="accent5"/>
+            </a:lnRef>
+            <a:fillRef idx="3">
+              <a:schemeClr val="accent5"/>
+            </a:fillRef>
+            <a:effectRef idx="2">
+              <a:schemeClr val="accent5"/>
+            </a:effectRef>
+            <a:fontRef idx="minor">
+              <a:schemeClr val="lt1"/>
+            </a:fontRef>
+          </p:style>
+          <p:txBody>
+            <a:bodyPr vert="horz" wrap="square" lIns="0" tIns="0" rIns="0" bIns="0" numCol="1" rtlCol="0" anchor="ctr" anchorCtr="0" compatLnSpc="1">
+              <a:prstTxWarp prst="textNoShape">
+                <a:avLst/>
+              </a:prstTxWarp>
+              <a:noAutofit/>
+            </a:bodyPr>
+            <a:lstStyle/>
+            <a:p>
+              <a:pPr algn="ctr" defTabSz="685784" fontAlgn="base">
+                <a:lnSpc>
+                  <a:spcPct val="90000"/>
+                </a:lnSpc>
+                <a:spcBef>
+                  <a:spcPct val="0"/>
+                </a:spcBef>
+                <a:spcAft>
+                  <a:spcPct val="0"/>
+                </a:spcAft>
+              </a:pPr>
+              <a:r>
+                <a:rPr lang="en-US" sz="675">
+                  <a:solidFill>
+                    <a:schemeClr val="bg1"/>
+                  </a:solidFill>
+                </a:rPr>
+                <a:t>5</a:t>
+              </a:r>
+              <a:endParaRPr lang="en-US" sz="375">
+                <a:solidFill>
+                  <a:schemeClr val="bg1"/>
+                </a:solidFill>
+              </a:endParaRPr>
+            </a:p>
+          </p:txBody>
+        </p:sp>
+      </p:grpSp>
+      <p:grpSp>
+        <p:nvGrpSpPr>
+          <p:cNvPr id="83" name="Group 82">
+            <a:extLst>
+              <a:ext uri="{FF2B5EF4-FFF2-40B4-BE49-F238E27FC236}">
+                <a16:creationId xmlns:a16="http://schemas.microsoft.com/office/drawing/2014/main" id="{46CEBD23-00DA-5344-9324-9367A166CEBD}"/>
+              </a:ext>
+            </a:extLst>
+          </p:cNvPr>
+          <p:cNvGrpSpPr/>
+          <p:nvPr/>
+        </p:nvGrpSpPr>
+        <p:grpSpPr>
+          <a:xfrm>
+            <a:off x="6762873" y="2532209"/>
+            <a:ext cx="584621" cy="207055"/>
+            <a:chOff x="1193647" y="1635094"/>
+            <a:chExt cx="818524" cy="411476"/>
+          </a:xfrm>
+        </p:grpSpPr>
+        <p:sp>
+          <p:nvSpPr>
+            <p:cNvPr id="84" name="Rounded Rectangle 83">
+              <a:extLst>
+                <a:ext uri="{FF2B5EF4-FFF2-40B4-BE49-F238E27FC236}">
+                  <a16:creationId xmlns:a16="http://schemas.microsoft.com/office/drawing/2014/main" id="{9F98A904-DCF5-3540-AC18-9917F24ECE4D}"/>
+                </a:ext>
+              </a:extLst>
+            </p:cNvPr>
+            <p:cNvSpPr/>
+            <p:nvPr/>
+          </p:nvSpPr>
+          <p:spPr bwMode="auto">
+            <a:xfrm>
+              <a:off x="1193647" y="1635094"/>
+              <a:ext cx="138128" cy="411476"/>
+            </a:xfrm>
+            <a:prstGeom prst="roundRect">
+              <a:avLst/>
+            </a:prstGeom>
+            <a:solidFill>
+              <a:schemeClr val="bg1">
+                <a:lumMod val="50000"/>
+              </a:schemeClr>
+            </a:solidFill>
+            <a:ln>
+              <a:solidFill>
+                <a:schemeClr val="bg1"/>
+              </a:solidFill>
+              <a:prstDash val="solid"/>
+              <a:headEnd type="none" w="med" len="med"/>
+              <a:tailEnd type="none" w="med" len="med"/>
+            </a:ln>
+            <a:effectLst/>
+          </p:spPr>
+          <p:style>
+            <a:lnRef idx="1">
+              <a:schemeClr val="accent5"/>
+            </a:lnRef>
+            <a:fillRef idx="3">
+              <a:schemeClr val="accent5"/>
+            </a:fillRef>
+            <a:effectRef idx="2">
+              <a:schemeClr val="accent5"/>
+            </a:effectRef>
+            <a:fontRef idx="minor">
+              <a:schemeClr val="lt1"/>
+            </a:fontRef>
+          </p:style>
+          <p:txBody>
+            <a:bodyPr vert="horz" wrap="square" lIns="0" tIns="0" rIns="0" bIns="0" numCol="1" rtlCol="0" anchor="ctr" anchorCtr="0" compatLnSpc="1">
+              <a:prstTxWarp prst="textNoShape">
+                <a:avLst/>
+              </a:prstTxWarp>
+              <a:noAutofit/>
+            </a:bodyPr>
+            <a:lstStyle/>
+            <a:p>
+              <a:pPr algn="ctr" defTabSz="685784" fontAlgn="base">
+                <a:lnSpc>
+                  <a:spcPct val="90000"/>
+                </a:lnSpc>
+                <a:spcBef>
+                  <a:spcPct val="0"/>
+                </a:spcBef>
+                <a:spcAft>
+                  <a:spcPct val="0"/>
+                </a:spcAft>
+              </a:pPr>
+              <a:r>
+                <a:rPr lang="en-US" sz="675">
+                  <a:solidFill>
+                    <a:schemeClr val="bg1"/>
+                  </a:solidFill>
+                </a:rPr>
+                <a:t>0</a:t>
+              </a:r>
+              <a:endParaRPr lang="en-US" sz="375">
+                <a:solidFill>
+                  <a:schemeClr val="bg1"/>
+                </a:solidFill>
+              </a:endParaRPr>
+            </a:p>
+          </p:txBody>
+        </p:sp>
+        <p:sp>
+          <p:nvSpPr>
+            <p:cNvPr id="85" name="Rounded Rectangle 84">
+              <a:extLst>
+                <a:ext uri="{FF2B5EF4-FFF2-40B4-BE49-F238E27FC236}">
+                  <a16:creationId xmlns:a16="http://schemas.microsoft.com/office/drawing/2014/main" id="{92A3F623-7D3E-CA49-A7EB-DAA16CBBCEF8}"/>
+                </a:ext>
+              </a:extLst>
+            </p:cNvPr>
+            <p:cNvSpPr/>
+            <p:nvPr/>
+          </p:nvSpPr>
+          <p:spPr bwMode="auto">
+            <a:xfrm>
+              <a:off x="1330805" y="1635094"/>
+              <a:ext cx="138128" cy="411476"/>
+            </a:xfrm>
+            <a:prstGeom prst="roundRect">
+              <a:avLst/>
+            </a:prstGeom>
+            <a:solidFill>
+              <a:schemeClr val="bg1">
+                <a:lumMod val="50000"/>
+              </a:schemeClr>
+            </a:solidFill>
+            <a:ln>
+              <a:solidFill>
+                <a:schemeClr val="bg1"/>
+              </a:solidFill>
+              <a:prstDash val="solid"/>
+              <a:headEnd type="none" w="med" len="med"/>
+              <a:tailEnd type="none" w="med" len="med"/>
+            </a:ln>
+            <a:effectLst/>
+          </p:spPr>
+          <p:style>
+            <a:lnRef idx="1">
+              <a:schemeClr val="accent5"/>
+            </a:lnRef>
+            <a:fillRef idx="3">
+              <a:schemeClr val="accent5"/>
+            </a:fillRef>
+            <a:effectRef idx="2">
+              <a:schemeClr val="accent5"/>
+            </a:effectRef>
+            <a:fontRef idx="minor">
+              <a:schemeClr val="lt1"/>
+            </a:fontRef>
+          </p:style>
+          <p:txBody>
+            <a:bodyPr vert="horz" wrap="square" lIns="0" tIns="0" rIns="0" bIns="0" numCol="1" rtlCol="0" anchor="ctr" anchorCtr="0" compatLnSpc="1">
+              <a:prstTxWarp prst="textNoShape">
+                <a:avLst/>
+              </a:prstTxWarp>
+              <a:noAutofit/>
+            </a:bodyPr>
+            <a:lstStyle/>
+            <a:p>
+              <a:pPr algn="ctr" defTabSz="685784" fontAlgn="base">
+                <a:lnSpc>
+                  <a:spcPct val="90000"/>
+                </a:lnSpc>
+                <a:spcBef>
+                  <a:spcPct val="0"/>
+                </a:spcBef>
+                <a:spcAft>
+                  <a:spcPct val="0"/>
+                </a:spcAft>
+              </a:pPr>
+              <a:r>
+                <a:rPr lang="en-US" sz="675">
+                  <a:solidFill>
+                    <a:schemeClr val="bg1"/>
+                  </a:solidFill>
+                </a:rPr>
+                <a:t>1</a:t>
+              </a:r>
+              <a:endParaRPr lang="en-US" sz="375">
+                <a:solidFill>
+                  <a:schemeClr val="bg1"/>
+                </a:solidFill>
+              </a:endParaRPr>
+            </a:p>
+          </p:txBody>
+        </p:sp>
+        <p:sp>
+          <p:nvSpPr>
+            <p:cNvPr id="86" name="Rounded Rectangle 85">
+              <a:extLst>
+                <a:ext uri="{FF2B5EF4-FFF2-40B4-BE49-F238E27FC236}">
+                  <a16:creationId xmlns:a16="http://schemas.microsoft.com/office/drawing/2014/main" id="{14795781-ECE0-CC4F-9652-F23113FA2EAE}"/>
+                </a:ext>
+              </a:extLst>
+            </p:cNvPr>
+            <p:cNvSpPr/>
+            <p:nvPr/>
+          </p:nvSpPr>
+          <p:spPr bwMode="auto">
+            <a:xfrm>
+              <a:off x="1468934" y="1635094"/>
+              <a:ext cx="138128" cy="411476"/>
+            </a:xfrm>
+            <a:prstGeom prst="roundRect">
+              <a:avLst/>
+            </a:prstGeom>
+            <a:solidFill>
+              <a:schemeClr val="bg1">
+                <a:lumMod val="50000"/>
+              </a:schemeClr>
+            </a:solidFill>
+            <a:ln>
+              <a:solidFill>
+                <a:schemeClr val="bg1"/>
+              </a:solidFill>
+              <a:prstDash val="solid"/>
+              <a:headEnd type="none" w="med" len="med"/>
+              <a:tailEnd type="none" w="med" len="med"/>
+            </a:ln>
+            <a:effectLst/>
+          </p:spPr>
+          <p:style>
+            <a:lnRef idx="1">
+              <a:schemeClr val="accent5"/>
+            </a:lnRef>
+            <a:fillRef idx="3">
+              <a:schemeClr val="accent5"/>
+            </a:fillRef>
+            <a:effectRef idx="2">
+              <a:schemeClr val="accent5"/>
+            </a:effectRef>
+            <a:fontRef idx="minor">
+              <a:schemeClr val="lt1"/>
+            </a:fontRef>
+          </p:style>
+          <p:txBody>
+            <a:bodyPr vert="horz" wrap="square" lIns="0" tIns="0" rIns="0" bIns="0" numCol="1" rtlCol="0" anchor="ctr" anchorCtr="0" compatLnSpc="1">
+              <a:prstTxWarp prst="textNoShape">
+                <a:avLst/>
+              </a:prstTxWarp>
+              <a:noAutofit/>
+            </a:bodyPr>
+            <a:lstStyle/>
+            <a:p>
+              <a:pPr algn="ctr" defTabSz="685784" fontAlgn="base">
+                <a:lnSpc>
+                  <a:spcPct val="90000"/>
+                </a:lnSpc>
+                <a:spcBef>
+                  <a:spcPct val="0"/>
+                </a:spcBef>
+                <a:spcAft>
+                  <a:spcPct val="0"/>
+                </a:spcAft>
+              </a:pPr>
+              <a:r>
+                <a:rPr lang="en-US" sz="675">
+                  <a:solidFill>
+                    <a:schemeClr val="bg1"/>
+                  </a:solidFill>
+                </a:rPr>
+                <a:t>2</a:t>
+              </a:r>
+              <a:endParaRPr lang="en-US" sz="375">
+                <a:solidFill>
+                  <a:schemeClr val="bg1"/>
+                </a:solidFill>
+              </a:endParaRPr>
+            </a:p>
+          </p:txBody>
+        </p:sp>
+        <p:sp>
+          <p:nvSpPr>
+            <p:cNvPr id="87" name="Rounded Rectangle 86">
+              <a:extLst>
+                <a:ext uri="{FF2B5EF4-FFF2-40B4-BE49-F238E27FC236}">
+                  <a16:creationId xmlns:a16="http://schemas.microsoft.com/office/drawing/2014/main" id="{C1903791-FD6F-3746-8343-426C18FC1F3A}"/>
+                </a:ext>
+              </a:extLst>
+            </p:cNvPr>
+            <p:cNvSpPr/>
+            <p:nvPr/>
+          </p:nvSpPr>
+          <p:spPr bwMode="auto">
+            <a:xfrm>
+              <a:off x="1606093" y="1635094"/>
+              <a:ext cx="138128" cy="411476"/>
+            </a:xfrm>
+            <a:prstGeom prst="roundRect">
+              <a:avLst/>
+            </a:prstGeom>
+            <a:solidFill>
+              <a:schemeClr val="bg1">
+                <a:lumMod val="50000"/>
+              </a:schemeClr>
+            </a:solidFill>
+            <a:ln>
+              <a:solidFill>
+                <a:schemeClr val="bg1"/>
+              </a:solidFill>
+              <a:prstDash val="solid"/>
+              <a:headEnd type="none" w="med" len="med"/>
+              <a:tailEnd type="none" w="med" len="med"/>
+            </a:ln>
+            <a:effectLst/>
+          </p:spPr>
+          <p:style>
+            <a:lnRef idx="1">
+              <a:schemeClr val="accent5"/>
+            </a:lnRef>
+            <a:fillRef idx="3">
+              <a:schemeClr val="accent5"/>
+            </a:fillRef>
+            <a:effectRef idx="2">
+              <a:schemeClr val="accent5"/>
+            </a:effectRef>
+            <a:fontRef idx="minor">
+              <a:schemeClr val="lt1"/>
+            </a:fontRef>
+          </p:style>
+          <p:txBody>
+            <a:bodyPr vert="horz" wrap="square" lIns="0" tIns="0" rIns="0" bIns="0" numCol="1" rtlCol="0" anchor="ctr" anchorCtr="0" compatLnSpc="1">
+              <a:prstTxWarp prst="textNoShape">
+                <a:avLst/>
+              </a:prstTxWarp>
+              <a:noAutofit/>
+            </a:bodyPr>
+            <a:lstStyle/>
+            <a:p>
+              <a:pPr algn="ctr" defTabSz="685784" fontAlgn="base">
+                <a:lnSpc>
+                  <a:spcPct val="90000"/>
+                </a:lnSpc>
+                <a:spcBef>
+                  <a:spcPct val="0"/>
+                </a:spcBef>
+                <a:spcAft>
+                  <a:spcPct val="0"/>
+                </a:spcAft>
+              </a:pPr>
+              <a:r>
+                <a:rPr lang="en-US" sz="675">
+                  <a:solidFill>
+                    <a:schemeClr val="bg1"/>
+                  </a:solidFill>
+                </a:rPr>
+                <a:t>3</a:t>
+              </a:r>
+              <a:endParaRPr lang="en-US" sz="375">
+                <a:solidFill>
+                  <a:schemeClr val="bg1"/>
+                </a:solidFill>
+              </a:endParaRPr>
+            </a:p>
+          </p:txBody>
+        </p:sp>
+        <p:sp>
+          <p:nvSpPr>
+            <p:cNvPr id="88" name="Rounded Rectangle 87">
+              <a:extLst>
+                <a:ext uri="{FF2B5EF4-FFF2-40B4-BE49-F238E27FC236}">
+                  <a16:creationId xmlns:a16="http://schemas.microsoft.com/office/drawing/2014/main" id="{C036B2F0-21A6-E74C-AC6E-50E8DABCD582}"/>
+                </a:ext>
+              </a:extLst>
+            </p:cNvPr>
+            <p:cNvSpPr/>
+            <p:nvPr/>
+          </p:nvSpPr>
+          <p:spPr bwMode="auto">
+            <a:xfrm>
+              <a:off x="1744220" y="1635094"/>
+              <a:ext cx="138128" cy="411476"/>
+            </a:xfrm>
+            <a:prstGeom prst="roundRect">
+              <a:avLst/>
+            </a:prstGeom>
+            <a:solidFill>
+              <a:schemeClr val="bg1">
+                <a:lumMod val="50000"/>
+              </a:schemeClr>
+            </a:solidFill>
+            <a:ln>
+              <a:solidFill>
+                <a:schemeClr val="bg1"/>
+              </a:solidFill>
+              <a:prstDash val="solid"/>
+              <a:headEnd type="none" w="med" len="med"/>
+              <a:tailEnd type="none" w="med" len="med"/>
+            </a:ln>
+            <a:effectLst/>
+          </p:spPr>
+          <p:style>
+            <a:lnRef idx="1">
+              <a:schemeClr val="accent5"/>
+            </a:lnRef>
+            <a:fillRef idx="3">
+              <a:schemeClr val="accent5"/>
+            </a:fillRef>
+            <a:effectRef idx="2">
+              <a:schemeClr val="accent5"/>
+            </a:effectRef>
+            <a:fontRef idx="minor">
+              <a:schemeClr val="lt1"/>
+            </a:fontRef>
+          </p:style>
+          <p:txBody>
+            <a:bodyPr vert="horz" wrap="square" lIns="0" tIns="0" rIns="0" bIns="0" numCol="1" rtlCol="0" anchor="ctr" anchorCtr="0" compatLnSpc="1">
+              <a:prstTxWarp prst="textNoShape">
+                <a:avLst/>
+              </a:prstTxWarp>
+              <a:noAutofit/>
+            </a:bodyPr>
+            <a:lstStyle/>
+            <a:p>
+              <a:pPr algn="ctr" defTabSz="685784" fontAlgn="base">
+                <a:lnSpc>
+                  <a:spcPct val="90000"/>
+                </a:lnSpc>
+                <a:spcBef>
+                  <a:spcPct val="0"/>
+                </a:spcBef>
+                <a:spcAft>
+                  <a:spcPct val="0"/>
+                </a:spcAft>
+              </a:pPr>
+              <a:r>
+                <a:rPr lang="en-US" sz="675">
+                  <a:solidFill>
+                    <a:schemeClr val="bg1"/>
+                  </a:solidFill>
+                </a:rPr>
+                <a:t>4</a:t>
+              </a:r>
+              <a:endParaRPr lang="en-US" sz="375">
+                <a:solidFill>
+                  <a:schemeClr val="bg1"/>
+                </a:solidFill>
+              </a:endParaRPr>
+            </a:p>
+          </p:txBody>
+        </p:sp>
+        <p:sp>
+          <p:nvSpPr>
+            <p:cNvPr id="89" name="Rounded Rectangle 88">
+              <a:extLst>
+                <a:ext uri="{FF2B5EF4-FFF2-40B4-BE49-F238E27FC236}">
+                  <a16:creationId xmlns:a16="http://schemas.microsoft.com/office/drawing/2014/main" id="{15D9DEE3-2DCF-624F-B5F5-8AC474DFFD56}"/>
+                </a:ext>
+              </a:extLst>
+            </p:cNvPr>
+            <p:cNvSpPr/>
+            <p:nvPr/>
+          </p:nvSpPr>
+          <p:spPr bwMode="auto">
+            <a:xfrm>
+              <a:off x="1874043" y="1635094"/>
+              <a:ext cx="138128" cy="411476"/>
+            </a:xfrm>
+            <a:prstGeom prst="roundRect">
+              <a:avLst/>
+            </a:prstGeom>
+            <a:solidFill>
+              <a:schemeClr val="bg1">
+                <a:lumMod val="50000"/>
+              </a:schemeClr>
+            </a:solidFill>
+            <a:ln>
+              <a:solidFill>
+                <a:schemeClr val="bg1"/>
+              </a:solidFill>
+              <a:prstDash val="solid"/>
+              <a:headEnd type="none" w="med" len="med"/>
+              <a:tailEnd type="none" w="med" len="med"/>
+            </a:ln>
+            <a:effectLst/>
+          </p:spPr>
+          <p:style>
+            <a:lnRef idx="1">
+              <a:schemeClr val="accent5"/>
+            </a:lnRef>
+            <a:fillRef idx="3">
+              <a:schemeClr val="accent5"/>
+            </a:fillRef>
+            <a:effectRef idx="2">
+              <a:schemeClr val="accent5"/>
+            </a:effectRef>
+            <a:fontRef idx="minor">
+              <a:schemeClr val="lt1"/>
+            </a:fontRef>
+          </p:style>
+          <p:txBody>
+            <a:bodyPr vert="horz" wrap="square" lIns="0" tIns="0" rIns="0" bIns="0" numCol="1" rtlCol="0" anchor="ctr" anchorCtr="0" compatLnSpc="1">
+              <a:prstTxWarp prst="textNoShape">
+                <a:avLst/>
+              </a:prstTxWarp>
+              <a:noAutofit/>
+            </a:bodyPr>
+            <a:lstStyle/>
+            <a:p>
+              <a:pPr algn="ctr" defTabSz="685784" fontAlgn="base">
+                <a:lnSpc>
+                  <a:spcPct val="90000"/>
+                </a:lnSpc>
+                <a:spcBef>
+                  <a:spcPct val="0"/>
+                </a:spcBef>
+                <a:spcAft>
+                  <a:spcPct val="0"/>
+                </a:spcAft>
+              </a:pPr>
+              <a:r>
+                <a:rPr lang="en-US" sz="675">
+                  <a:solidFill>
+                    <a:schemeClr val="bg1"/>
+                  </a:solidFill>
+                </a:rPr>
+                <a:t>5</a:t>
+              </a:r>
+              <a:endParaRPr lang="en-US" sz="375">
+                <a:solidFill>
+                  <a:schemeClr val="bg1"/>
+                </a:solidFill>
+              </a:endParaRPr>
+            </a:p>
+          </p:txBody>
+        </p:sp>
+      </p:grpSp>
+      <p:grpSp>
+        <p:nvGrpSpPr>
+          <p:cNvPr id="90" name="Group 89">
+            <a:extLst>
+              <a:ext uri="{FF2B5EF4-FFF2-40B4-BE49-F238E27FC236}">
+                <a16:creationId xmlns:a16="http://schemas.microsoft.com/office/drawing/2014/main" id="{5F17F65B-49D6-4745-A97D-F17FEF90E758}"/>
+              </a:ext>
+            </a:extLst>
+          </p:cNvPr>
+          <p:cNvGrpSpPr/>
+          <p:nvPr/>
+        </p:nvGrpSpPr>
+        <p:grpSpPr>
+          <a:xfrm>
+            <a:off x="6762873" y="2869199"/>
+            <a:ext cx="584621" cy="207055"/>
+            <a:chOff x="1193647" y="1635094"/>
+            <a:chExt cx="818524" cy="411476"/>
+          </a:xfrm>
+        </p:grpSpPr>
+        <p:sp>
+          <p:nvSpPr>
+            <p:cNvPr id="91" name="Rounded Rectangle 90">
+              <a:extLst>
+                <a:ext uri="{FF2B5EF4-FFF2-40B4-BE49-F238E27FC236}">
+                  <a16:creationId xmlns:a16="http://schemas.microsoft.com/office/drawing/2014/main" id="{18E03C6C-C6F6-C443-A2CE-DEB9C39B9D41}"/>
+                </a:ext>
+              </a:extLst>
+            </p:cNvPr>
+            <p:cNvSpPr/>
+            <p:nvPr/>
+          </p:nvSpPr>
+          <p:spPr bwMode="auto">
+            <a:xfrm>
+              <a:off x="1193647" y="1635094"/>
+              <a:ext cx="138128" cy="411476"/>
+            </a:xfrm>
+            <a:prstGeom prst="roundRect">
+              <a:avLst/>
+            </a:prstGeom>
+            <a:solidFill>
+              <a:schemeClr val="bg1">
+                <a:lumMod val="50000"/>
+              </a:schemeClr>
+            </a:solidFill>
+            <a:ln>
+              <a:solidFill>
+                <a:schemeClr val="bg1"/>
+              </a:solidFill>
+              <a:prstDash val="solid"/>
+              <a:headEnd type="none" w="med" len="med"/>
+              <a:tailEnd type="none" w="med" len="med"/>
+            </a:ln>
+            <a:effectLst/>
+          </p:spPr>
+          <p:style>
+            <a:lnRef idx="1">
+              <a:schemeClr val="accent5"/>
+            </a:lnRef>
+            <a:fillRef idx="3">
+              <a:schemeClr val="accent5"/>
+            </a:fillRef>
+            <a:effectRef idx="2">
+              <a:schemeClr val="accent5"/>
+            </a:effectRef>
+            <a:fontRef idx="minor">
+              <a:schemeClr val="lt1"/>
+            </a:fontRef>
+          </p:style>
+          <p:txBody>
+            <a:bodyPr vert="horz" wrap="square" lIns="0" tIns="0" rIns="0" bIns="0" numCol="1" rtlCol="0" anchor="ctr" anchorCtr="0" compatLnSpc="1">
+              <a:prstTxWarp prst="textNoShape">
+                <a:avLst/>
+              </a:prstTxWarp>
+              <a:noAutofit/>
+            </a:bodyPr>
+            <a:lstStyle/>
+            <a:p>
+              <a:pPr algn="ctr" defTabSz="685784" fontAlgn="base">
+                <a:lnSpc>
+                  <a:spcPct val="90000"/>
+                </a:lnSpc>
+                <a:spcBef>
+                  <a:spcPct val="0"/>
+                </a:spcBef>
+                <a:spcAft>
+                  <a:spcPct val="0"/>
+                </a:spcAft>
+              </a:pPr>
+              <a:r>
+                <a:rPr lang="en-US" sz="675">
+                  <a:solidFill>
+                    <a:schemeClr val="bg1"/>
+                  </a:solidFill>
+                </a:rPr>
+                <a:t>0</a:t>
+              </a:r>
+              <a:endParaRPr lang="en-US" sz="375">
+                <a:solidFill>
+                  <a:schemeClr val="bg1"/>
+                </a:solidFill>
+              </a:endParaRPr>
+            </a:p>
+          </p:txBody>
+        </p:sp>
+        <p:sp>
+          <p:nvSpPr>
+            <p:cNvPr id="92" name="Rounded Rectangle 91">
+              <a:extLst>
+                <a:ext uri="{FF2B5EF4-FFF2-40B4-BE49-F238E27FC236}">
+                  <a16:creationId xmlns:a16="http://schemas.microsoft.com/office/drawing/2014/main" id="{F7E5826D-ECA2-3944-95D6-2018C2A0C76E}"/>
+                </a:ext>
+              </a:extLst>
+            </p:cNvPr>
+            <p:cNvSpPr/>
+            <p:nvPr/>
+          </p:nvSpPr>
+          <p:spPr bwMode="auto">
+            <a:xfrm>
+              <a:off x="1330805" y="1635094"/>
+              <a:ext cx="138128" cy="411476"/>
+            </a:xfrm>
+            <a:prstGeom prst="roundRect">
+              <a:avLst/>
+            </a:prstGeom>
+            <a:solidFill>
+              <a:schemeClr val="bg1">
+                <a:lumMod val="50000"/>
+              </a:schemeClr>
+            </a:solidFill>
+            <a:ln>
+              <a:solidFill>
+                <a:schemeClr val="bg1"/>
+              </a:solidFill>
+              <a:prstDash val="solid"/>
+              <a:headEnd type="none" w="med" len="med"/>
+              <a:tailEnd type="none" w="med" len="med"/>
+            </a:ln>
+            <a:effectLst/>
+          </p:spPr>
+          <p:style>
+            <a:lnRef idx="1">
+              <a:schemeClr val="accent5"/>
+            </a:lnRef>
+            <a:fillRef idx="3">
+              <a:schemeClr val="accent5"/>
+            </a:fillRef>
+            <a:effectRef idx="2">
+              <a:schemeClr val="accent5"/>
+            </a:effectRef>
+            <a:fontRef idx="minor">
+              <a:schemeClr val="lt1"/>
+            </a:fontRef>
+          </p:style>
+          <p:txBody>
+            <a:bodyPr vert="horz" wrap="square" lIns="0" tIns="0" rIns="0" bIns="0" numCol="1" rtlCol="0" anchor="ctr" anchorCtr="0" compatLnSpc="1">
+              <a:prstTxWarp prst="textNoShape">
+                <a:avLst/>
+              </a:prstTxWarp>
+              <a:noAutofit/>
+            </a:bodyPr>
+            <a:lstStyle/>
+            <a:p>
+              <a:pPr algn="ctr" defTabSz="685784" fontAlgn="base">
+                <a:lnSpc>
+                  <a:spcPct val="90000"/>
+                </a:lnSpc>
+                <a:spcBef>
+                  <a:spcPct val="0"/>
+                </a:spcBef>
+                <a:spcAft>
+                  <a:spcPct val="0"/>
+                </a:spcAft>
+              </a:pPr>
+              <a:r>
+                <a:rPr lang="en-US" sz="675">
+                  <a:solidFill>
+                    <a:schemeClr val="bg1"/>
+                  </a:solidFill>
+                </a:rPr>
+                <a:t>1</a:t>
+              </a:r>
+              <a:endParaRPr lang="en-US" sz="375">
+                <a:solidFill>
+                  <a:schemeClr val="bg1"/>
+                </a:solidFill>
+              </a:endParaRPr>
+            </a:p>
+          </p:txBody>
+        </p:sp>
+        <p:sp>
+          <p:nvSpPr>
+            <p:cNvPr id="93" name="Rounded Rectangle 92">
+              <a:extLst>
+                <a:ext uri="{FF2B5EF4-FFF2-40B4-BE49-F238E27FC236}">
+                  <a16:creationId xmlns:a16="http://schemas.microsoft.com/office/drawing/2014/main" id="{8135F87F-ABC8-D942-9CE3-998153DA7211}"/>
+                </a:ext>
+              </a:extLst>
+            </p:cNvPr>
+            <p:cNvSpPr/>
+            <p:nvPr/>
+          </p:nvSpPr>
+          <p:spPr bwMode="auto">
+            <a:xfrm>
+              <a:off x="1468934" y="1635094"/>
+              <a:ext cx="138128" cy="411476"/>
+            </a:xfrm>
+            <a:prstGeom prst="roundRect">
+              <a:avLst/>
+            </a:prstGeom>
+            <a:solidFill>
+              <a:schemeClr val="bg1">
+                <a:lumMod val="50000"/>
+              </a:schemeClr>
+            </a:solidFill>
+            <a:ln>
+              <a:solidFill>
+                <a:schemeClr val="bg1"/>
+              </a:solidFill>
+              <a:prstDash val="solid"/>
+              <a:headEnd type="none" w="med" len="med"/>
+              <a:tailEnd type="none" w="med" len="med"/>
+            </a:ln>
+            <a:effectLst/>
+          </p:spPr>
+          <p:style>
+            <a:lnRef idx="1">
+              <a:schemeClr val="accent5"/>
+            </a:lnRef>
+            <a:fillRef idx="3">
+              <a:schemeClr val="accent5"/>
+            </a:fillRef>
+            <a:effectRef idx="2">
+              <a:schemeClr val="accent5"/>
+            </a:effectRef>
+            <a:fontRef idx="minor">
+              <a:schemeClr val="lt1"/>
+            </a:fontRef>
+          </p:style>
+          <p:txBody>
+            <a:bodyPr vert="horz" wrap="square" lIns="0" tIns="0" rIns="0" bIns="0" numCol="1" rtlCol="0" anchor="ctr" anchorCtr="0" compatLnSpc="1">
+              <a:prstTxWarp prst="textNoShape">
+                <a:avLst/>
+              </a:prstTxWarp>
+              <a:noAutofit/>
+            </a:bodyPr>
+            <a:lstStyle/>
+            <a:p>
+              <a:pPr algn="ctr" defTabSz="685784" fontAlgn="base">
+                <a:lnSpc>
+                  <a:spcPct val="90000"/>
+                </a:lnSpc>
+                <a:spcBef>
+                  <a:spcPct val="0"/>
+                </a:spcBef>
+                <a:spcAft>
+                  <a:spcPct val="0"/>
+                </a:spcAft>
+              </a:pPr>
+              <a:r>
+                <a:rPr lang="en-US" sz="675">
+                  <a:solidFill>
+                    <a:schemeClr val="bg1"/>
+                  </a:solidFill>
+                </a:rPr>
+                <a:t>2</a:t>
+              </a:r>
+              <a:endParaRPr lang="en-US" sz="375">
+                <a:solidFill>
+                  <a:schemeClr val="bg1"/>
+                </a:solidFill>
+              </a:endParaRPr>
+            </a:p>
+          </p:txBody>
+        </p:sp>
+        <p:sp>
+          <p:nvSpPr>
+            <p:cNvPr id="94" name="Rounded Rectangle 93">
+              <a:extLst>
+                <a:ext uri="{FF2B5EF4-FFF2-40B4-BE49-F238E27FC236}">
+                  <a16:creationId xmlns:a16="http://schemas.microsoft.com/office/drawing/2014/main" id="{6637A6E4-D81D-4C45-9D8A-769C1062C656}"/>
+                </a:ext>
+              </a:extLst>
+            </p:cNvPr>
+            <p:cNvSpPr/>
+            <p:nvPr/>
+          </p:nvSpPr>
+          <p:spPr bwMode="auto">
+            <a:xfrm>
+              <a:off x="1606093" y="1635094"/>
+              <a:ext cx="138128" cy="411476"/>
+            </a:xfrm>
+            <a:prstGeom prst="roundRect">
+              <a:avLst/>
+            </a:prstGeom>
+            <a:solidFill>
+              <a:schemeClr val="bg1">
+                <a:lumMod val="50000"/>
+              </a:schemeClr>
+            </a:solidFill>
+            <a:ln>
+              <a:solidFill>
+                <a:schemeClr val="bg1"/>
+              </a:solidFill>
+              <a:prstDash val="solid"/>
+              <a:headEnd type="none" w="med" len="med"/>
+              <a:tailEnd type="none" w="med" len="med"/>
+            </a:ln>
+            <a:effectLst/>
+          </p:spPr>
+          <p:style>
+            <a:lnRef idx="1">
+              <a:schemeClr val="accent5"/>
+            </a:lnRef>
+            <a:fillRef idx="3">
+              <a:schemeClr val="accent5"/>
+            </a:fillRef>
+            <a:effectRef idx="2">
+              <a:schemeClr val="accent5"/>
+            </a:effectRef>
+            <a:fontRef idx="minor">
+              <a:schemeClr val="lt1"/>
+            </a:fontRef>
+          </p:style>
+          <p:txBody>
+            <a:bodyPr vert="horz" wrap="square" lIns="0" tIns="0" rIns="0" bIns="0" numCol="1" rtlCol="0" anchor="ctr" anchorCtr="0" compatLnSpc="1">
+              <a:prstTxWarp prst="textNoShape">
+                <a:avLst/>
+              </a:prstTxWarp>
+              <a:noAutofit/>
+            </a:bodyPr>
+            <a:lstStyle/>
+            <a:p>
+              <a:pPr algn="ctr" defTabSz="685784" fontAlgn="base">
+                <a:lnSpc>
+                  <a:spcPct val="90000"/>
+                </a:lnSpc>
+                <a:spcBef>
+                  <a:spcPct val="0"/>
+                </a:spcBef>
+                <a:spcAft>
+                  <a:spcPct val="0"/>
+                </a:spcAft>
+              </a:pPr>
+              <a:r>
+                <a:rPr lang="en-US" sz="675">
+                  <a:solidFill>
+                    <a:schemeClr val="bg1"/>
+                  </a:solidFill>
+                </a:rPr>
+                <a:t>3</a:t>
+              </a:r>
+              <a:endParaRPr lang="en-US" sz="375">
+                <a:solidFill>
+                  <a:schemeClr val="bg1"/>
+                </a:solidFill>
+              </a:endParaRPr>
+            </a:p>
+          </p:txBody>
+        </p:sp>
+        <p:sp>
+          <p:nvSpPr>
+            <p:cNvPr id="95" name="Rounded Rectangle 94">
+              <a:extLst>
+                <a:ext uri="{FF2B5EF4-FFF2-40B4-BE49-F238E27FC236}">
+                  <a16:creationId xmlns:a16="http://schemas.microsoft.com/office/drawing/2014/main" id="{F1131A60-FB8C-6142-AC8D-0DDBCBAD132F}"/>
+                </a:ext>
+              </a:extLst>
+            </p:cNvPr>
+            <p:cNvSpPr/>
+            <p:nvPr/>
+          </p:nvSpPr>
+          <p:spPr bwMode="auto">
+            <a:xfrm>
+              <a:off x="1744220" y="1635094"/>
+              <a:ext cx="138128" cy="411476"/>
+            </a:xfrm>
+            <a:prstGeom prst="roundRect">
+              <a:avLst/>
+            </a:prstGeom>
+            <a:solidFill>
+              <a:schemeClr val="bg1">
+                <a:lumMod val="50000"/>
+              </a:schemeClr>
+            </a:solidFill>
+            <a:ln>
+              <a:solidFill>
+                <a:schemeClr val="bg1"/>
+              </a:solidFill>
+              <a:prstDash val="solid"/>
+              <a:headEnd type="none" w="med" len="med"/>
+              <a:tailEnd type="none" w="med" len="med"/>
+            </a:ln>
+            <a:effectLst/>
+          </p:spPr>
+          <p:style>
+            <a:lnRef idx="1">
+              <a:schemeClr val="accent5"/>
+            </a:lnRef>
+            <a:fillRef idx="3">
+              <a:schemeClr val="accent5"/>
+            </a:fillRef>
+            <a:effectRef idx="2">
+              <a:schemeClr val="accent5"/>
+            </a:effectRef>
+            <a:fontRef idx="minor">
+              <a:schemeClr val="lt1"/>
+            </a:fontRef>
+          </p:style>
+          <p:txBody>
+            <a:bodyPr vert="horz" wrap="square" lIns="0" tIns="0" rIns="0" bIns="0" numCol="1" rtlCol="0" anchor="ctr" anchorCtr="0" compatLnSpc="1">
+              <a:prstTxWarp prst="textNoShape">
+                <a:avLst/>
+              </a:prstTxWarp>
+              <a:noAutofit/>
+            </a:bodyPr>
+            <a:lstStyle/>
+            <a:p>
+              <a:pPr algn="ctr" defTabSz="685784" fontAlgn="base">
+                <a:lnSpc>
+                  <a:spcPct val="90000"/>
+                </a:lnSpc>
+                <a:spcBef>
+                  <a:spcPct val="0"/>
+                </a:spcBef>
+                <a:spcAft>
+                  <a:spcPct val="0"/>
+                </a:spcAft>
+              </a:pPr>
+              <a:r>
+                <a:rPr lang="en-US" sz="675">
+                  <a:solidFill>
+                    <a:schemeClr val="bg1"/>
+                  </a:solidFill>
+                </a:rPr>
+                <a:t>4</a:t>
+              </a:r>
+              <a:endParaRPr lang="en-US" sz="375">
+                <a:solidFill>
+                  <a:schemeClr val="bg1"/>
+                </a:solidFill>
+              </a:endParaRPr>
+            </a:p>
+          </p:txBody>
+        </p:sp>
+        <p:sp>
+          <p:nvSpPr>
+            <p:cNvPr id="96" name="Rounded Rectangle 95">
+              <a:extLst>
+                <a:ext uri="{FF2B5EF4-FFF2-40B4-BE49-F238E27FC236}">
+                  <a16:creationId xmlns:a16="http://schemas.microsoft.com/office/drawing/2014/main" id="{A77D46BC-8B87-3F4B-8126-75F8EFC199BA}"/>
+                </a:ext>
+              </a:extLst>
+            </p:cNvPr>
+            <p:cNvSpPr/>
+            <p:nvPr/>
+          </p:nvSpPr>
+          <p:spPr bwMode="auto">
+            <a:xfrm>
+              <a:off x="1874043" y="1635094"/>
+              <a:ext cx="138128" cy="411476"/>
+            </a:xfrm>
+            <a:prstGeom prst="roundRect">
+              <a:avLst/>
+            </a:prstGeom>
+            <a:solidFill>
+              <a:schemeClr val="bg1">
+                <a:lumMod val="50000"/>
+              </a:schemeClr>
+            </a:solidFill>
+            <a:ln>
+              <a:solidFill>
+                <a:schemeClr val="bg1"/>
+              </a:solidFill>
+              <a:prstDash val="solid"/>
+              <a:headEnd type="none" w="med" len="med"/>
+              <a:tailEnd type="none" w="med" len="med"/>
+            </a:ln>
+            <a:effectLst/>
+          </p:spPr>
+          <p:style>
+            <a:lnRef idx="1">
+              <a:schemeClr val="accent5"/>
+            </a:lnRef>
+            <a:fillRef idx="3">
+              <a:schemeClr val="accent5"/>
+            </a:fillRef>
+            <a:effectRef idx="2">
+              <a:schemeClr val="accent5"/>
+            </a:effectRef>
+            <a:fontRef idx="minor">
+              <a:schemeClr val="lt1"/>
+            </a:fontRef>
+          </p:style>
+          <p:txBody>
+            <a:bodyPr vert="horz" wrap="square" lIns="0" tIns="0" rIns="0" bIns="0" numCol="1" rtlCol="0" anchor="ctr" anchorCtr="0" compatLnSpc="1">
+              <a:prstTxWarp prst="textNoShape">
+                <a:avLst/>
+              </a:prstTxWarp>
+              <a:noAutofit/>
+            </a:bodyPr>
+            <a:lstStyle/>
+            <a:p>
+              <a:pPr algn="ctr" defTabSz="685784" fontAlgn="base">
+                <a:lnSpc>
+                  <a:spcPct val="90000"/>
+                </a:lnSpc>
+                <a:spcBef>
+                  <a:spcPct val="0"/>
+                </a:spcBef>
+                <a:spcAft>
+                  <a:spcPct val="0"/>
+                </a:spcAft>
+              </a:pPr>
+              <a:r>
+                <a:rPr lang="en-US" sz="675" dirty="0">
+                  <a:solidFill>
+                    <a:schemeClr val="bg1"/>
+                  </a:solidFill>
+                </a:rPr>
+                <a:t>5</a:t>
+              </a:r>
+              <a:endParaRPr lang="en-US" sz="375" dirty="0">
+                <a:solidFill>
+                  <a:schemeClr val="bg1"/>
+                </a:solidFill>
+              </a:endParaRPr>
+            </a:p>
+          </p:txBody>
+        </p:sp>
+      </p:grpSp>
+      <p:sp>
+        <p:nvSpPr>
+          <p:cNvPr id="98" name="Rounded Rectangle 97">
+            <a:extLst>
+              <a:ext uri="{FF2B5EF4-FFF2-40B4-BE49-F238E27FC236}">
+                <a16:creationId xmlns:a16="http://schemas.microsoft.com/office/drawing/2014/main" id="{A950F830-E3D5-2F44-9C95-7111DA1BFCBB}"/>
+              </a:ext>
+            </a:extLst>
+          </p:cNvPr>
+          <p:cNvSpPr/>
+          <p:nvPr/>
+        </p:nvSpPr>
+        <p:spPr>
+          <a:xfrm>
+            <a:off x="7829325" y="2502297"/>
+            <a:ext cx="775045" cy="295845"/>
+          </a:xfrm>
+          <a:prstGeom prst="roundRect">
+            <a:avLst/>
+          </a:prstGeom>
+          <a:solidFill>
+            <a:srgbClr val="00B050"/>
+          </a:solidFill>
+          <a:ln>
+            <a:noFill/>
+          </a:ln>
+          <a:effectLst>
+            <a:outerShdw blurRad="50800" dist="38100" dir="5400000" algn="t" rotWithShape="0">
+              <a:prstClr val="black">
+                <a:alpha val="40000"/>
+              </a:prstClr>
+            </a:outerShdw>
+          </a:effectLst>
+        </p:spPr>
+        <p:style>
+          <a:lnRef idx="2">
+            <a:schemeClr val="accent1">
+              <a:shade val="50000"/>
+            </a:schemeClr>
+          </a:lnRef>
+          <a:fillRef idx="1">
+            <a:schemeClr val="accent1"/>
+          </a:fillRef>
+          <a:effectRef idx="0">
+            <a:schemeClr val="accent1"/>
+          </a:effectRef>
+          <a:fontRef idx="minor">
+            <a:schemeClr val="lt1"/>
+          </a:fontRef>
+        </p:style>
+        <p:txBody>
+          <a:bodyPr rtlCol="0" anchor="t"/>
+          <a:lstStyle/>
+          <a:p>
+            <a:pPr algn="ctr" defTabSz="514350"/>
+            <a:r>
+              <a:rPr lang="en-US" sz="700" dirty="0">
+                <a:solidFill>
+                  <a:prstClr val="white"/>
+                </a:solidFill>
+                <a:latin typeface="Arial"/>
+              </a:rPr>
+              <a:t>Consumer</a:t>
+            </a:r>
+          </a:p>
+        </p:txBody>
+      </p:sp>
+      <p:sp>
+        <p:nvSpPr>
+          <p:cNvPr id="99" name="TextBox 98">
+            <a:extLst>
+              <a:ext uri="{FF2B5EF4-FFF2-40B4-BE49-F238E27FC236}">
+                <a16:creationId xmlns:a16="http://schemas.microsoft.com/office/drawing/2014/main" id="{188C2558-B503-9546-8B76-8140C2ABC1AE}"/>
+              </a:ext>
+            </a:extLst>
+          </p:cNvPr>
+          <p:cNvSpPr txBox="1"/>
+          <p:nvPr/>
+        </p:nvSpPr>
+        <p:spPr>
+          <a:xfrm>
+            <a:off x="1092885" y="1979492"/>
+            <a:ext cx="312906" cy="230832"/>
+          </a:xfrm>
+          <a:prstGeom prst="rect">
+            <a:avLst/>
+          </a:prstGeom>
+          <a:noFill/>
+        </p:spPr>
+        <p:txBody>
+          <a:bodyPr wrap="none" rtlCol="0">
+            <a:spAutoFit/>
+          </a:bodyPr>
+          <a:lstStyle/>
+          <a:p>
+            <a:r>
+              <a:rPr lang="en-US" sz="900" dirty="0"/>
+              <a:t>p0</a:t>
+            </a:r>
+            <a:endParaRPr sz="900" dirty="0"/>
+          </a:p>
+        </p:txBody>
+      </p:sp>
+      <p:sp>
+        <p:nvSpPr>
+          <p:cNvPr id="100" name="TextBox 99">
+            <a:extLst>
+              <a:ext uri="{FF2B5EF4-FFF2-40B4-BE49-F238E27FC236}">
+                <a16:creationId xmlns:a16="http://schemas.microsoft.com/office/drawing/2014/main" id="{5565FB48-A684-3149-8B94-8AD96E806102}"/>
+              </a:ext>
+            </a:extLst>
+          </p:cNvPr>
+          <p:cNvSpPr txBox="1"/>
+          <p:nvPr/>
+        </p:nvSpPr>
+        <p:spPr>
+          <a:xfrm>
+            <a:off x="1066609" y="2363119"/>
+            <a:ext cx="312906" cy="230832"/>
+          </a:xfrm>
+          <a:prstGeom prst="rect">
+            <a:avLst/>
+          </a:prstGeom>
+          <a:noFill/>
+        </p:spPr>
+        <p:txBody>
+          <a:bodyPr wrap="none" rtlCol="0">
+            <a:spAutoFit/>
+          </a:bodyPr>
+          <a:lstStyle/>
+          <a:p>
+            <a:r>
+              <a:rPr lang="en-US" sz="900" dirty="0"/>
+              <a:t>p1</a:t>
+            </a:r>
+            <a:endParaRPr sz="900" dirty="0"/>
+          </a:p>
+        </p:txBody>
+      </p:sp>
+      <p:sp>
+        <p:nvSpPr>
+          <p:cNvPr id="101" name="TextBox 100">
+            <a:extLst>
+              <a:ext uri="{FF2B5EF4-FFF2-40B4-BE49-F238E27FC236}">
+                <a16:creationId xmlns:a16="http://schemas.microsoft.com/office/drawing/2014/main" id="{5D808183-F9C3-4C48-AD8A-0D3D9F6FD2DA}"/>
+              </a:ext>
+            </a:extLst>
+          </p:cNvPr>
+          <p:cNvSpPr txBox="1"/>
+          <p:nvPr/>
+        </p:nvSpPr>
+        <p:spPr>
+          <a:xfrm>
+            <a:off x="1056269" y="2700123"/>
+            <a:ext cx="312906" cy="230832"/>
+          </a:xfrm>
+          <a:prstGeom prst="rect">
+            <a:avLst/>
+          </a:prstGeom>
+          <a:noFill/>
+        </p:spPr>
+        <p:txBody>
+          <a:bodyPr wrap="none" rtlCol="0">
+            <a:spAutoFit/>
+          </a:bodyPr>
+          <a:lstStyle/>
+          <a:p>
+            <a:r>
+              <a:rPr lang="en-US" sz="900" dirty="0"/>
+              <a:t>p2</a:t>
+            </a:r>
+            <a:endParaRPr sz="900" dirty="0"/>
+          </a:p>
+        </p:txBody>
+      </p:sp>
+      <p:grpSp>
+        <p:nvGrpSpPr>
+          <p:cNvPr id="105" name="Group 104">
+            <a:extLst>
+              <a:ext uri="{FF2B5EF4-FFF2-40B4-BE49-F238E27FC236}">
+                <a16:creationId xmlns:a16="http://schemas.microsoft.com/office/drawing/2014/main" id="{FB63995C-E3E5-E04C-B0B1-E69FDB638982}"/>
+              </a:ext>
+            </a:extLst>
+          </p:cNvPr>
+          <p:cNvGrpSpPr/>
+          <p:nvPr/>
+        </p:nvGrpSpPr>
+        <p:grpSpPr>
+          <a:xfrm>
+            <a:off x="2003648" y="2195219"/>
+            <a:ext cx="792941" cy="876562"/>
+            <a:chOff x="2003648" y="2195219"/>
+            <a:chExt cx="792941" cy="876562"/>
+          </a:xfrm>
+        </p:grpSpPr>
+        <p:sp>
+          <p:nvSpPr>
+            <p:cNvPr id="102" name="Rectangle 101">
+              <a:extLst>
+                <a:ext uri="{FF2B5EF4-FFF2-40B4-BE49-F238E27FC236}">
+                  <a16:creationId xmlns:a16="http://schemas.microsoft.com/office/drawing/2014/main" id="{8C9C0F9D-AD1A-4C47-968A-686F5998EC20}"/>
+                </a:ext>
+              </a:extLst>
+            </p:cNvPr>
+            <p:cNvSpPr/>
+            <p:nvPr/>
+          </p:nvSpPr>
+          <p:spPr>
+            <a:xfrm>
+              <a:off x="2008040" y="2195219"/>
+              <a:ext cx="788549" cy="167900"/>
+            </a:xfrm>
+            <a:prstGeom prst="rect">
+              <a:avLst/>
+            </a:prstGeom>
+            <a:solidFill>
+              <a:schemeClr val="bg1">
+                <a:alpha val="73000"/>
+              </a:schemeClr>
+            </a:solidFill>
+            <a:ln>
+              <a:noFill/>
+            </a:ln>
+          </p:spPr>
+          <p:style>
+            <a:lnRef idx="2">
+              <a:schemeClr val="accent1">
+                <a:shade val="50000"/>
+              </a:schemeClr>
+            </a:lnRef>
+            <a:fillRef idx="1">
+              <a:schemeClr val="accent1"/>
+            </a:fillRef>
+            <a:effectRef idx="0">
+              <a:schemeClr val="accent1"/>
+            </a:effectRef>
+            <a:fontRef idx="minor">
+              <a:schemeClr val="lt1"/>
+            </a:fontRef>
+          </p:style>
+          <p:txBody>
+            <a:bodyPr rtlCol="0" anchor="ctr"/>
+            <a:lstStyle/>
+            <a:p>
+              <a:pPr marL="0" marR="0" indent="0" algn="ctr" defTabSz="685800" rtl="0" eaLnBrk="1" fontAlgn="auto" latinLnBrk="0" hangingPunct="1">
+                <a:lnSpc>
+                  <a:spcPct val="100000"/>
+                </a:lnSpc>
+                <a:spcBef>
+                  <a:spcPts val="0"/>
+                </a:spcBef>
+                <a:spcAft>
+                  <a:spcPts val="0"/>
+                </a:spcAft>
+                <a:buClrTx/>
+                <a:buSzTx/>
+                <a:buFontTx/>
+                <a:buNone/>
+                <a:tabLst/>
+              </a:pPr>
+              <a:r>
+                <a:rPr kumimoji="0" lang="en-US" sz="1000" b="0" i="0" u="none" strike="noStrike" kern="1200" cap="none" spc="0" normalizeH="0" baseline="0" noProof="0" dirty="0">
+                  <a:ln>
+                    <a:noFill/>
+                  </a:ln>
+                  <a:solidFill>
+                    <a:schemeClr val="tx1"/>
+                  </a:solidFill>
+                  <a:effectLst/>
+                  <a:uLnTx/>
+                  <a:uFillTx/>
+                  <a:latin typeface="Arial"/>
+                  <a:ea typeface="+mn-ea"/>
+                  <a:cs typeface="+mn-cs"/>
+                </a:rPr>
+                <a:t>task</a:t>
+              </a:r>
+              <a:endParaRPr kumimoji="0" sz="1000" b="0" i="0" u="none" strike="noStrike" kern="1200" cap="none" spc="0" normalizeH="0" baseline="0" noProof="0" dirty="0">
+                <a:ln>
+                  <a:noFill/>
+                </a:ln>
+                <a:solidFill>
+                  <a:schemeClr val="tx1"/>
+                </a:solidFill>
+                <a:effectLst/>
+                <a:uLnTx/>
+                <a:uFillTx/>
+                <a:latin typeface="Arial"/>
+                <a:ea typeface="+mn-ea"/>
+                <a:cs typeface="+mn-cs"/>
+              </a:endParaRPr>
+            </a:p>
+          </p:txBody>
+        </p:sp>
+        <p:sp>
+          <p:nvSpPr>
+            <p:cNvPr id="103" name="Rectangle 102">
+              <a:extLst>
+                <a:ext uri="{FF2B5EF4-FFF2-40B4-BE49-F238E27FC236}">
+                  <a16:creationId xmlns:a16="http://schemas.microsoft.com/office/drawing/2014/main" id="{7FE3AFB1-D14A-744F-BA61-6F8A9285512A}"/>
+                </a:ext>
+              </a:extLst>
+            </p:cNvPr>
+            <p:cNvSpPr/>
+            <p:nvPr/>
+          </p:nvSpPr>
+          <p:spPr>
+            <a:xfrm>
+              <a:off x="2003649" y="2569122"/>
+              <a:ext cx="788549" cy="167900"/>
+            </a:xfrm>
+            <a:prstGeom prst="rect">
+              <a:avLst/>
+            </a:prstGeom>
+            <a:solidFill>
+              <a:schemeClr val="bg1">
+                <a:alpha val="73000"/>
+              </a:schemeClr>
+            </a:solidFill>
+            <a:ln>
+              <a:noFill/>
+            </a:ln>
+          </p:spPr>
+          <p:style>
+            <a:lnRef idx="2">
+              <a:schemeClr val="accent1">
+                <a:shade val="50000"/>
+              </a:schemeClr>
+            </a:lnRef>
+            <a:fillRef idx="1">
+              <a:schemeClr val="accent1"/>
+            </a:fillRef>
+            <a:effectRef idx="0">
+              <a:schemeClr val="accent1"/>
+            </a:effectRef>
+            <a:fontRef idx="minor">
+              <a:schemeClr val="lt1"/>
+            </a:fontRef>
+          </p:style>
+          <p:txBody>
+            <a:bodyPr rtlCol="0" anchor="ctr"/>
+            <a:lstStyle/>
+            <a:p>
+              <a:pPr marL="0" marR="0" indent="0" algn="ctr" defTabSz="685800" rtl="0" eaLnBrk="1" fontAlgn="auto" latinLnBrk="0" hangingPunct="1">
+                <a:lnSpc>
+                  <a:spcPct val="100000"/>
+                </a:lnSpc>
+                <a:spcBef>
+                  <a:spcPts val="0"/>
+                </a:spcBef>
+                <a:spcAft>
+                  <a:spcPts val="0"/>
+                </a:spcAft>
+                <a:buClrTx/>
+                <a:buSzTx/>
+                <a:buFontTx/>
+                <a:buNone/>
+                <a:tabLst/>
+              </a:pPr>
+              <a:r>
+                <a:rPr kumimoji="0" lang="en-US" sz="1000" b="0" i="0" u="none" strike="noStrike" kern="1200" cap="none" spc="0" normalizeH="0" baseline="0" noProof="0" dirty="0">
+                  <a:ln>
+                    <a:noFill/>
+                  </a:ln>
+                  <a:solidFill>
+                    <a:schemeClr val="tx1"/>
+                  </a:solidFill>
+                  <a:effectLst/>
+                  <a:uLnTx/>
+                  <a:uFillTx/>
+                  <a:latin typeface="Arial"/>
+                  <a:ea typeface="+mn-ea"/>
+                  <a:cs typeface="+mn-cs"/>
+                </a:rPr>
+                <a:t>task</a:t>
+              </a:r>
+              <a:endParaRPr kumimoji="0" sz="1000" b="0" i="0" u="none" strike="noStrike" kern="1200" cap="none" spc="0" normalizeH="0" baseline="0" noProof="0" dirty="0">
+                <a:ln>
+                  <a:noFill/>
+                </a:ln>
+                <a:solidFill>
+                  <a:schemeClr val="tx1"/>
+                </a:solidFill>
+                <a:effectLst/>
+                <a:uLnTx/>
+                <a:uFillTx/>
+                <a:latin typeface="Arial"/>
+                <a:ea typeface="+mn-ea"/>
+                <a:cs typeface="+mn-cs"/>
+              </a:endParaRPr>
+            </a:p>
+          </p:txBody>
+        </p:sp>
+        <p:sp>
+          <p:nvSpPr>
+            <p:cNvPr id="104" name="Rectangle 103">
+              <a:extLst>
+                <a:ext uri="{FF2B5EF4-FFF2-40B4-BE49-F238E27FC236}">
+                  <a16:creationId xmlns:a16="http://schemas.microsoft.com/office/drawing/2014/main" id="{7963FECA-4DD3-0F44-A595-5F4BACE91F54}"/>
+                </a:ext>
+              </a:extLst>
+            </p:cNvPr>
+            <p:cNvSpPr/>
+            <p:nvPr/>
+          </p:nvSpPr>
+          <p:spPr>
+            <a:xfrm>
+              <a:off x="2003648" y="2903881"/>
+              <a:ext cx="788549" cy="167900"/>
+            </a:xfrm>
+            <a:prstGeom prst="rect">
+              <a:avLst/>
+            </a:prstGeom>
+            <a:solidFill>
+              <a:schemeClr val="bg1">
+                <a:alpha val="73000"/>
+              </a:schemeClr>
+            </a:solidFill>
+            <a:ln>
+              <a:noFill/>
+            </a:ln>
+          </p:spPr>
+          <p:style>
+            <a:lnRef idx="2">
+              <a:schemeClr val="accent1">
+                <a:shade val="50000"/>
+              </a:schemeClr>
+            </a:lnRef>
+            <a:fillRef idx="1">
+              <a:schemeClr val="accent1"/>
+            </a:fillRef>
+            <a:effectRef idx="0">
+              <a:schemeClr val="accent1"/>
+            </a:effectRef>
+            <a:fontRef idx="minor">
+              <a:schemeClr val="lt1"/>
+            </a:fontRef>
+          </p:style>
+          <p:txBody>
+            <a:bodyPr rtlCol="0" anchor="ctr"/>
+            <a:lstStyle/>
+            <a:p>
+              <a:pPr marL="0" marR="0" indent="0" algn="ctr" defTabSz="685800" rtl="0" eaLnBrk="1" fontAlgn="auto" latinLnBrk="0" hangingPunct="1">
+                <a:lnSpc>
+                  <a:spcPct val="100000"/>
+                </a:lnSpc>
+                <a:spcBef>
+                  <a:spcPts val="0"/>
+                </a:spcBef>
+                <a:spcAft>
+                  <a:spcPts val="0"/>
+                </a:spcAft>
+                <a:buClrTx/>
+                <a:buSzTx/>
+                <a:buFontTx/>
+                <a:buNone/>
+                <a:tabLst/>
+              </a:pPr>
+              <a:r>
+                <a:rPr kumimoji="0" lang="en-US" sz="1000" b="0" i="0" u="none" strike="noStrike" kern="1200" cap="none" spc="0" normalizeH="0" baseline="0" noProof="0" dirty="0">
+                  <a:ln>
+                    <a:noFill/>
+                  </a:ln>
+                  <a:solidFill>
+                    <a:schemeClr val="tx1"/>
+                  </a:solidFill>
+                  <a:effectLst/>
+                  <a:uLnTx/>
+                  <a:uFillTx/>
+                  <a:latin typeface="Arial"/>
+                  <a:ea typeface="+mn-ea"/>
+                  <a:cs typeface="+mn-cs"/>
+                </a:rPr>
+                <a:t>task</a:t>
+              </a:r>
+              <a:endParaRPr kumimoji="0" sz="1000" b="0" i="0" u="none" strike="noStrike" kern="1200" cap="none" spc="0" normalizeH="0" baseline="0" noProof="0" dirty="0">
+                <a:ln>
+                  <a:noFill/>
+                </a:ln>
+                <a:solidFill>
+                  <a:schemeClr val="tx1"/>
+                </a:solidFill>
+                <a:effectLst/>
+                <a:uLnTx/>
+                <a:uFillTx/>
+                <a:latin typeface="Arial"/>
+                <a:ea typeface="+mn-ea"/>
+                <a:cs typeface="+mn-cs"/>
+              </a:endParaRPr>
+            </a:p>
+          </p:txBody>
+        </p:sp>
+      </p:grpSp>
+      <p:grpSp>
+        <p:nvGrpSpPr>
+          <p:cNvPr id="106" name="Group 105">
+            <a:extLst>
+              <a:ext uri="{FF2B5EF4-FFF2-40B4-BE49-F238E27FC236}">
+                <a16:creationId xmlns:a16="http://schemas.microsoft.com/office/drawing/2014/main" id="{924538C8-0EBE-E64D-B8DB-A065E3C65681}"/>
+              </a:ext>
+            </a:extLst>
+          </p:cNvPr>
+          <p:cNvGrpSpPr/>
+          <p:nvPr/>
+        </p:nvGrpSpPr>
+        <p:grpSpPr>
+          <a:xfrm>
+            <a:off x="3890794" y="2219391"/>
+            <a:ext cx="792941" cy="876562"/>
+            <a:chOff x="2003648" y="2195219"/>
+            <a:chExt cx="792941" cy="876562"/>
+          </a:xfrm>
+        </p:grpSpPr>
+        <p:sp>
+          <p:nvSpPr>
+            <p:cNvPr id="107" name="Rectangle 106">
+              <a:extLst>
+                <a:ext uri="{FF2B5EF4-FFF2-40B4-BE49-F238E27FC236}">
+                  <a16:creationId xmlns:a16="http://schemas.microsoft.com/office/drawing/2014/main" id="{82188753-3041-A345-AE0F-385C0728F918}"/>
+                </a:ext>
+              </a:extLst>
+            </p:cNvPr>
+            <p:cNvSpPr/>
+            <p:nvPr/>
+          </p:nvSpPr>
+          <p:spPr>
+            <a:xfrm>
+              <a:off x="2008040" y="2195219"/>
+              <a:ext cx="788549" cy="167900"/>
+            </a:xfrm>
+            <a:prstGeom prst="rect">
+              <a:avLst/>
+            </a:prstGeom>
+            <a:solidFill>
+              <a:schemeClr val="bg1">
+                <a:alpha val="73000"/>
+              </a:schemeClr>
+            </a:solidFill>
+            <a:ln>
+              <a:noFill/>
+            </a:ln>
+          </p:spPr>
+          <p:style>
+            <a:lnRef idx="2">
+              <a:schemeClr val="accent1">
+                <a:shade val="50000"/>
+              </a:schemeClr>
+            </a:lnRef>
+            <a:fillRef idx="1">
+              <a:schemeClr val="accent1"/>
+            </a:fillRef>
+            <a:effectRef idx="0">
+              <a:schemeClr val="accent1"/>
+            </a:effectRef>
+            <a:fontRef idx="minor">
+              <a:schemeClr val="lt1"/>
+            </a:fontRef>
+          </p:style>
+          <p:txBody>
+            <a:bodyPr rtlCol="0" anchor="ctr"/>
+            <a:lstStyle/>
+            <a:p>
+              <a:pPr marL="0" marR="0" indent="0" algn="ctr" defTabSz="685800" rtl="0" eaLnBrk="1" fontAlgn="auto" latinLnBrk="0" hangingPunct="1">
+                <a:lnSpc>
+                  <a:spcPct val="100000"/>
+                </a:lnSpc>
+                <a:spcBef>
+                  <a:spcPts val="0"/>
+                </a:spcBef>
+                <a:spcAft>
+                  <a:spcPts val="0"/>
+                </a:spcAft>
+                <a:buClrTx/>
+                <a:buSzTx/>
+                <a:buFontTx/>
+                <a:buNone/>
+                <a:tabLst/>
+              </a:pPr>
+              <a:r>
+                <a:rPr kumimoji="0" lang="en-US" sz="1000" b="0" i="0" u="none" strike="noStrike" kern="1200" cap="none" spc="0" normalizeH="0" baseline="0" noProof="0" dirty="0">
+                  <a:ln>
+                    <a:noFill/>
+                  </a:ln>
+                  <a:solidFill>
+                    <a:schemeClr val="tx1"/>
+                  </a:solidFill>
+                  <a:effectLst/>
+                  <a:uLnTx/>
+                  <a:uFillTx/>
+                  <a:latin typeface="Arial"/>
+                  <a:ea typeface="+mn-ea"/>
+                  <a:cs typeface="+mn-cs"/>
+                </a:rPr>
+                <a:t>task</a:t>
+              </a:r>
+              <a:endParaRPr kumimoji="0" sz="1000" b="0" i="0" u="none" strike="noStrike" kern="1200" cap="none" spc="0" normalizeH="0" baseline="0" noProof="0" dirty="0">
+                <a:ln>
+                  <a:noFill/>
+                </a:ln>
+                <a:solidFill>
+                  <a:schemeClr val="tx1"/>
+                </a:solidFill>
+                <a:effectLst/>
+                <a:uLnTx/>
+                <a:uFillTx/>
+                <a:latin typeface="Arial"/>
+                <a:ea typeface="+mn-ea"/>
+                <a:cs typeface="+mn-cs"/>
+              </a:endParaRPr>
+            </a:p>
+          </p:txBody>
+        </p:sp>
+        <p:sp>
+          <p:nvSpPr>
+            <p:cNvPr id="108" name="Rectangle 107">
+              <a:extLst>
+                <a:ext uri="{FF2B5EF4-FFF2-40B4-BE49-F238E27FC236}">
+                  <a16:creationId xmlns:a16="http://schemas.microsoft.com/office/drawing/2014/main" id="{9353D3C4-A068-3447-8A1A-6204AF580D2F}"/>
+                </a:ext>
+              </a:extLst>
+            </p:cNvPr>
+            <p:cNvSpPr/>
+            <p:nvPr/>
+          </p:nvSpPr>
+          <p:spPr>
+            <a:xfrm>
+              <a:off x="2003649" y="2569122"/>
+              <a:ext cx="788549" cy="167900"/>
+            </a:xfrm>
+            <a:prstGeom prst="rect">
+              <a:avLst/>
+            </a:prstGeom>
+            <a:solidFill>
+              <a:schemeClr val="bg1">
+                <a:alpha val="73000"/>
+              </a:schemeClr>
+            </a:solidFill>
+            <a:ln>
+              <a:noFill/>
+            </a:ln>
+          </p:spPr>
+          <p:style>
+            <a:lnRef idx="2">
+              <a:schemeClr val="accent1">
+                <a:shade val="50000"/>
+              </a:schemeClr>
+            </a:lnRef>
+            <a:fillRef idx="1">
+              <a:schemeClr val="accent1"/>
+            </a:fillRef>
+            <a:effectRef idx="0">
+              <a:schemeClr val="accent1"/>
+            </a:effectRef>
+            <a:fontRef idx="minor">
+              <a:schemeClr val="lt1"/>
+            </a:fontRef>
+          </p:style>
+          <p:txBody>
+            <a:bodyPr rtlCol="0" anchor="ctr"/>
+            <a:lstStyle/>
+            <a:p>
+              <a:pPr marL="0" marR="0" indent="0" algn="ctr" defTabSz="685800" rtl="0" eaLnBrk="1" fontAlgn="auto" latinLnBrk="0" hangingPunct="1">
+                <a:lnSpc>
+                  <a:spcPct val="100000"/>
+                </a:lnSpc>
+                <a:spcBef>
+                  <a:spcPts val="0"/>
+                </a:spcBef>
+                <a:spcAft>
+                  <a:spcPts val="0"/>
+                </a:spcAft>
+                <a:buClrTx/>
+                <a:buSzTx/>
+                <a:buFontTx/>
+                <a:buNone/>
+                <a:tabLst/>
+              </a:pPr>
+              <a:r>
+                <a:rPr kumimoji="0" lang="en-US" sz="1000" b="0" i="0" u="none" strike="noStrike" kern="1200" cap="none" spc="0" normalizeH="0" baseline="0" noProof="0" dirty="0">
+                  <a:ln>
+                    <a:noFill/>
+                  </a:ln>
+                  <a:solidFill>
+                    <a:schemeClr val="tx1"/>
+                  </a:solidFill>
+                  <a:effectLst/>
+                  <a:uLnTx/>
+                  <a:uFillTx/>
+                  <a:latin typeface="Arial"/>
+                  <a:ea typeface="+mn-ea"/>
+                  <a:cs typeface="+mn-cs"/>
+                </a:rPr>
+                <a:t>task</a:t>
+              </a:r>
+              <a:endParaRPr kumimoji="0" sz="1000" b="0" i="0" u="none" strike="noStrike" kern="1200" cap="none" spc="0" normalizeH="0" baseline="0" noProof="0" dirty="0">
+                <a:ln>
+                  <a:noFill/>
+                </a:ln>
+                <a:solidFill>
+                  <a:schemeClr val="tx1"/>
+                </a:solidFill>
+                <a:effectLst/>
+                <a:uLnTx/>
+                <a:uFillTx/>
+                <a:latin typeface="Arial"/>
+                <a:ea typeface="+mn-ea"/>
+                <a:cs typeface="+mn-cs"/>
+              </a:endParaRPr>
+            </a:p>
+          </p:txBody>
+        </p:sp>
+        <p:sp>
+          <p:nvSpPr>
+            <p:cNvPr id="109" name="Rectangle 108">
+              <a:extLst>
+                <a:ext uri="{FF2B5EF4-FFF2-40B4-BE49-F238E27FC236}">
+                  <a16:creationId xmlns:a16="http://schemas.microsoft.com/office/drawing/2014/main" id="{1FE20556-04FA-E540-813F-550B3858EE78}"/>
+                </a:ext>
+              </a:extLst>
+            </p:cNvPr>
+            <p:cNvSpPr/>
+            <p:nvPr/>
+          </p:nvSpPr>
+          <p:spPr>
+            <a:xfrm>
+              <a:off x="2003648" y="2903881"/>
+              <a:ext cx="788549" cy="167900"/>
+            </a:xfrm>
+            <a:prstGeom prst="rect">
+              <a:avLst/>
+            </a:prstGeom>
+            <a:solidFill>
+              <a:schemeClr val="bg1">
+                <a:alpha val="73000"/>
+              </a:schemeClr>
+            </a:solidFill>
+            <a:ln>
+              <a:noFill/>
+            </a:ln>
+          </p:spPr>
+          <p:style>
+            <a:lnRef idx="2">
+              <a:schemeClr val="accent1">
+                <a:shade val="50000"/>
+              </a:schemeClr>
+            </a:lnRef>
+            <a:fillRef idx="1">
+              <a:schemeClr val="accent1"/>
+            </a:fillRef>
+            <a:effectRef idx="0">
+              <a:schemeClr val="accent1"/>
+            </a:effectRef>
+            <a:fontRef idx="minor">
+              <a:schemeClr val="lt1"/>
+            </a:fontRef>
+          </p:style>
+          <p:txBody>
+            <a:bodyPr rtlCol="0" anchor="ctr"/>
+            <a:lstStyle/>
+            <a:p>
+              <a:pPr marL="0" marR="0" indent="0" algn="ctr" defTabSz="685800" rtl="0" eaLnBrk="1" fontAlgn="auto" latinLnBrk="0" hangingPunct="1">
+                <a:lnSpc>
+                  <a:spcPct val="100000"/>
+                </a:lnSpc>
+                <a:spcBef>
+                  <a:spcPts val="0"/>
+                </a:spcBef>
+                <a:spcAft>
+                  <a:spcPts val="0"/>
+                </a:spcAft>
+                <a:buClrTx/>
+                <a:buSzTx/>
+                <a:buFontTx/>
+                <a:buNone/>
+                <a:tabLst/>
+              </a:pPr>
+              <a:r>
+                <a:rPr kumimoji="0" lang="en-US" sz="1000" b="0" i="0" u="none" strike="noStrike" kern="1200" cap="none" spc="0" normalizeH="0" baseline="0" noProof="0" dirty="0">
+                  <a:ln>
+                    <a:noFill/>
+                  </a:ln>
+                  <a:solidFill>
+                    <a:schemeClr val="tx1"/>
+                  </a:solidFill>
+                  <a:effectLst/>
+                  <a:uLnTx/>
+                  <a:uFillTx/>
+                  <a:latin typeface="Arial"/>
+                  <a:ea typeface="+mn-ea"/>
+                  <a:cs typeface="+mn-cs"/>
+                </a:rPr>
+                <a:t>task</a:t>
+              </a:r>
+              <a:endParaRPr kumimoji="0" sz="1000" b="0" i="0" u="none" strike="noStrike" kern="1200" cap="none" spc="0" normalizeH="0" baseline="0" noProof="0" dirty="0">
+                <a:ln>
+                  <a:noFill/>
+                </a:ln>
+                <a:solidFill>
+                  <a:schemeClr val="tx1"/>
+                </a:solidFill>
+                <a:effectLst/>
+                <a:uLnTx/>
+                <a:uFillTx/>
+                <a:latin typeface="Arial"/>
+                <a:ea typeface="+mn-ea"/>
+                <a:cs typeface="+mn-cs"/>
+              </a:endParaRPr>
+            </a:p>
+          </p:txBody>
+        </p:sp>
+      </p:grpSp>
+      <p:grpSp>
+        <p:nvGrpSpPr>
+          <p:cNvPr id="110" name="Group 109">
+            <a:extLst>
+              <a:ext uri="{FF2B5EF4-FFF2-40B4-BE49-F238E27FC236}">
+                <a16:creationId xmlns:a16="http://schemas.microsoft.com/office/drawing/2014/main" id="{0BF64937-BAE6-014A-BC80-C747FA9F6FDB}"/>
+              </a:ext>
+            </a:extLst>
+          </p:cNvPr>
+          <p:cNvGrpSpPr/>
+          <p:nvPr/>
+        </p:nvGrpSpPr>
+        <p:grpSpPr>
+          <a:xfrm>
+            <a:off x="5813807" y="2219391"/>
+            <a:ext cx="792941" cy="876562"/>
+            <a:chOff x="2003648" y="2195219"/>
+            <a:chExt cx="792941" cy="876562"/>
+          </a:xfrm>
+        </p:grpSpPr>
+        <p:sp>
+          <p:nvSpPr>
+            <p:cNvPr id="111" name="Rectangle 110">
+              <a:extLst>
+                <a:ext uri="{FF2B5EF4-FFF2-40B4-BE49-F238E27FC236}">
+                  <a16:creationId xmlns:a16="http://schemas.microsoft.com/office/drawing/2014/main" id="{3581295B-9796-BB44-B5E3-ABF7AF65CAC1}"/>
+                </a:ext>
+              </a:extLst>
+            </p:cNvPr>
+            <p:cNvSpPr/>
+            <p:nvPr/>
+          </p:nvSpPr>
+          <p:spPr>
+            <a:xfrm>
+              <a:off x="2008040" y="2195219"/>
+              <a:ext cx="788549" cy="167900"/>
+            </a:xfrm>
+            <a:prstGeom prst="rect">
+              <a:avLst/>
+            </a:prstGeom>
+            <a:solidFill>
+              <a:schemeClr val="bg1">
+                <a:alpha val="73000"/>
+              </a:schemeClr>
+            </a:solidFill>
+            <a:ln>
+              <a:noFill/>
+            </a:ln>
+          </p:spPr>
+          <p:style>
+            <a:lnRef idx="2">
+              <a:schemeClr val="accent1">
+                <a:shade val="50000"/>
+              </a:schemeClr>
+            </a:lnRef>
+            <a:fillRef idx="1">
+              <a:schemeClr val="accent1"/>
+            </a:fillRef>
+            <a:effectRef idx="0">
+              <a:schemeClr val="accent1"/>
+            </a:effectRef>
+            <a:fontRef idx="minor">
+              <a:schemeClr val="lt1"/>
+            </a:fontRef>
+          </p:style>
+          <p:txBody>
+            <a:bodyPr rtlCol="0" anchor="ctr"/>
+            <a:lstStyle/>
+            <a:p>
+              <a:pPr marL="0" marR="0" indent="0" algn="ctr" defTabSz="685800" rtl="0" eaLnBrk="1" fontAlgn="auto" latinLnBrk="0" hangingPunct="1">
+                <a:lnSpc>
+                  <a:spcPct val="100000"/>
+                </a:lnSpc>
+                <a:spcBef>
+                  <a:spcPts val="0"/>
+                </a:spcBef>
+                <a:spcAft>
+                  <a:spcPts val="0"/>
+                </a:spcAft>
+                <a:buClrTx/>
+                <a:buSzTx/>
+                <a:buFontTx/>
+                <a:buNone/>
+                <a:tabLst/>
+              </a:pPr>
+              <a:r>
+                <a:rPr kumimoji="0" lang="en-US" sz="1000" b="0" i="0" u="none" strike="noStrike" kern="1200" cap="none" spc="0" normalizeH="0" baseline="0" noProof="0" dirty="0">
+                  <a:ln>
+                    <a:noFill/>
+                  </a:ln>
+                  <a:solidFill>
+                    <a:schemeClr val="tx1"/>
+                  </a:solidFill>
+                  <a:effectLst/>
+                  <a:uLnTx/>
+                  <a:uFillTx/>
+                  <a:latin typeface="Arial"/>
+                  <a:ea typeface="+mn-ea"/>
+                  <a:cs typeface="+mn-cs"/>
+                </a:rPr>
+                <a:t>task</a:t>
+              </a:r>
+              <a:endParaRPr kumimoji="0" sz="1000" b="0" i="0" u="none" strike="noStrike" kern="1200" cap="none" spc="0" normalizeH="0" baseline="0" noProof="0" dirty="0">
+                <a:ln>
+                  <a:noFill/>
+                </a:ln>
+                <a:solidFill>
+                  <a:schemeClr val="tx1"/>
+                </a:solidFill>
+                <a:effectLst/>
+                <a:uLnTx/>
+                <a:uFillTx/>
+                <a:latin typeface="Arial"/>
+                <a:ea typeface="+mn-ea"/>
+                <a:cs typeface="+mn-cs"/>
+              </a:endParaRPr>
+            </a:p>
+          </p:txBody>
+        </p:sp>
+        <p:sp>
+          <p:nvSpPr>
+            <p:cNvPr id="112" name="Rectangle 111">
+              <a:extLst>
+                <a:ext uri="{FF2B5EF4-FFF2-40B4-BE49-F238E27FC236}">
+                  <a16:creationId xmlns:a16="http://schemas.microsoft.com/office/drawing/2014/main" id="{10CCB27C-7EB9-6644-AFF7-68118B795BA4}"/>
+                </a:ext>
+              </a:extLst>
+            </p:cNvPr>
+            <p:cNvSpPr/>
+            <p:nvPr/>
+          </p:nvSpPr>
+          <p:spPr>
+            <a:xfrm>
+              <a:off x="2003649" y="2569122"/>
+              <a:ext cx="788549" cy="167900"/>
+            </a:xfrm>
+            <a:prstGeom prst="rect">
+              <a:avLst/>
+            </a:prstGeom>
+            <a:solidFill>
+              <a:schemeClr val="bg1">
+                <a:alpha val="73000"/>
+              </a:schemeClr>
+            </a:solidFill>
+            <a:ln>
+              <a:noFill/>
+            </a:ln>
+          </p:spPr>
+          <p:style>
+            <a:lnRef idx="2">
+              <a:schemeClr val="accent1">
+                <a:shade val="50000"/>
+              </a:schemeClr>
+            </a:lnRef>
+            <a:fillRef idx="1">
+              <a:schemeClr val="accent1"/>
+            </a:fillRef>
+            <a:effectRef idx="0">
+              <a:schemeClr val="accent1"/>
+            </a:effectRef>
+            <a:fontRef idx="minor">
+              <a:schemeClr val="lt1"/>
+            </a:fontRef>
+          </p:style>
+          <p:txBody>
+            <a:bodyPr rtlCol="0" anchor="ctr"/>
+            <a:lstStyle/>
+            <a:p>
+              <a:pPr marL="0" marR="0" indent="0" algn="ctr" defTabSz="685800" rtl="0" eaLnBrk="1" fontAlgn="auto" latinLnBrk="0" hangingPunct="1">
+                <a:lnSpc>
+                  <a:spcPct val="100000"/>
+                </a:lnSpc>
+                <a:spcBef>
+                  <a:spcPts val="0"/>
+                </a:spcBef>
+                <a:spcAft>
+                  <a:spcPts val="0"/>
+                </a:spcAft>
+                <a:buClrTx/>
+                <a:buSzTx/>
+                <a:buFontTx/>
+                <a:buNone/>
+                <a:tabLst/>
+              </a:pPr>
+              <a:r>
+                <a:rPr kumimoji="0" lang="en-US" sz="1000" b="0" i="0" u="none" strike="noStrike" kern="1200" cap="none" spc="0" normalizeH="0" baseline="0" noProof="0" dirty="0">
+                  <a:ln>
+                    <a:noFill/>
+                  </a:ln>
+                  <a:solidFill>
+                    <a:schemeClr val="tx1"/>
+                  </a:solidFill>
+                  <a:effectLst/>
+                  <a:uLnTx/>
+                  <a:uFillTx/>
+                  <a:latin typeface="Arial"/>
+                  <a:ea typeface="+mn-ea"/>
+                  <a:cs typeface="+mn-cs"/>
+                </a:rPr>
+                <a:t>task</a:t>
+              </a:r>
+              <a:endParaRPr kumimoji="0" sz="1000" b="0" i="0" u="none" strike="noStrike" kern="1200" cap="none" spc="0" normalizeH="0" baseline="0" noProof="0" dirty="0">
+                <a:ln>
+                  <a:noFill/>
+                </a:ln>
+                <a:solidFill>
+                  <a:schemeClr val="tx1"/>
+                </a:solidFill>
+                <a:effectLst/>
+                <a:uLnTx/>
+                <a:uFillTx/>
+                <a:latin typeface="Arial"/>
+                <a:ea typeface="+mn-ea"/>
+                <a:cs typeface="+mn-cs"/>
+              </a:endParaRPr>
+            </a:p>
+          </p:txBody>
+        </p:sp>
+        <p:sp>
+          <p:nvSpPr>
+            <p:cNvPr id="113" name="Rectangle 112">
+              <a:extLst>
+                <a:ext uri="{FF2B5EF4-FFF2-40B4-BE49-F238E27FC236}">
+                  <a16:creationId xmlns:a16="http://schemas.microsoft.com/office/drawing/2014/main" id="{69E7C2D1-973F-D24D-A658-4F9B018D0047}"/>
+                </a:ext>
+              </a:extLst>
+            </p:cNvPr>
+            <p:cNvSpPr/>
+            <p:nvPr/>
+          </p:nvSpPr>
+          <p:spPr>
+            <a:xfrm>
+              <a:off x="2003648" y="2903881"/>
+              <a:ext cx="788549" cy="167900"/>
+            </a:xfrm>
+            <a:prstGeom prst="rect">
+              <a:avLst/>
+            </a:prstGeom>
+            <a:solidFill>
+              <a:schemeClr val="bg1">
+                <a:alpha val="73000"/>
+              </a:schemeClr>
+            </a:solidFill>
+            <a:ln>
+              <a:noFill/>
+            </a:ln>
+          </p:spPr>
+          <p:style>
+            <a:lnRef idx="2">
+              <a:schemeClr val="accent1">
+                <a:shade val="50000"/>
+              </a:schemeClr>
+            </a:lnRef>
+            <a:fillRef idx="1">
+              <a:schemeClr val="accent1"/>
+            </a:fillRef>
+            <a:effectRef idx="0">
+              <a:schemeClr val="accent1"/>
+            </a:effectRef>
+            <a:fontRef idx="minor">
+              <a:schemeClr val="lt1"/>
+            </a:fontRef>
+          </p:style>
+          <p:txBody>
+            <a:bodyPr rtlCol="0" anchor="ctr"/>
+            <a:lstStyle/>
+            <a:p>
+              <a:pPr marL="0" marR="0" indent="0" algn="ctr" defTabSz="685800" rtl="0" eaLnBrk="1" fontAlgn="auto" latinLnBrk="0" hangingPunct="1">
+                <a:lnSpc>
+                  <a:spcPct val="100000"/>
+                </a:lnSpc>
+                <a:spcBef>
+                  <a:spcPts val="0"/>
+                </a:spcBef>
+                <a:spcAft>
+                  <a:spcPts val="0"/>
+                </a:spcAft>
+                <a:buClrTx/>
+                <a:buSzTx/>
+                <a:buFontTx/>
+                <a:buNone/>
+                <a:tabLst/>
+              </a:pPr>
+              <a:r>
+                <a:rPr kumimoji="0" lang="en-US" sz="1000" b="0" i="0" u="none" strike="noStrike" kern="1200" cap="none" spc="0" normalizeH="0" baseline="0" noProof="0" dirty="0">
+                  <a:ln>
+                    <a:noFill/>
+                  </a:ln>
+                  <a:solidFill>
+                    <a:schemeClr val="tx1"/>
+                  </a:solidFill>
+                  <a:effectLst/>
+                  <a:uLnTx/>
+                  <a:uFillTx/>
+                  <a:latin typeface="Arial"/>
+                  <a:ea typeface="+mn-ea"/>
+                  <a:cs typeface="+mn-cs"/>
+                </a:rPr>
+                <a:t>task</a:t>
+              </a:r>
+              <a:endParaRPr kumimoji="0" sz="1000" b="0" i="0" u="none" strike="noStrike" kern="1200" cap="none" spc="0" normalizeH="0" baseline="0" noProof="0" dirty="0">
+                <a:ln>
+                  <a:noFill/>
+                </a:ln>
+                <a:solidFill>
+                  <a:schemeClr val="tx1"/>
+                </a:solidFill>
+                <a:effectLst/>
+                <a:uLnTx/>
+                <a:uFillTx/>
+                <a:latin typeface="Arial"/>
+                <a:ea typeface="+mn-ea"/>
+                <a:cs typeface="+mn-cs"/>
+              </a:endParaRPr>
+            </a:p>
+          </p:txBody>
+        </p:sp>
+      </p:grpSp>
+      <p:cxnSp>
+        <p:nvCxnSpPr>
+          <p:cNvPr id="115" name="Curved Connector 114">
+            <a:extLst>
+              <a:ext uri="{FF2B5EF4-FFF2-40B4-BE49-F238E27FC236}">
+                <a16:creationId xmlns:a16="http://schemas.microsoft.com/office/drawing/2014/main" id="{24037A5C-3F7D-CC49-9FB6-280F554B3076}"/>
+              </a:ext>
+            </a:extLst>
+          </p:cNvPr>
+          <p:cNvCxnSpPr>
+            <a:cxnSpLocks/>
+            <a:stCxn id="10" idx="3"/>
+            <a:endCxn id="12" idx="0"/>
+          </p:cNvCxnSpPr>
+          <p:nvPr/>
+        </p:nvCxnSpPr>
+        <p:spPr>
+          <a:xfrm>
+            <a:off x="843458" y="1361445"/>
+            <a:ext cx="323925" cy="848879"/>
+          </a:xfrm>
+          <a:prstGeom prst="curvedConnector2">
+            <a:avLst/>
+          </a:prstGeom>
+          <a:ln w="12700">
+            <a:solidFill>
+              <a:schemeClr val="accent6"/>
+            </a:solidFill>
+            <a:tailEnd type="triangle"/>
+          </a:ln>
+          <a:effectLst/>
+        </p:spPr>
+        <p:style>
+          <a:lnRef idx="2">
+            <a:schemeClr val="accent1"/>
+          </a:lnRef>
+          <a:fillRef idx="0">
+            <a:schemeClr val="accent1"/>
+          </a:fillRef>
+          <a:effectRef idx="1">
+            <a:schemeClr val="accent1"/>
+          </a:effectRef>
+          <a:fontRef idx="minor">
+            <a:schemeClr val="tx1"/>
+          </a:fontRef>
+        </p:style>
+      </p:cxnSp>
+      <p:cxnSp>
+        <p:nvCxnSpPr>
+          <p:cNvPr id="117" name="Curved Connector 116">
+            <a:extLst>
+              <a:ext uri="{FF2B5EF4-FFF2-40B4-BE49-F238E27FC236}">
+                <a16:creationId xmlns:a16="http://schemas.microsoft.com/office/drawing/2014/main" id="{3071593B-1DB0-0A4D-A6E4-1DAFF9CE4C35}"/>
+              </a:ext>
+            </a:extLst>
+          </p:cNvPr>
+          <p:cNvCxnSpPr>
+            <a:cxnSpLocks/>
+            <a:stCxn id="96" idx="3"/>
+            <a:endCxn id="98" idx="1"/>
+          </p:cNvCxnSpPr>
+          <p:nvPr/>
+        </p:nvCxnSpPr>
+        <p:spPr>
+          <a:xfrm flipV="1">
+            <a:off x="7347494" y="2650220"/>
+            <a:ext cx="481831" cy="322507"/>
+          </a:xfrm>
+          <a:prstGeom prst="curvedConnector3">
+            <a:avLst>
+              <a:gd name="adj1" fmla="val 50000"/>
+            </a:avLst>
+          </a:prstGeom>
+          <a:ln w="12700">
+            <a:solidFill>
+              <a:schemeClr val="accent6"/>
+            </a:solidFill>
+            <a:tailEnd type="triangle"/>
+          </a:ln>
+          <a:effectLst/>
+        </p:spPr>
+        <p:style>
+          <a:lnRef idx="2">
+            <a:schemeClr val="accent1"/>
+          </a:lnRef>
+          <a:fillRef idx="0">
+            <a:schemeClr val="accent1"/>
+          </a:fillRef>
+          <a:effectRef idx="1">
+            <a:schemeClr val="accent1"/>
+          </a:effectRef>
+          <a:fontRef idx="minor">
+            <a:schemeClr val="tx1"/>
+          </a:fontRef>
+        </p:style>
+      </p:cxnSp>
+      <p:sp>
+        <p:nvSpPr>
+          <p:cNvPr id="122" name="TextBox 121">
+            <a:extLst>
+              <a:ext uri="{FF2B5EF4-FFF2-40B4-BE49-F238E27FC236}">
+                <a16:creationId xmlns:a16="http://schemas.microsoft.com/office/drawing/2014/main" id="{00EAF3E1-A132-544C-B61A-25391B58A970}"/>
+              </a:ext>
+            </a:extLst>
+          </p:cNvPr>
+          <p:cNvSpPr txBox="1"/>
+          <p:nvPr/>
+        </p:nvSpPr>
+        <p:spPr>
+          <a:xfrm>
+            <a:off x="6762873" y="3143842"/>
+            <a:ext cx="780983" cy="246221"/>
+          </a:xfrm>
+          <a:prstGeom prst="rect">
+            <a:avLst/>
+          </a:prstGeom>
+          <a:noFill/>
+        </p:spPr>
+        <p:txBody>
+          <a:bodyPr wrap="none" rtlCol="0">
+            <a:spAutoFit/>
+          </a:bodyPr>
+          <a:lstStyle/>
+          <a:p>
+            <a:r>
+              <a:rPr lang="en-US" sz="1000" dirty="0"/>
+              <a:t>last record</a:t>
+            </a:r>
+            <a:endParaRPr sz="1000" dirty="0"/>
+          </a:p>
+        </p:txBody>
+      </p:sp>
+      <p:sp>
+        <p:nvSpPr>
+          <p:cNvPr id="124" name="Rounded Rectangle 123">
+            <a:extLst>
+              <a:ext uri="{FF2B5EF4-FFF2-40B4-BE49-F238E27FC236}">
+                <a16:creationId xmlns:a16="http://schemas.microsoft.com/office/drawing/2014/main" id="{1BC35EE7-56AA-4E49-A6E4-D24161C7855F}"/>
+              </a:ext>
+            </a:extLst>
+          </p:cNvPr>
+          <p:cNvSpPr/>
+          <p:nvPr/>
+        </p:nvSpPr>
+        <p:spPr>
+          <a:xfrm>
+            <a:off x="149558" y="2209346"/>
+            <a:ext cx="652400" cy="295845"/>
+          </a:xfrm>
+          <a:prstGeom prst="roundRect">
+            <a:avLst/>
+          </a:prstGeom>
+          <a:solidFill>
+            <a:schemeClr val="accent2">
+              <a:lumMod val="75000"/>
+            </a:schemeClr>
+          </a:solidFill>
+          <a:ln>
+            <a:noFill/>
+          </a:ln>
+          <a:effectLst>
+            <a:outerShdw blurRad="50800" dist="38100" dir="5400000" algn="t" rotWithShape="0">
+              <a:prstClr val="black">
+                <a:alpha val="40000"/>
+              </a:prstClr>
+            </a:outerShdw>
+          </a:effectLst>
+        </p:spPr>
+        <p:style>
+          <a:lnRef idx="2">
+            <a:schemeClr val="accent1">
+              <a:shade val="50000"/>
+            </a:schemeClr>
+          </a:lnRef>
+          <a:fillRef idx="1">
+            <a:schemeClr val="accent1"/>
+          </a:fillRef>
+          <a:effectRef idx="0">
+            <a:schemeClr val="accent1"/>
+          </a:effectRef>
+          <a:fontRef idx="minor">
+            <a:schemeClr val="lt1"/>
+          </a:fontRef>
+        </p:style>
+        <p:txBody>
+          <a:bodyPr rtlCol="0" anchor="t"/>
+          <a:lstStyle/>
+          <a:p>
+            <a:pPr algn="ctr" defTabSz="514350"/>
+            <a:r>
+              <a:rPr lang="en-US" sz="750" dirty="0">
+                <a:solidFill>
+                  <a:prstClr val="white"/>
+                </a:solidFill>
+                <a:latin typeface="Arial"/>
+              </a:rPr>
+              <a:t>Producer</a:t>
+            </a:r>
+          </a:p>
+        </p:txBody>
+      </p:sp>
+      <p:sp>
+        <p:nvSpPr>
+          <p:cNvPr id="125" name="TextBox 124">
+            <a:extLst>
+              <a:ext uri="{FF2B5EF4-FFF2-40B4-BE49-F238E27FC236}">
+                <a16:creationId xmlns:a16="http://schemas.microsoft.com/office/drawing/2014/main" id="{762E4AAB-C2D4-2C45-800E-28465CEEC370}"/>
+              </a:ext>
+            </a:extLst>
+          </p:cNvPr>
+          <p:cNvSpPr txBox="1"/>
+          <p:nvPr/>
+        </p:nvSpPr>
+        <p:spPr>
+          <a:xfrm>
+            <a:off x="6744969" y="1483276"/>
+            <a:ext cx="1462260" cy="400110"/>
+          </a:xfrm>
+          <a:prstGeom prst="rect">
+            <a:avLst/>
+          </a:prstGeom>
+          <a:noFill/>
+        </p:spPr>
+        <p:txBody>
+          <a:bodyPr wrap="none" rtlCol="0">
+            <a:spAutoFit/>
+          </a:bodyPr>
+          <a:lstStyle/>
+          <a:p>
+            <a:r>
+              <a:rPr lang="en-US" sz="1000" dirty="0"/>
+              <a:t>topic-out</a:t>
+            </a:r>
+          </a:p>
+          <a:p>
+            <a:r>
+              <a:rPr lang="en-US" sz="1000" dirty="0"/>
+              <a:t>log-append-time (TS3)</a:t>
+            </a:r>
+            <a:endParaRPr sz="1000" dirty="0"/>
+          </a:p>
+        </p:txBody>
+      </p:sp>
+      <p:sp>
+        <p:nvSpPr>
+          <p:cNvPr id="126" name="TextBox 125">
+            <a:extLst>
+              <a:ext uri="{FF2B5EF4-FFF2-40B4-BE49-F238E27FC236}">
+                <a16:creationId xmlns:a16="http://schemas.microsoft.com/office/drawing/2014/main" id="{A5F9CAAE-7E40-2946-A972-C89504C7C85C}"/>
+              </a:ext>
+            </a:extLst>
+          </p:cNvPr>
+          <p:cNvSpPr txBox="1"/>
+          <p:nvPr/>
+        </p:nvSpPr>
+        <p:spPr>
+          <a:xfrm>
+            <a:off x="173837" y="3526383"/>
+            <a:ext cx="1887055" cy="707886"/>
+          </a:xfrm>
+          <a:prstGeom prst="rect">
+            <a:avLst/>
+          </a:prstGeom>
+          <a:noFill/>
+        </p:spPr>
+        <p:txBody>
+          <a:bodyPr wrap="none" rtlCol="0">
+            <a:spAutoFit/>
+          </a:bodyPr>
+          <a:lstStyle/>
+          <a:p>
+            <a:r>
+              <a:rPr lang="en-US" sz="1000" dirty="0"/>
+              <a:t>key – value</a:t>
+            </a:r>
+          </a:p>
+          <a:p>
+            <a:r>
+              <a:rPr lang="en-US" sz="1000" dirty="0" err="1"/>
+              <a:t>KafkaRecord</a:t>
+            </a:r>
+            <a:endParaRPr lang="en-US" sz="1000" dirty="0"/>
+          </a:p>
+          <a:p>
+            <a:endParaRPr lang="en-US" sz="1000" dirty="0"/>
+          </a:p>
+          <a:p>
+            <a:r>
+              <a:rPr lang="en-US" sz="1000" dirty="0"/>
+              <a:t>creation time (TS1) in payload</a:t>
+            </a:r>
+          </a:p>
+        </p:txBody>
+      </p:sp>
+      <p:sp>
+        <p:nvSpPr>
+          <p:cNvPr id="127" name="TextBox 126">
+            <a:extLst>
+              <a:ext uri="{FF2B5EF4-FFF2-40B4-BE49-F238E27FC236}">
+                <a16:creationId xmlns:a16="http://schemas.microsoft.com/office/drawing/2014/main" id="{E7DFF07A-19E7-DA43-928E-D57AAC673574}"/>
+              </a:ext>
+            </a:extLst>
+          </p:cNvPr>
+          <p:cNvSpPr txBox="1"/>
+          <p:nvPr/>
+        </p:nvSpPr>
+        <p:spPr>
+          <a:xfrm>
+            <a:off x="7112948" y="3646419"/>
+            <a:ext cx="1622560" cy="246221"/>
+          </a:xfrm>
+          <a:prstGeom prst="rect">
+            <a:avLst/>
+          </a:prstGeom>
+          <a:noFill/>
+        </p:spPr>
+        <p:txBody>
+          <a:bodyPr wrap="none" rtlCol="0">
+            <a:spAutoFit/>
+          </a:bodyPr>
+          <a:lstStyle/>
+          <a:p>
+            <a:r>
+              <a:rPr lang="en-US" sz="1000" dirty="0"/>
+              <a:t>aggregate: min, max, avg</a:t>
+            </a:r>
+          </a:p>
+        </p:txBody>
+      </p:sp>
+      <p:sp>
+        <p:nvSpPr>
+          <p:cNvPr id="129" name="TextBox 128">
+            <a:extLst>
+              <a:ext uri="{FF2B5EF4-FFF2-40B4-BE49-F238E27FC236}">
+                <a16:creationId xmlns:a16="http://schemas.microsoft.com/office/drawing/2014/main" id="{41ED58C2-BDBA-804E-B400-559FB1A31F31}"/>
+              </a:ext>
+            </a:extLst>
+          </p:cNvPr>
+          <p:cNvSpPr txBox="1"/>
+          <p:nvPr/>
+        </p:nvSpPr>
+        <p:spPr>
+          <a:xfrm>
+            <a:off x="2977638" y="3409163"/>
+            <a:ext cx="2643672" cy="246221"/>
+          </a:xfrm>
+          <a:prstGeom prst="rect">
+            <a:avLst/>
+          </a:prstGeom>
+          <a:noFill/>
+        </p:spPr>
+        <p:txBody>
+          <a:bodyPr wrap="none" rtlCol="0">
+            <a:spAutoFit/>
+          </a:bodyPr>
+          <a:lstStyle/>
+          <a:p>
+            <a:r>
+              <a:rPr lang="en-US" sz="1000" dirty="0"/>
+              <a:t>key – value will change over the processing</a:t>
+            </a:r>
+            <a:endParaRPr sz="1000" dirty="0"/>
+          </a:p>
+        </p:txBody>
+      </p:sp>
+      <p:sp>
+        <p:nvSpPr>
+          <p:cNvPr id="131" name="TextBox 130">
+            <a:extLst>
+              <a:ext uri="{FF2B5EF4-FFF2-40B4-BE49-F238E27FC236}">
+                <a16:creationId xmlns:a16="http://schemas.microsoft.com/office/drawing/2014/main" id="{2776F754-99D3-B34A-B587-3A7015A7111D}"/>
+              </a:ext>
+            </a:extLst>
+          </p:cNvPr>
+          <p:cNvSpPr txBox="1"/>
+          <p:nvPr/>
+        </p:nvSpPr>
+        <p:spPr>
+          <a:xfrm>
+            <a:off x="7129690" y="3939203"/>
+            <a:ext cx="1430200" cy="246221"/>
+          </a:xfrm>
+          <a:prstGeom prst="rect">
+            <a:avLst/>
+          </a:prstGeom>
+          <a:noFill/>
+        </p:spPr>
+        <p:txBody>
+          <a:bodyPr wrap="none" rtlCol="0">
+            <a:spAutoFit/>
+          </a:bodyPr>
+          <a:lstStyle/>
+          <a:p>
+            <a:r>
+              <a:rPr lang="en-US" sz="1000" dirty="0"/>
+              <a:t>latency() = TS1 – TS3</a:t>
+            </a:r>
+            <a:endParaRPr sz="1000" dirty="0"/>
+          </a:p>
+        </p:txBody>
+      </p:sp>
+      <p:sp>
+        <p:nvSpPr>
+          <p:cNvPr id="120" name="TextBox 119">
+            <a:extLst>
+              <a:ext uri="{FF2B5EF4-FFF2-40B4-BE49-F238E27FC236}">
+                <a16:creationId xmlns:a16="http://schemas.microsoft.com/office/drawing/2014/main" id="{104899D4-6CF3-1F44-9490-1F46DE1AA14D}"/>
+              </a:ext>
+            </a:extLst>
+          </p:cNvPr>
+          <p:cNvSpPr txBox="1"/>
+          <p:nvPr/>
+        </p:nvSpPr>
+        <p:spPr>
+          <a:xfrm>
+            <a:off x="7796645" y="2261488"/>
+            <a:ext cx="489236" cy="246221"/>
+          </a:xfrm>
+          <a:prstGeom prst="rect">
+            <a:avLst/>
+          </a:prstGeom>
+          <a:noFill/>
+        </p:spPr>
+        <p:txBody>
+          <a:bodyPr wrap="none" rtlCol="0">
+            <a:spAutoFit/>
+          </a:bodyPr>
+          <a:lstStyle/>
+          <a:p>
+            <a:r>
+              <a:rPr lang="en-US" sz="1000" dirty="0"/>
+              <a:t>latest</a:t>
+            </a:r>
+            <a:endParaRPr sz="1000" dirty="0"/>
+          </a:p>
+        </p:txBody>
+      </p:sp>
+    </p:spTree>
+    <p:extLst>
+      <p:ext uri="{BB962C8B-B14F-4D97-AF65-F5344CB8AC3E}">
+        <p14:creationId xmlns:p14="http://schemas.microsoft.com/office/powerpoint/2010/main" val="4220382272"/>
+      </p:ext>
+    </p:extLst>
+  </p:cSld>
+  <p:clrMapOvr>
+    <a:masterClrMapping/>
+  </p:clrMapOvr>
+</p:sld>
+</file>
+
+<file path=ppt/slides/slide7.xml><?xml version="1.0" encoding="utf-8"?>
 <p:sld xmlns:a="http://schemas.openxmlformats.org/drawingml/2006/main" xmlns:r="http://schemas.openxmlformats.org/officeDocument/2006/relationships" xmlns:p="http://schemas.openxmlformats.org/presentationml/2006/main">
   <p:cSld>
     <p:spTree>
@@ -22631,7 +31314,7 @@
                 </a:solidFill>
               </a:rPr>
               <a:pPr/>
-              <a:t>6</a:t>
+              <a:t>7</a:t>
             </a:fld>
             <a:endParaRPr lang="en-US">
               <a:solidFill>

--- a/docs/diagrams.pptx
+++ b/docs/diagrams.pptx
@@ -6,19 +6,20 @@
     <p:sldMasterId id="2147483943" r:id="rId2"/>
   </p:sldMasterIdLst>
   <p:notesMasterIdLst>
-    <p:notesMasterId r:id="rId10"/>
+    <p:notesMasterId r:id="rId11"/>
   </p:notesMasterIdLst>
   <p:handoutMasterIdLst>
-    <p:handoutMasterId r:id="rId11"/>
+    <p:handoutMasterId r:id="rId12"/>
   </p:handoutMasterIdLst>
   <p:sldIdLst>
     <p:sldId id="141169019" r:id="rId3"/>
-    <p:sldId id="141169026" r:id="rId4"/>
-    <p:sldId id="141169025" r:id="rId5"/>
-    <p:sldId id="141169028" r:id="rId6"/>
-    <p:sldId id="141169029" r:id="rId7"/>
-    <p:sldId id="141169030" r:id="rId8"/>
-    <p:sldId id="141169027" r:id="rId9"/>
+    <p:sldId id="141169031" r:id="rId4"/>
+    <p:sldId id="141169026" r:id="rId5"/>
+    <p:sldId id="141169025" r:id="rId6"/>
+    <p:sldId id="141169028" r:id="rId7"/>
+    <p:sldId id="141169029" r:id="rId8"/>
+    <p:sldId id="141169030" r:id="rId9"/>
+    <p:sldId id="141169027" r:id="rId10"/>
   </p:sldIdLst>
   <p:sldSz cx="9144000" cy="5143500" type="screen16x9"/>
   <p:notesSz cx="6858000" cy="9144000"/>
@@ -221,7 +222,7 @@
           <a:p>
             <a:fld id="{43B1B1F9-D0CB-FF4D-BEE0-BED1F1FDA196}" type="datetimeFigureOut">
               <a:rPr lang="en-US" smtClean="0"/>
-              <a:t>5/14/20</a:t>
+              <a:t>5/15/20</a:t>
             </a:fld>
             <a:endParaRPr lang="en-US"/>
           </a:p>
@@ -386,7 +387,7 @@
           <a:p>
             <a:fld id="{26BE012A-D992-5D42-B86E-AA2BC0764EE1}" type="datetimeFigureOut">
               <a:rPr lang="en-US" smtClean="0"/>
-              <a:t>5/14/20</a:t>
+              <a:t>5/15/20</a:t>
             </a:fld>
             <a:endParaRPr lang="en-US"/>
           </a:p>
@@ -757,7 +758,7 @@
           <a:p>
             <a:fld id="{18D02FFD-07D4-5C4F-BD77-921008177348}" type="slidenum">
               <a:rPr lang="en-US" smtClean="0"/>
-              <a:t>3</a:t>
+              <a:t>4</a:t>
             </a:fld>
             <a:endParaRPr lang="en-US"/>
           </a:p>
@@ -880,7 +881,7 @@
           <a:p>
             <a:fld id="{18D02FFD-07D4-5C4F-BD77-921008177348}" type="slidenum">
               <a:rPr lang="en-US" smtClean="0"/>
-              <a:t>4</a:t>
+              <a:t>5</a:t>
             </a:fld>
             <a:endParaRPr lang="en-US"/>
           </a:p>
@@ -2889,14 +2890,14 @@
           </a:ln>
           <a:extLst>
             <a:ext uri="{909E8E84-426E-40dd-AFC4-6F175D3DCCD1}">
-              <a14:hiddenFill xmlns:a14="http://schemas.microsoft.com/office/drawing/2010/main" xmlns="">
+              <a14:hiddenFill xmlns="" xmlns:a14="http://schemas.microsoft.com/office/drawing/2010/main">
                 <a:solidFill>
                   <a:srgbClr val="FFFFFF"/>
                 </a:solidFill>
               </a14:hiddenFill>
             </a:ext>
             <a:ext uri="{91240B29-F687-4f45-9708-019B960494DF}">
-              <a14:hiddenLine xmlns:a14="http://schemas.microsoft.com/office/drawing/2010/main" xmlns="" w="9525">
+              <a14:hiddenLine xmlns="" xmlns:a14="http://schemas.microsoft.com/office/drawing/2010/main" w="9525">
                 <a:solidFill>
                   <a:srgbClr val="000000"/>
                 </a:solidFill>
@@ -2948,14 +2949,14 @@
           <a:effectLst/>
           <a:extLst>
             <a:ext uri="{909E8E84-426E-40dd-AFC4-6F175D3DCCD1}">
-              <a14:hiddenFill xmlns:a14="http://schemas.microsoft.com/office/drawing/2010/main" xmlns="">
+              <a14:hiddenFill xmlns="" xmlns:a14="http://schemas.microsoft.com/office/drawing/2010/main">
                 <a:solidFill>
                   <a:schemeClr val="accent1"/>
                 </a:solidFill>
               </a14:hiddenFill>
             </a:ext>
             <a:ext uri="{91240B29-F687-4f45-9708-019B960494DF}">
-              <a14:hiddenLine xmlns:a14="http://schemas.microsoft.com/office/drawing/2010/main" xmlns="" w="9525">
+              <a14:hiddenLine xmlns="" xmlns:a14="http://schemas.microsoft.com/office/drawing/2010/main" w="9525">
                 <a:solidFill>
                   <a:schemeClr val="tx1"/>
                 </a:solidFill>
@@ -2965,7 +2966,7 @@
               </a14:hiddenLine>
             </a:ext>
             <a:ext uri="{AF507438-7753-43e0-B8FC-AC1667EBCBE1}">
-              <a14:hiddenEffects xmlns:a14="http://schemas.microsoft.com/office/drawing/2010/main" xmlns="">
+              <a14:hiddenEffects xmlns="" xmlns:a14="http://schemas.microsoft.com/office/drawing/2010/main">
                 <a:effectLst>
                   <a:outerShdw blurRad="63500" dist="38099" dir="2700000" algn="ctr" rotWithShape="0">
                     <a:schemeClr val="bg2">
@@ -3681,10 +3682,10 @@
           </a:ln>
           <a:extLst>
             <a:ext uri="{FAA26D3D-D897-4be2-8F04-BA451C77F1D7}">
-              <ma14:placeholderFlag xmlns="" xmlns:ma14="http://schemas.microsoft.com/office/mac/drawingml/2011/main" val="1"/>
+              <ma14:placeholderFlag xmlns:ma14="http://schemas.microsoft.com/office/mac/drawingml/2011/main" xmlns="" val="1"/>
             </a:ext>
             <a:ext uri="{909E8E84-426E-40dd-AFC4-6F175D3DCCD1}">
-              <a14:hiddenFill xmlns="" xmlns:a14="http://schemas.microsoft.com/office/drawing/2010/main">
+              <a14:hiddenFill xmlns:a14="http://schemas.microsoft.com/office/drawing/2010/main" xmlns="">
                 <a:solidFill>
                   <a:srgbClr val="FFFFFF"/>
                 </a:solidFill>
@@ -3735,10 +3736,10 @@
           </a:ln>
           <a:extLst>
             <a:ext uri="{FAA26D3D-D897-4be2-8F04-BA451C77F1D7}">
-              <ma14:placeholderFlag xmlns="" xmlns:ma14="http://schemas.microsoft.com/office/mac/drawingml/2011/main" val="1"/>
+              <ma14:placeholderFlag xmlns:ma14="http://schemas.microsoft.com/office/mac/drawingml/2011/main" xmlns="" val="1"/>
             </a:ext>
             <a:ext uri="{909E8E84-426E-40dd-AFC4-6F175D3DCCD1}">
-              <a14:hiddenFill xmlns="" xmlns:a14="http://schemas.microsoft.com/office/drawing/2010/main">
+              <a14:hiddenFill xmlns:a14="http://schemas.microsoft.com/office/drawing/2010/main" xmlns="">
                 <a:solidFill>
                   <a:srgbClr val="FFFFFF"/>
                 </a:solidFill>
@@ -4624,6 +4625,2398 @@
               </a:rPr>
               <a:pPr/>
               <a:t>1</a:t>
+            </a:fld>
+            <a:endParaRPr lang="en-US">
+              <a:solidFill>
+                <a:srgbClr val="6D7777"/>
+              </a:solidFill>
+            </a:endParaRPr>
+          </a:p>
+        </p:txBody>
+      </p:sp>
+      <p:sp>
+        <p:nvSpPr>
+          <p:cNvPr id="5" name="Rectangle 4">
+            <a:extLst>
+              <a:ext uri="{FF2B5EF4-FFF2-40B4-BE49-F238E27FC236}">
+                <a16:creationId xmlns:a16="http://schemas.microsoft.com/office/drawing/2014/main" id="{A0F8AA87-8AA4-D045-B050-ED7AC92CDFC1}"/>
+              </a:ext>
+            </a:extLst>
+          </p:cNvPr>
+          <p:cNvSpPr/>
+          <p:nvPr/>
+        </p:nvSpPr>
+        <p:spPr>
+          <a:xfrm>
+            <a:off x="298411" y="1073443"/>
+            <a:ext cx="4008458" cy="2996614"/>
+          </a:xfrm>
+          <a:prstGeom prst="rect">
+            <a:avLst/>
+          </a:prstGeom>
+          <a:noFill/>
+          <a:ln>
+            <a:solidFill>
+              <a:srgbClr val="0000FF"/>
+            </a:solidFill>
+            <a:prstDash val="dash"/>
+          </a:ln>
+        </p:spPr>
+        <p:style>
+          <a:lnRef idx="2">
+            <a:schemeClr val="accent1">
+              <a:shade val="50000"/>
+            </a:schemeClr>
+          </a:lnRef>
+          <a:fillRef idx="1">
+            <a:schemeClr val="accent1"/>
+          </a:fillRef>
+          <a:effectRef idx="0">
+            <a:schemeClr val="accent1"/>
+          </a:effectRef>
+          <a:fontRef idx="minor">
+            <a:schemeClr val="lt1"/>
+          </a:fontRef>
+        </p:style>
+        <p:txBody>
+          <a:bodyPr rtlCol="0" anchor="t"/>
+          <a:lstStyle/>
+          <a:p>
+            <a:pPr algn="ctr" defTabSz="514350"/>
+            <a:r>
+              <a:rPr lang="en-US" sz="750" b="1">
+                <a:solidFill>
+                  <a:srgbClr val="0000FF"/>
+                </a:solidFill>
+                <a:latin typeface="Arial"/>
+              </a:rPr>
+              <a:t>On-Premise Environment</a:t>
+            </a:r>
+          </a:p>
+        </p:txBody>
+      </p:sp>
+      <p:sp>
+        <p:nvSpPr>
+          <p:cNvPr id="6" name="Rectangle 5">
+            <a:extLst>
+              <a:ext uri="{FF2B5EF4-FFF2-40B4-BE49-F238E27FC236}">
+                <a16:creationId xmlns:a16="http://schemas.microsoft.com/office/drawing/2014/main" id="{90B1E0CB-CD1E-D14F-9238-763E6AF8FC20}"/>
+              </a:ext>
+            </a:extLst>
+          </p:cNvPr>
+          <p:cNvSpPr/>
+          <p:nvPr/>
+        </p:nvSpPr>
+        <p:spPr>
+          <a:xfrm>
+            <a:off x="4710303" y="1073443"/>
+            <a:ext cx="3747898" cy="2996614"/>
+          </a:xfrm>
+          <a:prstGeom prst="rect">
+            <a:avLst/>
+          </a:prstGeom>
+          <a:noFill/>
+          <a:ln>
+            <a:solidFill>
+              <a:srgbClr val="00B050"/>
+            </a:solidFill>
+            <a:prstDash val="dash"/>
+          </a:ln>
+        </p:spPr>
+        <p:style>
+          <a:lnRef idx="2">
+            <a:schemeClr val="accent1">
+              <a:shade val="50000"/>
+            </a:schemeClr>
+          </a:lnRef>
+          <a:fillRef idx="1">
+            <a:schemeClr val="accent1"/>
+          </a:fillRef>
+          <a:effectRef idx="0">
+            <a:schemeClr val="accent1"/>
+          </a:effectRef>
+          <a:fontRef idx="minor">
+            <a:schemeClr val="lt1"/>
+          </a:fontRef>
+        </p:style>
+        <p:txBody>
+          <a:bodyPr rtlCol="0" anchor="t"/>
+          <a:lstStyle/>
+          <a:p>
+            <a:pPr algn="ctr" defTabSz="514350"/>
+            <a:r>
+              <a:rPr lang="en-US" sz="750" b="1">
+                <a:solidFill>
+                  <a:srgbClr val="00B050"/>
+                </a:solidFill>
+                <a:latin typeface="Arial"/>
+              </a:rPr>
+              <a:t>IBM Cloud</a:t>
+            </a:r>
+          </a:p>
+        </p:txBody>
+      </p:sp>
+      <p:sp>
+        <p:nvSpPr>
+          <p:cNvPr id="8" name="Rounded Rectangle 7">
+            <a:extLst>
+              <a:ext uri="{FF2B5EF4-FFF2-40B4-BE49-F238E27FC236}">
+                <a16:creationId xmlns:a16="http://schemas.microsoft.com/office/drawing/2014/main" id="{AF5BE487-0468-A243-9C73-9209F84D654B}"/>
+              </a:ext>
+            </a:extLst>
+          </p:cNvPr>
+          <p:cNvSpPr/>
+          <p:nvPr/>
+        </p:nvSpPr>
+        <p:spPr bwMode="auto">
+          <a:xfrm>
+            <a:off x="5547599" y="1634579"/>
+            <a:ext cx="138128" cy="411476"/>
+          </a:xfrm>
+          <a:prstGeom prst="roundRect">
+            <a:avLst/>
+          </a:prstGeom>
+          <a:solidFill>
+            <a:schemeClr val="bg1">
+              <a:lumMod val="50000"/>
+            </a:schemeClr>
+          </a:solidFill>
+          <a:ln>
+            <a:solidFill>
+              <a:schemeClr val="bg1"/>
+            </a:solidFill>
+            <a:prstDash val="solid"/>
+            <a:headEnd type="none" w="med" len="med"/>
+            <a:tailEnd type="none" w="med" len="med"/>
+          </a:ln>
+          <a:effectLst/>
+        </p:spPr>
+        <p:style>
+          <a:lnRef idx="1">
+            <a:schemeClr val="accent5"/>
+          </a:lnRef>
+          <a:fillRef idx="3">
+            <a:schemeClr val="accent5"/>
+          </a:fillRef>
+          <a:effectRef idx="2">
+            <a:schemeClr val="accent5"/>
+          </a:effectRef>
+          <a:fontRef idx="minor">
+            <a:schemeClr val="lt1"/>
+          </a:fontRef>
+        </p:style>
+        <p:txBody>
+          <a:bodyPr vert="horz" wrap="square" lIns="0" tIns="0" rIns="0" bIns="0" numCol="1" rtlCol="0" anchor="ctr" anchorCtr="0" compatLnSpc="1">
+            <a:prstTxWarp prst="textNoShape">
+              <a:avLst/>
+            </a:prstTxWarp>
+            <a:noAutofit/>
+          </a:bodyPr>
+          <a:lstStyle/>
+          <a:p>
+            <a:pPr algn="ctr" defTabSz="685784" fontAlgn="base">
+              <a:lnSpc>
+                <a:spcPct val="90000"/>
+              </a:lnSpc>
+              <a:spcBef>
+                <a:spcPct val="0"/>
+              </a:spcBef>
+              <a:spcAft>
+                <a:spcPct val="0"/>
+              </a:spcAft>
+            </a:pPr>
+            <a:r>
+              <a:rPr lang="en-US" sz="675">
+                <a:solidFill>
+                  <a:schemeClr val="bg1"/>
+                </a:solidFill>
+              </a:rPr>
+              <a:t>0</a:t>
+            </a:r>
+            <a:endParaRPr lang="en-US" sz="375">
+              <a:solidFill>
+                <a:schemeClr val="bg1"/>
+              </a:solidFill>
+            </a:endParaRPr>
+          </a:p>
+        </p:txBody>
+      </p:sp>
+      <p:sp>
+        <p:nvSpPr>
+          <p:cNvPr id="9" name="Rounded Rectangle 8">
+            <a:extLst>
+              <a:ext uri="{FF2B5EF4-FFF2-40B4-BE49-F238E27FC236}">
+                <a16:creationId xmlns:a16="http://schemas.microsoft.com/office/drawing/2014/main" id="{D5E58477-E1E3-594C-AF48-F4CA8530EABE}"/>
+              </a:ext>
+            </a:extLst>
+          </p:cNvPr>
+          <p:cNvSpPr/>
+          <p:nvPr/>
+        </p:nvSpPr>
+        <p:spPr bwMode="auto">
+          <a:xfrm>
+            <a:off x="5684757" y="1634579"/>
+            <a:ext cx="138128" cy="411476"/>
+          </a:xfrm>
+          <a:prstGeom prst="roundRect">
+            <a:avLst/>
+          </a:prstGeom>
+          <a:solidFill>
+            <a:schemeClr val="bg1">
+              <a:lumMod val="50000"/>
+            </a:schemeClr>
+          </a:solidFill>
+          <a:ln>
+            <a:solidFill>
+              <a:schemeClr val="bg1"/>
+            </a:solidFill>
+            <a:prstDash val="solid"/>
+            <a:headEnd type="none" w="med" len="med"/>
+            <a:tailEnd type="none" w="med" len="med"/>
+          </a:ln>
+          <a:effectLst/>
+        </p:spPr>
+        <p:style>
+          <a:lnRef idx="1">
+            <a:schemeClr val="accent5"/>
+          </a:lnRef>
+          <a:fillRef idx="3">
+            <a:schemeClr val="accent5"/>
+          </a:fillRef>
+          <a:effectRef idx="2">
+            <a:schemeClr val="accent5"/>
+          </a:effectRef>
+          <a:fontRef idx="minor">
+            <a:schemeClr val="lt1"/>
+          </a:fontRef>
+        </p:style>
+        <p:txBody>
+          <a:bodyPr vert="horz" wrap="square" lIns="0" tIns="0" rIns="0" bIns="0" numCol="1" rtlCol="0" anchor="ctr" anchorCtr="0" compatLnSpc="1">
+            <a:prstTxWarp prst="textNoShape">
+              <a:avLst/>
+            </a:prstTxWarp>
+            <a:noAutofit/>
+          </a:bodyPr>
+          <a:lstStyle/>
+          <a:p>
+            <a:pPr algn="ctr" defTabSz="685784" fontAlgn="base">
+              <a:lnSpc>
+                <a:spcPct val="90000"/>
+              </a:lnSpc>
+              <a:spcBef>
+                <a:spcPct val="0"/>
+              </a:spcBef>
+              <a:spcAft>
+                <a:spcPct val="0"/>
+              </a:spcAft>
+            </a:pPr>
+            <a:r>
+              <a:rPr lang="en-US" sz="675">
+                <a:solidFill>
+                  <a:schemeClr val="bg1"/>
+                </a:solidFill>
+              </a:rPr>
+              <a:t>1</a:t>
+            </a:r>
+            <a:endParaRPr lang="en-US" sz="375">
+              <a:solidFill>
+                <a:schemeClr val="bg1"/>
+              </a:solidFill>
+            </a:endParaRPr>
+          </a:p>
+        </p:txBody>
+      </p:sp>
+      <p:sp>
+        <p:nvSpPr>
+          <p:cNvPr id="10" name="Rounded Rectangle 9">
+            <a:extLst>
+              <a:ext uri="{FF2B5EF4-FFF2-40B4-BE49-F238E27FC236}">
+                <a16:creationId xmlns:a16="http://schemas.microsoft.com/office/drawing/2014/main" id="{F7310BC1-71B2-BD47-95DA-A5A9F09D389B}"/>
+              </a:ext>
+            </a:extLst>
+          </p:cNvPr>
+          <p:cNvSpPr/>
+          <p:nvPr/>
+        </p:nvSpPr>
+        <p:spPr bwMode="auto">
+          <a:xfrm>
+            <a:off x="5822886" y="1634579"/>
+            <a:ext cx="138128" cy="411476"/>
+          </a:xfrm>
+          <a:prstGeom prst="roundRect">
+            <a:avLst/>
+          </a:prstGeom>
+          <a:solidFill>
+            <a:schemeClr val="bg1">
+              <a:lumMod val="50000"/>
+            </a:schemeClr>
+          </a:solidFill>
+          <a:ln>
+            <a:solidFill>
+              <a:schemeClr val="bg1"/>
+            </a:solidFill>
+            <a:prstDash val="solid"/>
+            <a:headEnd type="none" w="med" len="med"/>
+            <a:tailEnd type="none" w="med" len="med"/>
+          </a:ln>
+          <a:effectLst/>
+        </p:spPr>
+        <p:style>
+          <a:lnRef idx="1">
+            <a:schemeClr val="accent5"/>
+          </a:lnRef>
+          <a:fillRef idx="3">
+            <a:schemeClr val="accent5"/>
+          </a:fillRef>
+          <a:effectRef idx="2">
+            <a:schemeClr val="accent5"/>
+          </a:effectRef>
+          <a:fontRef idx="minor">
+            <a:schemeClr val="lt1"/>
+          </a:fontRef>
+        </p:style>
+        <p:txBody>
+          <a:bodyPr vert="horz" wrap="square" lIns="0" tIns="0" rIns="0" bIns="0" numCol="1" rtlCol="0" anchor="ctr" anchorCtr="0" compatLnSpc="1">
+            <a:prstTxWarp prst="textNoShape">
+              <a:avLst/>
+            </a:prstTxWarp>
+            <a:noAutofit/>
+          </a:bodyPr>
+          <a:lstStyle/>
+          <a:p>
+            <a:pPr algn="ctr" defTabSz="685784" fontAlgn="base">
+              <a:lnSpc>
+                <a:spcPct val="90000"/>
+              </a:lnSpc>
+              <a:spcBef>
+                <a:spcPct val="0"/>
+              </a:spcBef>
+              <a:spcAft>
+                <a:spcPct val="0"/>
+              </a:spcAft>
+            </a:pPr>
+            <a:r>
+              <a:rPr lang="en-US" sz="675">
+                <a:solidFill>
+                  <a:schemeClr val="bg1"/>
+                </a:solidFill>
+              </a:rPr>
+              <a:t>2</a:t>
+            </a:r>
+            <a:endParaRPr lang="en-US" sz="375">
+              <a:solidFill>
+                <a:schemeClr val="bg1"/>
+              </a:solidFill>
+            </a:endParaRPr>
+          </a:p>
+        </p:txBody>
+      </p:sp>
+      <p:sp>
+        <p:nvSpPr>
+          <p:cNvPr id="11" name="Rounded Rectangle 10">
+            <a:extLst>
+              <a:ext uri="{FF2B5EF4-FFF2-40B4-BE49-F238E27FC236}">
+                <a16:creationId xmlns:a16="http://schemas.microsoft.com/office/drawing/2014/main" id="{B6291CC4-0B45-D044-90E7-3543E7A968CF}"/>
+              </a:ext>
+            </a:extLst>
+          </p:cNvPr>
+          <p:cNvSpPr/>
+          <p:nvPr/>
+        </p:nvSpPr>
+        <p:spPr bwMode="auto">
+          <a:xfrm>
+            <a:off x="5960044" y="1634579"/>
+            <a:ext cx="138128" cy="411476"/>
+          </a:xfrm>
+          <a:prstGeom prst="roundRect">
+            <a:avLst/>
+          </a:prstGeom>
+          <a:solidFill>
+            <a:schemeClr val="bg1">
+              <a:lumMod val="50000"/>
+            </a:schemeClr>
+          </a:solidFill>
+          <a:ln>
+            <a:solidFill>
+              <a:schemeClr val="bg1"/>
+            </a:solidFill>
+            <a:prstDash val="solid"/>
+            <a:headEnd type="none" w="med" len="med"/>
+            <a:tailEnd type="none" w="med" len="med"/>
+          </a:ln>
+          <a:effectLst/>
+        </p:spPr>
+        <p:style>
+          <a:lnRef idx="1">
+            <a:schemeClr val="accent5"/>
+          </a:lnRef>
+          <a:fillRef idx="3">
+            <a:schemeClr val="accent5"/>
+          </a:fillRef>
+          <a:effectRef idx="2">
+            <a:schemeClr val="accent5"/>
+          </a:effectRef>
+          <a:fontRef idx="minor">
+            <a:schemeClr val="lt1"/>
+          </a:fontRef>
+        </p:style>
+        <p:txBody>
+          <a:bodyPr vert="horz" wrap="square" lIns="0" tIns="0" rIns="0" bIns="0" numCol="1" rtlCol="0" anchor="ctr" anchorCtr="0" compatLnSpc="1">
+            <a:prstTxWarp prst="textNoShape">
+              <a:avLst/>
+            </a:prstTxWarp>
+            <a:noAutofit/>
+          </a:bodyPr>
+          <a:lstStyle/>
+          <a:p>
+            <a:pPr algn="ctr" defTabSz="685784" fontAlgn="base">
+              <a:lnSpc>
+                <a:spcPct val="90000"/>
+              </a:lnSpc>
+              <a:spcBef>
+                <a:spcPct val="0"/>
+              </a:spcBef>
+              <a:spcAft>
+                <a:spcPct val="0"/>
+              </a:spcAft>
+            </a:pPr>
+            <a:r>
+              <a:rPr lang="en-US" sz="675">
+                <a:solidFill>
+                  <a:schemeClr val="bg1"/>
+                </a:solidFill>
+              </a:rPr>
+              <a:t>3</a:t>
+            </a:r>
+            <a:endParaRPr lang="en-US" sz="375">
+              <a:solidFill>
+                <a:schemeClr val="bg1"/>
+              </a:solidFill>
+            </a:endParaRPr>
+          </a:p>
+        </p:txBody>
+      </p:sp>
+      <p:sp>
+        <p:nvSpPr>
+          <p:cNvPr id="12" name="Rounded Rectangle 11">
+            <a:extLst>
+              <a:ext uri="{FF2B5EF4-FFF2-40B4-BE49-F238E27FC236}">
+                <a16:creationId xmlns:a16="http://schemas.microsoft.com/office/drawing/2014/main" id="{94EF47BB-26F6-B343-B071-171636EE579D}"/>
+              </a:ext>
+            </a:extLst>
+          </p:cNvPr>
+          <p:cNvSpPr/>
+          <p:nvPr/>
+        </p:nvSpPr>
+        <p:spPr bwMode="auto">
+          <a:xfrm>
+            <a:off x="6098172" y="1634579"/>
+            <a:ext cx="138128" cy="411476"/>
+          </a:xfrm>
+          <a:prstGeom prst="roundRect">
+            <a:avLst/>
+          </a:prstGeom>
+          <a:solidFill>
+            <a:schemeClr val="bg1">
+              <a:lumMod val="50000"/>
+            </a:schemeClr>
+          </a:solidFill>
+          <a:ln>
+            <a:solidFill>
+              <a:schemeClr val="bg1"/>
+            </a:solidFill>
+            <a:prstDash val="solid"/>
+            <a:headEnd type="none" w="med" len="med"/>
+            <a:tailEnd type="none" w="med" len="med"/>
+          </a:ln>
+          <a:effectLst/>
+        </p:spPr>
+        <p:style>
+          <a:lnRef idx="1">
+            <a:schemeClr val="accent5"/>
+          </a:lnRef>
+          <a:fillRef idx="3">
+            <a:schemeClr val="accent5"/>
+          </a:fillRef>
+          <a:effectRef idx="2">
+            <a:schemeClr val="accent5"/>
+          </a:effectRef>
+          <a:fontRef idx="minor">
+            <a:schemeClr val="lt1"/>
+          </a:fontRef>
+        </p:style>
+        <p:txBody>
+          <a:bodyPr vert="horz" wrap="square" lIns="0" tIns="0" rIns="0" bIns="0" numCol="1" rtlCol="0" anchor="ctr" anchorCtr="0" compatLnSpc="1">
+            <a:prstTxWarp prst="textNoShape">
+              <a:avLst/>
+            </a:prstTxWarp>
+            <a:noAutofit/>
+          </a:bodyPr>
+          <a:lstStyle/>
+          <a:p>
+            <a:pPr algn="ctr" defTabSz="685784" fontAlgn="base">
+              <a:lnSpc>
+                <a:spcPct val="90000"/>
+              </a:lnSpc>
+              <a:spcBef>
+                <a:spcPct val="0"/>
+              </a:spcBef>
+              <a:spcAft>
+                <a:spcPct val="0"/>
+              </a:spcAft>
+            </a:pPr>
+            <a:r>
+              <a:rPr lang="en-US" sz="675">
+                <a:solidFill>
+                  <a:schemeClr val="bg1"/>
+                </a:solidFill>
+              </a:rPr>
+              <a:t>4</a:t>
+            </a:r>
+            <a:endParaRPr lang="en-US" sz="375">
+              <a:solidFill>
+                <a:schemeClr val="bg1"/>
+              </a:solidFill>
+            </a:endParaRPr>
+          </a:p>
+        </p:txBody>
+      </p:sp>
+      <p:sp>
+        <p:nvSpPr>
+          <p:cNvPr id="13" name="Rounded Rectangle 12">
+            <a:extLst>
+              <a:ext uri="{FF2B5EF4-FFF2-40B4-BE49-F238E27FC236}">
+                <a16:creationId xmlns:a16="http://schemas.microsoft.com/office/drawing/2014/main" id="{00BCA8E7-112B-094B-8994-52A4B5E872FB}"/>
+              </a:ext>
+            </a:extLst>
+          </p:cNvPr>
+          <p:cNvSpPr/>
+          <p:nvPr/>
+        </p:nvSpPr>
+        <p:spPr bwMode="auto">
+          <a:xfrm>
+            <a:off x="6227995" y="1634579"/>
+            <a:ext cx="138128" cy="411476"/>
+          </a:xfrm>
+          <a:prstGeom prst="roundRect">
+            <a:avLst/>
+          </a:prstGeom>
+          <a:solidFill>
+            <a:schemeClr val="bg1">
+              <a:lumMod val="50000"/>
+            </a:schemeClr>
+          </a:solidFill>
+          <a:ln>
+            <a:solidFill>
+              <a:schemeClr val="bg1"/>
+            </a:solidFill>
+            <a:prstDash val="solid"/>
+            <a:headEnd type="none" w="med" len="med"/>
+            <a:tailEnd type="none" w="med" len="med"/>
+          </a:ln>
+          <a:effectLst/>
+        </p:spPr>
+        <p:style>
+          <a:lnRef idx="1">
+            <a:schemeClr val="accent5"/>
+          </a:lnRef>
+          <a:fillRef idx="3">
+            <a:schemeClr val="accent5"/>
+          </a:fillRef>
+          <a:effectRef idx="2">
+            <a:schemeClr val="accent5"/>
+          </a:effectRef>
+          <a:fontRef idx="minor">
+            <a:schemeClr val="lt1"/>
+          </a:fontRef>
+        </p:style>
+        <p:txBody>
+          <a:bodyPr vert="horz" wrap="square" lIns="0" tIns="0" rIns="0" bIns="0" numCol="1" rtlCol="0" anchor="ctr" anchorCtr="0" compatLnSpc="1">
+            <a:prstTxWarp prst="textNoShape">
+              <a:avLst/>
+            </a:prstTxWarp>
+            <a:noAutofit/>
+          </a:bodyPr>
+          <a:lstStyle/>
+          <a:p>
+            <a:pPr algn="ctr" defTabSz="685784" fontAlgn="base">
+              <a:lnSpc>
+                <a:spcPct val="90000"/>
+              </a:lnSpc>
+              <a:spcBef>
+                <a:spcPct val="0"/>
+              </a:spcBef>
+              <a:spcAft>
+                <a:spcPct val="0"/>
+              </a:spcAft>
+            </a:pPr>
+            <a:r>
+              <a:rPr lang="en-US" sz="675">
+                <a:solidFill>
+                  <a:schemeClr val="bg1"/>
+                </a:solidFill>
+              </a:rPr>
+              <a:t>5</a:t>
+            </a:r>
+            <a:endParaRPr lang="en-US" sz="375">
+              <a:solidFill>
+                <a:schemeClr val="bg1"/>
+              </a:solidFill>
+            </a:endParaRPr>
+          </a:p>
+        </p:txBody>
+      </p:sp>
+      <p:sp>
+        <p:nvSpPr>
+          <p:cNvPr id="14" name="AutoShape 4">
+            <a:extLst>
+              <a:ext uri="{FF2B5EF4-FFF2-40B4-BE49-F238E27FC236}">
+                <a16:creationId xmlns:a16="http://schemas.microsoft.com/office/drawing/2014/main" id="{419F5FD2-9DE2-F445-A68B-0CAD344E39B6}"/>
+              </a:ext>
+            </a:extLst>
+          </p:cNvPr>
+          <p:cNvSpPr>
+            <a:spLocks noChangeArrowheads="1"/>
+          </p:cNvSpPr>
+          <p:nvPr/>
+        </p:nvSpPr>
+        <p:spPr bwMode="auto">
+          <a:xfrm>
+            <a:off x="4935506" y="1499732"/>
+            <a:ext cx="3333325" cy="745927"/>
+          </a:xfrm>
+          <a:prstGeom prst="roundRect">
+            <a:avLst>
+              <a:gd name="adj" fmla="val 7117"/>
+            </a:avLst>
+          </a:prstGeom>
+          <a:noFill/>
+          <a:ln w="12700">
+            <a:solidFill>
+              <a:schemeClr val="accent3"/>
+            </a:solidFill>
+            <a:prstDash val="dash"/>
+            <a:round/>
+            <a:headEnd/>
+            <a:tailEnd/>
+          </a:ln>
+        </p:spPr>
+        <p:txBody>
+          <a:bodyPr lIns="0" tIns="0" rIns="0" bIns="0" anchor="b" anchorCtr="1"/>
+          <a:lstStyle/>
+          <a:p>
+            <a:pPr algn="ctr"/>
+            <a:r>
+              <a:rPr lang="en-US" sz="750" dirty="0"/>
+              <a:t>Event Streams Cluster</a:t>
+            </a:r>
+          </a:p>
+        </p:txBody>
+      </p:sp>
+      <p:sp>
+        <p:nvSpPr>
+          <p:cNvPr id="18" name="AutoShape 4">
+            <a:extLst>
+              <a:ext uri="{FF2B5EF4-FFF2-40B4-BE49-F238E27FC236}">
+                <a16:creationId xmlns:a16="http://schemas.microsoft.com/office/drawing/2014/main" id="{211CB3E3-B829-2C4F-A3D6-B13BE7F48F22}"/>
+              </a:ext>
+            </a:extLst>
+          </p:cNvPr>
+          <p:cNvSpPr>
+            <a:spLocks noChangeArrowheads="1"/>
+          </p:cNvSpPr>
+          <p:nvPr/>
+        </p:nvSpPr>
+        <p:spPr bwMode="auto">
+          <a:xfrm>
+            <a:off x="411972" y="1363612"/>
+            <a:ext cx="3611870" cy="2482247"/>
+          </a:xfrm>
+          <a:prstGeom prst="roundRect">
+            <a:avLst>
+              <a:gd name="adj" fmla="val 3325"/>
+            </a:avLst>
+          </a:prstGeom>
+          <a:noFill/>
+          <a:ln w="12700">
+            <a:solidFill>
+              <a:schemeClr val="accent3"/>
+            </a:solidFill>
+            <a:prstDash val="dash"/>
+            <a:round/>
+            <a:headEnd/>
+            <a:tailEnd/>
+          </a:ln>
+        </p:spPr>
+        <p:txBody>
+          <a:bodyPr lIns="0" tIns="0" rIns="0" bIns="0" anchor="b" anchorCtr="1"/>
+          <a:lstStyle/>
+          <a:p>
+            <a:pPr algn="ctr"/>
+            <a:endParaRPr lang="en-US" sz="750"/>
+          </a:p>
+        </p:txBody>
+      </p:sp>
+      <p:sp>
+        <p:nvSpPr>
+          <p:cNvPr id="28" name="Rounded Rectangle 27">
+            <a:extLst>
+              <a:ext uri="{FF2B5EF4-FFF2-40B4-BE49-F238E27FC236}">
+                <a16:creationId xmlns:a16="http://schemas.microsoft.com/office/drawing/2014/main" id="{058E4018-54EF-C241-A10F-9BB485461EFF}"/>
+              </a:ext>
+            </a:extLst>
+          </p:cNvPr>
+          <p:cNvSpPr/>
+          <p:nvPr/>
+        </p:nvSpPr>
+        <p:spPr bwMode="auto">
+          <a:xfrm>
+            <a:off x="1193647" y="1635094"/>
+            <a:ext cx="138128" cy="411476"/>
+          </a:xfrm>
+          <a:prstGeom prst="roundRect">
+            <a:avLst/>
+          </a:prstGeom>
+          <a:solidFill>
+            <a:schemeClr val="bg1">
+              <a:lumMod val="50000"/>
+            </a:schemeClr>
+          </a:solidFill>
+          <a:ln>
+            <a:solidFill>
+              <a:schemeClr val="bg1"/>
+            </a:solidFill>
+            <a:prstDash val="solid"/>
+            <a:headEnd type="none" w="med" len="med"/>
+            <a:tailEnd type="none" w="med" len="med"/>
+          </a:ln>
+          <a:effectLst/>
+        </p:spPr>
+        <p:style>
+          <a:lnRef idx="1">
+            <a:schemeClr val="accent5"/>
+          </a:lnRef>
+          <a:fillRef idx="3">
+            <a:schemeClr val="accent5"/>
+          </a:fillRef>
+          <a:effectRef idx="2">
+            <a:schemeClr val="accent5"/>
+          </a:effectRef>
+          <a:fontRef idx="minor">
+            <a:schemeClr val="lt1"/>
+          </a:fontRef>
+        </p:style>
+        <p:txBody>
+          <a:bodyPr vert="horz" wrap="square" lIns="0" tIns="0" rIns="0" bIns="0" numCol="1" rtlCol="0" anchor="ctr" anchorCtr="0" compatLnSpc="1">
+            <a:prstTxWarp prst="textNoShape">
+              <a:avLst/>
+            </a:prstTxWarp>
+            <a:noAutofit/>
+          </a:bodyPr>
+          <a:lstStyle/>
+          <a:p>
+            <a:pPr algn="ctr" defTabSz="685784" fontAlgn="base">
+              <a:lnSpc>
+                <a:spcPct val="90000"/>
+              </a:lnSpc>
+              <a:spcBef>
+                <a:spcPct val="0"/>
+              </a:spcBef>
+              <a:spcAft>
+                <a:spcPct val="0"/>
+              </a:spcAft>
+            </a:pPr>
+            <a:r>
+              <a:rPr lang="en-US" sz="675">
+                <a:solidFill>
+                  <a:schemeClr val="bg1"/>
+                </a:solidFill>
+              </a:rPr>
+              <a:t>0</a:t>
+            </a:r>
+            <a:endParaRPr lang="en-US" sz="375">
+              <a:solidFill>
+                <a:schemeClr val="bg1"/>
+              </a:solidFill>
+            </a:endParaRPr>
+          </a:p>
+        </p:txBody>
+      </p:sp>
+      <p:sp>
+        <p:nvSpPr>
+          <p:cNvPr id="29" name="Rounded Rectangle 28">
+            <a:extLst>
+              <a:ext uri="{FF2B5EF4-FFF2-40B4-BE49-F238E27FC236}">
+                <a16:creationId xmlns:a16="http://schemas.microsoft.com/office/drawing/2014/main" id="{2DEDB43F-6BDF-F347-95A5-F47AA2B1C71F}"/>
+              </a:ext>
+            </a:extLst>
+          </p:cNvPr>
+          <p:cNvSpPr/>
+          <p:nvPr/>
+        </p:nvSpPr>
+        <p:spPr bwMode="auto">
+          <a:xfrm>
+            <a:off x="1330805" y="1635094"/>
+            <a:ext cx="138128" cy="411476"/>
+          </a:xfrm>
+          <a:prstGeom prst="roundRect">
+            <a:avLst/>
+          </a:prstGeom>
+          <a:solidFill>
+            <a:schemeClr val="bg1">
+              <a:lumMod val="50000"/>
+            </a:schemeClr>
+          </a:solidFill>
+          <a:ln>
+            <a:solidFill>
+              <a:schemeClr val="bg1"/>
+            </a:solidFill>
+            <a:prstDash val="solid"/>
+            <a:headEnd type="none" w="med" len="med"/>
+            <a:tailEnd type="none" w="med" len="med"/>
+          </a:ln>
+          <a:effectLst/>
+        </p:spPr>
+        <p:style>
+          <a:lnRef idx="1">
+            <a:schemeClr val="accent5"/>
+          </a:lnRef>
+          <a:fillRef idx="3">
+            <a:schemeClr val="accent5"/>
+          </a:fillRef>
+          <a:effectRef idx="2">
+            <a:schemeClr val="accent5"/>
+          </a:effectRef>
+          <a:fontRef idx="minor">
+            <a:schemeClr val="lt1"/>
+          </a:fontRef>
+        </p:style>
+        <p:txBody>
+          <a:bodyPr vert="horz" wrap="square" lIns="0" tIns="0" rIns="0" bIns="0" numCol="1" rtlCol="0" anchor="ctr" anchorCtr="0" compatLnSpc="1">
+            <a:prstTxWarp prst="textNoShape">
+              <a:avLst/>
+            </a:prstTxWarp>
+            <a:noAutofit/>
+          </a:bodyPr>
+          <a:lstStyle/>
+          <a:p>
+            <a:pPr algn="ctr" defTabSz="685784" fontAlgn="base">
+              <a:lnSpc>
+                <a:spcPct val="90000"/>
+              </a:lnSpc>
+              <a:spcBef>
+                <a:spcPct val="0"/>
+              </a:spcBef>
+              <a:spcAft>
+                <a:spcPct val="0"/>
+              </a:spcAft>
+            </a:pPr>
+            <a:r>
+              <a:rPr lang="en-US" sz="675">
+                <a:solidFill>
+                  <a:schemeClr val="bg1"/>
+                </a:solidFill>
+              </a:rPr>
+              <a:t>1</a:t>
+            </a:r>
+            <a:endParaRPr lang="en-US" sz="375">
+              <a:solidFill>
+                <a:schemeClr val="bg1"/>
+              </a:solidFill>
+            </a:endParaRPr>
+          </a:p>
+        </p:txBody>
+      </p:sp>
+      <p:sp>
+        <p:nvSpPr>
+          <p:cNvPr id="30" name="Rounded Rectangle 29">
+            <a:extLst>
+              <a:ext uri="{FF2B5EF4-FFF2-40B4-BE49-F238E27FC236}">
+                <a16:creationId xmlns:a16="http://schemas.microsoft.com/office/drawing/2014/main" id="{99244A3B-B483-4E43-A1E9-229B6A27DB31}"/>
+              </a:ext>
+            </a:extLst>
+          </p:cNvPr>
+          <p:cNvSpPr/>
+          <p:nvPr/>
+        </p:nvSpPr>
+        <p:spPr bwMode="auto">
+          <a:xfrm>
+            <a:off x="1468934" y="1635094"/>
+            <a:ext cx="138128" cy="411476"/>
+          </a:xfrm>
+          <a:prstGeom prst="roundRect">
+            <a:avLst/>
+          </a:prstGeom>
+          <a:solidFill>
+            <a:schemeClr val="bg1">
+              <a:lumMod val="50000"/>
+            </a:schemeClr>
+          </a:solidFill>
+          <a:ln>
+            <a:solidFill>
+              <a:schemeClr val="bg1"/>
+            </a:solidFill>
+            <a:prstDash val="solid"/>
+            <a:headEnd type="none" w="med" len="med"/>
+            <a:tailEnd type="none" w="med" len="med"/>
+          </a:ln>
+          <a:effectLst/>
+        </p:spPr>
+        <p:style>
+          <a:lnRef idx="1">
+            <a:schemeClr val="accent5"/>
+          </a:lnRef>
+          <a:fillRef idx="3">
+            <a:schemeClr val="accent5"/>
+          </a:fillRef>
+          <a:effectRef idx="2">
+            <a:schemeClr val="accent5"/>
+          </a:effectRef>
+          <a:fontRef idx="minor">
+            <a:schemeClr val="lt1"/>
+          </a:fontRef>
+        </p:style>
+        <p:txBody>
+          <a:bodyPr vert="horz" wrap="square" lIns="0" tIns="0" rIns="0" bIns="0" numCol="1" rtlCol="0" anchor="ctr" anchorCtr="0" compatLnSpc="1">
+            <a:prstTxWarp prst="textNoShape">
+              <a:avLst/>
+            </a:prstTxWarp>
+            <a:noAutofit/>
+          </a:bodyPr>
+          <a:lstStyle/>
+          <a:p>
+            <a:pPr algn="ctr" defTabSz="685784" fontAlgn="base">
+              <a:lnSpc>
+                <a:spcPct val="90000"/>
+              </a:lnSpc>
+              <a:spcBef>
+                <a:spcPct val="0"/>
+              </a:spcBef>
+              <a:spcAft>
+                <a:spcPct val="0"/>
+              </a:spcAft>
+            </a:pPr>
+            <a:r>
+              <a:rPr lang="en-US" sz="675">
+                <a:solidFill>
+                  <a:schemeClr val="bg1"/>
+                </a:solidFill>
+              </a:rPr>
+              <a:t>2</a:t>
+            </a:r>
+            <a:endParaRPr lang="en-US" sz="375">
+              <a:solidFill>
+                <a:schemeClr val="bg1"/>
+              </a:solidFill>
+            </a:endParaRPr>
+          </a:p>
+        </p:txBody>
+      </p:sp>
+      <p:sp>
+        <p:nvSpPr>
+          <p:cNvPr id="31" name="Rounded Rectangle 30">
+            <a:extLst>
+              <a:ext uri="{FF2B5EF4-FFF2-40B4-BE49-F238E27FC236}">
+                <a16:creationId xmlns:a16="http://schemas.microsoft.com/office/drawing/2014/main" id="{2FC00369-550F-1D47-959E-8E43C24D3F4F}"/>
+              </a:ext>
+            </a:extLst>
+          </p:cNvPr>
+          <p:cNvSpPr/>
+          <p:nvPr/>
+        </p:nvSpPr>
+        <p:spPr bwMode="auto">
+          <a:xfrm>
+            <a:off x="1606093" y="1635094"/>
+            <a:ext cx="138128" cy="411476"/>
+          </a:xfrm>
+          <a:prstGeom prst="roundRect">
+            <a:avLst/>
+          </a:prstGeom>
+          <a:solidFill>
+            <a:schemeClr val="bg1">
+              <a:lumMod val="50000"/>
+            </a:schemeClr>
+          </a:solidFill>
+          <a:ln>
+            <a:solidFill>
+              <a:schemeClr val="bg1"/>
+            </a:solidFill>
+            <a:prstDash val="solid"/>
+            <a:headEnd type="none" w="med" len="med"/>
+            <a:tailEnd type="none" w="med" len="med"/>
+          </a:ln>
+          <a:effectLst/>
+        </p:spPr>
+        <p:style>
+          <a:lnRef idx="1">
+            <a:schemeClr val="accent5"/>
+          </a:lnRef>
+          <a:fillRef idx="3">
+            <a:schemeClr val="accent5"/>
+          </a:fillRef>
+          <a:effectRef idx="2">
+            <a:schemeClr val="accent5"/>
+          </a:effectRef>
+          <a:fontRef idx="minor">
+            <a:schemeClr val="lt1"/>
+          </a:fontRef>
+        </p:style>
+        <p:txBody>
+          <a:bodyPr vert="horz" wrap="square" lIns="0" tIns="0" rIns="0" bIns="0" numCol="1" rtlCol="0" anchor="ctr" anchorCtr="0" compatLnSpc="1">
+            <a:prstTxWarp prst="textNoShape">
+              <a:avLst/>
+            </a:prstTxWarp>
+            <a:noAutofit/>
+          </a:bodyPr>
+          <a:lstStyle/>
+          <a:p>
+            <a:pPr algn="ctr" defTabSz="685784" fontAlgn="base">
+              <a:lnSpc>
+                <a:spcPct val="90000"/>
+              </a:lnSpc>
+              <a:spcBef>
+                <a:spcPct val="0"/>
+              </a:spcBef>
+              <a:spcAft>
+                <a:spcPct val="0"/>
+              </a:spcAft>
+            </a:pPr>
+            <a:r>
+              <a:rPr lang="en-US" sz="675">
+                <a:solidFill>
+                  <a:schemeClr val="bg1"/>
+                </a:solidFill>
+              </a:rPr>
+              <a:t>3</a:t>
+            </a:r>
+            <a:endParaRPr lang="en-US" sz="375">
+              <a:solidFill>
+                <a:schemeClr val="bg1"/>
+              </a:solidFill>
+            </a:endParaRPr>
+          </a:p>
+        </p:txBody>
+      </p:sp>
+      <p:sp>
+        <p:nvSpPr>
+          <p:cNvPr id="32" name="Rounded Rectangle 31">
+            <a:extLst>
+              <a:ext uri="{FF2B5EF4-FFF2-40B4-BE49-F238E27FC236}">
+                <a16:creationId xmlns:a16="http://schemas.microsoft.com/office/drawing/2014/main" id="{CEA02F82-9665-7243-AA5C-E8A8BC93F3C2}"/>
+              </a:ext>
+            </a:extLst>
+          </p:cNvPr>
+          <p:cNvSpPr/>
+          <p:nvPr/>
+        </p:nvSpPr>
+        <p:spPr bwMode="auto">
+          <a:xfrm>
+            <a:off x="1744220" y="1635094"/>
+            <a:ext cx="138128" cy="411476"/>
+          </a:xfrm>
+          <a:prstGeom prst="roundRect">
+            <a:avLst/>
+          </a:prstGeom>
+          <a:solidFill>
+            <a:schemeClr val="bg1">
+              <a:lumMod val="50000"/>
+            </a:schemeClr>
+          </a:solidFill>
+          <a:ln>
+            <a:solidFill>
+              <a:schemeClr val="bg1"/>
+            </a:solidFill>
+            <a:prstDash val="solid"/>
+            <a:headEnd type="none" w="med" len="med"/>
+            <a:tailEnd type="none" w="med" len="med"/>
+          </a:ln>
+          <a:effectLst/>
+        </p:spPr>
+        <p:style>
+          <a:lnRef idx="1">
+            <a:schemeClr val="accent5"/>
+          </a:lnRef>
+          <a:fillRef idx="3">
+            <a:schemeClr val="accent5"/>
+          </a:fillRef>
+          <a:effectRef idx="2">
+            <a:schemeClr val="accent5"/>
+          </a:effectRef>
+          <a:fontRef idx="minor">
+            <a:schemeClr val="lt1"/>
+          </a:fontRef>
+        </p:style>
+        <p:txBody>
+          <a:bodyPr vert="horz" wrap="square" lIns="0" tIns="0" rIns="0" bIns="0" numCol="1" rtlCol="0" anchor="ctr" anchorCtr="0" compatLnSpc="1">
+            <a:prstTxWarp prst="textNoShape">
+              <a:avLst/>
+            </a:prstTxWarp>
+            <a:noAutofit/>
+          </a:bodyPr>
+          <a:lstStyle/>
+          <a:p>
+            <a:pPr algn="ctr" defTabSz="685784" fontAlgn="base">
+              <a:lnSpc>
+                <a:spcPct val="90000"/>
+              </a:lnSpc>
+              <a:spcBef>
+                <a:spcPct val="0"/>
+              </a:spcBef>
+              <a:spcAft>
+                <a:spcPct val="0"/>
+              </a:spcAft>
+            </a:pPr>
+            <a:r>
+              <a:rPr lang="en-US" sz="675">
+                <a:solidFill>
+                  <a:schemeClr val="bg1"/>
+                </a:solidFill>
+              </a:rPr>
+              <a:t>4</a:t>
+            </a:r>
+            <a:endParaRPr lang="en-US" sz="375">
+              <a:solidFill>
+                <a:schemeClr val="bg1"/>
+              </a:solidFill>
+            </a:endParaRPr>
+          </a:p>
+        </p:txBody>
+      </p:sp>
+      <p:sp>
+        <p:nvSpPr>
+          <p:cNvPr id="33" name="Rounded Rectangle 32">
+            <a:extLst>
+              <a:ext uri="{FF2B5EF4-FFF2-40B4-BE49-F238E27FC236}">
+                <a16:creationId xmlns:a16="http://schemas.microsoft.com/office/drawing/2014/main" id="{23355CB8-33EA-2344-9D2F-FD6C81E06FC2}"/>
+              </a:ext>
+            </a:extLst>
+          </p:cNvPr>
+          <p:cNvSpPr/>
+          <p:nvPr/>
+        </p:nvSpPr>
+        <p:spPr bwMode="auto">
+          <a:xfrm>
+            <a:off x="1874043" y="1635094"/>
+            <a:ext cx="138128" cy="411476"/>
+          </a:xfrm>
+          <a:prstGeom prst="roundRect">
+            <a:avLst/>
+          </a:prstGeom>
+          <a:solidFill>
+            <a:schemeClr val="bg1">
+              <a:lumMod val="50000"/>
+            </a:schemeClr>
+          </a:solidFill>
+          <a:ln>
+            <a:solidFill>
+              <a:schemeClr val="bg1"/>
+            </a:solidFill>
+            <a:prstDash val="solid"/>
+            <a:headEnd type="none" w="med" len="med"/>
+            <a:tailEnd type="none" w="med" len="med"/>
+          </a:ln>
+          <a:effectLst/>
+        </p:spPr>
+        <p:style>
+          <a:lnRef idx="1">
+            <a:schemeClr val="accent5"/>
+          </a:lnRef>
+          <a:fillRef idx="3">
+            <a:schemeClr val="accent5"/>
+          </a:fillRef>
+          <a:effectRef idx="2">
+            <a:schemeClr val="accent5"/>
+          </a:effectRef>
+          <a:fontRef idx="minor">
+            <a:schemeClr val="lt1"/>
+          </a:fontRef>
+        </p:style>
+        <p:txBody>
+          <a:bodyPr vert="horz" wrap="square" lIns="0" tIns="0" rIns="0" bIns="0" numCol="1" rtlCol="0" anchor="ctr" anchorCtr="0" compatLnSpc="1">
+            <a:prstTxWarp prst="textNoShape">
+              <a:avLst/>
+            </a:prstTxWarp>
+            <a:noAutofit/>
+          </a:bodyPr>
+          <a:lstStyle/>
+          <a:p>
+            <a:pPr algn="ctr" defTabSz="685784" fontAlgn="base">
+              <a:lnSpc>
+                <a:spcPct val="90000"/>
+              </a:lnSpc>
+              <a:spcBef>
+                <a:spcPct val="0"/>
+              </a:spcBef>
+              <a:spcAft>
+                <a:spcPct val="0"/>
+              </a:spcAft>
+            </a:pPr>
+            <a:r>
+              <a:rPr lang="en-US" sz="675">
+                <a:solidFill>
+                  <a:schemeClr val="bg1"/>
+                </a:solidFill>
+              </a:rPr>
+              <a:t>5</a:t>
+            </a:r>
+            <a:endParaRPr lang="en-US" sz="375">
+              <a:solidFill>
+                <a:schemeClr val="bg1"/>
+              </a:solidFill>
+            </a:endParaRPr>
+          </a:p>
+        </p:txBody>
+      </p:sp>
+      <p:sp>
+        <p:nvSpPr>
+          <p:cNvPr id="34" name="AutoShape 4">
+            <a:extLst>
+              <a:ext uri="{FF2B5EF4-FFF2-40B4-BE49-F238E27FC236}">
+                <a16:creationId xmlns:a16="http://schemas.microsoft.com/office/drawing/2014/main" id="{B1D40963-EC1B-E049-A09B-96D331A21F58}"/>
+              </a:ext>
+            </a:extLst>
+          </p:cNvPr>
+          <p:cNvSpPr>
+            <a:spLocks noChangeArrowheads="1"/>
+          </p:cNvSpPr>
+          <p:nvPr/>
+        </p:nvSpPr>
+        <p:spPr bwMode="auto">
+          <a:xfrm>
+            <a:off x="598146" y="1516741"/>
+            <a:ext cx="3207204" cy="745412"/>
+          </a:xfrm>
+          <a:prstGeom prst="roundRect">
+            <a:avLst>
+              <a:gd name="adj" fmla="val 7117"/>
+            </a:avLst>
+          </a:prstGeom>
+          <a:noFill/>
+          <a:ln w="12700">
+            <a:solidFill>
+              <a:schemeClr val="accent3"/>
+            </a:solidFill>
+            <a:prstDash val="dash"/>
+            <a:round/>
+            <a:headEnd/>
+            <a:tailEnd/>
+          </a:ln>
+        </p:spPr>
+        <p:txBody>
+          <a:bodyPr lIns="0" tIns="0" rIns="0" bIns="0" anchor="b" anchorCtr="1"/>
+          <a:lstStyle/>
+          <a:p>
+            <a:pPr algn="ctr"/>
+            <a:r>
+              <a:rPr lang="en-US" sz="750" dirty="0"/>
+              <a:t>Kafka Cluster</a:t>
+            </a:r>
+          </a:p>
+        </p:txBody>
+      </p:sp>
+      <p:sp>
+        <p:nvSpPr>
+          <p:cNvPr id="45" name="Rounded Rectangle 44">
+            <a:extLst>
+              <a:ext uri="{FF2B5EF4-FFF2-40B4-BE49-F238E27FC236}">
+                <a16:creationId xmlns:a16="http://schemas.microsoft.com/office/drawing/2014/main" id="{034D0250-3CFC-6843-9DDB-30E02E9EBC18}"/>
+              </a:ext>
+            </a:extLst>
+          </p:cNvPr>
+          <p:cNvSpPr/>
+          <p:nvPr/>
+        </p:nvSpPr>
+        <p:spPr>
+          <a:xfrm>
+            <a:off x="639544" y="2819064"/>
+            <a:ext cx="994405" cy="430365"/>
+          </a:xfrm>
+          <a:prstGeom prst="roundRect">
+            <a:avLst/>
+          </a:prstGeom>
+          <a:solidFill>
+            <a:srgbClr val="D8A602"/>
+          </a:solidFill>
+          <a:ln>
+            <a:noFill/>
+          </a:ln>
+          <a:effectLst>
+            <a:outerShdw blurRad="50800" dist="38100" dir="5400000" algn="t" rotWithShape="0">
+              <a:prstClr val="black">
+                <a:alpha val="40000"/>
+              </a:prstClr>
+            </a:outerShdw>
+          </a:effectLst>
+        </p:spPr>
+        <p:style>
+          <a:lnRef idx="2">
+            <a:schemeClr val="accent1">
+              <a:shade val="50000"/>
+            </a:schemeClr>
+          </a:lnRef>
+          <a:fillRef idx="1">
+            <a:schemeClr val="accent1"/>
+          </a:fillRef>
+          <a:effectRef idx="0">
+            <a:schemeClr val="accent1"/>
+          </a:effectRef>
+          <a:fontRef idx="minor">
+            <a:schemeClr val="lt1"/>
+          </a:fontRef>
+        </p:style>
+        <p:txBody>
+          <a:bodyPr rtlCol="0" anchor="t"/>
+          <a:lstStyle/>
+          <a:p>
+            <a:pPr algn="ctr" defTabSz="514350"/>
+            <a:r>
+              <a:rPr lang="en-US" sz="750" dirty="0">
+                <a:solidFill>
+                  <a:prstClr val="white"/>
+                </a:solidFill>
+                <a:latin typeface="Arial"/>
+              </a:rPr>
+              <a:t>Consumer</a:t>
+            </a:r>
+          </a:p>
+        </p:txBody>
+      </p:sp>
+      <p:sp>
+        <p:nvSpPr>
+          <p:cNvPr id="46" name="AutoShape 4">
+            <a:extLst>
+              <a:ext uri="{FF2B5EF4-FFF2-40B4-BE49-F238E27FC236}">
+                <a16:creationId xmlns:a16="http://schemas.microsoft.com/office/drawing/2014/main" id="{490EA60F-E5B8-2A4C-8350-F638E3310E3C}"/>
+              </a:ext>
+            </a:extLst>
+          </p:cNvPr>
+          <p:cNvSpPr>
+            <a:spLocks noChangeArrowheads="1"/>
+          </p:cNvSpPr>
+          <p:nvPr/>
+        </p:nvSpPr>
+        <p:spPr bwMode="auto">
+          <a:xfrm>
+            <a:off x="2008858" y="2530237"/>
+            <a:ext cx="1812650" cy="745412"/>
+          </a:xfrm>
+          <a:prstGeom prst="roundRect">
+            <a:avLst>
+              <a:gd name="adj" fmla="val 7117"/>
+            </a:avLst>
+          </a:prstGeom>
+          <a:noFill/>
+          <a:ln w="12700">
+            <a:solidFill>
+              <a:schemeClr val="accent3"/>
+            </a:solidFill>
+            <a:prstDash val="dash"/>
+            <a:round/>
+            <a:headEnd/>
+            <a:tailEnd/>
+          </a:ln>
+        </p:spPr>
+        <p:txBody>
+          <a:bodyPr lIns="0" tIns="0" rIns="0" bIns="0" anchor="b" anchorCtr="1"/>
+          <a:lstStyle/>
+          <a:p>
+            <a:pPr algn="ctr"/>
+            <a:r>
+              <a:rPr lang="en-US" sz="750" dirty="0"/>
+              <a:t>Kafka Connect Cluster</a:t>
+            </a:r>
+          </a:p>
+        </p:txBody>
+      </p:sp>
+      <p:sp>
+        <p:nvSpPr>
+          <p:cNvPr id="52" name="Cloud 51">
+            <a:extLst>
+              <a:ext uri="{FF2B5EF4-FFF2-40B4-BE49-F238E27FC236}">
+                <a16:creationId xmlns:a16="http://schemas.microsoft.com/office/drawing/2014/main" id="{4695F1F6-1E1D-364B-B95A-5F6E3043E184}"/>
+              </a:ext>
+            </a:extLst>
+          </p:cNvPr>
+          <p:cNvSpPr/>
+          <p:nvPr/>
+        </p:nvSpPr>
+        <p:spPr>
+          <a:xfrm rot="16200000">
+            <a:off x="3800806" y="2418013"/>
+            <a:ext cx="1442045" cy="393701"/>
+          </a:xfrm>
+          <a:prstGeom prst="cloud">
+            <a:avLst/>
+          </a:prstGeom>
+          <a:noFill/>
+          <a:ln>
+            <a:solidFill>
+              <a:schemeClr val="tx2">
+                <a:lumMod val="60000"/>
+                <a:lumOff val="40000"/>
+              </a:schemeClr>
+            </a:solidFill>
+          </a:ln>
+        </p:spPr>
+        <p:style>
+          <a:lnRef idx="2">
+            <a:schemeClr val="accent1">
+              <a:shade val="50000"/>
+            </a:schemeClr>
+          </a:lnRef>
+          <a:fillRef idx="1">
+            <a:schemeClr val="accent1"/>
+          </a:fillRef>
+          <a:effectRef idx="0">
+            <a:schemeClr val="accent1"/>
+          </a:effectRef>
+          <a:fontRef idx="minor">
+            <a:schemeClr val="lt1"/>
+          </a:fontRef>
+        </p:style>
+        <p:txBody>
+          <a:bodyPr rtlCol="0" anchor="ctr"/>
+          <a:lstStyle/>
+          <a:p>
+            <a:pPr algn="ctr"/>
+            <a:endParaRPr lang="en-US" sz="1013"/>
+          </a:p>
+        </p:txBody>
+      </p:sp>
+      <p:pic>
+        <p:nvPicPr>
+          <p:cNvPr id="37" name="Picture 36">
+            <a:extLst>
+              <a:ext uri="{FF2B5EF4-FFF2-40B4-BE49-F238E27FC236}">
+                <a16:creationId xmlns:a16="http://schemas.microsoft.com/office/drawing/2014/main" id="{6D8F6862-7739-D946-A521-B5976D86EED8}"/>
+              </a:ext>
+            </a:extLst>
+          </p:cNvPr>
+          <p:cNvPicPr>
+            <a:picLocks noChangeAspect="1"/>
+          </p:cNvPicPr>
+          <p:nvPr/>
+        </p:nvPicPr>
+        <p:blipFill>
+          <a:blip r:embed="rId2"/>
+          <a:stretch>
+            <a:fillRect/>
+          </a:stretch>
+        </p:blipFill>
+        <p:spPr>
+          <a:xfrm>
+            <a:off x="1956920" y="2941013"/>
+            <a:ext cx="376238" cy="371475"/>
+          </a:xfrm>
+          <a:prstGeom prst="rect">
+            <a:avLst/>
+          </a:prstGeom>
+        </p:spPr>
+      </p:pic>
+      <p:sp>
+        <p:nvSpPr>
+          <p:cNvPr id="38" name="Rounded Rectangle 37">
+            <a:extLst>
+              <a:ext uri="{FF2B5EF4-FFF2-40B4-BE49-F238E27FC236}">
+                <a16:creationId xmlns:a16="http://schemas.microsoft.com/office/drawing/2014/main" id="{B8888133-CCF3-0944-9B5C-B88A02187A65}"/>
+              </a:ext>
+            </a:extLst>
+          </p:cNvPr>
+          <p:cNvSpPr/>
+          <p:nvPr/>
+        </p:nvSpPr>
+        <p:spPr>
+          <a:xfrm>
+            <a:off x="2463609" y="2672578"/>
+            <a:ext cx="994405" cy="292973"/>
+          </a:xfrm>
+          <a:prstGeom prst="roundRect">
+            <a:avLst/>
+          </a:prstGeom>
+          <a:solidFill>
+            <a:srgbClr val="7030A0"/>
+          </a:solidFill>
+          <a:ln>
+            <a:noFill/>
+          </a:ln>
+          <a:effectLst>
+            <a:outerShdw blurRad="50800" dist="38100" dir="5400000" algn="t" rotWithShape="0">
+              <a:prstClr val="black">
+                <a:alpha val="40000"/>
+              </a:prstClr>
+            </a:outerShdw>
+          </a:effectLst>
+        </p:spPr>
+        <p:style>
+          <a:lnRef idx="2">
+            <a:schemeClr val="accent1">
+              <a:shade val="50000"/>
+            </a:schemeClr>
+          </a:lnRef>
+          <a:fillRef idx="1">
+            <a:schemeClr val="accent1"/>
+          </a:fillRef>
+          <a:effectRef idx="0">
+            <a:schemeClr val="accent1"/>
+          </a:effectRef>
+          <a:fontRef idx="minor">
+            <a:schemeClr val="lt1"/>
+          </a:fontRef>
+        </p:style>
+        <p:txBody>
+          <a:bodyPr rtlCol="0" anchor="t"/>
+          <a:lstStyle/>
+          <a:p>
+            <a:pPr algn="ctr" defTabSz="514350"/>
+            <a:r>
+              <a:rPr lang="en-US" sz="750">
+                <a:solidFill>
+                  <a:prstClr val="white"/>
+                </a:solidFill>
+                <a:latin typeface="Arial"/>
+              </a:rPr>
+              <a:t>Mirror Maker 2.0</a:t>
+            </a:r>
+          </a:p>
+        </p:txBody>
+      </p:sp>
+      <p:sp>
+        <p:nvSpPr>
+          <p:cNvPr id="7" name="TextBox 6">
+            <a:extLst>
+              <a:ext uri="{FF2B5EF4-FFF2-40B4-BE49-F238E27FC236}">
+                <a16:creationId xmlns:a16="http://schemas.microsoft.com/office/drawing/2014/main" id="{9C49EA51-B835-094C-91A0-D088AFF81C4B}"/>
+              </a:ext>
+            </a:extLst>
+          </p:cNvPr>
+          <p:cNvSpPr txBox="1"/>
+          <p:nvPr/>
+        </p:nvSpPr>
+        <p:spPr>
+          <a:xfrm>
+            <a:off x="3263370" y="1476355"/>
+            <a:ext cx="577402" cy="276999"/>
+          </a:xfrm>
+          <a:prstGeom prst="rect">
+            <a:avLst/>
+          </a:prstGeom>
+          <a:noFill/>
+        </p:spPr>
+        <p:txBody>
+          <a:bodyPr wrap="none" rtlCol="0">
+            <a:spAutoFit/>
+          </a:bodyPr>
+          <a:lstStyle/>
+          <a:p>
+            <a:r>
+              <a:rPr lang="en-US" sz="1200" dirty="0"/>
+              <a:t>target</a:t>
+            </a:r>
+          </a:p>
+        </p:txBody>
+      </p:sp>
+      <p:sp>
+        <p:nvSpPr>
+          <p:cNvPr id="39" name="TextBox 38">
+            <a:extLst>
+              <a:ext uri="{FF2B5EF4-FFF2-40B4-BE49-F238E27FC236}">
+                <a16:creationId xmlns:a16="http://schemas.microsoft.com/office/drawing/2014/main" id="{E43F178F-4B90-3F45-964F-1FF716720D0E}"/>
+              </a:ext>
+            </a:extLst>
+          </p:cNvPr>
+          <p:cNvSpPr txBox="1"/>
+          <p:nvPr/>
+        </p:nvSpPr>
+        <p:spPr>
+          <a:xfrm>
+            <a:off x="7050077" y="2011888"/>
+            <a:ext cx="644728" cy="276999"/>
+          </a:xfrm>
+          <a:prstGeom prst="rect">
+            <a:avLst/>
+          </a:prstGeom>
+          <a:noFill/>
+        </p:spPr>
+        <p:txBody>
+          <a:bodyPr wrap="none" rtlCol="0">
+            <a:spAutoFit/>
+          </a:bodyPr>
+          <a:lstStyle/>
+          <a:p>
+            <a:r>
+              <a:rPr lang="en-US" sz="1200" dirty="0"/>
+              <a:t>source</a:t>
+            </a:r>
+          </a:p>
+        </p:txBody>
+      </p:sp>
+      <p:cxnSp>
+        <p:nvCxnSpPr>
+          <p:cNvPr id="21" name="Elbow Connector 20">
+            <a:extLst>
+              <a:ext uri="{FF2B5EF4-FFF2-40B4-BE49-F238E27FC236}">
+                <a16:creationId xmlns:a16="http://schemas.microsoft.com/office/drawing/2014/main" id="{1FA5726D-2767-B849-85A3-7CAA002588F7}"/>
+              </a:ext>
+            </a:extLst>
+          </p:cNvPr>
+          <p:cNvCxnSpPr>
+            <a:cxnSpLocks/>
+            <a:stCxn id="11" idx="0"/>
+            <a:endCxn id="38" idx="3"/>
+          </p:cNvCxnSpPr>
+          <p:nvPr/>
+        </p:nvCxnSpPr>
+        <p:spPr>
+          <a:xfrm rot="16200000" flipH="1" flipV="1">
+            <a:off x="4151319" y="941274"/>
+            <a:ext cx="1184485" cy="2571095"/>
+          </a:xfrm>
+          <a:prstGeom prst="bentConnector4">
+            <a:avLst>
+              <a:gd name="adj1" fmla="val -20323"/>
+              <a:gd name="adj2" fmla="val 58618"/>
+            </a:avLst>
+          </a:prstGeom>
+          <a:ln w="15875">
+            <a:solidFill>
+              <a:srgbClr val="7030A0"/>
+            </a:solidFill>
+            <a:tailEnd type="triangle"/>
+          </a:ln>
+          <a:effectLst/>
+        </p:spPr>
+        <p:style>
+          <a:lnRef idx="2">
+            <a:schemeClr val="accent1"/>
+          </a:lnRef>
+          <a:fillRef idx="0">
+            <a:schemeClr val="accent1"/>
+          </a:fillRef>
+          <a:effectRef idx="1">
+            <a:schemeClr val="accent1"/>
+          </a:effectRef>
+          <a:fontRef idx="minor">
+            <a:schemeClr val="tx1"/>
+          </a:fontRef>
+        </p:style>
+      </p:cxnSp>
+      <p:cxnSp>
+        <p:nvCxnSpPr>
+          <p:cNvPr id="53" name="Elbow Connector 52">
+            <a:extLst>
+              <a:ext uri="{FF2B5EF4-FFF2-40B4-BE49-F238E27FC236}">
+                <a16:creationId xmlns:a16="http://schemas.microsoft.com/office/drawing/2014/main" id="{0DC1C79B-85E9-B246-88E9-908878ECC75B}"/>
+              </a:ext>
+            </a:extLst>
+          </p:cNvPr>
+          <p:cNvCxnSpPr>
+            <a:cxnSpLocks/>
+            <a:stCxn id="38" idx="1"/>
+            <a:endCxn id="33" idx="2"/>
+          </p:cNvCxnSpPr>
+          <p:nvPr/>
+        </p:nvCxnSpPr>
+        <p:spPr>
+          <a:xfrm rot="10800000">
+            <a:off x="1943108" y="2046570"/>
+            <a:ext cx="520502" cy="772494"/>
+          </a:xfrm>
+          <a:prstGeom prst="bentConnector2">
+            <a:avLst/>
+          </a:prstGeom>
+          <a:ln w="15875">
+            <a:solidFill>
+              <a:srgbClr val="7030A0"/>
+            </a:solidFill>
+            <a:tailEnd type="triangle"/>
+          </a:ln>
+          <a:effectLst/>
+        </p:spPr>
+        <p:style>
+          <a:lnRef idx="2">
+            <a:schemeClr val="accent1"/>
+          </a:lnRef>
+          <a:fillRef idx="0">
+            <a:schemeClr val="accent1"/>
+          </a:fillRef>
+          <a:effectRef idx="1">
+            <a:schemeClr val="accent1"/>
+          </a:effectRef>
+          <a:fontRef idx="minor">
+            <a:schemeClr val="tx1"/>
+          </a:fontRef>
+        </p:style>
+      </p:cxnSp>
+      <p:sp>
+        <p:nvSpPr>
+          <p:cNvPr id="49" name="Rounded Rectangle 48">
+            <a:extLst>
+              <a:ext uri="{FF2B5EF4-FFF2-40B4-BE49-F238E27FC236}">
+                <a16:creationId xmlns:a16="http://schemas.microsoft.com/office/drawing/2014/main" id="{0B0F9AEA-B6CC-084B-A827-8EC8E3F6D6A5}"/>
+              </a:ext>
+            </a:extLst>
+          </p:cNvPr>
+          <p:cNvSpPr/>
+          <p:nvPr/>
+        </p:nvSpPr>
+        <p:spPr>
+          <a:xfrm>
+            <a:off x="6982404" y="2975166"/>
+            <a:ext cx="1218911" cy="371475"/>
+          </a:xfrm>
+          <a:prstGeom prst="roundRect">
+            <a:avLst/>
+          </a:prstGeom>
+          <a:solidFill>
+            <a:srgbClr val="D8A602"/>
+          </a:solidFill>
+          <a:ln>
+            <a:noFill/>
+          </a:ln>
+          <a:effectLst>
+            <a:outerShdw blurRad="50800" dist="38100" dir="5400000" algn="t" rotWithShape="0">
+              <a:prstClr val="black">
+                <a:alpha val="40000"/>
+              </a:prstClr>
+            </a:outerShdw>
+          </a:effectLst>
+        </p:spPr>
+        <p:style>
+          <a:lnRef idx="2">
+            <a:schemeClr val="accent1">
+              <a:shade val="50000"/>
+            </a:schemeClr>
+          </a:lnRef>
+          <a:fillRef idx="1">
+            <a:schemeClr val="accent1"/>
+          </a:fillRef>
+          <a:effectRef idx="0">
+            <a:schemeClr val="accent1"/>
+          </a:effectRef>
+          <a:fontRef idx="minor">
+            <a:schemeClr val="lt1"/>
+          </a:fontRef>
+        </p:style>
+        <p:txBody>
+          <a:bodyPr rtlCol="0" anchor="t"/>
+          <a:lstStyle/>
+          <a:p>
+            <a:pPr algn="ctr" defTabSz="514350"/>
+            <a:r>
+              <a:rPr lang="en-US" sz="750" dirty="0">
+                <a:solidFill>
+                  <a:prstClr val="white"/>
+                </a:solidFill>
+              </a:rPr>
+              <a:t>Producer</a:t>
+            </a:r>
+            <a:endParaRPr lang="en-US" sz="750" dirty="0">
+              <a:solidFill>
+                <a:prstClr val="white"/>
+              </a:solidFill>
+              <a:latin typeface="Arial"/>
+            </a:endParaRPr>
+          </a:p>
+        </p:txBody>
+      </p:sp>
+      <p:cxnSp>
+        <p:nvCxnSpPr>
+          <p:cNvPr id="22" name="Elbow Connector 21">
+            <a:extLst>
+              <a:ext uri="{FF2B5EF4-FFF2-40B4-BE49-F238E27FC236}">
+                <a16:creationId xmlns:a16="http://schemas.microsoft.com/office/drawing/2014/main" id="{44F8EE2A-5BE0-E545-925C-5D70891B4DA5}"/>
+              </a:ext>
+            </a:extLst>
+          </p:cNvPr>
+          <p:cNvCxnSpPr>
+            <a:cxnSpLocks/>
+            <a:stCxn id="32" idx="2"/>
+            <a:endCxn id="45" idx="0"/>
+          </p:cNvCxnSpPr>
+          <p:nvPr/>
+        </p:nvCxnSpPr>
+        <p:spPr>
+          <a:xfrm rot="5400000">
+            <a:off x="1088769" y="2094549"/>
+            <a:ext cx="772494" cy="676537"/>
+          </a:xfrm>
+          <a:prstGeom prst="bentConnector3">
+            <a:avLst/>
+          </a:prstGeom>
+          <a:ln>
+            <a:solidFill>
+              <a:schemeClr val="accent6"/>
+            </a:solidFill>
+            <a:tailEnd type="triangle"/>
+          </a:ln>
+          <a:effectLst/>
+        </p:spPr>
+        <p:style>
+          <a:lnRef idx="2">
+            <a:schemeClr val="accent1"/>
+          </a:lnRef>
+          <a:fillRef idx="0">
+            <a:schemeClr val="accent1"/>
+          </a:fillRef>
+          <a:effectRef idx="1">
+            <a:schemeClr val="accent1"/>
+          </a:effectRef>
+          <a:fontRef idx="minor">
+            <a:schemeClr val="tx1"/>
+          </a:fontRef>
+        </p:style>
+      </p:cxnSp>
+      <p:cxnSp>
+        <p:nvCxnSpPr>
+          <p:cNvPr id="24" name="Elbow Connector 23">
+            <a:extLst>
+              <a:ext uri="{FF2B5EF4-FFF2-40B4-BE49-F238E27FC236}">
+                <a16:creationId xmlns:a16="http://schemas.microsoft.com/office/drawing/2014/main" id="{C6D643C2-3EE4-B147-B10E-BCE4D3790797}"/>
+              </a:ext>
+            </a:extLst>
+          </p:cNvPr>
+          <p:cNvCxnSpPr>
+            <a:cxnSpLocks/>
+            <a:stCxn id="49" idx="0"/>
+            <a:endCxn id="13" idx="2"/>
+          </p:cNvCxnSpPr>
+          <p:nvPr/>
+        </p:nvCxnSpPr>
+        <p:spPr>
+          <a:xfrm rot="16200000" flipV="1">
+            <a:off x="6479905" y="1863210"/>
+            <a:ext cx="929111" cy="1294801"/>
+          </a:xfrm>
+          <a:prstGeom prst="bentConnector3">
+            <a:avLst>
+              <a:gd name="adj1" fmla="val 50000"/>
+            </a:avLst>
+          </a:prstGeom>
+          <a:ln>
+            <a:solidFill>
+              <a:schemeClr val="accent6"/>
+            </a:solidFill>
+            <a:tailEnd type="triangle"/>
+          </a:ln>
+          <a:effectLst/>
+        </p:spPr>
+        <p:style>
+          <a:lnRef idx="2">
+            <a:schemeClr val="accent1"/>
+          </a:lnRef>
+          <a:fillRef idx="0">
+            <a:schemeClr val="accent1"/>
+          </a:fillRef>
+          <a:effectRef idx="1">
+            <a:schemeClr val="accent1"/>
+          </a:effectRef>
+          <a:fontRef idx="minor">
+            <a:schemeClr val="tx1"/>
+          </a:fontRef>
+        </p:style>
+      </p:cxnSp>
+      <p:sp>
+        <p:nvSpPr>
+          <p:cNvPr id="17" name="TextBox 16">
+            <a:extLst>
+              <a:ext uri="{FF2B5EF4-FFF2-40B4-BE49-F238E27FC236}">
+                <a16:creationId xmlns:a16="http://schemas.microsoft.com/office/drawing/2014/main" id="{1A0874EA-0F31-A94D-A496-B7D42FBB31A3}"/>
+              </a:ext>
+            </a:extLst>
+          </p:cNvPr>
+          <p:cNvSpPr txBox="1"/>
+          <p:nvPr/>
+        </p:nvSpPr>
+        <p:spPr>
+          <a:xfrm>
+            <a:off x="6369341" y="1637937"/>
+            <a:ext cx="482824" cy="207749"/>
+          </a:xfrm>
+          <a:prstGeom prst="rect">
+            <a:avLst/>
+          </a:prstGeom>
+          <a:noFill/>
+        </p:spPr>
+        <p:txBody>
+          <a:bodyPr wrap="none" rtlCol="0">
+            <a:spAutoFit/>
+          </a:bodyPr>
+          <a:lstStyle/>
+          <a:p>
+            <a:r>
+              <a:rPr lang="en-US" sz="750" b="1" dirty="0"/>
+              <a:t>orders</a:t>
+            </a:r>
+          </a:p>
+        </p:txBody>
+      </p:sp>
+      <p:sp>
+        <p:nvSpPr>
+          <p:cNvPr id="44" name="TextBox 43">
+            <a:extLst>
+              <a:ext uri="{FF2B5EF4-FFF2-40B4-BE49-F238E27FC236}">
+                <a16:creationId xmlns:a16="http://schemas.microsoft.com/office/drawing/2014/main" id="{E60BBBCD-AD4E-A94D-A062-4C15C724E8D6}"/>
+              </a:ext>
+            </a:extLst>
+          </p:cNvPr>
+          <p:cNvSpPr txBox="1"/>
+          <p:nvPr/>
+        </p:nvSpPr>
+        <p:spPr>
+          <a:xfrm>
+            <a:off x="2007036" y="1655652"/>
+            <a:ext cx="824265" cy="207749"/>
+          </a:xfrm>
+          <a:prstGeom prst="rect">
+            <a:avLst/>
+          </a:prstGeom>
+          <a:noFill/>
+        </p:spPr>
+        <p:txBody>
+          <a:bodyPr wrap="none" rtlCol="0">
+            <a:spAutoFit/>
+          </a:bodyPr>
+          <a:lstStyle/>
+          <a:p>
+            <a:r>
+              <a:rPr lang="en-US" sz="750" b="1" dirty="0"/>
+              <a:t>source.orders</a:t>
+            </a:r>
+          </a:p>
+        </p:txBody>
+      </p:sp>
+      <p:pic>
+        <p:nvPicPr>
+          <p:cNvPr id="41" name="Picture 40">
+            <a:extLst>
+              <a:ext uri="{FF2B5EF4-FFF2-40B4-BE49-F238E27FC236}">
+                <a16:creationId xmlns:a16="http://schemas.microsoft.com/office/drawing/2014/main" id="{56C25C81-9BFA-624C-9CA8-B1ED9F6886F8}"/>
+              </a:ext>
+            </a:extLst>
+          </p:cNvPr>
+          <p:cNvPicPr>
+            <a:picLocks noChangeAspect="1"/>
+          </p:cNvPicPr>
+          <p:nvPr/>
+        </p:nvPicPr>
+        <p:blipFill>
+          <a:blip r:embed="rId3">
+            <a:extLst>
+              <a:ext uri="{28A0092B-C50C-407E-A947-70E740481C1C}">
+                <a14:useLocalDpi xmlns:a14="http://schemas.microsoft.com/office/drawing/2010/main" val="0"/>
+              </a:ext>
+            </a:extLst>
+          </a:blip>
+          <a:stretch>
+            <a:fillRect/>
+          </a:stretch>
+        </p:blipFill>
+        <p:spPr>
+          <a:xfrm>
+            <a:off x="4945417" y="1503235"/>
+            <a:ext cx="191007" cy="252252"/>
+          </a:xfrm>
+          <a:prstGeom prst="rect">
+            <a:avLst/>
+          </a:prstGeom>
+        </p:spPr>
+      </p:pic>
+      <p:pic>
+        <p:nvPicPr>
+          <p:cNvPr id="42" name="Picture 41">
+            <a:extLst>
+              <a:ext uri="{FF2B5EF4-FFF2-40B4-BE49-F238E27FC236}">
+                <a16:creationId xmlns:a16="http://schemas.microsoft.com/office/drawing/2014/main" id="{68211D15-A32F-8943-9E1A-48A59F5DFCD2}"/>
+              </a:ext>
+            </a:extLst>
+          </p:cNvPr>
+          <p:cNvPicPr>
+            <a:picLocks noChangeAspect="1"/>
+          </p:cNvPicPr>
+          <p:nvPr/>
+        </p:nvPicPr>
+        <p:blipFill>
+          <a:blip r:embed="rId3">
+            <a:extLst>
+              <a:ext uri="{28A0092B-C50C-407E-A947-70E740481C1C}">
+                <a14:useLocalDpi xmlns:a14="http://schemas.microsoft.com/office/drawing/2010/main" val="0"/>
+              </a:ext>
+            </a:extLst>
+          </a:blip>
+          <a:stretch>
+            <a:fillRect/>
+          </a:stretch>
+        </p:blipFill>
+        <p:spPr>
+          <a:xfrm>
+            <a:off x="632701" y="1536885"/>
+            <a:ext cx="191007" cy="252252"/>
+          </a:xfrm>
+          <a:prstGeom prst="rect">
+            <a:avLst/>
+          </a:prstGeom>
+        </p:spPr>
+      </p:pic>
+      <p:pic>
+        <p:nvPicPr>
+          <p:cNvPr id="43" name="Picture 42">
+            <a:extLst>
+              <a:ext uri="{FF2B5EF4-FFF2-40B4-BE49-F238E27FC236}">
+                <a16:creationId xmlns:a16="http://schemas.microsoft.com/office/drawing/2014/main" id="{17C8EA92-3D3A-6646-A77F-C2E199089CD1}"/>
+              </a:ext>
+            </a:extLst>
+          </p:cNvPr>
+          <p:cNvPicPr>
+            <a:picLocks noChangeAspect="1"/>
+          </p:cNvPicPr>
+          <p:nvPr/>
+        </p:nvPicPr>
+        <p:blipFill>
+          <a:blip r:embed="rId4"/>
+          <a:stretch>
+            <a:fillRect/>
+          </a:stretch>
+        </p:blipFill>
+        <p:spPr>
+          <a:xfrm>
+            <a:off x="356381" y="3625830"/>
+            <a:ext cx="261023" cy="238649"/>
+          </a:xfrm>
+          <a:prstGeom prst="rect">
+            <a:avLst/>
+          </a:prstGeom>
+        </p:spPr>
+      </p:pic>
+      <p:sp>
+        <p:nvSpPr>
+          <p:cNvPr id="47" name="AutoShape 4">
+            <a:extLst>
+              <a:ext uri="{FF2B5EF4-FFF2-40B4-BE49-F238E27FC236}">
+                <a16:creationId xmlns:a16="http://schemas.microsoft.com/office/drawing/2014/main" id="{A00EABA6-52E6-B747-BCD6-7A397FE9059C}"/>
+              </a:ext>
+            </a:extLst>
+          </p:cNvPr>
+          <p:cNvSpPr>
+            <a:spLocks noChangeArrowheads="1"/>
+          </p:cNvSpPr>
+          <p:nvPr/>
+        </p:nvSpPr>
+        <p:spPr bwMode="auto">
+          <a:xfrm>
+            <a:off x="4945416" y="2790647"/>
+            <a:ext cx="3333325" cy="814403"/>
+          </a:xfrm>
+          <a:prstGeom prst="roundRect">
+            <a:avLst>
+              <a:gd name="adj" fmla="val 3325"/>
+            </a:avLst>
+          </a:prstGeom>
+          <a:noFill/>
+          <a:ln w="12700">
+            <a:solidFill>
+              <a:schemeClr val="accent3"/>
+            </a:solidFill>
+            <a:prstDash val="dash"/>
+            <a:round/>
+            <a:headEnd/>
+            <a:tailEnd/>
+          </a:ln>
+        </p:spPr>
+        <p:txBody>
+          <a:bodyPr lIns="0" tIns="0" rIns="0" bIns="0" anchor="b" anchorCtr="1"/>
+          <a:lstStyle/>
+          <a:p>
+            <a:pPr algn="ctr"/>
+            <a:r>
+              <a:rPr lang="en-US" sz="750" dirty="0" err="1"/>
+              <a:t>Openshift</a:t>
+            </a:r>
+            <a:r>
+              <a:rPr lang="en-US" sz="750" dirty="0"/>
+              <a:t> on Kubernetes Service</a:t>
+            </a:r>
+          </a:p>
+        </p:txBody>
+      </p:sp>
+      <p:pic>
+        <p:nvPicPr>
+          <p:cNvPr id="48" name="Picture 47">
+            <a:extLst>
+              <a:ext uri="{FF2B5EF4-FFF2-40B4-BE49-F238E27FC236}">
+                <a16:creationId xmlns:a16="http://schemas.microsoft.com/office/drawing/2014/main" id="{D9A1D566-7274-254B-B86D-75F32B5130BE}"/>
+              </a:ext>
+            </a:extLst>
+          </p:cNvPr>
+          <p:cNvPicPr>
+            <a:picLocks noChangeAspect="1"/>
+          </p:cNvPicPr>
+          <p:nvPr/>
+        </p:nvPicPr>
+        <p:blipFill>
+          <a:blip r:embed="rId4"/>
+          <a:stretch>
+            <a:fillRect/>
+          </a:stretch>
+        </p:blipFill>
+        <p:spPr>
+          <a:xfrm>
+            <a:off x="4938273" y="3386344"/>
+            <a:ext cx="261023" cy="238649"/>
+          </a:xfrm>
+          <a:prstGeom prst="rect">
+            <a:avLst/>
+          </a:prstGeom>
+        </p:spPr>
+      </p:pic>
+      <p:pic>
+        <p:nvPicPr>
+          <p:cNvPr id="50" name="Picture 49" descr="A picture containing sign, clock&#10;&#10;Description automatically generated">
+            <a:extLst>
+              <a:ext uri="{FF2B5EF4-FFF2-40B4-BE49-F238E27FC236}">
+                <a16:creationId xmlns:a16="http://schemas.microsoft.com/office/drawing/2014/main" id="{18D36C91-09E9-144D-BA4D-78F0917B3606}"/>
+              </a:ext>
+            </a:extLst>
+          </p:cNvPr>
+          <p:cNvPicPr>
+            <a:picLocks noChangeAspect="1"/>
+          </p:cNvPicPr>
+          <p:nvPr/>
+        </p:nvPicPr>
+        <p:blipFill>
+          <a:blip r:embed="rId5"/>
+          <a:stretch>
+            <a:fillRect/>
+          </a:stretch>
+        </p:blipFill>
+        <p:spPr>
+          <a:xfrm>
+            <a:off x="8002594" y="1071776"/>
+            <a:ext cx="397442" cy="351885"/>
+          </a:xfrm>
+          <a:prstGeom prst="rect">
+            <a:avLst/>
+          </a:prstGeom>
+        </p:spPr>
+      </p:pic>
+    </p:spTree>
+    <p:extLst>
+      <p:ext uri="{BB962C8B-B14F-4D97-AF65-F5344CB8AC3E}">
+        <p14:creationId xmlns:p14="http://schemas.microsoft.com/office/powerpoint/2010/main" val="616788447"/>
+      </p:ext>
+    </p:extLst>
+  </p:cSld>
+  <p:clrMapOvr>
+    <a:masterClrMapping/>
+  </p:clrMapOvr>
+</p:sld>
+</file>
+
+<file path=ppt/slides/slide2.xml><?xml version="1.0" encoding="utf-8"?>
+<p:sld xmlns:a="http://schemas.openxmlformats.org/drawingml/2006/main" xmlns:r="http://schemas.openxmlformats.org/officeDocument/2006/relationships" xmlns:p="http://schemas.openxmlformats.org/presentationml/2006/main">
+  <p:cSld>
+    <p:spTree>
+      <p:nvGrpSpPr>
+        <p:cNvPr id="1" name=""/>
+        <p:cNvGrpSpPr/>
+        <p:nvPr/>
+      </p:nvGrpSpPr>
+      <p:grpSpPr>
+        <a:xfrm>
+          <a:off x="0" y="0"/>
+          <a:ext cx="0" cy="0"/>
+          <a:chOff x="0" y="0"/>
+          <a:chExt cx="0" cy="0"/>
+        </a:xfrm>
+      </p:grpSpPr>
+      <p:sp>
+        <p:nvSpPr>
+          <p:cNvPr id="2" name="Title 1">
+            <a:extLst>
+              <a:ext uri="{FF2B5EF4-FFF2-40B4-BE49-F238E27FC236}">
+                <a16:creationId xmlns:a16="http://schemas.microsoft.com/office/drawing/2014/main" id="{7DD0824B-9D29-3747-BFBA-533EF2DF6980}"/>
+              </a:ext>
+            </a:extLst>
+          </p:cNvPr>
+          <p:cNvSpPr>
+            <a:spLocks noGrp="1"/>
+          </p:cNvSpPr>
+          <p:nvPr>
+            <p:ph type="title"/>
+          </p:nvPr>
+        </p:nvSpPr>
+        <p:spPr/>
+        <p:txBody>
+          <a:bodyPr/>
+          <a:lstStyle/>
+          <a:p>
+            <a:r>
+              <a:rPr lang="en-US" dirty="0"/>
+              <a:t>Performance Test</a:t>
+            </a:r>
+          </a:p>
+        </p:txBody>
+      </p:sp>
+      <p:sp>
+        <p:nvSpPr>
+          <p:cNvPr id="4" name="Slide Number Placeholder 3">
+            <a:extLst>
+              <a:ext uri="{FF2B5EF4-FFF2-40B4-BE49-F238E27FC236}">
+                <a16:creationId xmlns:a16="http://schemas.microsoft.com/office/drawing/2014/main" id="{223BEDBE-0C1E-504D-8318-92C91D8D607F}"/>
+              </a:ext>
+            </a:extLst>
+          </p:cNvPr>
+          <p:cNvSpPr>
+            <a:spLocks noGrp="1"/>
+          </p:cNvSpPr>
+          <p:nvPr>
+            <p:ph type="sldNum" sz="quarter" idx="12"/>
+          </p:nvPr>
+        </p:nvSpPr>
+        <p:spPr>
+          <a:xfrm>
+            <a:off x="11383211" y="6441552"/>
+            <a:ext cx="533845" cy="365125"/>
+          </a:xfrm>
+          <a:prstGeom prst="rect">
+            <a:avLst/>
+          </a:prstGeom>
+        </p:spPr>
+        <p:txBody>
+          <a:bodyPr vert="horz" lIns="91440" tIns="45720" rIns="91440" bIns="45720" rtlCol="0" anchor="ctr"/>
+          <a:lstStyle>
+            <a:defPPr>
+              <a:defRPr lang="en-US"/>
+            </a:defPPr>
+            <a:lvl1pPr algn="r" rtl="0" eaLnBrk="0" fontAlgn="base" hangingPunct="0">
+              <a:spcBef>
+                <a:spcPct val="0"/>
+              </a:spcBef>
+              <a:spcAft>
+                <a:spcPct val="0"/>
+              </a:spcAft>
+              <a:defRPr sz="1200" kern="1200">
+                <a:solidFill>
+                  <a:schemeClr val="tx1"/>
+                </a:solidFill>
+                <a:latin typeface="Arial" panose="020B0604020202020204" pitchFamily="34" charset="0"/>
+                <a:ea typeface="+mn-ea"/>
+                <a:cs typeface="Arial" panose="020B0604020202020204" pitchFamily="34" charset="0"/>
+              </a:defRPr>
+            </a:lvl1pPr>
+            <a:lvl2pPr marL="457071" algn="l" rtl="0" eaLnBrk="0" fontAlgn="base" hangingPunct="0">
+              <a:spcBef>
+                <a:spcPct val="0"/>
+              </a:spcBef>
+              <a:spcAft>
+                <a:spcPct val="0"/>
+              </a:spcAft>
+              <a:defRPr kern="1200">
+                <a:solidFill>
+                  <a:schemeClr val="tx1"/>
+                </a:solidFill>
+                <a:latin typeface="Arial" panose="020B0604020202020204" pitchFamily="34" charset="0"/>
+                <a:ea typeface="+mn-ea"/>
+                <a:cs typeface="Arial" panose="020B0604020202020204" pitchFamily="34" charset="0"/>
+              </a:defRPr>
+            </a:lvl2pPr>
+            <a:lvl3pPr marL="914150" algn="l" rtl="0" eaLnBrk="0" fontAlgn="base" hangingPunct="0">
+              <a:spcBef>
+                <a:spcPct val="0"/>
+              </a:spcBef>
+              <a:spcAft>
+                <a:spcPct val="0"/>
+              </a:spcAft>
+              <a:defRPr kern="1200">
+                <a:solidFill>
+                  <a:schemeClr val="tx1"/>
+                </a:solidFill>
+                <a:latin typeface="Arial" panose="020B0604020202020204" pitchFamily="34" charset="0"/>
+                <a:ea typeface="+mn-ea"/>
+                <a:cs typeface="Arial" panose="020B0604020202020204" pitchFamily="34" charset="0"/>
+              </a:defRPr>
+            </a:lvl3pPr>
+            <a:lvl4pPr marL="1371226" algn="l" rtl="0" eaLnBrk="0" fontAlgn="base" hangingPunct="0">
+              <a:spcBef>
+                <a:spcPct val="0"/>
+              </a:spcBef>
+              <a:spcAft>
+                <a:spcPct val="0"/>
+              </a:spcAft>
+              <a:defRPr kern="1200">
+                <a:solidFill>
+                  <a:schemeClr val="tx1"/>
+                </a:solidFill>
+                <a:latin typeface="Arial" panose="020B0604020202020204" pitchFamily="34" charset="0"/>
+                <a:ea typeface="+mn-ea"/>
+                <a:cs typeface="Arial" panose="020B0604020202020204" pitchFamily="34" charset="0"/>
+              </a:defRPr>
+            </a:lvl4pPr>
+            <a:lvl5pPr marL="1828301" algn="l" rtl="0" eaLnBrk="0" fontAlgn="base" hangingPunct="0">
+              <a:spcBef>
+                <a:spcPct val="0"/>
+              </a:spcBef>
+              <a:spcAft>
+                <a:spcPct val="0"/>
+              </a:spcAft>
+              <a:defRPr kern="1200">
+                <a:solidFill>
+                  <a:schemeClr val="tx1"/>
+                </a:solidFill>
+                <a:latin typeface="Arial" panose="020B0604020202020204" pitchFamily="34" charset="0"/>
+                <a:ea typeface="+mn-ea"/>
+                <a:cs typeface="Arial" panose="020B0604020202020204" pitchFamily="34" charset="0"/>
+              </a:defRPr>
+            </a:lvl5pPr>
+            <a:lvl6pPr marL="2285382" algn="l" defTabSz="914150" rtl="0" eaLnBrk="1" latinLnBrk="0" hangingPunct="1">
+              <a:defRPr kern="1200">
+                <a:solidFill>
+                  <a:schemeClr val="tx1"/>
+                </a:solidFill>
+                <a:latin typeface="Arial" panose="020B0604020202020204" pitchFamily="34" charset="0"/>
+                <a:ea typeface="+mn-ea"/>
+                <a:cs typeface="Arial" panose="020B0604020202020204" pitchFamily="34" charset="0"/>
+              </a:defRPr>
+            </a:lvl6pPr>
+            <a:lvl7pPr marL="2742450" algn="l" defTabSz="914150" rtl="0" eaLnBrk="1" latinLnBrk="0" hangingPunct="1">
+              <a:defRPr kern="1200">
+                <a:solidFill>
+                  <a:schemeClr val="tx1"/>
+                </a:solidFill>
+                <a:latin typeface="Arial" panose="020B0604020202020204" pitchFamily="34" charset="0"/>
+                <a:ea typeface="+mn-ea"/>
+                <a:cs typeface="Arial" panose="020B0604020202020204" pitchFamily="34" charset="0"/>
+              </a:defRPr>
+            </a:lvl7pPr>
+            <a:lvl8pPr marL="3199520" algn="l" defTabSz="914150" rtl="0" eaLnBrk="1" latinLnBrk="0" hangingPunct="1">
+              <a:defRPr kern="1200">
+                <a:solidFill>
+                  <a:schemeClr val="tx1"/>
+                </a:solidFill>
+                <a:latin typeface="Arial" panose="020B0604020202020204" pitchFamily="34" charset="0"/>
+                <a:ea typeface="+mn-ea"/>
+                <a:cs typeface="Arial" panose="020B0604020202020204" pitchFamily="34" charset="0"/>
+              </a:defRPr>
+            </a:lvl8pPr>
+            <a:lvl9pPr marL="3656591" algn="l" defTabSz="914150" rtl="0" eaLnBrk="1" latinLnBrk="0" hangingPunct="1">
+              <a:defRPr kern="1200">
+                <a:solidFill>
+                  <a:schemeClr val="tx1"/>
+                </a:solidFill>
+                <a:latin typeface="Arial" panose="020B0604020202020204" pitchFamily="34" charset="0"/>
+                <a:ea typeface="+mn-ea"/>
+                <a:cs typeface="Arial" panose="020B0604020202020204" pitchFamily="34" charset="0"/>
+              </a:defRPr>
+            </a:lvl9pPr>
+          </a:lstStyle>
+          <a:p>
+            <a:fld id="{E9549862-13E2-C34D-815E-8545BD36FC59}" type="slidenum">
+              <a:rPr lang="en-US" smtClean="0">
+                <a:solidFill>
+                  <a:srgbClr val="6D7777"/>
+                </a:solidFill>
+              </a:rPr>
+              <a:pPr/>
+              <a:t>2</a:t>
             </a:fld>
             <a:endParaRPr lang="en-US">
               <a:solidFill>
@@ -6965,7 +9358,7 @@
     </p:spTree>
     <p:extLst>
       <p:ext uri="{BB962C8B-B14F-4D97-AF65-F5344CB8AC3E}">
-        <p14:creationId xmlns:p14="http://schemas.microsoft.com/office/powerpoint/2010/main" val="616788447"/>
+        <p14:creationId xmlns:p14="http://schemas.microsoft.com/office/powerpoint/2010/main" val="3317554367"/>
       </p:ext>
     </p:extLst>
   </p:cSld>
@@ -6975,7 +9368,7 @@
 </p:sld>
 </file>
 
-<file path=ppt/slides/slide2.xml><?xml version="1.0" encoding="utf-8"?>
+<file path=ppt/slides/slide3.xml><?xml version="1.0" encoding="utf-8"?>
 <p:sld xmlns:a="http://schemas.openxmlformats.org/drawingml/2006/main" xmlns:r="http://schemas.openxmlformats.org/officeDocument/2006/relationships" xmlns:p="http://schemas.openxmlformats.org/presentationml/2006/main">
   <p:cSld>
     <p:spTree>
@@ -7049,7 +9442,7 @@
                 </a:solidFill>
               </a:rPr>
               <a:pPr/>
-              <a:t>2</a:t>
+              <a:t>3</a:t>
             </a:fld>
             <a:endParaRPr lang="en-US">
               <a:solidFill>
@@ -8347,7 +10740,7 @@
 </p:sld>
 </file>
 
-<file path=ppt/slides/slide3.xml><?xml version="1.0" encoding="utf-8"?>
+<file path=ppt/slides/slide4.xml><?xml version="1.0" encoding="utf-8"?>
 <p:sld xmlns:a="http://schemas.openxmlformats.org/drawingml/2006/main" xmlns:r="http://schemas.openxmlformats.org/officeDocument/2006/relationships" xmlns:p="http://schemas.openxmlformats.org/presentationml/2006/main">
   <p:cSld>
     <p:spTree>
@@ -8421,7 +10814,7 @@
                 </a:solidFill>
               </a:rPr>
               <a:pPr/>
-              <a:t>3</a:t>
+              <a:t>4</a:t>
             </a:fld>
             <a:endParaRPr lang="en-US">
               <a:solidFill>
@@ -10540,7 +12933,7 @@
 </p:sld>
 </file>
 
-<file path=ppt/slides/slide4.xml><?xml version="1.0" encoding="utf-8"?>
+<file path=ppt/slides/slide5.xml><?xml version="1.0" encoding="utf-8"?>
 <p:sld xmlns:a="http://schemas.openxmlformats.org/drawingml/2006/main" xmlns:r="http://schemas.openxmlformats.org/officeDocument/2006/relationships" xmlns:p="http://schemas.openxmlformats.org/presentationml/2006/main">
   <p:cSld>
     <p:spTree>
@@ -10614,7 +13007,7 @@
                 </a:solidFill>
               </a:rPr>
               <a:pPr/>
-              <a:t>4</a:t>
+              <a:t>5</a:t>
             </a:fld>
             <a:endParaRPr lang="en-US">
               <a:solidFill>
@@ -14116,7 +16509,7 @@
 </p:sld>
 </file>
 
-<file path=ppt/slides/slide5.xml><?xml version="1.0" encoding="utf-8"?>
+<file path=ppt/slides/slide6.xml><?xml version="1.0" encoding="utf-8"?>
 <p:sld xmlns:a="http://schemas.openxmlformats.org/drawingml/2006/main" xmlns:r="http://schemas.openxmlformats.org/officeDocument/2006/relationships" xmlns:p="http://schemas.openxmlformats.org/presentationml/2006/main">
   <p:cSld>
     <p:spTree>
@@ -14190,7 +16583,7 @@
                 </a:solidFill>
               </a:rPr>
               <a:pPr/>
-              <a:t>5</a:t>
+              <a:t>6</a:t>
             </a:fld>
             <a:endParaRPr lang="en-US">
               <a:solidFill>
@@ -22686,7 +25079,7 @@
 </p:sld>
 </file>
 
-<file path=ppt/slides/slide6.xml><?xml version="1.0" encoding="utf-8"?>
+<file path=ppt/slides/slide7.xml><?xml version="1.0" encoding="utf-8"?>
 <p:sld xmlns:a="http://schemas.openxmlformats.org/drawingml/2006/main" xmlns:r="http://schemas.openxmlformats.org/officeDocument/2006/relationships" xmlns:p="http://schemas.openxmlformats.org/presentationml/2006/main">
   <p:cSld>
     <p:spTree>
@@ -22760,7 +25153,7 @@
                 </a:solidFill>
               </a:rPr>
               <a:pPr/>
-              <a:t>6</a:t>
+              <a:t>7</a:t>
             </a:fld>
             <a:endParaRPr lang="en-US">
               <a:solidFill>
@@ -31231,7 +33624,7 @@
 </p:sld>
 </file>
 
-<file path=ppt/slides/slide7.xml><?xml version="1.0" encoding="utf-8"?>
+<file path=ppt/slides/slide8.xml><?xml version="1.0" encoding="utf-8"?>
 <p:sld xmlns:a="http://schemas.openxmlformats.org/drawingml/2006/main" xmlns:r="http://schemas.openxmlformats.org/officeDocument/2006/relationships" xmlns:p="http://schemas.openxmlformats.org/presentationml/2006/main">
   <p:cSld>
     <p:spTree>
@@ -31314,7 +33707,7 @@
                 </a:solidFill>
               </a:rPr>
               <a:pPr/>
-              <a:t>7</a:t>
+              <a:t>8</a:t>
             </a:fld>
             <a:endParaRPr lang="en-US">
               <a:solidFill>
